--- a/后端设计.pptx
+++ b/后端设计.pptx
@@ -9,7 +9,8 @@
     <p:sldId id="259" r:id="rId3"/>
     <p:sldId id="258" r:id="rId4"/>
     <p:sldId id="257" r:id="rId5"/>
-    <p:sldId id="260" r:id="rId6"/>
+    <p:sldId id="261" r:id="rId6"/>
+    <p:sldId id="260" r:id="rId7"/>
   </p:sldIdLst>
   <p:sldSz cx="12192000" cy="6858000"/>
   <p:notesSz cx="6858000" cy="9144000"/>
@@ -838,7 +839,7 @@
           <a:p>
             <a:fld id="{71344541-80F6-4665-B184-FDE0A684C9F7}" type="datetimeFigureOut">
               <a:rPr lang="zh-CN" altLang="en-US" smtClean="0"/>
-              <a:t>2020/6/14</a:t>
+              <a:t>2020/6/15</a:t>
             </a:fld>
             <a:endParaRPr lang="zh-CN" altLang="en-US"/>
           </a:p>
@@ -1089,7 +1090,7 @@
           <a:p>
             <a:fld id="{71344541-80F6-4665-B184-FDE0A684C9F7}" type="datetimeFigureOut">
               <a:rPr lang="zh-CN" altLang="en-US" smtClean="0"/>
-              <a:t>2020/6/14</a:t>
+              <a:t>2020/6/15</a:t>
             </a:fld>
             <a:endParaRPr lang="zh-CN" altLang="en-US"/>
           </a:p>
@@ -1403,7 +1404,7 @@
           <a:p>
             <a:fld id="{71344541-80F6-4665-B184-FDE0A684C9F7}" type="datetimeFigureOut">
               <a:rPr lang="zh-CN" altLang="en-US" smtClean="0"/>
-              <a:t>2020/6/14</a:t>
+              <a:t>2020/6/15</a:t>
             </a:fld>
             <a:endParaRPr lang="zh-CN" altLang="en-US"/>
           </a:p>
@@ -1744,7 +1745,7 @@
           <a:p>
             <a:fld id="{71344541-80F6-4665-B184-FDE0A684C9F7}" type="datetimeFigureOut">
               <a:rPr lang="zh-CN" altLang="en-US" smtClean="0"/>
-              <a:t>2020/6/14</a:t>
+              <a:t>2020/6/15</a:t>
             </a:fld>
             <a:endParaRPr lang="zh-CN" altLang="en-US"/>
           </a:p>
@@ -2058,7 +2059,7 @@
           <a:p>
             <a:fld id="{71344541-80F6-4665-B184-FDE0A684C9F7}" type="datetimeFigureOut">
               <a:rPr lang="zh-CN" altLang="en-US" smtClean="0"/>
-              <a:t>2020/6/14</a:t>
+              <a:t>2020/6/15</a:t>
             </a:fld>
             <a:endParaRPr lang="zh-CN" altLang="en-US"/>
           </a:p>
@@ -2451,7 +2452,7 @@
           <a:p>
             <a:fld id="{71344541-80F6-4665-B184-FDE0A684C9F7}" type="datetimeFigureOut">
               <a:rPr lang="zh-CN" altLang="en-US" smtClean="0"/>
-              <a:t>2020/6/14</a:t>
+              <a:t>2020/6/15</a:t>
             </a:fld>
             <a:endParaRPr lang="zh-CN" altLang="en-US"/>
           </a:p>
@@ -2621,7 +2622,7 @@
           <a:p>
             <a:fld id="{71344541-80F6-4665-B184-FDE0A684C9F7}" type="datetimeFigureOut">
               <a:rPr lang="zh-CN" altLang="en-US" smtClean="0"/>
-              <a:t>2020/6/14</a:t>
+              <a:t>2020/6/15</a:t>
             </a:fld>
             <a:endParaRPr lang="zh-CN" altLang="en-US"/>
           </a:p>
@@ -2801,7 +2802,7 @@
           <a:p>
             <a:fld id="{71344541-80F6-4665-B184-FDE0A684C9F7}" type="datetimeFigureOut">
               <a:rPr lang="zh-CN" altLang="en-US" smtClean="0"/>
-              <a:t>2020/6/14</a:t>
+              <a:t>2020/6/15</a:t>
             </a:fld>
             <a:endParaRPr lang="zh-CN" altLang="en-US"/>
           </a:p>
@@ -2977,7 +2978,7 @@
           <a:p>
             <a:fld id="{71344541-80F6-4665-B184-FDE0A684C9F7}" type="datetimeFigureOut">
               <a:rPr lang="zh-CN" altLang="en-US" smtClean="0"/>
-              <a:t>2020/6/14</a:t>
+              <a:t>2020/6/15</a:t>
             </a:fld>
             <a:endParaRPr lang="zh-CN" altLang="en-US"/>
           </a:p>
@@ -3224,7 +3225,7 @@
           <a:p>
             <a:fld id="{71344541-80F6-4665-B184-FDE0A684C9F7}" type="datetimeFigureOut">
               <a:rPr lang="zh-CN" altLang="en-US" smtClean="0"/>
-              <a:t>2020/6/14</a:t>
+              <a:t>2020/6/15</a:t>
             </a:fld>
             <a:endParaRPr lang="zh-CN" altLang="en-US"/>
           </a:p>
@@ -3456,7 +3457,7 @@
           <a:p>
             <a:fld id="{71344541-80F6-4665-B184-FDE0A684C9F7}" type="datetimeFigureOut">
               <a:rPr lang="zh-CN" altLang="en-US" smtClean="0"/>
-              <a:t>2020/6/14</a:t>
+              <a:t>2020/6/15</a:t>
             </a:fld>
             <a:endParaRPr lang="zh-CN" altLang="en-US"/>
           </a:p>
@@ -3830,7 +3831,7 @@
           <a:p>
             <a:fld id="{71344541-80F6-4665-B184-FDE0A684C9F7}" type="datetimeFigureOut">
               <a:rPr lang="zh-CN" altLang="en-US" smtClean="0"/>
-              <a:t>2020/6/14</a:t>
+              <a:t>2020/6/15</a:t>
             </a:fld>
             <a:endParaRPr lang="zh-CN" altLang="en-US"/>
           </a:p>
@@ -3953,7 +3954,7 @@
           <a:p>
             <a:fld id="{71344541-80F6-4665-B184-FDE0A684C9F7}" type="datetimeFigureOut">
               <a:rPr lang="zh-CN" altLang="en-US" smtClean="0"/>
-              <a:t>2020/6/14</a:t>
+              <a:t>2020/6/15</a:t>
             </a:fld>
             <a:endParaRPr lang="zh-CN" altLang="en-US"/>
           </a:p>
@@ -4048,7 +4049,7 @@
           <a:p>
             <a:fld id="{71344541-80F6-4665-B184-FDE0A684C9F7}" type="datetimeFigureOut">
               <a:rPr lang="zh-CN" altLang="en-US" smtClean="0"/>
-              <a:t>2020/6/14</a:t>
+              <a:t>2020/6/15</a:t>
             </a:fld>
             <a:endParaRPr lang="zh-CN" altLang="en-US"/>
           </a:p>
@@ -4303,7 +4304,7 @@
           <a:p>
             <a:fld id="{71344541-80F6-4665-B184-FDE0A684C9F7}" type="datetimeFigureOut">
               <a:rPr lang="zh-CN" altLang="en-US" smtClean="0"/>
-              <a:t>2020/6/14</a:t>
+              <a:t>2020/6/15</a:t>
             </a:fld>
             <a:endParaRPr lang="zh-CN" altLang="en-US"/>
           </a:p>
@@ -4566,7 +4567,7 @@
           <a:p>
             <a:fld id="{71344541-80F6-4665-B184-FDE0A684C9F7}" type="datetimeFigureOut">
               <a:rPr lang="zh-CN" altLang="en-US" smtClean="0"/>
-              <a:t>2020/6/14</a:t>
+              <a:t>2020/6/15</a:t>
             </a:fld>
             <a:endParaRPr lang="zh-CN" altLang="en-US"/>
           </a:p>
@@ -5309,7 +5310,7 @@
           <a:p>
             <a:fld id="{71344541-80F6-4665-B184-FDE0A684C9F7}" type="datetimeFigureOut">
               <a:rPr lang="zh-CN" altLang="en-US" smtClean="0"/>
-              <a:t>2020/6/14</a:t>
+              <a:t>2020/6/15</a:t>
             </a:fld>
             <a:endParaRPr lang="zh-CN" altLang="en-US"/>
           </a:p>
@@ -7864,7 +7865,23 @@
           <a:p>
             <a:r>
               <a:rPr lang="en-US" altLang="zh-CN" dirty="0"/>
-              <a:t>5.aop (</a:t>
+              <a:t>5.</a:t>
+            </a:r>
+            <a:r>
+              <a:rPr lang="en-US" altLang="zh-CN" dirty="0">
+                <a:solidFill>
+                  <a:srgbClr val="00B0F0"/>
+                </a:solidFill>
+              </a:rPr>
+              <a:t> </a:t>
+            </a:r>
+            <a:r>
+              <a:rPr lang="en-US" altLang="zh-CN" dirty="0" err="1"/>
+              <a:t>aop</a:t>
+            </a:r>
+            <a:r>
+              <a:rPr lang="en-US" altLang="zh-CN" dirty="0"/>
+              <a:t> (</a:t>
             </a:r>
             <a:r>
               <a:rPr lang="zh-CN" altLang="en-US" dirty="0"/>
@@ -7926,7 +7943,7 @@
             </a:r>
             <a:r>
               <a:rPr lang="en-US" altLang="zh-CN" dirty="0"/>
-              <a:t>)</a:t>
+              <a:t>)	</a:t>
             </a:r>
           </a:p>
           <a:p>
@@ -7935,6 +7952,14 @@
               <a:t>7.</a:t>
             </a:r>
             <a:r>
+              <a:rPr lang="en-US" altLang="zh-CN" dirty="0">
+                <a:solidFill>
+                  <a:srgbClr val="00B0F0"/>
+                </a:solidFill>
+              </a:rPr>
+              <a:t>#</a:t>
+            </a:r>
+            <a:r>
               <a:rPr lang="zh-CN" altLang="en-US" dirty="0"/>
               <a:t>数据塑性</a:t>
             </a:r>
@@ -7946,6 +7971,14 @@
               <a:t>8.</a:t>
             </a:r>
             <a:r>
+              <a:rPr lang="en-US" altLang="zh-CN" dirty="0">
+                <a:solidFill>
+                  <a:srgbClr val="00B0F0"/>
+                </a:solidFill>
+              </a:rPr>
+              <a:t> #</a:t>
+            </a:r>
+            <a:r>
               <a:rPr lang="zh-CN" altLang="en-US" dirty="0"/>
               <a:t>翻页排序</a:t>
             </a:r>
@@ -7987,6 +8020,14 @@
               <a:t>10.</a:t>
             </a:r>
             <a:r>
+              <a:rPr lang="en-US" altLang="zh-CN" dirty="0">
+                <a:solidFill>
+                  <a:srgbClr val="00B0F0"/>
+                </a:solidFill>
+              </a:rPr>
+              <a:t> #</a:t>
+            </a:r>
+            <a:r>
               <a:rPr lang="zh-CN" altLang="en-US" dirty="0"/>
               <a:t>内容协商</a:t>
             </a:r>
@@ -8022,8 +8063,29 @@
           <a:p>
             <a:r>
               <a:rPr lang="en-US" altLang="zh-CN" dirty="0"/>
-              <a:t>11.automapper</a:t>
-            </a:r>
+              <a:t>11. </a:t>
+            </a:r>
+            <a:r>
+              <a:rPr lang="en-US" altLang="zh-CN" dirty="0">
+                <a:solidFill>
+                  <a:srgbClr val="00B0F0"/>
+                </a:solidFill>
+              </a:rPr>
+              <a:t>#</a:t>
+            </a:r>
+            <a:r>
+              <a:rPr lang="zh-CN" altLang="en-US" dirty="0"/>
+              <a:t>与</a:t>
+            </a:r>
+            <a:r>
+              <a:rPr lang="en-US" altLang="zh-CN" dirty="0" err="1"/>
+              <a:t>wcf</a:t>
+            </a:r>
+            <a:r>
+              <a:rPr lang="zh-CN" altLang="en-US" dirty="0"/>
+              <a:t>的适配器</a:t>
+            </a:r>
+            <a:endParaRPr lang="en-US" altLang="zh-CN" dirty="0"/>
           </a:p>
           <a:p>
             <a:r>
@@ -8074,6 +8136,152 @@
 </file>
 
 <file path=ppt/slides/slide5.xml><?xml version="1.0" encoding="utf-8"?>
+<p:sld xmlns:a="http://schemas.openxmlformats.org/drawingml/2006/main" xmlns:r="http://schemas.openxmlformats.org/officeDocument/2006/relationships" xmlns:p="http://schemas.openxmlformats.org/presentationml/2006/main">
+  <p:cSld>
+    <p:spTree>
+      <p:nvGrpSpPr>
+        <p:cNvPr id="1" name=""/>
+        <p:cNvGrpSpPr/>
+        <p:nvPr/>
+      </p:nvGrpSpPr>
+      <p:grpSpPr>
+        <a:xfrm>
+          <a:off x="0" y="0"/>
+          <a:ext cx="0" cy="0"/>
+          <a:chOff x="0" y="0"/>
+          <a:chExt cx="0" cy="0"/>
+        </a:xfrm>
+      </p:grpSpPr>
+      <p:sp>
+        <p:nvSpPr>
+          <p:cNvPr id="5" name="标题 4">
+            <a:extLst>
+              <a:ext uri="{FF2B5EF4-FFF2-40B4-BE49-F238E27FC236}">
+                <a16:creationId xmlns:a16="http://schemas.microsoft.com/office/drawing/2014/main" id="{F97F2EF3-4830-4E94-BD03-F5E16AFFCAA0}"/>
+              </a:ext>
+            </a:extLst>
+          </p:cNvPr>
+          <p:cNvSpPr>
+            <a:spLocks noGrp="1"/>
+          </p:cNvSpPr>
+          <p:nvPr>
+            <p:ph type="title"/>
+          </p:nvPr>
+        </p:nvSpPr>
+        <p:spPr/>
+        <p:txBody>
+          <a:bodyPr/>
+          <a:lstStyle/>
+          <a:p>
+            <a:r>
+              <a:rPr lang="zh-CN" altLang="en-US" dirty="0"/>
+              <a:t>本周计划</a:t>
+            </a:r>
+          </a:p>
+        </p:txBody>
+      </p:sp>
+      <p:sp>
+        <p:nvSpPr>
+          <p:cNvPr id="6" name="内容占位符 5">
+            <a:extLst>
+              <a:ext uri="{FF2B5EF4-FFF2-40B4-BE49-F238E27FC236}">
+                <a16:creationId xmlns:a16="http://schemas.microsoft.com/office/drawing/2014/main" id="{71A12AFE-278A-4675-B26E-8F38CFDD15D3}"/>
+              </a:ext>
+            </a:extLst>
+          </p:cNvPr>
+          <p:cNvSpPr>
+            <a:spLocks noGrp="1"/>
+          </p:cNvSpPr>
+          <p:nvPr>
+            <p:ph idx="1"/>
+          </p:nvPr>
+        </p:nvSpPr>
+        <p:spPr/>
+        <p:txBody>
+          <a:bodyPr/>
+          <a:lstStyle/>
+          <a:p>
+            <a:r>
+              <a:rPr lang="en-US" altLang="zh-CN" dirty="0"/>
+              <a:t>1.aop</a:t>
+            </a:r>
+            <a:r>
+              <a:rPr lang="zh-CN" altLang="en-US" dirty="0"/>
+              <a:t>框架内容</a:t>
+            </a:r>
+            <a:r>
+              <a:rPr lang="en-US" altLang="zh-CN" dirty="0"/>
+              <a:t>,</a:t>
+            </a:r>
+            <a:r>
+              <a:rPr lang="zh-CN" altLang="en-US" dirty="0"/>
+              <a:t>自定义</a:t>
+            </a:r>
+            <a:r>
+              <a:rPr lang="en-US" altLang="zh-CN" dirty="0"/>
+              <a:t>filter</a:t>
+            </a:r>
+          </a:p>
+          <a:p>
+            <a:r>
+              <a:rPr lang="en-US" altLang="zh-CN" dirty="0"/>
+              <a:t>2.</a:t>
+            </a:r>
+            <a:r>
+              <a:rPr lang="zh-CN" altLang="en-US" dirty="0"/>
+              <a:t>内容协商</a:t>
+            </a:r>
+            <a:endParaRPr lang="en-US" altLang="zh-CN" dirty="0"/>
+          </a:p>
+          <a:p>
+            <a:r>
+              <a:rPr lang="en-US" altLang="zh-CN" dirty="0"/>
+              <a:t>3.</a:t>
+            </a:r>
+            <a:r>
+              <a:rPr lang="zh-CN" altLang="en-US" dirty="0"/>
+              <a:t>数据塑性</a:t>
+            </a:r>
+            <a:endParaRPr lang="en-US" altLang="zh-CN" dirty="0"/>
+          </a:p>
+          <a:p>
+            <a:r>
+              <a:rPr lang="en-US" altLang="zh-CN" dirty="0"/>
+              <a:t>4.</a:t>
+            </a:r>
+            <a:r>
+              <a:rPr lang="zh-CN" altLang="en-US" dirty="0"/>
+              <a:t>数据的翻页和过滤搜索</a:t>
+            </a:r>
+            <a:endParaRPr lang="en-US" altLang="zh-CN" dirty="0"/>
+          </a:p>
+          <a:p>
+            <a:r>
+              <a:rPr lang="en-US" altLang="zh-CN" dirty="0"/>
+              <a:t>5.wcf</a:t>
+            </a:r>
+            <a:r>
+              <a:rPr lang="zh-CN" altLang="en-US" dirty="0"/>
+              <a:t>的适配器</a:t>
+            </a:r>
+            <a:endParaRPr lang="en-US" altLang="zh-CN" dirty="0"/>
+          </a:p>
+        </p:txBody>
+      </p:sp>
+    </p:spTree>
+    <p:extLst>
+      <p:ext uri="{BB962C8B-B14F-4D97-AF65-F5344CB8AC3E}">
+        <p14:creationId xmlns:p14="http://schemas.microsoft.com/office/powerpoint/2010/main" val="857984851"/>
+      </p:ext>
+    </p:extLst>
+  </p:cSld>
+  <p:clrMapOvr>
+    <a:masterClrMapping/>
+  </p:clrMapOvr>
+</p:sld>
+</file>
+
+<file path=ppt/slides/slide6.xml><?xml version="1.0" encoding="utf-8"?>
 <p:sld xmlns:a="http://schemas.openxmlformats.org/drawingml/2006/main" xmlns:r="http://schemas.openxmlformats.org/officeDocument/2006/relationships" xmlns:p="http://schemas.openxmlformats.org/presentationml/2006/main">
   <p:cSld>
     <p:spTree>

--- a/后端设计.pptx
+++ b/后端设计.pptx
@@ -7454,6 +7454,77 @@
           </a:p>
         </p:txBody>
       </p:sp>
+      <p:cxnSp>
+        <p:nvCxnSpPr>
+          <p:cNvPr id="3" name="直接箭头连接符 2">
+            <a:extLst>
+              <a:ext uri="{FF2B5EF4-FFF2-40B4-BE49-F238E27FC236}">
+                <a16:creationId xmlns:a16="http://schemas.microsoft.com/office/drawing/2014/main" id="{0F42F104-0EE1-4B7C-BDD3-3F2EEBCC86A2}"/>
+              </a:ext>
+            </a:extLst>
+          </p:cNvPr>
+          <p:cNvCxnSpPr/>
+          <p:nvPr/>
+        </p:nvCxnSpPr>
+        <p:spPr>
+          <a:xfrm flipH="1">
+            <a:off x="1849142" y="2992884"/>
+            <a:ext cx="1239498" cy="2959590"/>
+          </a:xfrm>
+          <a:prstGeom prst="straightConnector1">
+            <a:avLst/>
+          </a:prstGeom>
+          <a:ln>
+            <a:tailEnd type="triangle"/>
+          </a:ln>
+        </p:spPr>
+        <p:style>
+          <a:lnRef idx="1">
+            <a:schemeClr val="accent1"/>
+          </a:lnRef>
+          <a:fillRef idx="0">
+            <a:schemeClr val="accent1"/>
+          </a:fillRef>
+          <a:effectRef idx="0">
+            <a:schemeClr val="accent1"/>
+          </a:effectRef>
+          <a:fontRef idx="minor">
+            <a:schemeClr val="tx1"/>
+          </a:fontRef>
+        </p:style>
+      </p:cxnSp>
+      <p:sp>
+        <p:nvSpPr>
+          <p:cNvPr id="22" name="文本框 21">
+            <a:extLst>
+              <a:ext uri="{FF2B5EF4-FFF2-40B4-BE49-F238E27FC236}">
+                <a16:creationId xmlns:a16="http://schemas.microsoft.com/office/drawing/2014/main" id="{84185ABC-D25E-457B-A4AE-696F45F29B38}"/>
+              </a:ext>
+            </a:extLst>
+          </p:cNvPr>
+          <p:cNvSpPr txBox="1"/>
+          <p:nvPr/>
+        </p:nvSpPr>
+        <p:spPr>
+          <a:xfrm>
+            <a:off x="9631680" y="1422400"/>
+            <a:ext cx="45719" cy="369332"/>
+          </a:xfrm>
+          <a:prstGeom prst="rect">
+            <a:avLst/>
+          </a:prstGeom>
+          <a:noFill/>
+        </p:spPr>
+        <p:txBody>
+          <a:bodyPr wrap="square" rtlCol="0">
+            <a:spAutoFit/>
+          </a:bodyPr>
+          <a:lstStyle/>
+          <a:p>
+            <a:endParaRPr lang="zh-CN" altLang="en-US" dirty="0"/>
+          </a:p>
+        </p:txBody>
+      </p:sp>
     </p:spTree>
     <p:extLst>
       <p:ext uri="{BB962C8B-B14F-4D97-AF65-F5344CB8AC3E}">
@@ -7876,12 +7947,20 @@
               <a:t> </a:t>
             </a:r>
             <a:r>
-              <a:rPr lang="en-US" altLang="zh-CN" dirty="0" err="1"/>
-              <a:t>aop</a:t>
+              <a:rPr lang="en-US" altLang="zh-CN">
+                <a:solidFill>
+                  <a:srgbClr val="00B0F0"/>
+                </a:solidFill>
+              </a:rPr>
+              <a:t>#</a:t>
+            </a:r>
+            <a:r>
+              <a:rPr lang="en-US" altLang="zh-CN"/>
+              <a:t>aop </a:t>
             </a:r>
             <a:r>
               <a:rPr lang="en-US" altLang="zh-CN" dirty="0"/>
-              <a:t> (</a:t>
+              <a:t>(</a:t>
             </a:r>
             <a:r>
               <a:rPr lang="zh-CN" altLang="en-US" dirty="0"/>
@@ -7943,7 +8022,7 @@
             </a:r>
             <a:r>
               <a:rPr lang="en-US" altLang="zh-CN" dirty="0"/>
-              <a:t>)	</a:t>
+              <a:t>)</a:t>
             </a:r>
           </a:p>
           <a:p>
@@ -7968,7 +8047,35 @@
           <a:p>
             <a:r>
               <a:rPr lang="en-US" altLang="zh-CN" dirty="0"/>
-              <a:t>8.</a:t>
+              <a:t>8.xUnit</a:t>
+            </a:r>
+          </a:p>
+          <a:p>
+            <a:r>
+              <a:rPr lang="en-US" altLang="zh-CN" dirty="0"/>
+              <a:t>9.</a:t>
+            </a:r>
+            <a:r>
+              <a:rPr lang="zh-CN" altLang="en-US" dirty="0"/>
+              <a:t>输入验证</a:t>
+            </a:r>
+            <a:r>
+              <a:rPr lang="en-US" altLang="zh-CN" dirty="0"/>
+              <a:t>(</a:t>
+            </a:r>
+            <a:r>
+              <a:rPr lang="zh-CN" altLang="en-US" dirty="0"/>
+              <a:t>业务开发自己控制</a:t>
+            </a:r>
+            <a:r>
+              <a:rPr lang="en-US" altLang="zh-CN" dirty="0"/>
+              <a:t>)</a:t>
+            </a:r>
+          </a:p>
+          <a:p>
+            <a:r>
+              <a:rPr lang="en-US" altLang="zh-CN" dirty="0"/>
+              <a:t>10.</a:t>
             </a:r>
             <a:r>
               <a:rPr lang="en-US" altLang="zh-CN" dirty="0">
@@ -7980,55 +8087,6 @@
             </a:r>
             <a:r>
               <a:rPr lang="zh-CN" altLang="en-US" dirty="0"/>
-              <a:t>翻页排序</a:t>
-            </a:r>
-            <a:r>
-              <a:rPr lang="en-US" altLang="zh-CN" dirty="0"/>
-              <a:t>,</a:t>
-            </a:r>
-            <a:r>
-              <a:rPr lang="zh-CN" altLang="en-US" dirty="0"/>
-              <a:t>过滤搜索等等</a:t>
-            </a:r>
-            <a:endParaRPr lang="en-US" altLang="zh-CN" dirty="0"/>
-          </a:p>
-          <a:p>
-            <a:r>
-              <a:rPr lang="en-US" altLang="zh-CN" dirty="0"/>
-              <a:t>9.</a:t>
-            </a:r>
-            <a:r>
-              <a:rPr lang="zh-CN" altLang="en-US" dirty="0"/>
-              <a:t>输入验证</a:t>
-            </a:r>
-            <a:r>
-              <a:rPr lang="en-US" altLang="zh-CN" dirty="0"/>
-              <a:t>(</a:t>
-            </a:r>
-            <a:r>
-              <a:rPr lang="zh-CN" altLang="en-US" dirty="0"/>
-              <a:t>业务开发自己控制</a:t>
-            </a:r>
-            <a:r>
-              <a:rPr lang="en-US" altLang="zh-CN" dirty="0"/>
-              <a:t>)</a:t>
-            </a:r>
-          </a:p>
-          <a:p>
-            <a:r>
-              <a:rPr lang="en-US" altLang="zh-CN" dirty="0"/>
-              <a:t>10.</a:t>
-            </a:r>
-            <a:r>
-              <a:rPr lang="en-US" altLang="zh-CN" dirty="0">
-                <a:solidFill>
-                  <a:srgbClr val="00B0F0"/>
-                </a:solidFill>
-              </a:rPr>
-              <a:t> #</a:t>
-            </a:r>
-            <a:r>
-              <a:rPr lang="zh-CN" altLang="en-US" dirty="0"/>
               <a:t>内容协商</a:t>
             </a:r>
             <a:r>
@@ -8108,16 +8166,19 @@
             </a:r>
             <a:r>
               <a:rPr lang="zh-CN" altLang="en-US" dirty="0"/>
-              <a:t>数据导出的支持</a:t>
+              <a:t>翻页</a:t>
             </a:r>
             <a:r>
               <a:rPr lang="en-US" altLang="zh-CN" dirty="0"/>
-              <a:t>?</a:t>
-            </a:r>
-            <a:r>
-              <a:rPr lang="en-US" altLang="zh-CN" dirty="0" err="1"/>
-              <a:t>npoi,openxml</a:t>
-            </a:r>
+              <a:t>,</a:t>
+            </a:r>
+            <a:r>
+              <a:rPr lang="zh-CN" altLang="en-US" dirty="0"/>
+              <a:t>排序</a:t>
+            </a:r>
+            <a:endParaRPr lang="en-US" altLang="zh-CN" dirty="0"/>
+          </a:p>
+          <a:p>
             <a:endParaRPr lang="zh-CN" altLang="en-US" dirty="0"/>
           </a:p>
         </p:txBody>
@@ -8177,6 +8238,11 @@
               <a:rPr lang="zh-CN" altLang="en-US" dirty="0"/>
               <a:t>本周计划</a:t>
             </a:r>
+            <a:r>
+              <a:rPr lang="en-US" altLang="zh-CN" dirty="0"/>
+              <a:t>(6.15~6.19)</a:t>
+            </a:r>
+            <a:endParaRPr lang="zh-CN" altLang="en-US" dirty="0"/>
           </a:p>
         </p:txBody>
       </p:sp>
@@ -8247,18 +8313,7 @@
           <a:p>
             <a:r>
               <a:rPr lang="en-US" altLang="zh-CN" dirty="0"/>
-              <a:t>4.</a:t>
-            </a:r>
-            <a:r>
-              <a:rPr lang="zh-CN" altLang="en-US" dirty="0"/>
-              <a:t>数据的翻页和过滤搜索</a:t>
-            </a:r>
-            <a:endParaRPr lang="en-US" altLang="zh-CN" dirty="0"/>
-          </a:p>
-          <a:p>
-            <a:r>
-              <a:rPr lang="en-US" altLang="zh-CN" dirty="0"/>
-              <a:t>5.wcf</a:t>
+              <a:t>4.wcf</a:t>
             </a:r>
             <a:r>
               <a:rPr lang="zh-CN" altLang="en-US" dirty="0"/>
@@ -8360,17 +8415,17 @@
           <a:p>
             <a:r>
               <a:rPr lang="en-US" altLang="zh-CN" dirty="0"/>
-              <a:t>2.</a:t>
+              <a:t>2.migration</a:t>
             </a:r>
             <a:r>
               <a:rPr lang="zh-CN" altLang="en-US" dirty="0"/>
-              <a:t>后端代码反向迁移</a:t>
-            </a:r>
-            <a:r>
-              <a:rPr lang="en-US" altLang="zh-CN" dirty="0"/>
-              <a:t>(migration)</a:t>
-            </a:r>
-            <a:endParaRPr lang="zh-CN" altLang="en-US" dirty="0"/>
+              <a:t>反向工程探究</a:t>
+            </a:r>
+            <a:r>
+              <a:rPr lang="en-US" altLang="zh-CN"/>
+              <a:t>??</a:t>
+            </a:r>
+            <a:endParaRPr lang="en-US" altLang="zh-CN" dirty="0"/>
           </a:p>
         </p:txBody>
       </p:sp>

--- a/后端设计.pptx
+++ b/后端设计.pptx
@@ -839,7 +839,7 @@
           <a:p>
             <a:fld id="{71344541-80F6-4665-B184-FDE0A684C9F7}" type="datetimeFigureOut">
               <a:rPr lang="zh-CN" altLang="en-US" smtClean="0"/>
-              <a:t>2020/6/15</a:t>
+              <a:t>2020/6/16</a:t>
             </a:fld>
             <a:endParaRPr lang="zh-CN" altLang="en-US"/>
           </a:p>
@@ -1090,7 +1090,7 @@
           <a:p>
             <a:fld id="{71344541-80F6-4665-B184-FDE0A684C9F7}" type="datetimeFigureOut">
               <a:rPr lang="zh-CN" altLang="en-US" smtClean="0"/>
-              <a:t>2020/6/15</a:t>
+              <a:t>2020/6/16</a:t>
             </a:fld>
             <a:endParaRPr lang="zh-CN" altLang="en-US"/>
           </a:p>
@@ -1404,7 +1404,7 @@
           <a:p>
             <a:fld id="{71344541-80F6-4665-B184-FDE0A684C9F7}" type="datetimeFigureOut">
               <a:rPr lang="zh-CN" altLang="en-US" smtClean="0"/>
-              <a:t>2020/6/15</a:t>
+              <a:t>2020/6/16</a:t>
             </a:fld>
             <a:endParaRPr lang="zh-CN" altLang="en-US"/>
           </a:p>
@@ -1745,7 +1745,7 @@
           <a:p>
             <a:fld id="{71344541-80F6-4665-B184-FDE0A684C9F7}" type="datetimeFigureOut">
               <a:rPr lang="zh-CN" altLang="en-US" smtClean="0"/>
-              <a:t>2020/6/15</a:t>
+              <a:t>2020/6/16</a:t>
             </a:fld>
             <a:endParaRPr lang="zh-CN" altLang="en-US"/>
           </a:p>
@@ -2059,7 +2059,7 @@
           <a:p>
             <a:fld id="{71344541-80F6-4665-B184-FDE0A684C9F7}" type="datetimeFigureOut">
               <a:rPr lang="zh-CN" altLang="en-US" smtClean="0"/>
-              <a:t>2020/6/15</a:t>
+              <a:t>2020/6/16</a:t>
             </a:fld>
             <a:endParaRPr lang="zh-CN" altLang="en-US"/>
           </a:p>
@@ -2452,7 +2452,7 @@
           <a:p>
             <a:fld id="{71344541-80F6-4665-B184-FDE0A684C9F7}" type="datetimeFigureOut">
               <a:rPr lang="zh-CN" altLang="en-US" smtClean="0"/>
-              <a:t>2020/6/15</a:t>
+              <a:t>2020/6/16</a:t>
             </a:fld>
             <a:endParaRPr lang="zh-CN" altLang="en-US"/>
           </a:p>
@@ -2622,7 +2622,7 @@
           <a:p>
             <a:fld id="{71344541-80F6-4665-B184-FDE0A684C9F7}" type="datetimeFigureOut">
               <a:rPr lang="zh-CN" altLang="en-US" smtClean="0"/>
-              <a:t>2020/6/15</a:t>
+              <a:t>2020/6/16</a:t>
             </a:fld>
             <a:endParaRPr lang="zh-CN" altLang="en-US"/>
           </a:p>
@@ -2802,7 +2802,7 @@
           <a:p>
             <a:fld id="{71344541-80F6-4665-B184-FDE0A684C9F7}" type="datetimeFigureOut">
               <a:rPr lang="zh-CN" altLang="en-US" smtClean="0"/>
-              <a:t>2020/6/15</a:t>
+              <a:t>2020/6/16</a:t>
             </a:fld>
             <a:endParaRPr lang="zh-CN" altLang="en-US"/>
           </a:p>
@@ -2978,7 +2978,7 @@
           <a:p>
             <a:fld id="{71344541-80F6-4665-B184-FDE0A684C9F7}" type="datetimeFigureOut">
               <a:rPr lang="zh-CN" altLang="en-US" smtClean="0"/>
-              <a:t>2020/6/15</a:t>
+              <a:t>2020/6/16</a:t>
             </a:fld>
             <a:endParaRPr lang="zh-CN" altLang="en-US"/>
           </a:p>
@@ -3225,7 +3225,7 @@
           <a:p>
             <a:fld id="{71344541-80F6-4665-B184-FDE0A684C9F7}" type="datetimeFigureOut">
               <a:rPr lang="zh-CN" altLang="en-US" smtClean="0"/>
-              <a:t>2020/6/15</a:t>
+              <a:t>2020/6/16</a:t>
             </a:fld>
             <a:endParaRPr lang="zh-CN" altLang="en-US"/>
           </a:p>
@@ -3457,7 +3457,7 @@
           <a:p>
             <a:fld id="{71344541-80F6-4665-B184-FDE0A684C9F7}" type="datetimeFigureOut">
               <a:rPr lang="zh-CN" altLang="en-US" smtClean="0"/>
-              <a:t>2020/6/15</a:t>
+              <a:t>2020/6/16</a:t>
             </a:fld>
             <a:endParaRPr lang="zh-CN" altLang="en-US"/>
           </a:p>
@@ -3831,7 +3831,7 @@
           <a:p>
             <a:fld id="{71344541-80F6-4665-B184-FDE0A684C9F7}" type="datetimeFigureOut">
               <a:rPr lang="zh-CN" altLang="en-US" smtClean="0"/>
-              <a:t>2020/6/15</a:t>
+              <a:t>2020/6/16</a:t>
             </a:fld>
             <a:endParaRPr lang="zh-CN" altLang="en-US"/>
           </a:p>
@@ -3954,7 +3954,7 @@
           <a:p>
             <a:fld id="{71344541-80F6-4665-B184-FDE0A684C9F7}" type="datetimeFigureOut">
               <a:rPr lang="zh-CN" altLang="en-US" smtClean="0"/>
-              <a:t>2020/6/15</a:t>
+              <a:t>2020/6/16</a:t>
             </a:fld>
             <a:endParaRPr lang="zh-CN" altLang="en-US"/>
           </a:p>
@@ -4049,7 +4049,7 @@
           <a:p>
             <a:fld id="{71344541-80F6-4665-B184-FDE0A684C9F7}" type="datetimeFigureOut">
               <a:rPr lang="zh-CN" altLang="en-US" smtClean="0"/>
-              <a:t>2020/6/15</a:t>
+              <a:t>2020/6/16</a:t>
             </a:fld>
             <a:endParaRPr lang="zh-CN" altLang="en-US"/>
           </a:p>
@@ -4304,7 +4304,7 @@
           <a:p>
             <a:fld id="{71344541-80F6-4665-B184-FDE0A684C9F7}" type="datetimeFigureOut">
               <a:rPr lang="zh-CN" altLang="en-US" smtClean="0"/>
-              <a:t>2020/6/15</a:t>
+              <a:t>2020/6/16</a:t>
             </a:fld>
             <a:endParaRPr lang="zh-CN" altLang="en-US"/>
           </a:p>
@@ -4567,7 +4567,7 @@
           <a:p>
             <a:fld id="{71344541-80F6-4665-B184-FDE0A684C9F7}" type="datetimeFigureOut">
               <a:rPr lang="zh-CN" altLang="en-US" smtClean="0"/>
-              <a:t>2020/6/15</a:t>
+              <a:t>2020/6/16</a:t>
             </a:fld>
             <a:endParaRPr lang="zh-CN" altLang="en-US"/>
           </a:p>
@@ -5310,7 +5310,7 @@
           <a:p>
             <a:fld id="{71344541-80F6-4665-B184-FDE0A684C9F7}" type="datetimeFigureOut">
               <a:rPr lang="zh-CN" altLang="en-US" smtClean="0"/>
-              <a:t>2020/6/15</a:t>
+              <a:t>2020/6/16</a:t>
             </a:fld>
             <a:endParaRPr lang="zh-CN" altLang="en-US"/>
           </a:p>
@@ -7944,23 +7944,15 @@
                   <a:srgbClr val="00B0F0"/>
                 </a:solidFill>
               </a:rPr>
-              <a:t> </a:t>
-            </a:r>
-            <a:r>
-              <a:rPr lang="en-US" altLang="zh-CN">
-                <a:solidFill>
-                  <a:srgbClr val="00B0F0"/>
-                </a:solidFill>
-              </a:rPr>
-              <a:t>#</a:t>
-            </a:r>
-            <a:r>
-              <a:rPr lang="en-US" altLang="zh-CN"/>
-              <a:t>aop </a:t>
+              <a:t> #</a:t>
+            </a:r>
+            <a:r>
+              <a:rPr lang="en-US" altLang="zh-CN" dirty="0" err="1"/>
+              <a:t>aop</a:t>
             </a:r>
             <a:r>
               <a:rPr lang="en-US" altLang="zh-CN" dirty="0"/>
-              <a:t>(</a:t>
+              <a:t> (</a:t>
             </a:r>
             <a:r>
               <a:rPr lang="zh-CN" altLang="en-US" dirty="0"/>
@@ -8295,7 +8287,7 @@
             </a:r>
             <a:r>
               <a:rPr lang="zh-CN" altLang="en-US" dirty="0"/>
-              <a:t>内容协商</a:t>
+              <a:t>内容协商 √</a:t>
             </a:r>
             <a:endParaRPr lang="en-US" altLang="zh-CN" dirty="0"/>
           </a:p>
@@ -8306,7 +8298,7 @@
             </a:r>
             <a:r>
               <a:rPr lang="zh-CN" altLang="en-US" dirty="0"/>
-              <a:t>数据塑性</a:t>
+              <a:t>数据塑性 </a:t>
             </a:r>
             <a:endParaRPr lang="en-US" altLang="zh-CN" dirty="0"/>
           </a:p>
@@ -8318,6 +8310,36 @@
             <a:r>
               <a:rPr lang="zh-CN" altLang="en-US" dirty="0"/>
               <a:t>的适配器</a:t>
+            </a:r>
+            <a:endParaRPr lang="en-US" altLang="zh-CN" dirty="0"/>
+          </a:p>
+          <a:p>
+            <a:r>
+              <a:rPr lang="en-US" altLang="zh-CN" dirty="0"/>
+              <a:t>5.</a:t>
+            </a:r>
+            <a:r>
+              <a:rPr lang="zh-CN" altLang="en-US" dirty="0"/>
+              <a:t>自定义</a:t>
+            </a:r>
+            <a:r>
+              <a:rPr lang="en-US" altLang="zh-CN" dirty="0"/>
+              <a:t>model</a:t>
+            </a:r>
+            <a:r>
+              <a:rPr lang="zh-CN" altLang="en-US" dirty="0"/>
+              <a:t>绑定 </a:t>
+            </a:r>
+            <a:endParaRPr lang="en-US" altLang="zh-CN" dirty="0"/>
+          </a:p>
+          <a:p>
+            <a:r>
+              <a:rPr lang="en-US" altLang="zh-CN" dirty="0"/>
+              <a:t>6.</a:t>
+            </a:r>
+            <a:r>
+              <a:rPr lang="zh-CN" altLang="en-US" dirty="0"/>
+              <a:t>搜索</a:t>
             </a:r>
             <a:endParaRPr lang="en-US" altLang="zh-CN" dirty="0"/>
           </a:p>

--- a/后端设计.pptx
+++ b/后端设计.pptx
@@ -11,6 +11,8 @@
     <p:sldId id="257" r:id="rId5"/>
     <p:sldId id="261" r:id="rId6"/>
     <p:sldId id="260" r:id="rId7"/>
+    <p:sldId id="262" r:id="rId8"/>
+    <p:sldId id="263" r:id="rId9"/>
   </p:sldIdLst>
   <p:sldSz cx="12192000" cy="6858000"/>
   <p:notesSz cx="6858000" cy="9144000"/>
@@ -839,7 +841,7 @@
           <a:p>
             <a:fld id="{71344541-80F6-4665-B184-FDE0A684C9F7}" type="datetimeFigureOut">
               <a:rPr lang="zh-CN" altLang="en-US" smtClean="0"/>
-              <a:t>2020/6/16</a:t>
+              <a:t>2020/6/17</a:t>
             </a:fld>
             <a:endParaRPr lang="zh-CN" altLang="en-US"/>
           </a:p>
@@ -1090,7 +1092,7 @@
           <a:p>
             <a:fld id="{71344541-80F6-4665-B184-FDE0A684C9F7}" type="datetimeFigureOut">
               <a:rPr lang="zh-CN" altLang="en-US" smtClean="0"/>
-              <a:t>2020/6/16</a:t>
+              <a:t>2020/6/17</a:t>
             </a:fld>
             <a:endParaRPr lang="zh-CN" altLang="en-US"/>
           </a:p>
@@ -1404,7 +1406,7 @@
           <a:p>
             <a:fld id="{71344541-80F6-4665-B184-FDE0A684C9F7}" type="datetimeFigureOut">
               <a:rPr lang="zh-CN" altLang="en-US" smtClean="0"/>
-              <a:t>2020/6/16</a:t>
+              <a:t>2020/6/17</a:t>
             </a:fld>
             <a:endParaRPr lang="zh-CN" altLang="en-US"/>
           </a:p>
@@ -1745,7 +1747,7 @@
           <a:p>
             <a:fld id="{71344541-80F6-4665-B184-FDE0A684C9F7}" type="datetimeFigureOut">
               <a:rPr lang="zh-CN" altLang="en-US" smtClean="0"/>
-              <a:t>2020/6/16</a:t>
+              <a:t>2020/6/17</a:t>
             </a:fld>
             <a:endParaRPr lang="zh-CN" altLang="en-US"/>
           </a:p>
@@ -2059,7 +2061,7 @@
           <a:p>
             <a:fld id="{71344541-80F6-4665-B184-FDE0A684C9F7}" type="datetimeFigureOut">
               <a:rPr lang="zh-CN" altLang="en-US" smtClean="0"/>
-              <a:t>2020/6/16</a:t>
+              <a:t>2020/6/17</a:t>
             </a:fld>
             <a:endParaRPr lang="zh-CN" altLang="en-US"/>
           </a:p>
@@ -2452,7 +2454,7 @@
           <a:p>
             <a:fld id="{71344541-80F6-4665-B184-FDE0A684C9F7}" type="datetimeFigureOut">
               <a:rPr lang="zh-CN" altLang="en-US" smtClean="0"/>
-              <a:t>2020/6/16</a:t>
+              <a:t>2020/6/17</a:t>
             </a:fld>
             <a:endParaRPr lang="zh-CN" altLang="en-US"/>
           </a:p>
@@ -2622,7 +2624,7 @@
           <a:p>
             <a:fld id="{71344541-80F6-4665-B184-FDE0A684C9F7}" type="datetimeFigureOut">
               <a:rPr lang="zh-CN" altLang="en-US" smtClean="0"/>
-              <a:t>2020/6/16</a:t>
+              <a:t>2020/6/17</a:t>
             </a:fld>
             <a:endParaRPr lang="zh-CN" altLang="en-US"/>
           </a:p>
@@ -2802,7 +2804,7 @@
           <a:p>
             <a:fld id="{71344541-80F6-4665-B184-FDE0A684C9F7}" type="datetimeFigureOut">
               <a:rPr lang="zh-CN" altLang="en-US" smtClean="0"/>
-              <a:t>2020/6/16</a:t>
+              <a:t>2020/6/17</a:t>
             </a:fld>
             <a:endParaRPr lang="zh-CN" altLang="en-US"/>
           </a:p>
@@ -2978,7 +2980,7 @@
           <a:p>
             <a:fld id="{71344541-80F6-4665-B184-FDE0A684C9F7}" type="datetimeFigureOut">
               <a:rPr lang="zh-CN" altLang="en-US" smtClean="0"/>
-              <a:t>2020/6/16</a:t>
+              <a:t>2020/6/17</a:t>
             </a:fld>
             <a:endParaRPr lang="zh-CN" altLang="en-US"/>
           </a:p>
@@ -3225,7 +3227,7 @@
           <a:p>
             <a:fld id="{71344541-80F6-4665-B184-FDE0A684C9F7}" type="datetimeFigureOut">
               <a:rPr lang="zh-CN" altLang="en-US" smtClean="0"/>
-              <a:t>2020/6/16</a:t>
+              <a:t>2020/6/17</a:t>
             </a:fld>
             <a:endParaRPr lang="zh-CN" altLang="en-US"/>
           </a:p>
@@ -3457,7 +3459,7 @@
           <a:p>
             <a:fld id="{71344541-80F6-4665-B184-FDE0A684C9F7}" type="datetimeFigureOut">
               <a:rPr lang="zh-CN" altLang="en-US" smtClean="0"/>
-              <a:t>2020/6/16</a:t>
+              <a:t>2020/6/17</a:t>
             </a:fld>
             <a:endParaRPr lang="zh-CN" altLang="en-US"/>
           </a:p>
@@ -3831,7 +3833,7 @@
           <a:p>
             <a:fld id="{71344541-80F6-4665-B184-FDE0A684C9F7}" type="datetimeFigureOut">
               <a:rPr lang="zh-CN" altLang="en-US" smtClean="0"/>
-              <a:t>2020/6/16</a:t>
+              <a:t>2020/6/17</a:t>
             </a:fld>
             <a:endParaRPr lang="zh-CN" altLang="en-US"/>
           </a:p>
@@ -3954,7 +3956,7 @@
           <a:p>
             <a:fld id="{71344541-80F6-4665-B184-FDE0A684C9F7}" type="datetimeFigureOut">
               <a:rPr lang="zh-CN" altLang="en-US" smtClean="0"/>
-              <a:t>2020/6/16</a:t>
+              <a:t>2020/6/17</a:t>
             </a:fld>
             <a:endParaRPr lang="zh-CN" altLang="en-US"/>
           </a:p>
@@ -4049,7 +4051,7 @@
           <a:p>
             <a:fld id="{71344541-80F6-4665-B184-FDE0A684C9F7}" type="datetimeFigureOut">
               <a:rPr lang="zh-CN" altLang="en-US" smtClean="0"/>
-              <a:t>2020/6/16</a:t>
+              <a:t>2020/6/17</a:t>
             </a:fld>
             <a:endParaRPr lang="zh-CN" altLang="en-US"/>
           </a:p>
@@ -4304,7 +4306,7 @@
           <a:p>
             <a:fld id="{71344541-80F6-4665-B184-FDE0A684C9F7}" type="datetimeFigureOut">
               <a:rPr lang="zh-CN" altLang="en-US" smtClean="0"/>
-              <a:t>2020/6/16</a:t>
+              <a:t>2020/6/17</a:t>
             </a:fld>
             <a:endParaRPr lang="zh-CN" altLang="en-US"/>
           </a:p>
@@ -4567,7 +4569,7 @@
           <a:p>
             <a:fld id="{71344541-80F6-4665-B184-FDE0A684C9F7}" type="datetimeFigureOut">
               <a:rPr lang="zh-CN" altLang="en-US" smtClean="0"/>
-              <a:t>2020/6/16</a:t>
+              <a:t>2020/6/17</a:t>
             </a:fld>
             <a:endParaRPr lang="zh-CN" altLang="en-US"/>
           </a:p>
@@ -5310,7 +5312,7 @@
           <a:p>
             <a:fld id="{71344541-80F6-4665-B184-FDE0A684C9F7}" type="datetimeFigureOut">
               <a:rPr lang="zh-CN" altLang="en-US" smtClean="0"/>
-              <a:t>2020/6/16</a:t>
+              <a:t>2020/6/17</a:t>
             </a:fld>
             <a:endParaRPr lang="zh-CN" altLang="en-US"/>
           </a:p>
@@ -8489,6 +8491,322 @@
 </p:sld>
 </file>
 
+<file path=ppt/slides/slide7.xml><?xml version="1.0" encoding="utf-8"?>
+<p:sld xmlns:a="http://schemas.openxmlformats.org/drawingml/2006/main" xmlns:r="http://schemas.openxmlformats.org/officeDocument/2006/relationships" xmlns:p="http://schemas.openxmlformats.org/presentationml/2006/main">
+  <p:cSld>
+    <p:spTree>
+      <p:nvGrpSpPr>
+        <p:cNvPr id="1" name=""/>
+        <p:cNvGrpSpPr/>
+        <p:nvPr/>
+      </p:nvGrpSpPr>
+      <p:grpSpPr>
+        <a:xfrm>
+          <a:off x="0" y="0"/>
+          <a:ext cx="0" cy="0"/>
+          <a:chOff x="0" y="0"/>
+          <a:chExt cx="0" cy="0"/>
+        </a:xfrm>
+      </p:grpSpPr>
+      <p:sp>
+        <p:nvSpPr>
+          <p:cNvPr id="2" name="标题 1">
+            <a:extLst>
+              <a:ext uri="{FF2B5EF4-FFF2-40B4-BE49-F238E27FC236}">
+                <a16:creationId xmlns:a16="http://schemas.microsoft.com/office/drawing/2014/main" id="{3E781746-F090-43AE-B759-C2EB2E5FD7B3}"/>
+              </a:ext>
+            </a:extLst>
+          </p:cNvPr>
+          <p:cNvSpPr>
+            <a:spLocks noGrp="1"/>
+          </p:cNvSpPr>
+          <p:nvPr>
+            <p:ph type="title"/>
+          </p:nvPr>
+        </p:nvSpPr>
+        <p:spPr/>
+        <p:txBody>
+          <a:bodyPr/>
+          <a:lstStyle/>
+          <a:p>
+            <a:r>
+              <a:rPr lang="en-US" altLang="zh-CN" dirty="0" err="1"/>
+              <a:t>EntityFrameworkCore</a:t>
+            </a:r>
+            <a:endParaRPr lang="zh-CN" altLang="en-US" dirty="0"/>
+          </a:p>
+        </p:txBody>
+      </p:sp>
+      <p:sp>
+        <p:nvSpPr>
+          <p:cNvPr id="3" name="内容占位符 2">
+            <a:extLst>
+              <a:ext uri="{FF2B5EF4-FFF2-40B4-BE49-F238E27FC236}">
+                <a16:creationId xmlns:a16="http://schemas.microsoft.com/office/drawing/2014/main" id="{0B0CC85E-3CEF-4C78-9761-7B1B62EC4CD7}"/>
+              </a:ext>
+            </a:extLst>
+          </p:cNvPr>
+          <p:cNvSpPr>
+            <a:spLocks noGrp="1"/>
+          </p:cNvSpPr>
+          <p:nvPr>
+            <p:ph idx="1"/>
+          </p:nvPr>
+        </p:nvSpPr>
+        <p:spPr>
+          <a:xfrm>
+            <a:off x="677334" y="1269507"/>
+            <a:ext cx="8596668" cy="4771855"/>
+          </a:xfrm>
+        </p:spPr>
+        <p:txBody>
+          <a:bodyPr/>
+          <a:lstStyle/>
+          <a:p>
+            <a:r>
+              <a:rPr lang="en-US" altLang="zh-CN" dirty="0"/>
+              <a:t>1.ibm.frameworkcore</a:t>
+            </a:r>
+            <a:r>
+              <a:rPr lang="zh-CN" altLang="en-US" dirty="0"/>
+              <a:t>不支持异步更新操作</a:t>
+            </a:r>
+            <a:endParaRPr lang="en-US" altLang="zh-CN" dirty="0"/>
+          </a:p>
+          <a:p>
+            <a:endParaRPr lang="zh-CN" altLang="en-US" dirty="0"/>
+          </a:p>
+        </p:txBody>
+      </p:sp>
+      <p:pic>
+        <p:nvPicPr>
+          <p:cNvPr id="5" name="图片 4">
+            <a:extLst>
+              <a:ext uri="{FF2B5EF4-FFF2-40B4-BE49-F238E27FC236}">
+                <a16:creationId xmlns:a16="http://schemas.microsoft.com/office/drawing/2014/main" id="{C6EF402B-F29E-4BB2-941D-DDC4C9A91655}"/>
+              </a:ext>
+            </a:extLst>
+          </p:cNvPr>
+          <p:cNvPicPr>
+            <a:picLocks noChangeAspect="1"/>
+          </p:cNvPicPr>
+          <p:nvPr/>
+        </p:nvPicPr>
+        <p:blipFill>
+          <a:blip r:embed="rId2"/>
+          <a:stretch>
+            <a:fillRect/>
+          </a:stretch>
+        </p:blipFill>
+        <p:spPr>
+          <a:xfrm>
+            <a:off x="860679" y="3429000"/>
+            <a:ext cx="7439942" cy="3176587"/>
+          </a:xfrm>
+          <a:prstGeom prst="rect">
+            <a:avLst/>
+          </a:prstGeom>
+        </p:spPr>
+      </p:pic>
+      <p:pic>
+        <p:nvPicPr>
+          <p:cNvPr id="4" name="图片 3">
+            <a:extLst>
+              <a:ext uri="{FF2B5EF4-FFF2-40B4-BE49-F238E27FC236}">
+                <a16:creationId xmlns:a16="http://schemas.microsoft.com/office/drawing/2014/main" id="{D4457D31-2E92-492F-99C9-B4E7C4E21C43}"/>
+              </a:ext>
+            </a:extLst>
+          </p:cNvPr>
+          <p:cNvPicPr>
+            <a:picLocks noChangeAspect="1"/>
+          </p:cNvPicPr>
+          <p:nvPr/>
+        </p:nvPicPr>
+        <p:blipFill>
+          <a:blip r:embed="rId3"/>
+          <a:stretch>
+            <a:fillRect/>
+          </a:stretch>
+        </p:blipFill>
+        <p:spPr>
+          <a:xfrm>
+            <a:off x="851801" y="1695310"/>
+            <a:ext cx="7581985" cy="1527284"/>
+          </a:xfrm>
+          <a:prstGeom prst="rect">
+            <a:avLst/>
+          </a:prstGeom>
+          <a:ln>
+            <a:noFill/>
+          </a:ln>
+        </p:spPr>
+      </p:pic>
+      <p:sp>
+        <p:nvSpPr>
+          <p:cNvPr id="6" name="矩形 5">
+            <a:extLst>
+              <a:ext uri="{FF2B5EF4-FFF2-40B4-BE49-F238E27FC236}">
+                <a16:creationId xmlns:a16="http://schemas.microsoft.com/office/drawing/2014/main" id="{FA733C50-BEC7-4430-A0B5-97F4EED0D138}"/>
+              </a:ext>
+            </a:extLst>
+          </p:cNvPr>
+          <p:cNvSpPr/>
+          <p:nvPr/>
+        </p:nvSpPr>
+        <p:spPr>
+          <a:xfrm>
+            <a:off x="1846555" y="2494625"/>
+            <a:ext cx="2476870" cy="168676"/>
+          </a:xfrm>
+          <a:prstGeom prst="rect">
+            <a:avLst/>
+          </a:prstGeom>
+          <a:noFill/>
+          <a:ln>
+            <a:solidFill>
+              <a:srgbClr val="FF0000"/>
+            </a:solidFill>
+          </a:ln>
+        </p:spPr>
+        <p:style>
+          <a:lnRef idx="2">
+            <a:schemeClr val="accent1">
+              <a:shade val="50000"/>
+            </a:schemeClr>
+          </a:lnRef>
+          <a:fillRef idx="1">
+            <a:schemeClr val="accent1"/>
+          </a:fillRef>
+          <a:effectRef idx="0">
+            <a:schemeClr val="accent1"/>
+          </a:effectRef>
+          <a:fontRef idx="minor">
+            <a:schemeClr val="lt1"/>
+          </a:fontRef>
+        </p:style>
+        <p:txBody>
+          <a:bodyPr rtlCol="0" anchor="ctr"/>
+          <a:lstStyle/>
+          <a:p>
+            <a:pPr algn="ctr"/>
+            <a:endParaRPr lang="zh-CN" altLang="en-US"/>
+          </a:p>
+        </p:txBody>
+      </p:sp>
+    </p:spTree>
+    <p:extLst>
+      <p:ext uri="{BB962C8B-B14F-4D97-AF65-F5344CB8AC3E}">
+        <p14:creationId xmlns:p14="http://schemas.microsoft.com/office/powerpoint/2010/main" val="2043643592"/>
+      </p:ext>
+    </p:extLst>
+  </p:cSld>
+  <p:clrMapOvr>
+    <a:masterClrMapping/>
+  </p:clrMapOvr>
+</p:sld>
+</file>
+
+<file path=ppt/slides/slide8.xml><?xml version="1.0" encoding="utf-8"?>
+<p:sld xmlns:a="http://schemas.openxmlformats.org/drawingml/2006/main" xmlns:r="http://schemas.openxmlformats.org/officeDocument/2006/relationships" xmlns:p="http://schemas.openxmlformats.org/presentationml/2006/main">
+  <p:cSld>
+    <p:spTree>
+      <p:nvGrpSpPr>
+        <p:cNvPr id="1" name=""/>
+        <p:cNvGrpSpPr/>
+        <p:nvPr/>
+      </p:nvGrpSpPr>
+      <p:grpSpPr>
+        <a:xfrm>
+          <a:off x="0" y="0"/>
+          <a:ext cx="0" cy="0"/>
+          <a:chOff x="0" y="0"/>
+          <a:chExt cx="0" cy="0"/>
+        </a:xfrm>
+      </p:grpSpPr>
+      <p:sp>
+        <p:nvSpPr>
+          <p:cNvPr id="2" name="标题 1">
+            <a:extLst>
+              <a:ext uri="{FF2B5EF4-FFF2-40B4-BE49-F238E27FC236}">
+                <a16:creationId xmlns:a16="http://schemas.microsoft.com/office/drawing/2014/main" id="{26DD8FB0-F97F-4B3A-ADE7-5CB49CDD11BD}"/>
+              </a:ext>
+            </a:extLst>
+          </p:cNvPr>
+          <p:cNvSpPr>
+            <a:spLocks noGrp="1"/>
+          </p:cNvSpPr>
+          <p:nvPr>
+            <p:ph type="title"/>
+          </p:nvPr>
+        </p:nvSpPr>
+        <p:spPr/>
+        <p:txBody>
+          <a:bodyPr/>
+          <a:lstStyle/>
+          <a:p>
+            <a:r>
+              <a:rPr lang="en-US" altLang="zh-CN" dirty="0"/>
+              <a:t>.</a:t>
+            </a:r>
+            <a:r>
+              <a:rPr lang="en-US" altLang="zh-CN" dirty="0" err="1"/>
+              <a:t>netcore</a:t>
+            </a:r>
+            <a:r>
+              <a:rPr lang="zh-CN" altLang="en-US" dirty="0"/>
+              <a:t>中的切面编程</a:t>
+            </a:r>
+          </a:p>
+        </p:txBody>
+      </p:sp>
+      <p:pic>
+        <p:nvPicPr>
+          <p:cNvPr id="6" name="内容占位符 5">
+            <a:extLst>
+              <a:ext uri="{FF2B5EF4-FFF2-40B4-BE49-F238E27FC236}">
+                <a16:creationId xmlns:a16="http://schemas.microsoft.com/office/drawing/2014/main" id="{AD62AA05-86E5-4EB3-B17D-35ACF7EA064C}"/>
+              </a:ext>
+            </a:extLst>
+          </p:cNvPr>
+          <p:cNvPicPr>
+            <a:picLocks noGrp="1" noChangeAspect="1"/>
+          </p:cNvPicPr>
+          <p:nvPr>
+            <p:ph idx="1"/>
+          </p:nvPr>
+        </p:nvPicPr>
+        <p:blipFill>
+          <a:blip r:embed="rId2">
+            <a:extLst>
+              <a:ext uri="{28A0092B-C50C-407E-A947-70E740481C1C}">
+                <a14:useLocalDpi xmlns:a14="http://schemas.microsoft.com/office/drawing/2010/main" val="0"/>
+              </a:ext>
+            </a:extLst>
+          </a:blip>
+          <a:stretch>
+            <a:fillRect/>
+          </a:stretch>
+        </p:blipFill>
+        <p:spPr>
+          <a:xfrm>
+            <a:off x="808879" y="1897109"/>
+            <a:ext cx="1409700" cy="3552825"/>
+          </a:xfrm>
+        </p:spPr>
+      </p:pic>
+    </p:spTree>
+    <p:extLst>
+      <p:ext uri="{BB962C8B-B14F-4D97-AF65-F5344CB8AC3E}">
+        <p14:creationId xmlns:p14="http://schemas.microsoft.com/office/powerpoint/2010/main" val="2556685293"/>
+      </p:ext>
+    </p:extLst>
+  </p:cSld>
+  <p:clrMapOvr>
+    <a:masterClrMapping/>
+  </p:clrMapOvr>
+</p:sld>
+</file>
+
 <file path=ppt/theme/theme1.xml><?xml version="1.0" encoding="utf-8"?>
 <a:theme xmlns:a="http://schemas.openxmlformats.org/drawingml/2006/main" name="平面">
   <a:themeElements>

--- a/后端设计.pptx
+++ b/后端设计.pptx
@@ -13,6 +13,7 @@
     <p:sldId id="260" r:id="rId7"/>
     <p:sldId id="262" r:id="rId8"/>
     <p:sldId id="263" r:id="rId9"/>
+    <p:sldId id="264" r:id="rId10"/>
   </p:sldIdLst>
   <p:sldSz cx="12192000" cy="6858000"/>
   <p:notesSz cx="6858000" cy="9144000"/>
@@ -841,7 +842,7 @@
           <a:p>
             <a:fld id="{71344541-80F6-4665-B184-FDE0A684C9F7}" type="datetimeFigureOut">
               <a:rPr lang="zh-CN" altLang="en-US" smtClean="0"/>
-              <a:t>2020/6/17</a:t>
+              <a:t>2020/6/18</a:t>
             </a:fld>
             <a:endParaRPr lang="zh-CN" altLang="en-US"/>
           </a:p>
@@ -1092,7 +1093,7 @@
           <a:p>
             <a:fld id="{71344541-80F6-4665-B184-FDE0A684C9F7}" type="datetimeFigureOut">
               <a:rPr lang="zh-CN" altLang="en-US" smtClean="0"/>
-              <a:t>2020/6/17</a:t>
+              <a:t>2020/6/18</a:t>
             </a:fld>
             <a:endParaRPr lang="zh-CN" altLang="en-US"/>
           </a:p>
@@ -1406,7 +1407,7 @@
           <a:p>
             <a:fld id="{71344541-80F6-4665-B184-FDE0A684C9F7}" type="datetimeFigureOut">
               <a:rPr lang="zh-CN" altLang="en-US" smtClean="0"/>
-              <a:t>2020/6/17</a:t>
+              <a:t>2020/6/18</a:t>
             </a:fld>
             <a:endParaRPr lang="zh-CN" altLang="en-US"/>
           </a:p>
@@ -1747,7 +1748,7 @@
           <a:p>
             <a:fld id="{71344541-80F6-4665-B184-FDE0A684C9F7}" type="datetimeFigureOut">
               <a:rPr lang="zh-CN" altLang="en-US" smtClean="0"/>
-              <a:t>2020/6/17</a:t>
+              <a:t>2020/6/18</a:t>
             </a:fld>
             <a:endParaRPr lang="zh-CN" altLang="en-US"/>
           </a:p>
@@ -2061,7 +2062,7 @@
           <a:p>
             <a:fld id="{71344541-80F6-4665-B184-FDE0A684C9F7}" type="datetimeFigureOut">
               <a:rPr lang="zh-CN" altLang="en-US" smtClean="0"/>
-              <a:t>2020/6/17</a:t>
+              <a:t>2020/6/18</a:t>
             </a:fld>
             <a:endParaRPr lang="zh-CN" altLang="en-US"/>
           </a:p>
@@ -2454,7 +2455,7 @@
           <a:p>
             <a:fld id="{71344541-80F6-4665-B184-FDE0A684C9F7}" type="datetimeFigureOut">
               <a:rPr lang="zh-CN" altLang="en-US" smtClean="0"/>
-              <a:t>2020/6/17</a:t>
+              <a:t>2020/6/18</a:t>
             </a:fld>
             <a:endParaRPr lang="zh-CN" altLang="en-US"/>
           </a:p>
@@ -2624,7 +2625,7 @@
           <a:p>
             <a:fld id="{71344541-80F6-4665-B184-FDE0A684C9F7}" type="datetimeFigureOut">
               <a:rPr lang="zh-CN" altLang="en-US" smtClean="0"/>
-              <a:t>2020/6/17</a:t>
+              <a:t>2020/6/18</a:t>
             </a:fld>
             <a:endParaRPr lang="zh-CN" altLang="en-US"/>
           </a:p>
@@ -2804,7 +2805,7 @@
           <a:p>
             <a:fld id="{71344541-80F6-4665-B184-FDE0A684C9F7}" type="datetimeFigureOut">
               <a:rPr lang="zh-CN" altLang="en-US" smtClean="0"/>
-              <a:t>2020/6/17</a:t>
+              <a:t>2020/6/18</a:t>
             </a:fld>
             <a:endParaRPr lang="zh-CN" altLang="en-US"/>
           </a:p>
@@ -2980,7 +2981,7 @@
           <a:p>
             <a:fld id="{71344541-80F6-4665-B184-FDE0A684C9F7}" type="datetimeFigureOut">
               <a:rPr lang="zh-CN" altLang="en-US" smtClean="0"/>
-              <a:t>2020/6/17</a:t>
+              <a:t>2020/6/18</a:t>
             </a:fld>
             <a:endParaRPr lang="zh-CN" altLang="en-US"/>
           </a:p>
@@ -3227,7 +3228,7 @@
           <a:p>
             <a:fld id="{71344541-80F6-4665-B184-FDE0A684C9F7}" type="datetimeFigureOut">
               <a:rPr lang="zh-CN" altLang="en-US" smtClean="0"/>
-              <a:t>2020/6/17</a:t>
+              <a:t>2020/6/18</a:t>
             </a:fld>
             <a:endParaRPr lang="zh-CN" altLang="en-US"/>
           </a:p>
@@ -3459,7 +3460,7 @@
           <a:p>
             <a:fld id="{71344541-80F6-4665-B184-FDE0A684C9F7}" type="datetimeFigureOut">
               <a:rPr lang="zh-CN" altLang="en-US" smtClean="0"/>
-              <a:t>2020/6/17</a:t>
+              <a:t>2020/6/18</a:t>
             </a:fld>
             <a:endParaRPr lang="zh-CN" altLang="en-US"/>
           </a:p>
@@ -3833,7 +3834,7 @@
           <a:p>
             <a:fld id="{71344541-80F6-4665-B184-FDE0A684C9F7}" type="datetimeFigureOut">
               <a:rPr lang="zh-CN" altLang="en-US" smtClean="0"/>
-              <a:t>2020/6/17</a:t>
+              <a:t>2020/6/18</a:t>
             </a:fld>
             <a:endParaRPr lang="zh-CN" altLang="en-US"/>
           </a:p>
@@ -3956,7 +3957,7 @@
           <a:p>
             <a:fld id="{71344541-80F6-4665-B184-FDE0A684C9F7}" type="datetimeFigureOut">
               <a:rPr lang="zh-CN" altLang="en-US" smtClean="0"/>
-              <a:t>2020/6/17</a:t>
+              <a:t>2020/6/18</a:t>
             </a:fld>
             <a:endParaRPr lang="zh-CN" altLang="en-US"/>
           </a:p>
@@ -4051,7 +4052,7 @@
           <a:p>
             <a:fld id="{71344541-80F6-4665-B184-FDE0A684C9F7}" type="datetimeFigureOut">
               <a:rPr lang="zh-CN" altLang="en-US" smtClean="0"/>
-              <a:t>2020/6/17</a:t>
+              <a:t>2020/6/18</a:t>
             </a:fld>
             <a:endParaRPr lang="zh-CN" altLang="en-US"/>
           </a:p>
@@ -4306,7 +4307,7 @@
           <a:p>
             <a:fld id="{71344541-80F6-4665-B184-FDE0A684C9F7}" type="datetimeFigureOut">
               <a:rPr lang="zh-CN" altLang="en-US" smtClean="0"/>
-              <a:t>2020/6/17</a:t>
+              <a:t>2020/6/18</a:t>
             </a:fld>
             <a:endParaRPr lang="zh-CN" altLang="en-US"/>
           </a:p>
@@ -4569,7 +4570,7 @@
           <a:p>
             <a:fld id="{71344541-80F6-4665-B184-FDE0A684C9F7}" type="datetimeFigureOut">
               <a:rPr lang="zh-CN" altLang="en-US" smtClean="0"/>
-              <a:t>2020/6/17</a:t>
+              <a:t>2020/6/18</a:t>
             </a:fld>
             <a:endParaRPr lang="zh-CN" altLang="en-US"/>
           </a:p>
@@ -5312,7 +5313,7 @@
           <a:p>
             <a:fld id="{71344541-80F6-4665-B184-FDE0A684C9F7}" type="datetimeFigureOut">
               <a:rPr lang="zh-CN" altLang="en-US" smtClean="0"/>
-              <a:t>2020/6/17</a:t>
+              <a:t>2020/6/18</a:t>
             </a:fld>
             <a:endParaRPr lang="zh-CN" altLang="en-US"/>
           </a:p>
@@ -8453,31 +8454,36 @@
           </a:p>
         </p:txBody>
       </p:sp>
-      <p:sp>
-        <p:nvSpPr>
-          <p:cNvPr id="4" name="文本占位符 3">
+      <p:pic>
+        <p:nvPicPr>
+          <p:cNvPr id="6" name="图片 5">
             <a:extLst>
               <a:ext uri="{FF2B5EF4-FFF2-40B4-BE49-F238E27FC236}">
-                <a16:creationId xmlns:a16="http://schemas.microsoft.com/office/drawing/2014/main" id="{2A647909-E7A5-4272-84B1-51138F5984D4}"/>
+                <a16:creationId xmlns:a16="http://schemas.microsoft.com/office/drawing/2014/main" id="{1892931D-855F-466F-9847-42AB506EF33C}"/>
               </a:ext>
             </a:extLst>
           </p:cNvPr>
-          <p:cNvSpPr>
-            <a:spLocks noGrp="1"/>
-          </p:cNvSpPr>
-          <p:nvPr>
-            <p:ph type="body" sz="half" idx="2"/>
-          </p:nvPr>
-        </p:nvSpPr>
-        <p:spPr/>
-        <p:txBody>
-          <a:bodyPr/>
-          <a:lstStyle/>
-          <a:p>
-            <a:endParaRPr lang="en-US" altLang="zh-CN" dirty="0"/>
-          </a:p>
-        </p:txBody>
-      </p:sp>
+          <p:cNvPicPr>
+            <a:picLocks noChangeAspect="1"/>
+          </p:cNvPicPr>
+          <p:nvPr/>
+        </p:nvPicPr>
+        <p:blipFill>
+          <a:blip r:embed="rId2"/>
+          <a:stretch>
+            <a:fillRect/>
+          </a:stretch>
+        </p:blipFill>
+        <p:spPr>
+          <a:xfrm>
+            <a:off x="903672" y="2986919"/>
+            <a:ext cx="9372600" cy="2428875"/>
+          </a:xfrm>
+          <a:prstGeom prst="rect">
+            <a:avLst/>
+          </a:prstGeom>
+        </p:spPr>
+      </p:pic>
     </p:spTree>
     <p:extLst>
       <p:ext uri="{BB962C8B-B14F-4D97-AF65-F5344CB8AC3E}">
@@ -8798,6 +8804,344 @@
     <p:extLst>
       <p:ext uri="{BB962C8B-B14F-4D97-AF65-F5344CB8AC3E}">
         <p14:creationId xmlns:p14="http://schemas.microsoft.com/office/powerpoint/2010/main" val="2556685293"/>
+      </p:ext>
+    </p:extLst>
+  </p:cSld>
+  <p:clrMapOvr>
+    <a:masterClrMapping/>
+  </p:clrMapOvr>
+</p:sld>
+</file>
+
+<file path=ppt/slides/slide9.xml><?xml version="1.0" encoding="utf-8"?>
+<p:sld xmlns:a="http://schemas.openxmlformats.org/drawingml/2006/main" xmlns:r="http://schemas.openxmlformats.org/officeDocument/2006/relationships" xmlns:p="http://schemas.openxmlformats.org/presentationml/2006/main">
+  <p:cSld>
+    <p:spTree>
+      <p:nvGrpSpPr>
+        <p:cNvPr id="1" name=""/>
+        <p:cNvGrpSpPr/>
+        <p:nvPr/>
+      </p:nvGrpSpPr>
+      <p:grpSpPr>
+        <a:xfrm>
+          <a:off x="0" y="0"/>
+          <a:ext cx="0" cy="0"/>
+          <a:chOff x="0" y="0"/>
+          <a:chExt cx="0" cy="0"/>
+        </a:xfrm>
+      </p:grpSpPr>
+      <p:sp>
+        <p:nvSpPr>
+          <p:cNvPr id="2" name="标题 1">
+            <a:extLst>
+              <a:ext uri="{FF2B5EF4-FFF2-40B4-BE49-F238E27FC236}">
+                <a16:creationId xmlns:a16="http://schemas.microsoft.com/office/drawing/2014/main" id="{03E6FB89-BB36-4DFA-8CB4-6C4223962F29}"/>
+              </a:ext>
+            </a:extLst>
+          </p:cNvPr>
+          <p:cNvSpPr>
+            <a:spLocks noGrp="1"/>
+          </p:cNvSpPr>
+          <p:nvPr>
+            <p:ph type="title"/>
+          </p:nvPr>
+        </p:nvSpPr>
+        <p:spPr/>
+        <p:txBody>
+          <a:bodyPr/>
+          <a:lstStyle/>
+          <a:p>
+            <a:r>
+              <a:rPr lang="en-US" altLang="zh-CN" dirty="0"/>
+              <a:t>MUS </a:t>
+            </a:r>
+            <a:r>
+              <a:rPr lang="zh-CN" altLang="en-US" dirty="0"/>
+              <a:t>的</a:t>
+            </a:r>
+            <a:r>
+              <a:rPr lang="en-US" altLang="zh-CN" dirty="0" err="1"/>
+              <a:t>wcf</a:t>
+            </a:r>
+            <a:r>
+              <a:rPr lang="zh-CN" altLang="en-US" dirty="0"/>
+              <a:t>服务</a:t>
+            </a:r>
+            <a:r>
+              <a:rPr lang="en-US" altLang="zh-CN" dirty="0"/>
+              <a:t>endpoint</a:t>
+            </a:r>
+            <a:endParaRPr lang="zh-CN" altLang="en-US" dirty="0"/>
+          </a:p>
+        </p:txBody>
+      </p:sp>
+      <p:sp>
+        <p:nvSpPr>
+          <p:cNvPr id="3" name="内容占位符 2">
+            <a:extLst>
+              <a:ext uri="{FF2B5EF4-FFF2-40B4-BE49-F238E27FC236}">
+                <a16:creationId xmlns:a16="http://schemas.microsoft.com/office/drawing/2014/main" id="{447FEAC0-292B-45F4-AFF6-81A5614C7E49}"/>
+              </a:ext>
+            </a:extLst>
+          </p:cNvPr>
+          <p:cNvSpPr>
+            <a:spLocks noGrp="1"/>
+          </p:cNvSpPr>
+          <p:nvPr>
+            <p:ph idx="1"/>
+          </p:nvPr>
+        </p:nvSpPr>
+        <p:spPr/>
+        <p:txBody>
+          <a:bodyPr>
+            <a:normAutofit fontScale="92500" lnSpcReduction="20000"/>
+          </a:bodyPr>
+          <a:lstStyle/>
+          <a:p>
+            <a:r>
+              <a:rPr lang="en-US" altLang="zh-CN" dirty="0"/>
+              <a:t> &lt;endpoint address="http://10.236.198.102:8888/</a:t>
+            </a:r>
+            <a:r>
+              <a:rPr lang="en-US" altLang="zh-CN" dirty="0" err="1"/>
+              <a:t>ServiceControler</a:t>
+            </a:r>
+            <a:r>
+              <a:rPr lang="en-US" altLang="zh-CN" dirty="0"/>
+              <a:t>/Token" binding="</a:t>
+            </a:r>
+            <a:r>
+              <a:rPr lang="en-US" altLang="zh-CN" dirty="0" err="1"/>
+              <a:t>wsHttpBinding</a:t>
+            </a:r>
+            <a:r>
+              <a:rPr lang="en-US" altLang="zh-CN" dirty="0"/>
+              <a:t>" </a:t>
+            </a:r>
+            <a:r>
+              <a:rPr lang="en-US" altLang="zh-CN" dirty="0" err="1"/>
+              <a:t>bindingConfiguration</a:t>
+            </a:r>
+            <a:r>
+              <a:rPr lang="en-US" altLang="zh-CN" dirty="0"/>
+              <a:t>="NewBinding0" contract="</a:t>
+            </a:r>
+            <a:r>
+              <a:rPr lang="en-US" altLang="zh-CN" dirty="0" err="1"/>
+              <a:t>MUASService.IToken</a:t>
+            </a:r>
+            <a:r>
+              <a:rPr lang="en-US" altLang="zh-CN" dirty="0"/>
+              <a:t>" name="</a:t>
+            </a:r>
+            <a:r>
+              <a:rPr lang="en-US" altLang="zh-CN" dirty="0" err="1"/>
+              <a:t>WSHttpBinding_IToken</a:t>
+            </a:r>
+            <a:r>
+              <a:rPr lang="en-US" altLang="zh-CN" dirty="0"/>
+              <a:t>"/&gt;</a:t>
+            </a:r>
+          </a:p>
+          <a:p>
+            <a:r>
+              <a:rPr lang="en-US" altLang="zh-CN" dirty="0"/>
+              <a:t>      &lt;endpoint address="http://10.236.198.102:8888/</a:t>
+            </a:r>
+            <a:r>
+              <a:rPr lang="en-US" altLang="zh-CN" dirty="0" err="1"/>
+              <a:t>ServiceControler</a:t>
+            </a:r>
+            <a:r>
+              <a:rPr lang="en-US" altLang="zh-CN" dirty="0"/>
+              <a:t>/Company" binding="</a:t>
+            </a:r>
+            <a:r>
+              <a:rPr lang="en-US" altLang="zh-CN" dirty="0" err="1"/>
+              <a:t>wsHttpBinding</a:t>
+            </a:r>
+            <a:r>
+              <a:rPr lang="en-US" altLang="zh-CN" dirty="0"/>
+              <a:t>" </a:t>
+            </a:r>
+            <a:r>
+              <a:rPr lang="en-US" altLang="zh-CN" dirty="0" err="1"/>
+              <a:t>bindingConfiguration</a:t>
+            </a:r>
+            <a:r>
+              <a:rPr lang="en-US" altLang="zh-CN" dirty="0"/>
+              <a:t>="NewBinding0" contract="</a:t>
+            </a:r>
+            <a:r>
+              <a:rPr lang="en-US" altLang="zh-CN" dirty="0" err="1"/>
+              <a:t>MUASService.ICompany</a:t>
+            </a:r>
+            <a:r>
+              <a:rPr lang="en-US" altLang="zh-CN" dirty="0"/>
+              <a:t>" name="</a:t>
+            </a:r>
+            <a:r>
+              <a:rPr lang="en-US" altLang="zh-CN" dirty="0" err="1"/>
+              <a:t>WSHttpBinding_ICompany</a:t>
+            </a:r>
+            <a:r>
+              <a:rPr lang="en-US" altLang="zh-CN" dirty="0"/>
+              <a:t>"/&gt;</a:t>
+            </a:r>
+          </a:p>
+          <a:p>
+            <a:r>
+              <a:rPr lang="en-US" altLang="zh-CN" dirty="0"/>
+              <a:t>      &lt;endpoint address="http://10.236.198.102:8888/</a:t>
+            </a:r>
+            <a:r>
+              <a:rPr lang="en-US" altLang="zh-CN" dirty="0" err="1"/>
+              <a:t>ServiceControler</a:t>
+            </a:r>
+            <a:r>
+              <a:rPr lang="en-US" altLang="zh-CN" dirty="0"/>
+              <a:t>/</a:t>
+            </a:r>
+            <a:r>
+              <a:rPr lang="en-US" altLang="zh-CN" dirty="0" err="1"/>
+              <a:t>UserRole</a:t>
+            </a:r>
+            <a:r>
+              <a:rPr lang="en-US" altLang="zh-CN" dirty="0"/>
+              <a:t>" binding="</a:t>
+            </a:r>
+            <a:r>
+              <a:rPr lang="en-US" altLang="zh-CN" dirty="0" err="1"/>
+              <a:t>wsHttpBinding</a:t>
+            </a:r>
+            <a:r>
+              <a:rPr lang="en-US" altLang="zh-CN" dirty="0"/>
+              <a:t>" </a:t>
+            </a:r>
+            <a:r>
+              <a:rPr lang="en-US" altLang="zh-CN" dirty="0" err="1"/>
+              <a:t>bindingConfiguration</a:t>
+            </a:r>
+            <a:r>
+              <a:rPr lang="en-US" altLang="zh-CN" dirty="0"/>
+              <a:t>="NewBinding0" contract="</a:t>
+            </a:r>
+            <a:r>
+              <a:rPr lang="en-US" altLang="zh-CN" dirty="0" err="1"/>
+              <a:t>MUASService.IUserRole</a:t>
+            </a:r>
+            <a:r>
+              <a:rPr lang="en-US" altLang="zh-CN" dirty="0"/>
+              <a:t>" name="</a:t>
+            </a:r>
+            <a:r>
+              <a:rPr lang="en-US" altLang="zh-CN" dirty="0" err="1"/>
+              <a:t>WSHttpBinding_IUserRole</a:t>
+            </a:r>
+            <a:r>
+              <a:rPr lang="en-US" altLang="zh-CN" dirty="0"/>
+              <a:t>"/&gt;</a:t>
+            </a:r>
+          </a:p>
+          <a:p>
+            <a:r>
+              <a:rPr lang="en-US" altLang="zh-CN" dirty="0"/>
+              <a:t>      &lt;endpoint address="http://10.236.198.102:8888/</a:t>
+            </a:r>
+            <a:r>
+              <a:rPr lang="en-US" altLang="zh-CN" dirty="0" err="1"/>
+              <a:t>ServiceControler</a:t>
+            </a:r>
+            <a:r>
+              <a:rPr lang="en-US" altLang="zh-CN" dirty="0"/>
+              <a:t>/Role" binding="</a:t>
+            </a:r>
+            <a:r>
+              <a:rPr lang="en-US" altLang="zh-CN" dirty="0" err="1"/>
+              <a:t>wsHttpBinding</a:t>
+            </a:r>
+            <a:r>
+              <a:rPr lang="en-US" altLang="zh-CN" dirty="0"/>
+              <a:t>" </a:t>
+            </a:r>
+            <a:r>
+              <a:rPr lang="en-US" altLang="zh-CN" dirty="0" err="1"/>
+              <a:t>bindingConfiguration</a:t>
+            </a:r>
+            <a:r>
+              <a:rPr lang="en-US" altLang="zh-CN" dirty="0"/>
+              <a:t>="NewBinding0" contract="</a:t>
+            </a:r>
+            <a:r>
+              <a:rPr lang="en-US" altLang="zh-CN" dirty="0" err="1"/>
+              <a:t>MUASService.IRole</a:t>
+            </a:r>
+            <a:r>
+              <a:rPr lang="en-US" altLang="zh-CN" dirty="0"/>
+              <a:t>" name="</a:t>
+            </a:r>
+            <a:r>
+              <a:rPr lang="en-US" altLang="zh-CN" dirty="0" err="1"/>
+              <a:t>WSHttpBinding_IRole</a:t>
+            </a:r>
+            <a:r>
+              <a:rPr lang="en-US" altLang="zh-CN" dirty="0"/>
+              <a:t>"/&gt;</a:t>
+            </a:r>
+          </a:p>
+          <a:p>
+            <a:r>
+              <a:rPr lang="en-US" altLang="zh-CN" dirty="0"/>
+              <a:t>      &lt;endpoint address="http://10.236.198.102:8888/</a:t>
+            </a:r>
+            <a:r>
+              <a:rPr lang="en-US" altLang="zh-CN" dirty="0" err="1"/>
+              <a:t>ServiceControler</a:t>
+            </a:r>
+            <a:r>
+              <a:rPr lang="en-US" altLang="zh-CN" dirty="0"/>
+              <a:t>/User" binding="</a:t>
+            </a:r>
+            <a:r>
+              <a:rPr lang="en-US" altLang="zh-CN" dirty="0" err="1"/>
+              <a:t>wsHttpBinding</a:t>
+            </a:r>
+            <a:r>
+              <a:rPr lang="en-US" altLang="zh-CN" dirty="0"/>
+              <a:t>" </a:t>
+            </a:r>
+            <a:r>
+              <a:rPr lang="en-US" altLang="zh-CN" dirty="0" err="1"/>
+              <a:t>bindingConfiguration</a:t>
+            </a:r>
+            <a:r>
+              <a:rPr lang="en-US" altLang="zh-CN" dirty="0"/>
+              <a:t>="NewBinding0" contract="</a:t>
+            </a:r>
+            <a:r>
+              <a:rPr lang="en-US" altLang="zh-CN" dirty="0" err="1"/>
+              <a:t>MUASService.IUser</a:t>
+            </a:r>
+            <a:r>
+              <a:rPr lang="en-US" altLang="zh-CN" dirty="0"/>
+              <a:t>" name="</a:t>
+            </a:r>
+            <a:r>
+              <a:rPr lang="en-US" altLang="zh-CN" dirty="0" err="1"/>
+              <a:t>WSHttpBinding_IUser</a:t>
+            </a:r>
+            <a:r>
+              <a:rPr lang="en-US" altLang="zh-CN" dirty="0"/>
+              <a:t>"/&gt;</a:t>
+            </a:r>
+            <a:endParaRPr lang="zh-CN" altLang="en-US" dirty="0"/>
+          </a:p>
+        </p:txBody>
+      </p:sp>
+    </p:spTree>
+    <p:extLst>
+      <p:ext uri="{BB962C8B-B14F-4D97-AF65-F5344CB8AC3E}">
+        <p14:creationId xmlns:p14="http://schemas.microsoft.com/office/powerpoint/2010/main" val="3121808463"/>
       </p:ext>
     </p:extLst>
   </p:cSld>

--- a/后端设计.pptx
+++ b/后端设计.pptx
@@ -7,20 +7,21 @@
   <p:sldIdLst>
     <p:sldId id="256" r:id="rId2"/>
     <p:sldId id="265" r:id="rId3"/>
-    <p:sldId id="259" r:id="rId4"/>
-    <p:sldId id="270" r:id="rId5"/>
-    <p:sldId id="269" r:id="rId6"/>
-    <p:sldId id="258" r:id="rId7"/>
-    <p:sldId id="257" r:id="rId8"/>
-    <p:sldId id="260" r:id="rId9"/>
-    <p:sldId id="262" r:id="rId10"/>
-    <p:sldId id="263" r:id="rId11"/>
-    <p:sldId id="267" r:id="rId12"/>
-    <p:sldId id="268" r:id="rId13"/>
-    <p:sldId id="264" r:id="rId14"/>
-    <p:sldId id="261" r:id="rId15"/>
-    <p:sldId id="266" r:id="rId16"/>
-    <p:sldId id="271" r:id="rId17"/>
+    <p:sldId id="272" r:id="rId4"/>
+    <p:sldId id="259" r:id="rId5"/>
+    <p:sldId id="270" r:id="rId6"/>
+    <p:sldId id="269" r:id="rId7"/>
+    <p:sldId id="258" r:id="rId8"/>
+    <p:sldId id="257" r:id="rId9"/>
+    <p:sldId id="260" r:id="rId10"/>
+    <p:sldId id="262" r:id="rId11"/>
+    <p:sldId id="263" r:id="rId12"/>
+    <p:sldId id="267" r:id="rId13"/>
+    <p:sldId id="268" r:id="rId14"/>
+    <p:sldId id="264" r:id="rId15"/>
+    <p:sldId id="271" r:id="rId16"/>
+    <p:sldId id="261" r:id="rId17"/>
+    <p:sldId id="266" r:id="rId18"/>
   </p:sldIdLst>
   <p:sldSz cx="12192000" cy="6858000"/>
   <p:notesSz cx="6858000" cy="9144000"/>
@@ -849,7 +850,7 @@
           <a:p>
             <a:fld id="{71344541-80F6-4665-B184-FDE0A684C9F7}" type="datetimeFigureOut">
               <a:rPr lang="zh-CN" altLang="en-US" smtClean="0"/>
-              <a:t>2020/6/18</a:t>
+              <a:t>2020/6/21</a:t>
             </a:fld>
             <a:endParaRPr lang="zh-CN" altLang="en-US"/>
           </a:p>
@@ -1100,7 +1101,7 @@
           <a:p>
             <a:fld id="{71344541-80F6-4665-B184-FDE0A684C9F7}" type="datetimeFigureOut">
               <a:rPr lang="zh-CN" altLang="en-US" smtClean="0"/>
-              <a:t>2020/6/18</a:t>
+              <a:t>2020/6/21</a:t>
             </a:fld>
             <a:endParaRPr lang="zh-CN" altLang="en-US"/>
           </a:p>
@@ -1414,7 +1415,7 @@
           <a:p>
             <a:fld id="{71344541-80F6-4665-B184-FDE0A684C9F7}" type="datetimeFigureOut">
               <a:rPr lang="zh-CN" altLang="en-US" smtClean="0"/>
-              <a:t>2020/6/18</a:t>
+              <a:t>2020/6/21</a:t>
             </a:fld>
             <a:endParaRPr lang="zh-CN" altLang="en-US"/>
           </a:p>
@@ -1755,7 +1756,7 @@
           <a:p>
             <a:fld id="{71344541-80F6-4665-B184-FDE0A684C9F7}" type="datetimeFigureOut">
               <a:rPr lang="zh-CN" altLang="en-US" smtClean="0"/>
-              <a:t>2020/6/18</a:t>
+              <a:t>2020/6/21</a:t>
             </a:fld>
             <a:endParaRPr lang="zh-CN" altLang="en-US"/>
           </a:p>
@@ -2069,7 +2070,7 @@
           <a:p>
             <a:fld id="{71344541-80F6-4665-B184-FDE0A684C9F7}" type="datetimeFigureOut">
               <a:rPr lang="zh-CN" altLang="en-US" smtClean="0"/>
-              <a:t>2020/6/18</a:t>
+              <a:t>2020/6/21</a:t>
             </a:fld>
             <a:endParaRPr lang="zh-CN" altLang="en-US"/>
           </a:p>
@@ -2462,7 +2463,7 @@
           <a:p>
             <a:fld id="{71344541-80F6-4665-B184-FDE0A684C9F7}" type="datetimeFigureOut">
               <a:rPr lang="zh-CN" altLang="en-US" smtClean="0"/>
-              <a:t>2020/6/18</a:t>
+              <a:t>2020/6/21</a:t>
             </a:fld>
             <a:endParaRPr lang="zh-CN" altLang="en-US"/>
           </a:p>
@@ -2632,7 +2633,7 @@
           <a:p>
             <a:fld id="{71344541-80F6-4665-B184-FDE0A684C9F7}" type="datetimeFigureOut">
               <a:rPr lang="zh-CN" altLang="en-US" smtClean="0"/>
-              <a:t>2020/6/18</a:t>
+              <a:t>2020/6/21</a:t>
             </a:fld>
             <a:endParaRPr lang="zh-CN" altLang="en-US"/>
           </a:p>
@@ -2812,7 +2813,7 @@
           <a:p>
             <a:fld id="{71344541-80F6-4665-B184-FDE0A684C9F7}" type="datetimeFigureOut">
               <a:rPr lang="zh-CN" altLang="en-US" smtClean="0"/>
-              <a:t>2020/6/18</a:t>
+              <a:t>2020/6/21</a:t>
             </a:fld>
             <a:endParaRPr lang="zh-CN" altLang="en-US"/>
           </a:p>
@@ -2988,7 +2989,7 @@
           <a:p>
             <a:fld id="{71344541-80F6-4665-B184-FDE0A684C9F7}" type="datetimeFigureOut">
               <a:rPr lang="zh-CN" altLang="en-US" smtClean="0"/>
-              <a:t>2020/6/18</a:t>
+              <a:t>2020/6/21</a:t>
             </a:fld>
             <a:endParaRPr lang="zh-CN" altLang="en-US"/>
           </a:p>
@@ -3235,7 +3236,7 @@
           <a:p>
             <a:fld id="{71344541-80F6-4665-B184-FDE0A684C9F7}" type="datetimeFigureOut">
               <a:rPr lang="zh-CN" altLang="en-US" smtClean="0"/>
-              <a:t>2020/6/18</a:t>
+              <a:t>2020/6/21</a:t>
             </a:fld>
             <a:endParaRPr lang="zh-CN" altLang="en-US"/>
           </a:p>
@@ -3467,7 +3468,7 @@
           <a:p>
             <a:fld id="{71344541-80F6-4665-B184-FDE0A684C9F7}" type="datetimeFigureOut">
               <a:rPr lang="zh-CN" altLang="en-US" smtClean="0"/>
-              <a:t>2020/6/18</a:t>
+              <a:t>2020/6/21</a:t>
             </a:fld>
             <a:endParaRPr lang="zh-CN" altLang="en-US"/>
           </a:p>
@@ -3841,7 +3842,7 @@
           <a:p>
             <a:fld id="{71344541-80F6-4665-B184-FDE0A684C9F7}" type="datetimeFigureOut">
               <a:rPr lang="zh-CN" altLang="en-US" smtClean="0"/>
-              <a:t>2020/6/18</a:t>
+              <a:t>2020/6/21</a:t>
             </a:fld>
             <a:endParaRPr lang="zh-CN" altLang="en-US"/>
           </a:p>
@@ -3964,7 +3965,7 @@
           <a:p>
             <a:fld id="{71344541-80F6-4665-B184-FDE0A684C9F7}" type="datetimeFigureOut">
               <a:rPr lang="zh-CN" altLang="en-US" smtClean="0"/>
-              <a:t>2020/6/18</a:t>
+              <a:t>2020/6/21</a:t>
             </a:fld>
             <a:endParaRPr lang="zh-CN" altLang="en-US"/>
           </a:p>
@@ -4059,7 +4060,7 @@
           <a:p>
             <a:fld id="{71344541-80F6-4665-B184-FDE0A684C9F7}" type="datetimeFigureOut">
               <a:rPr lang="zh-CN" altLang="en-US" smtClean="0"/>
-              <a:t>2020/6/18</a:t>
+              <a:t>2020/6/21</a:t>
             </a:fld>
             <a:endParaRPr lang="zh-CN" altLang="en-US"/>
           </a:p>
@@ -4314,7 +4315,7 @@
           <a:p>
             <a:fld id="{71344541-80F6-4665-B184-FDE0A684C9F7}" type="datetimeFigureOut">
               <a:rPr lang="zh-CN" altLang="en-US" smtClean="0"/>
-              <a:t>2020/6/18</a:t>
+              <a:t>2020/6/21</a:t>
             </a:fld>
             <a:endParaRPr lang="zh-CN" altLang="en-US"/>
           </a:p>
@@ -4577,7 +4578,7 @@
           <a:p>
             <a:fld id="{71344541-80F6-4665-B184-FDE0A684C9F7}" type="datetimeFigureOut">
               <a:rPr lang="zh-CN" altLang="en-US" smtClean="0"/>
-              <a:t>2020/6/18</a:t>
+              <a:t>2020/6/21</a:t>
             </a:fld>
             <a:endParaRPr lang="zh-CN" altLang="en-US"/>
           </a:p>
@@ -5320,7 +5321,7 @@
           <a:p>
             <a:fld id="{71344541-80F6-4665-B184-FDE0A684C9F7}" type="datetimeFigureOut">
               <a:rPr lang="zh-CN" altLang="en-US" smtClean="0"/>
-              <a:t>2020/6/18</a:t>
+              <a:t>2020/6/21</a:t>
             </a:fld>
             <a:endParaRPr lang="zh-CN" altLang="en-US"/>
           </a:p>
@@ -5940,6 +5941,221 @@
           <p:cNvPr id="2" name="标题 1">
             <a:extLst>
               <a:ext uri="{FF2B5EF4-FFF2-40B4-BE49-F238E27FC236}">
+                <a16:creationId xmlns:a16="http://schemas.microsoft.com/office/drawing/2014/main" id="{3E781746-F090-43AE-B759-C2EB2E5FD7B3}"/>
+              </a:ext>
+            </a:extLst>
+          </p:cNvPr>
+          <p:cNvSpPr>
+            <a:spLocks noGrp="1"/>
+          </p:cNvSpPr>
+          <p:nvPr>
+            <p:ph type="title"/>
+          </p:nvPr>
+        </p:nvSpPr>
+        <p:spPr/>
+        <p:txBody>
+          <a:bodyPr/>
+          <a:lstStyle/>
+          <a:p>
+            <a:r>
+              <a:rPr lang="en-US" altLang="zh-CN" dirty="0" err="1"/>
+              <a:t>EntityFrameworkCore</a:t>
+            </a:r>
+            <a:endParaRPr lang="zh-CN" altLang="en-US" dirty="0"/>
+          </a:p>
+        </p:txBody>
+      </p:sp>
+      <p:sp>
+        <p:nvSpPr>
+          <p:cNvPr id="3" name="内容占位符 2">
+            <a:extLst>
+              <a:ext uri="{FF2B5EF4-FFF2-40B4-BE49-F238E27FC236}">
+                <a16:creationId xmlns:a16="http://schemas.microsoft.com/office/drawing/2014/main" id="{0B0CC85E-3CEF-4C78-9761-7B1B62EC4CD7}"/>
+              </a:ext>
+            </a:extLst>
+          </p:cNvPr>
+          <p:cNvSpPr>
+            <a:spLocks noGrp="1"/>
+          </p:cNvSpPr>
+          <p:nvPr>
+            <p:ph idx="1"/>
+          </p:nvPr>
+        </p:nvSpPr>
+        <p:spPr>
+          <a:xfrm>
+            <a:off x="677334" y="1269507"/>
+            <a:ext cx="8596668" cy="4771855"/>
+          </a:xfrm>
+        </p:spPr>
+        <p:txBody>
+          <a:bodyPr/>
+          <a:lstStyle/>
+          <a:p>
+            <a:r>
+              <a:rPr lang="en-US" altLang="zh-CN" dirty="0"/>
+              <a:t>1.ibm.frameworkcore</a:t>
+            </a:r>
+            <a:r>
+              <a:rPr lang="zh-CN" altLang="en-US" dirty="0"/>
+              <a:t>不支持异步更新操作</a:t>
+            </a:r>
+            <a:endParaRPr lang="en-US" altLang="zh-CN" dirty="0"/>
+          </a:p>
+          <a:p>
+            <a:endParaRPr lang="zh-CN" altLang="en-US" dirty="0"/>
+          </a:p>
+        </p:txBody>
+      </p:sp>
+      <p:pic>
+        <p:nvPicPr>
+          <p:cNvPr id="5" name="图片 4">
+            <a:extLst>
+              <a:ext uri="{FF2B5EF4-FFF2-40B4-BE49-F238E27FC236}">
+                <a16:creationId xmlns:a16="http://schemas.microsoft.com/office/drawing/2014/main" id="{C6EF402B-F29E-4BB2-941D-DDC4C9A91655}"/>
+              </a:ext>
+            </a:extLst>
+          </p:cNvPr>
+          <p:cNvPicPr>
+            <a:picLocks noChangeAspect="1"/>
+          </p:cNvPicPr>
+          <p:nvPr/>
+        </p:nvPicPr>
+        <p:blipFill>
+          <a:blip r:embed="rId2"/>
+          <a:stretch>
+            <a:fillRect/>
+          </a:stretch>
+        </p:blipFill>
+        <p:spPr>
+          <a:xfrm>
+            <a:off x="860679" y="3429000"/>
+            <a:ext cx="7439942" cy="3176587"/>
+          </a:xfrm>
+          <a:prstGeom prst="rect">
+            <a:avLst/>
+          </a:prstGeom>
+        </p:spPr>
+      </p:pic>
+      <p:pic>
+        <p:nvPicPr>
+          <p:cNvPr id="4" name="图片 3">
+            <a:extLst>
+              <a:ext uri="{FF2B5EF4-FFF2-40B4-BE49-F238E27FC236}">
+                <a16:creationId xmlns:a16="http://schemas.microsoft.com/office/drawing/2014/main" id="{D4457D31-2E92-492F-99C9-B4E7C4E21C43}"/>
+              </a:ext>
+            </a:extLst>
+          </p:cNvPr>
+          <p:cNvPicPr>
+            <a:picLocks noChangeAspect="1"/>
+          </p:cNvPicPr>
+          <p:nvPr/>
+        </p:nvPicPr>
+        <p:blipFill>
+          <a:blip r:embed="rId3"/>
+          <a:stretch>
+            <a:fillRect/>
+          </a:stretch>
+        </p:blipFill>
+        <p:spPr>
+          <a:xfrm>
+            <a:off x="851801" y="1695310"/>
+            <a:ext cx="7581985" cy="1527284"/>
+          </a:xfrm>
+          <a:prstGeom prst="rect">
+            <a:avLst/>
+          </a:prstGeom>
+          <a:ln>
+            <a:noFill/>
+          </a:ln>
+        </p:spPr>
+      </p:pic>
+      <p:sp>
+        <p:nvSpPr>
+          <p:cNvPr id="6" name="矩形 5">
+            <a:extLst>
+              <a:ext uri="{FF2B5EF4-FFF2-40B4-BE49-F238E27FC236}">
+                <a16:creationId xmlns:a16="http://schemas.microsoft.com/office/drawing/2014/main" id="{FA733C50-BEC7-4430-A0B5-97F4EED0D138}"/>
+              </a:ext>
+            </a:extLst>
+          </p:cNvPr>
+          <p:cNvSpPr/>
+          <p:nvPr/>
+        </p:nvSpPr>
+        <p:spPr>
+          <a:xfrm>
+            <a:off x="1846555" y="2494625"/>
+            <a:ext cx="2476870" cy="168676"/>
+          </a:xfrm>
+          <a:prstGeom prst="rect">
+            <a:avLst/>
+          </a:prstGeom>
+          <a:noFill/>
+          <a:ln>
+            <a:solidFill>
+              <a:srgbClr val="FF0000"/>
+            </a:solidFill>
+          </a:ln>
+        </p:spPr>
+        <p:style>
+          <a:lnRef idx="2">
+            <a:schemeClr val="accent1">
+              <a:shade val="50000"/>
+            </a:schemeClr>
+          </a:lnRef>
+          <a:fillRef idx="1">
+            <a:schemeClr val="accent1"/>
+          </a:fillRef>
+          <a:effectRef idx="0">
+            <a:schemeClr val="accent1"/>
+          </a:effectRef>
+          <a:fontRef idx="minor">
+            <a:schemeClr val="lt1"/>
+          </a:fontRef>
+        </p:style>
+        <p:txBody>
+          <a:bodyPr rtlCol="0" anchor="ctr"/>
+          <a:lstStyle/>
+          <a:p>
+            <a:pPr algn="ctr"/>
+            <a:endParaRPr lang="zh-CN" altLang="en-US"/>
+          </a:p>
+        </p:txBody>
+      </p:sp>
+    </p:spTree>
+    <p:extLst>
+      <p:ext uri="{BB962C8B-B14F-4D97-AF65-F5344CB8AC3E}">
+        <p14:creationId xmlns:p14="http://schemas.microsoft.com/office/powerpoint/2010/main" val="2043643592"/>
+      </p:ext>
+    </p:extLst>
+  </p:cSld>
+  <p:clrMapOvr>
+    <a:masterClrMapping/>
+  </p:clrMapOvr>
+</p:sld>
+</file>
+
+<file path=ppt/slides/slide11.xml><?xml version="1.0" encoding="utf-8"?>
+<p:sld xmlns:a="http://schemas.openxmlformats.org/drawingml/2006/main" xmlns:r="http://schemas.openxmlformats.org/officeDocument/2006/relationships" xmlns:p="http://schemas.openxmlformats.org/presentationml/2006/main">
+  <p:cSld>
+    <p:spTree>
+      <p:nvGrpSpPr>
+        <p:cNvPr id="1" name=""/>
+        <p:cNvGrpSpPr/>
+        <p:nvPr/>
+      </p:nvGrpSpPr>
+      <p:grpSpPr>
+        <a:xfrm>
+          <a:off x="0" y="0"/>
+          <a:ext cx="0" cy="0"/>
+          <a:chOff x="0" y="0"/>
+          <a:chExt cx="0" cy="0"/>
+        </a:xfrm>
+      </p:grpSpPr>
+      <p:sp>
+        <p:nvSpPr>
+          <p:cNvPr id="2" name="标题 1">
+            <a:extLst>
+              <a:ext uri="{FF2B5EF4-FFF2-40B4-BE49-F238E27FC236}">
                 <a16:creationId xmlns:a16="http://schemas.microsoft.com/office/drawing/2014/main" id="{26DD8FB0-F97F-4B3A-ADE7-5CB49CDD11BD}"/>
               </a:ext>
             </a:extLst>
@@ -6388,7 +6604,7 @@
 </p:sld>
 </file>
 
-<file path=ppt/slides/slide11.xml><?xml version="1.0" encoding="utf-8"?>
+<file path=ppt/slides/slide12.xml><?xml version="1.0" encoding="utf-8"?>
 <p:sld xmlns:a="http://schemas.openxmlformats.org/drawingml/2006/main" xmlns:r="http://schemas.openxmlformats.org/officeDocument/2006/relationships" xmlns:p="http://schemas.openxmlformats.org/presentationml/2006/main">
   <p:cSld>
     <p:spTree>
@@ -6892,7 +7108,7 @@
 </p:sld>
 </file>
 
-<file path=ppt/slides/slide12.xml><?xml version="1.0" encoding="utf-8"?>
+<file path=ppt/slides/slide13.xml><?xml version="1.0" encoding="utf-8"?>
 <p:sld xmlns:a="http://schemas.openxmlformats.org/drawingml/2006/main" xmlns:r="http://schemas.openxmlformats.org/officeDocument/2006/relationships" xmlns:p="http://schemas.openxmlformats.org/presentationml/2006/main">
   <p:cSld>
     <p:spTree>
@@ -7563,344 +7779,6 @@
 </p:sld>
 </file>
 
-<file path=ppt/slides/slide13.xml><?xml version="1.0" encoding="utf-8"?>
-<p:sld xmlns:a="http://schemas.openxmlformats.org/drawingml/2006/main" xmlns:r="http://schemas.openxmlformats.org/officeDocument/2006/relationships" xmlns:p="http://schemas.openxmlformats.org/presentationml/2006/main">
-  <p:cSld>
-    <p:spTree>
-      <p:nvGrpSpPr>
-        <p:cNvPr id="1" name=""/>
-        <p:cNvGrpSpPr/>
-        <p:nvPr/>
-      </p:nvGrpSpPr>
-      <p:grpSpPr>
-        <a:xfrm>
-          <a:off x="0" y="0"/>
-          <a:ext cx="0" cy="0"/>
-          <a:chOff x="0" y="0"/>
-          <a:chExt cx="0" cy="0"/>
-        </a:xfrm>
-      </p:grpSpPr>
-      <p:sp>
-        <p:nvSpPr>
-          <p:cNvPr id="2" name="标题 1">
-            <a:extLst>
-              <a:ext uri="{FF2B5EF4-FFF2-40B4-BE49-F238E27FC236}">
-                <a16:creationId xmlns:a16="http://schemas.microsoft.com/office/drawing/2014/main" id="{03E6FB89-BB36-4DFA-8CB4-6C4223962F29}"/>
-              </a:ext>
-            </a:extLst>
-          </p:cNvPr>
-          <p:cNvSpPr>
-            <a:spLocks noGrp="1"/>
-          </p:cNvSpPr>
-          <p:nvPr>
-            <p:ph type="title"/>
-          </p:nvPr>
-        </p:nvSpPr>
-        <p:spPr/>
-        <p:txBody>
-          <a:bodyPr/>
-          <a:lstStyle/>
-          <a:p>
-            <a:r>
-              <a:rPr lang="en-US" altLang="zh-CN" dirty="0"/>
-              <a:t>MUS </a:t>
-            </a:r>
-            <a:r>
-              <a:rPr lang="zh-CN" altLang="en-US" dirty="0"/>
-              <a:t>的</a:t>
-            </a:r>
-            <a:r>
-              <a:rPr lang="en-US" altLang="zh-CN" dirty="0" err="1"/>
-              <a:t>wcf</a:t>
-            </a:r>
-            <a:r>
-              <a:rPr lang="zh-CN" altLang="en-US" dirty="0"/>
-              <a:t>服务</a:t>
-            </a:r>
-            <a:r>
-              <a:rPr lang="en-US" altLang="zh-CN" dirty="0"/>
-              <a:t>endpoint</a:t>
-            </a:r>
-            <a:endParaRPr lang="zh-CN" altLang="en-US" dirty="0"/>
-          </a:p>
-        </p:txBody>
-      </p:sp>
-      <p:sp>
-        <p:nvSpPr>
-          <p:cNvPr id="3" name="内容占位符 2">
-            <a:extLst>
-              <a:ext uri="{FF2B5EF4-FFF2-40B4-BE49-F238E27FC236}">
-                <a16:creationId xmlns:a16="http://schemas.microsoft.com/office/drawing/2014/main" id="{447FEAC0-292B-45F4-AFF6-81A5614C7E49}"/>
-              </a:ext>
-            </a:extLst>
-          </p:cNvPr>
-          <p:cNvSpPr>
-            <a:spLocks noGrp="1"/>
-          </p:cNvSpPr>
-          <p:nvPr>
-            <p:ph idx="1"/>
-          </p:nvPr>
-        </p:nvSpPr>
-        <p:spPr/>
-        <p:txBody>
-          <a:bodyPr>
-            <a:normAutofit fontScale="92500" lnSpcReduction="20000"/>
-          </a:bodyPr>
-          <a:lstStyle/>
-          <a:p>
-            <a:r>
-              <a:rPr lang="en-US" altLang="zh-CN" dirty="0"/>
-              <a:t> &lt;endpoint address="http://10.236.198.102:8888/</a:t>
-            </a:r>
-            <a:r>
-              <a:rPr lang="en-US" altLang="zh-CN" dirty="0" err="1"/>
-              <a:t>ServiceControler</a:t>
-            </a:r>
-            <a:r>
-              <a:rPr lang="en-US" altLang="zh-CN" dirty="0"/>
-              <a:t>/Token" binding="</a:t>
-            </a:r>
-            <a:r>
-              <a:rPr lang="en-US" altLang="zh-CN" dirty="0" err="1"/>
-              <a:t>wsHttpBinding</a:t>
-            </a:r>
-            <a:r>
-              <a:rPr lang="en-US" altLang="zh-CN" dirty="0"/>
-              <a:t>" </a:t>
-            </a:r>
-            <a:r>
-              <a:rPr lang="en-US" altLang="zh-CN" dirty="0" err="1"/>
-              <a:t>bindingConfiguration</a:t>
-            </a:r>
-            <a:r>
-              <a:rPr lang="en-US" altLang="zh-CN" dirty="0"/>
-              <a:t>="NewBinding0" contract="</a:t>
-            </a:r>
-            <a:r>
-              <a:rPr lang="en-US" altLang="zh-CN" dirty="0" err="1"/>
-              <a:t>MUASService.IToken</a:t>
-            </a:r>
-            <a:r>
-              <a:rPr lang="en-US" altLang="zh-CN" dirty="0"/>
-              <a:t>" name="</a:t>
-            </a:r>
-            <a:r>
-              <a:rPr lang="en-US" altLang="zh-CN" dirty="0" err="1"/>
-              <a:t>WSHttpBinding_IToken</a:t>
-            </a:r>
-            <a:r>
-              <a:rPr lang="en-US" altLang="zh-CN" dirty="0"/>
-              <a:t>"/&gt;</a:t>
-            </a:r>
-          </a:p>
-          <a:p>
-            <a:r>
-              <a:rPr lang="en-US" altLang="zh-CN" dirty="0"/>
-              <a:t>      &lt;endpoint address="http://10.236.198.102:8888/</a:t>
-            </a:r>
-            <a:r>
-              <a:rPr lang="en-US" altLang="zh-CN" dirty="0" err="1"/>
-              <a:t>ServiceControler</a:t>
-            </a:r>
-            <a:r>
-              <a:rPr lang="en-US" altLang="zh-CN" dirty="0"/>
-              <a:t>/Company" binding="</a:t>
-            </a:r>
-            <a:r>
-              <a:rPr lang="en-US" altLang="zh-CN" dirty="0" err="1"/>
-              <a:t>wsHttpBinding</a:t>
-            </a:r>
-            <a:r>
-              <a:rPr lang="en-US" altLang="zh-CN" dirty="0"/>
-              <a:t>" </a:t>
-            </a:r>
-            <a:r>
-              <a:rPr lang="en-US" altLang="zh-CN" dirty="0" err="1"/>
-              <a:t>bindingConfiguration</a:t>
-            </a:r>
-            <a:r>
-              <a:rPr lang="en-US" altLang="zh-CN" dirty="0"/>
-              <a:t>="NewBinding0" contract="</a:t>
-            </a:r>
-            <a:r>
-              <a:rPr lang="en-US" altLang="zh-CN" dirty="0" err="1"/>
-              <a:t>MUASService.ICompany</a:t>
-            </a:r>
-            <a:r>
-              <a:rPr lang="en-US" altLang="zh-CN" dirty="0"/>
-              <a:t>" name="</a:t>
-            </a:r>
-            <a:r>
-              <a:rPr lang="en-US" altLang="zh-CN" dirty="0" err="1"/>
-              <a:t>WSHttpBinding_ICompany</a:t>
-            </a:r>
-            <a:r>
-              <a:rPr lang="en-US" altLang="zh-CN" dirty="0"/>
-              <a:t>"/&gt;</a:t>
-            </a:r>
-          </a:p>
-          <a:p>
-            <a:r>
-              <a:rPr lang="en-US" altLang="zh-CN" dirty="0"/>
-              <a:t>      &lt;endpoint address="http://10.236.198.102:8888/</a:t>
-            </a:r>
-            <a:r>
-              <a:rPr lang="en-US" altLang="zh-CN" dirty="0" err="1"/>
-              <a:t>ServiceControler</a:t>
-            </a:r>
-            <a:r>
-              <a:rPr lang="en-US" altLang="zh-CN" dirty="0"/>
-              <a:t>/</a:t>
-            </a:r>
-            <a:r>
-              <a:rPr lang="en-US" altLang="zh-CN" dirty="0" err="1"/>
-              <a:t>UserRole</a:t>
-            </a:r>
-            <a:r>
-              <a:rPr lang="en-US" altLang="zh-CN" dirty="0"/>
-              <a:t>" binding="</a:t>
-            </a:r>
-            <a:r>
-              <a:rPr lang="en-US" altLang="zh-CN" dirty="0" err="1"/>
-              <a:t>wsHttpBinding</a:t>
-            </a:r>
-            <a:r>
-              <a:rPr lang="en-US" altLang="zh-CN" dirty="0"/>
-              <a:t>" </a:t>
-            </a:r>
-            <a:r>
-              <a:rPr lang="en-US" altLang="zh-CN" dirty="0" err="1"/>
-              <a:t>bindingConfiguration</a:t>
-            </a:r>
-            <a:r>
-              <a:rPr lang="en-US" altLang="zh-CN" dirty="0"/>
-              <a:t>="NewBinding0" contract="</a:t>
-            </a:r>
-            <a:r>
-              <a:rPr lang="en-US" altLang="zh-CN" dirty="0" err="1"/>
-              <a:t>MUASService.IUserRole</a:t>
-            </a:r>
-            <a:r>
-              <a:rPr lang="en-US" altLang="zh-CN" dirty="0"/>
-              <a:t>" name="</a:t>
-            </a:r>
-            <a:r>
-              <a:rPr lang="en-US" altLang="zh-CN" dirty="0" err="1"/>
-              <a:t>WSHttpBinding_IUserRole</a:t>
-            </a:r>
-            <a:r>
-              <a:rPr lang="en-US" altLang="zh-CN" dirty="0"/>
-              <a:t>"/&gt;</a:t>
-            </a:r>
-          </a:p>
-          <a:p>
-            <a:r>
-              <a:rPr lang="en-US" altLang="zh-CN" dirty="0"/>
-              <a:t>      &lt;endpoint address="http://10.236.198.102:8888/</a:t>
-            </a:r>
-            <a:r>
-              <a:rPr lang="en-US" altLang="zh-CN" dirty="0" err="1"/>
-              <a:t>ServiceControler</a:t>
-            </a:r>
-            <a:r>
-              <a:rPr lang="en-US" altLang="zh-CN" dirty="0"/>
-              <a:t>/Role" binding="</a:t>
-            </a:r>
-            <a:r>
-              <a:rPr lang="en-US" altLang="zh-CN" dirty="0" err="1"/>
-              <a:t>wsHttpBinding</a:t>
-            </a:r>
-            <a:r>
-              <a:rPr lang="en-US" altLang="zh-CN" dirty="0"/>
-              <a:t>" </a:t>
-            </a:r>
-            <a:r>
-              <a:rPr lang="en-US" altLang="zh-CN" dirty="0" err="1"/>
-              <a:t>bindingConfiguration</a:t>
-            </a:r>
-            <a:r>
-              <a:rPr lang="en-US" altLang="zh-CN" dirty="0"/>
-              <a:t>="NewBinding0" contract="</a:t>
-            </a:r>
-            <a:r>
-              <a:rPr lang="en-US" altLang="zh-CN" dirty="0" err="1"/>
-              <a:t>MUASService.IRole</a:t>
-            </a:r>
-            <a:r>
-              <a:rPr lang="en-US" altLang="zh-CN" dirty="0"/>
-              <a:t>" name="</a:t>
-            </a:r>
-            <a:r>
-              <a:rPr lang="en-US" altLang="zh-CN" dirty="0" err="1"/>
-              <a:t>WSHttpBinding_IRole</a:t>
-            </a:r>
-            <a:r>
-              <a:rPr lang="en-US" altLang="zh-CN" dirty="0"/>
-              <a:t>"/&gt;</a:t>
-            </a:r>
-          </a:p>
-          <a:p>
-            <a:r>
-              <a:rPr lang="en-US" altLang="zh-CN" dirty="0"/>
-              <a:t>      &lt;endpoint address="http://10.236.198.102:8888/</a:t>
-            </a:r>
-            <a:r>
-              <a:rPr lang="en-US" altLang="zh-CN" dirty="0" err="1"/>
-              <a:t>ServiceControler</a:t>
-            </a:r>
-            <a:r>
-              <a:rPr lang="en-US" altLang="zh-CN" dirty="0"/>
-              <a:t>/User" binding="</a:t>
-            </a:r>
-            <a:r>
-              <a:rPr lang="en-US" altLang="zh-CN" dirty="0" err="1"/>
-              <a:t>wsHttpBinding</a:t>
-            </a:r>
-            <a:r>
-              <a:rPr lang="en-US" altLang="zh-CN" dirty="0"/>
-              <a:t>" </a:t>
-            </a:r>
-            <a:r>
-              <a:rPr lang="en-US" altLang="zh-CN" dirty="0" err="1"/>
-              <a:t>bindingConfiguration</a:t>
-            </a:r>
-            <a:r>
-              <a:rPr lang="en-US" altLang="zh-CN" dirty="0"/>
-              <a:t>="NewBinding0" contract="</a:t>
-            </a:r>
-            <a:r>
-              <a:rPr lang="en-US" altLang="zh-CN" dirty="0" err="1"/>
-              <a:t>MUASService.IUser</a:t>
-            </a:r>
-            <a:r>
-              <a:rPr lang="en-US" altLang="zh-CN" dirty="0"/>
-              <a:t>" name="</a:t>
-            </a:r>
-            <a:r>
-              <a:rPr lang="en-US" altLang="zh-CN" dirty="0" err="1"/>
-              <a:t>WSHttpBinding_IUser</a:t>
-            </a:r>
-            <a:r>
-              <a:rPr lang="en-US" altLang="zh-CN" dirty="0"/>
-              <a:t>"/&gt;</a:t>
-            </a:r>
-            <a:endParaRPr lang="zh-CN" altLang="en-US" dirty="0"/>
-          </a:p>
-        </p:txBody>
-      </p:sp>
-    </p:spTree>
-    <p:extLst>
-      <p:ext uri="{BB962C8B-B14F-4D97-AF65-F5344CB8AC3E}">
-        <p14:creationId xmlns:p14="http://schemas.microsoft.com/office/powerpoint/2010/main" val="3121808463"/>
-      </p:ext>
-    </p:extLst>
-  </p:cSld>
-  <p:clrMapOvr>
-    <a:masterClrMapping/>
-  </p:clrMapOvr>
-</p:sld>
-</file>
-
 <file path=ppt/slides/slide14.xml><?xml version="1.0" encoding="utf-8"?>
 <p:sld xmlns:a="http://schemas.openxmlformats.org/drawingml/2006/main" xmlns:r="http://schemas.openxmlformats.org/officeDocument/2006/relationships" xmlns:p="http://schemas.openxmlformats.org/presentationml/2006/main">
   <p:cSld>
@@ -7920,10 +7798,10 @@
       </p:grpSpPr>
       <p:sp>
         <p:nvSpPr>
-          <p:cNvPr id="5" name="标题 4">
+          <p:cNvPr id="2" name="标题 1">
             <a:extLst>
               <a:ext uri="{FF2B5EF4-FFF2-40B4-BE49-F238E27FC236}">
-                <a16:creationId xmlns:a16="http://schemas.microsoft.com/office/drawing/2014/main" id="{F97F2EF3-4830-4E94-BD03-F5E16AFFCAA0}"/>
+                <a16:creationId xmlns:a16="http://schemas.microsoft.com/office/drawing/2014/main" id="{03E6FB89-BB36-4DFA-8CB4-6C4223962F29}"/>
               </a:ext>
             </a:extLst>
           </p:cNvPr>
@@ -7940,12 +7818,24 @@
           <a:lstStyle/>
           <a:p>
             <a:r>
-              <a:rPr lang="zh-CN" altLang="en-US" dirty="0"/>
-              <a:t>本周计划</a:t>
-            </a:r>
-            <a:r>
-              <a:rPr lang="en-US" altLang="zh-CN" dirty="0"/>
-              <a:t>(6.15~6.19)</a:t>
+              <a:rPr lang="en-US" altLang="zh-CN" dirty="0"/>
+              <a:t>MUS </a:t>
+            </a:r>
+            <a:r>
+              <a:rPr lang="zh-CN" altLang="en-US" dirty="0"/>
+              <a:t>的</a:t>
+            </a:r>
+            <a:r>
+              <a:rPr lang="en-US" altLang="zh-CN" dirty="0" err="1"/>
+              <a:t>wcf</a:t>
+            </a:r>
+            <a:r>
+              <a:rPr lang="zh-CN" altLang="en-US" dirty="0"/>
+              <a:t>服务</a:t>
+            </a:r>
+            <a:r>
+              <a:rPr lang="en-US" altLang="zh-CN" dirty="0"/>
+              <a:t>endpoint</a:t>
             </a:r>
             <a:endParaRPr lang="zh-CN" altLang="en-US" dirty="0"/>
           </a:p>
@@ -7953,10 +7843,10 @@
       </p:sp>
       <p:sp>
         <p:nvSpPr>
-          <p:cNvPr id="6" name="内容占位符 5">
+          <p:cNvPr id="3" name="内容占位符 2">
             <a:extLst>
               <a:ext uri="{FF2B5EF4-FFF2-40B4-BE49-F238E27FC236}">
-                <a16:creationId xmlns:a16="http://schemas.microsoft.com/office/drawing/2014/main" id="{71A12AFE-278A-4675-B26E-8F38CFDD15D3}"/>
+                <a16:creationId xmlns:a16="http://schemas.microsoft.com/office/drawing/2014/main" id="{447FEAC0-292B-45F4-AFF6-81A5614C7E49}"/>
               </a:ext>
             </a:extLst>
           </p:cNvPr>
@@ -7969,198 +7859,255 @@
         </p:nvSpPr>
         <p:spPr/>
         <p:txBody>
-          <a:bodyPr/>
+          <a:bodyPr>
+            <a:normAutofit fontScale="92500" lnSpcReduction="20000"/>
+          </a:bodyPr>
           <a:lstStyle/>
           <a:p>
             <a:r>
               <a:rPr lang="en-US" altLang="zh-CN" dirty="0"/>
-              <a:t>1.aop</a:t>
-            </a:r>
-            <a:r>
-              <a:rPr lang="zh-CN" altLang="en-US" dirty="0"/>
-              <a:t>框架内容</a:t>
-            </a:r>
-            <a:r>
-              <a:rPr lang="en-US" altLang="zh-CN" dirty="0"/>
-              <a:t>,</a:t>
-            </a:r>
-            <a:r>
-              <a:rPr lang="zh-CN" altLang="en-US" dirty="0"/>
-              <a:t>自定义</a:t>
-            </a:r>
-            <a:r>
-              <a:rPr lang="en-US" altLang="zh-CN" dirty="0"/>
-              <a:t>filter(</a:t>
-            </a:r>
-            <a:r>
-              <a:rPr lang="zh-CN" altLang="en-US" dirty="0"/>
-              <a:t>拓展重点</a:t>
-            </a:r>
-            <a:r>
-              <a:rPr lang="en-US" altLang="zh-CN" dirty="0"/>
-              <a:t>,</a:t>
-            </a:r>
-            <a:r>
-              <a:rPr lang="zh-CN" altLang="en-US" dirty="0"/>
-              <a:t>横向编程都在这做</a:t>
-            </a:r>
-            <a:r>
-              <a:rPr lang="en-US" altLang="zh-CN" dirty="0"/>
-              <a:t>)</a:t>
-            </a:r>
-          </a:p>
-          <a:p>
-            <a:r>
-              <a:rPr lang="en-US" altLang="zh-CN" dirty="0"/>
-              <a:t>2.</a:t>
-            </a:r>
-            <a:r>
-              <a:rPr lang="zh-CN" altLang="en-US" dirty="0"/>
-              <a:t>内容协商 </a:t>
-            </a:r>
-            <a:r>
-              <a:rPr lang="en-US" altLang="zh-CN" dirty="0"/>
-              <a:t>(</a:t>
-            </a:r>
-            <a:r>
-              <a:rPr lang="zh-CN" altLang="en-US" dirty="0"/>
-              <a:t>主要是</a:t>
-            </a:r>
-            <a:r>
-              <a:rPr lang="en-US" altLang="zh-CN" dirty="0"/>
-              <a:t>json</a:t>
-            </a:r>
-            <a:r>
-              <a:rPr lang="zh-CN" altLang="en-US" dirty="0"/>
-              <a:t>格式</a:t>
-            </a:r>
-            <a:r>
-              <a:rPr lang="en-US" altLang="zh-CN" dirty="0"/>
-              <a:t>,</a:t>
-            </a:r>
-            <a:r>
-              <a:rPr lang="zh-CN" altLang="en-US" dirty="0"/>
-              <a:t>加了</a:t>
+              <a:t> &lt;endpoint address="http://10.236.198.102:8888/</a:t>
             </a:r>
             <a:r>
               <a:rPr lang="en-US" altLang="zh-CN" dirty="0" err="1"/>
-              <a:t>xml,hateoas</a:t>
-            </a:r>
-            <a:r>
-              <a:rPr lang="en-US" altLang="zh-CN" dirty="0"/>
-              <a:t>,</a:t>
-            </a:r>
-            <a:r>
-              <a:rPr lang="zh-CN" altLang="en-US" dirty="0"/>
-              <a:t>模型验证</a:t>
-            </a:r>
-            <a:r>
-              <a:rPr lang="en-US" altLang="zh-CN" dirty="0"/>
-              <a:t>,</a:t>
-            </a:r>
-            <a:r>
-              <a:rPr lang="zh-CN" altLang="en-US" dirty="0"/>
-              <a:t>没有写</a:t>
-            </a:r>
-            <a:r>
-              <a:rPr lang="en-US" altLang="zh-CN" dirty="0"/>
-              <a:t>link)</a:t>
-            </a:r>
-          </a:p>
-          <a:p>
-            <a:r>
-              <a:rPr lang="en-US" altLang="zh-CN" dirty="0"/>
-              <a:t>3.</a:t>
-            </a:r>
-            <a:r>
-              <a:rPr lang="zh-CN" altLang="en-US" dirty="0"/>
-              <a:t>数据塑性 </a:t>
-            </a:r>
-            <a:endParaRPr lang="en-US" altLang="zh-CN" dirty="0"/>
-          </a:p>
-          <a:p>
-            <a:r>
-              <a:rPr lang="en-US" altLang="zh-CN" dirty="0"/>
-              <a:t>4.wcf</a:t>
-            </a:r>
-            <a:r>
-              <a:rPr lang="zh-CN" altLang="en-US" dirty="0"/>
-              <a:t>的适配器 </a:t>
-            </a:r>
-            <a:r>
-              <a:rPr lang="en-US" altLang="zh-CN" dirty="0"/>
-              <a:t>(</a:t>
-            </a:r>
-            <a:r>
-              <a:rPr lang="zh-CN" altLang="en-US" dirty="0"/>
-              <a:t>只做了一半</a:t>
-            </a:r>
-            <a:r>
-              <a:rPr lang="en-US" altLang="zh-CN" dirty="0"/>
-              <a:t>)</a:t>
-            </a:r>
-          </a:p>
-          <a:p>
-            <a:r>
-              <a:rPr lang="en-US" altLang="zh-CN" dirty="0"/>
-              <a:t>5.</a:t>
-            </a:r>
-            <a:r>
-              <a:rPr lang="zh-CN" altLang="en-US" dirty="0"/>
-              <a:t>自定义</a:t>
-            </a:r>
-            <a:r>
-              <a:rPr lang="en-US" altLang="zh-CN" dirty="0"/>
-              <a:t>model</a:t>
-            </a:r>
-            <a:r>
-              <a:rPr lang="zh-CN" altLang="en-US" dirty="0"/>
-              <a:t>绑定 </a:t>
-            </a:r>
-            <a:r>
-              <a:rPr lang="en-US" altLang="zh-CN" dirty="0"/>
-              <a:t>(</a:t>
-            </a:r>
-            <a:r>
-              <a:rPr lang="zh-CN" altLang="en-US" dirty="0"/>
-              <a:t>查询多个</a:t>
-            </a:r>
-            <a:r>
-              <a:rPr lang="en-US" altLang="zh-CN" dirty="0"/>
-              <a:t>id</a:t>
-            </a:r>
-            <a:r>
-              <a:rPr lang="zh-CN" altLang="en-US" dirty="0"/>
-              <a:t>的数据</a:t>
-            </a:r>
-            <a:r>
-              <a:rPr lang="en-US" altLang="zh-CN" dirty="0"/>
-              <a:t>)</a:t>
-            </a:r>
-          </a:p>
-          <a:p>
-            <a:r>
-              <a:rPr lang="en-US" altLang="zh-CN" dirty="0"/>
-              <a:t>6.AutoMapper</a:t>
-            </a:r>
-          </a:p>
-          <a:p>
-            <a:r>
-              <a:rPr lang="en-US" altLang="zh-CN" dirty="0"/>
-              <a:t>7.</a:t>
-            </a:r>
-            <a:r>
-              <a:rPr lang="zh-CN" altLang="en-US" dirty="0"/>
-              <a:t>做了单资源的增删改查</a:t>
-            </a:r>
-            <a:endParaRPr lang="en-US" altLang="zh-CN" dirty="0"/>
+              <a:t>ServiceControler</a:t>
+            </a:r>
+            <a:r>
+              <a:rPr lang="en-US" altLang="zh-CN" dirty="0"/>
+              <a:t>/Token" binding="</a:t>
+            </a:r>
+            <a:r>
+              <a:rPr lang="en-US" altLang="zh-CN" dirty="0" err="1"/>
+              <a:t>wsHttpBinding</a:t>
+            </a:r>
+            <a:r>
+              <a:rPr lang="en-US" altLang="zh-CN" dirty="0"/>
+              <a:t>" </a:t>
+            </a:r>
+            <a:r>
+              <a:rPr lang="en-US" altLang="zh-CN" dirty="0" err="1"/>
+              <a:t>bindingConfiguration</a:t>
+            </a:r>
+            <a:r>
+              <a:rPr lang="en-US" altLang="zh-CN" dirty="0"/>
+              <a:t>="NewBinding0" contract="</a:t>
+            </a:r>
+            <a:r>
+              <a:rPr lang="en-US" altLang="zh-CN" dirty="0" err="1"/>
+              <a:t>MUASService.IToken</a:t>
+            </a:r>
+            <a:r>
+              <a:rPr lang="en-US" altLang="zh-CN" dirty="0"/>
+              <a:t>" name="</a:t>
+            </a:r>
+            <a:r>
+              <a:rPr lang="en-US" altLang="zh-CN" dirty="0" err="1"/>
+              <a:t>WSHttpBinding_IToken</a:t>
+            </a:r>
+            <a:r>
+              <a:rPr lang="en-US" altLang="zh-CN" dirty="0"/>
+              <a:t>"/&gt;</a:t>
+            </a:r>
+          </a:p>
+          <a:p>
+            <a:r>
+              <a:rPr lang="en-US" altLang="zh-CN" dirty="0"/>
+              <a:t>      &lt;endpoint address="http://10.236.198.102:8888/</a:t>
+            </a:r>
+            <a:r>
+              <a:rPr lang="en-US" altLang="zh-CN" dirty="0" err="1"/>
+              <a:t>ServiceControler</a:t>
+            </a:r>
+            <a:r>
+              <a:rPr lang="en-US" altLang="zh-CN" dirty="0"/>
+              <a:t>/Company" binding="</a:t>
+            </a:r>
+            <a:r>
+              <a:rPr lang="en-US" altLang="zh-CN" dirty="0" err="1"/>
+              <a:t>wsHttpBinding</a:t>
+            </a:r>
+            <a:r>
+              <a:rPr lang="en-US" altLang="zh-CN" dirty="0"/>
+              <a:t>" </a:t>
+            </a:r>
+            <a:r>
+              <a:rPr lang="en-US" altLang="zh-CN" dirty="0" err="1"/>
+              <a:t>bindingConfiguration</a:t>
+            </a:r>
+            <a:r>
+              <a:rPr lang="en-US" altLang="zh-CN" dirty="0"/>
+              <a:t>="NewBinding0" contract="</a:t>
+            </a:r>
+            <a:r>
+              <a:rPr lang="en-US" altLang="zh-CN" dirty="0" err="1"/>
+              <a:t>MUASService.ICompany</a:t>
+            </a:r>
+            <a:r>
+              <a:rPr lang="en-US" altLang="zh-CN" dirty="0"/>
+              <a:t>" name="</a:t>
+            </a:r>
+            <a:r>
+              <a:rPr lang="en-US" altLang="zh-CN" dirty="0" err="1"/>
+              <a:t>WSHttpBinding_ICompany</a:t>
+            </a:r>
+            <a:r>
+              <a:rPr lang="en-US" altLang="zh-CN" dirty="0"/>
+              <a:t>"/&gt;</a:t>
+            </a:r>
+          </a:p>
+          <a:p>
+            <a:r>
+              <a:rPr lang="en-US" altLang="zh-CN" dirty="0"/>
+              <a:t>      &lt;endpoint address="http://10.236.198.102:8888/</a:t>
+            </a:r>
+            <a:r>
+              <a:rPr lang="en-US" altLang="zh-CN" dirty="0" err="1"/>
+              <a:t>ServiceControler</a:t>
+            </a:r>
+            <a:r>
+              <a:rPr lang="en-US" altLang="zh-CN" dirty="0"/>
+              <a:t>/</a:t>
+            </a:r>
+            <a:r>
+              <a:rPr lang="en-US" altLang="zh-CN" dirty="0" err="1"/>
+              <a:t>UserRole</a:t>
+            </a:r>
+            <a:r>
+              <a:rPr lang="en-US" altLang="zh-CN" dirty="0"/>
+              <a:t>" binding="</a:t>
+            </a:r>
+            <a:r>
+              <a:rPr lang="en-US" altLang="zh-CN" dirty="0" err="1"/>
+              <a:t>wsHttpBinding</a:t>
+            </a:r>
+            <a:r>
+              <a:rPr lang="en-US" altLang="zh-CN" dirty="0"/>
+              <a:t>" </a:t>
+            </a:r>
+            <a:r>
+              <a:rPr lang="en-US" altLang="zh-CN" dirty="0" err="1"/>
+              <a:t>bindingConfiguration</a:t>
+            </a:r>
+            <a:r>
+              <a:rPr lang="en-US" altLang="zh-CN" dirty="0"/>
+              <a:t>="NewBinding0" contract="</a:t>
+            </a:r>
+            <a:r>
+              <a:rPr lang="en-US" altLang="zh-CN" dirty="0" err="1"/>
+              <a:t>MUASService.IUserRole</a:t>
+            </a:r>
+            <a:r>
+              <a:rPr lang="en-US" altLang="zh-CN" dirty="0"/>
+              <a:t>" name="</a:t>
+            </a:r>
+            <a:r>
+              <a:rPr lang="en-US" altLang="zh-CN" dirty="0" err="1"/>
+              <a:t>WSHttpBinding_IUserRole</a:t>
+            </a:r>
+            <a:r>
+              <a:rPr lang="en-US" altLang="zh-CN" dirty="0"/>
+              <a:t>"/&gt;</a:t>
+            </a:r>
+          </a:p>
+          <a:p>
+            <a:r>
+              <a:rPr lang="en-US" altLang="zh-CN" dirty="0"/>
+              <a:t>      &lt;endpoint address="http://10.236.198.102:8888/</a:t>
+            </a:r>
+            <a:r>
+              <a:rPr lang="en-US" altLang="zh-CN" dirty="0" err="1"/>
+              <a:t>ServiceControler</a:t>
+            </a:r>
+            <a:r>
+              <a:rPr lang="en-US" altLang="zh-CN" dirty="0"/>
+              <a:t>/Role" binding="</a:t>
+            </a:r>
+            <a:r>
+              <a:rPr lang="en-US" altLang="zh-CN" dirty="0" err="1"/>
+              <a:t>wsHttpBinding</a:t>
+            </a:r>
+            <a:r>
+              <a:rPr lang="en-US" altLang="zh-CN" dirty="0"/>
+              <a:t>" </a:t>
+            </a:r>
+            <a:r>
+              <a:rPr lang="en-US" altLang="zh-CN" dirty="0" err="1"/>
+              <a:t>bindingConfiguration</a:t>
+            </a:r>
+            <a:r>
+              <a:rPr lang="en-US" altLang="zh-CN" dirty="0"/>
+              <a:t>="NewBinding0" contract="</a:t>
+            </a:r>
+            <a:r>
+              <a:rPr lang="en-US" altLang="zh-CN" dirty="0" err="1"/>
+              <a:t>MUASService.IRole</a:t>
+            </a:r>
+            <a:r>
+              <a:rPr lang="en-US" altLang="zh-CN" dirty="0"/>
+              <a:t>" name="</a:t>
+            </a:r>
+            <a:r>
+              <a:rPr lang="en-US" altLang="zh-CN" dirty="0" err="1"/>
+              <a:t>WSHttpBinding_IRole</a:t>
+            </a:r>
+            <a:r>
+              <a:rPr lang="en-US" altLang="zh-CN" dirty="0"/>
+              <a:t>"/&gt;</a:t>
+            </a:r>
+          </a:p>
+          <a:p>
+            <a:r>
+              <a:rPr lang="en-US" altLang="zh-CN" dirty="0"/>
+              <a:t>      &lt;endpoint address="http://10.236.198.102:8888/</a:t>
+            </a:r>
+            <a:r>
+              <a:rPr lang="en-US" altLang="zh-CN" dirty="0" err="1"/>
+              <a:t>ServiceControler</a:t>
+            </a:r>
+            <a:r>
+              <a:rPr lang="en-US" altLang="zh-CN" dirty="0"/>
+              <a:t>/User" binding="</a:t>
+            </a:r>
+            <a:r>
+              <a:rPr lang="en-US" altLang="zh-CN" dirty="0" err="1"/>
+              <a:t>wsHttpBinding</a:t>
+            </a:r>
+            <a:r>
+              <a:rPr lang="en-US" altLang="zh-CN" dirty="0"/>
+              <a:t>" </a:t>
+            </a:r>
+            <a:r>
+              <a:rPr lang="en-US" altLang="zh-CN" dirty="0" err="1"/>
+              <a:t>bindingConfiguration</a:t>
+            </a:r>
+            <a:r>
+              <a:rPr lang="en-US" altLang="zh-CN" dirty="0"/>
+              <a:t>="NewBinding0" contract="</a:t>
+            </a:r>
+            <a:r>
+              <a:rPr lang="en-US" altLang="zh-CN" dirty="0" err="1"/>
+              <a:t>MUASService.IUser</a:t>
+            </a:r>
+            <a:r>
+              <a:rPr lang="en-US" altLang="zh-CN" dirty="0"/>
+              <a:t>" name="</a:t>
+            </a:r>
+            <a:r>
+              <a:rPr lang="en-US" altLang="zh-CN" dirty="0" err="1"/>
+              <a:t>WSHttpBinding_IUser</a:t>
+            </a:r>
+            <a:r>
+              <a:rPr lang="en-US" altLang="zh-CN" dirty="0"/>
+              <a:t>"/&gt;</a:t>
+            </a:r>
+            <a:endParaRPr lang="zh-CN" altLang="en-US" dirty="0"/>
           </a:p>
         </p:txBody>
       </p:sp>
     </p:spTree>
     <p:extLst>
       <p:ext uri="{BB962C8B-B14F-4D97-AF65-F5344CB8AC3E}">
-        <p14:creationId xmlns:p14="http://schemas.microsoft.com/office/powerpoint/2010/main" val="857984851"/>
+        <p14:creationId xmlns:p14="http://schemas.microsoft.com/office/powerpoint/2010/main" val="3121808463"/>
       </p:ext>
     </p:extLst>
   </p:cSld>
@@ -8189,167 +8136,714 @@
       </p:grpSpPr>
       <p:sp>
         <p:nvSpPr>
-          <p:cNvPr id="2" name="标题 1">
+          <p:cNvPr id="6" name="矩形 5">
             <a:extLst>
               <a:ext uri="{FF2B5EF4-FFF2-40B4-BE49-F238E27FC236}">
-                <a16:creationId xmlns:a16="http://schemas.microsoft.com/office/drawing/2014/main" id="{971F9CAC-375C-447C-BFF7-7DD237D0504F}"/>
+                <a16:creationId xmlns:a16="http://schemas.microsoft.com/office/drawing/2014/main" id="{53DE26ED-D84F-4074-8557-F90C6FFD9756}"/>
               </a:ext>
             </a:extLst>
           </p:cNvPr>
-          <p:cNvSpPr>
-            <a:spLocks noGrp="1"/>
-          </p:cNvSpPr>
-          <p:nvPr>
-            <p:ph type="title"/>
-          </p:nvPr>
-        </p:nvSpPr>
-        <p:spPr/>
-        <p:txBody>
-          <a:bodyPr/>
+          <p:cNvSpPr/>
+          <p:nvPr/>
+        </p:nvSpPr>
+        <p:spPr>
+          <a:xfrm>
+            <a:off x="278167" y="834826"/>
+            <a:ext cx="5643239" cy="4524315"/>
+          </a:xfrm>
+          <a:prstGeom prst="rect">
+            <a:avLst/>
+          </a:prstGeom>
+        </p:spPr>
+        <p:txBody>
+          <a:bodyPr wrap="square">
+            <a:spAutoFit/>
+          </a:bodyPr>
           <a:lstStyle/>
           <a:p>
             <a:r>
-              <a:rPr lang="zh-CN" altLang="en-US" dirty="0"/>
-              <a:t>本周计划</a:t>
-            </a:r>
-            <a:r>
-              <a:rPr lang="en-US" altLang="zh-CN" dirty="0"/>
-              <a:t>(6.22~29)</a:t>
-            </a:r>
-            <a:br>
-              <a:rPr lang="en-US" altLang="zh-CN" dirty="0"/>
-            </a:br>
-            <a:endParaRPr lang="zh-CN" altLang="en-US" dirty="0"/>
-          </a:p>
-        </p:txBody>
-      </p:sp>
-      <p:sp>
-        <p:nvSpPr>
-          <p:cNvPr id="3" name="内容占位符 2">
+              <a:rPr lang="en-US" altLang="zh-CN" b="1" dirty="0">
+                <a:solidFill>
+                  <a:srgbClr val="333333"/>
+                </a:solidFill>
+                <a:latin typeface="Microsoft YaHei" panose="020B0503020204020204" pitchFamily="34" charset="-122"/>
+                <a:ea typeface="Microsoft YaHei" panose="020B0503020204020204" pitchFamily="34" charset="-122"/>
+              </a:rPr>
+              <a:t>1</a:t>
+            </a:r>
+            <a:r>
+              <a:rPr lang="zh-CN" altLang="en-US" b="1" dirty="0">
+                <a:solidFill>
+                  <a:srgbClr val="333333"/>
+                </a:solidFill>
+                <a:latin typeface="Microsoft YaHei" panose="020B0503020204020204" pitchFamily="34" charset="-122"/>
+                <a:ea typeface="Microsoft YaHei" panose="020B0503020204020204" pitchFamily="34" charset="-122"/>
+              </a:rPr>
+              <a:t>．</a:t>
+            </a:r>
+            <a:r>
+              <a:rPr lang="en-US" altLang="zh-CN" b="1" dirty="0">
+                <a:solidFill>
+                  <a:srgbClr val="333333"/>
+                </a:solidFill>
+                <a:latin typeface="Microsoft YaHei" panose="020B0503020204020204" pitchFamily="34" charset="-122"/>
+                <a:ea typeface="Microsoft YaHei" panose="020B0503020204020204" pitchFamily="34" charset="-122"/>
+              </a:rPr>
+              <a:t>SVN</a:t>
+            </a:r>
+            <a:r>
+              <a:rPr lang="zh-CN" altLang="en-US" b="1" dirty="0">
+                <a:solidFill>
+                  <a:srgbClr val="333333"/>
+                </a:solidFill>
+                <a:latin typeface="Microsoft YaHei" panose="020B0503020204020204" pitchFamily="34" charset="-122"/>
+                <a:ea typeface="Microsoft YaHei" panose="020B0503020204020204" pitchFamily="34" charset="-122"/>
+              </a:rPr>
+              <a:t>优缺点</a:t>
+            </a:r>
+            <a:endParaRPr lang="zh-CN" altLang="en-US" dirty="0">
+              <a:solidFill>
+                <a:srgbClr val="333333"/>
+              </a:solidFill>
+              <a:latin typeface="verdana" panose="020B0604030504040204" pitchFamily="34" charset="0"/>
+            </a:endParaRPr>
+          </a:p>
+          <a:p>
+            <a:r>
+              <a:rPr lang="zh-CN" altLang="en-US" dirty="0">
+                <a:solidFill>
+                  <a:srgbClr val="333333"/>
+                </a:solidFill>
+                <a:latin typeface="Microsoft YaHei" panose="020B0503020204020204" pitchFamily="34" charset="-122"/>
+                <a:ea typeface="Microsoft YaHei" panose="020B0503020204020204" pitchFamily="34" charset="-122"/>
+              </a:rPr>
+              <a:t>优点： </a:t>
+            </a:r>
+            <a:endParaRPr lang="zh-CN" altLang="en-US" dirty="0">
+              <a:solidFill>
+                <a:srgbClr val="333333"/>
+              </a:solidFill>
+              <a:latin typeface="verdana" panose="020B0604030504040204" pitchFamily="34" charset="0"/>
+            </a:endParaRPr>
+          </a:p>
+          <a:p>
+            <a:r>
+              <a:rPr lang="en-US" altLang="zh-CN" dirty="0">
+                <a:solidFill>
+                  <a:srgbClr val="333333"/>
+                </a:solidFill>
+                <a:latin typeface="Microsoft YaHei" panose="020B0503020204020204" pitchFamily="34" charset="-122"/>
+                <a:ea typeface="Microsoft YaHei" panose="020B0503020204020204" pitchFamily="34" charset="-122"/>
+              </a:rPr>
+              <a:t>1</a:t>
+            </a:r>
+            <a:r>
+              <a:rPr lang="zh-CN" altLang="en-US" dirty="0">
+                <a:solidFill>
+                  <a:srgbClr val="333333"/>
+                </a:solidFill>
+                <a:latin typeface="Microsoft YaHei" panose="020B0503020204020204" pitchFamily="34" charset="-122"/>
+                <a:ea typeface="Microsoft YaHei" panose="020B0503020204020204" pitchFamily="34" charset="-122"/>
+              </a:rPr>
+              <a:t>、 管理方便，逻辑明确，符合一般人思维习惯。 </a:t>
+            </a:r>
+            <a:endParaRPr lang="zh-CN" altLang="en-US" dirty="0">
+              <a:solidFill>
+                <a:srgbClr val="333333"/>
+              </a:solidFill>
+              <a:latin typeface="verdana" panose="020B0604030504040204" pitchFamily="34" charset="0"/>
+            </a:endParaRPr>
+          </a:p>
+          <a:p>
+            <a:r>
+              <a:rPr lang="en-US" altLang="zh-CN" dirty="0">
+                <a:solidFill>
+                  <a:srgbClr val="333333"/>
+                </a:solidFill>
+                <a:latin typeface="Microsoft YaHei" panose="020B0503020204020204" pitchFamily="34" charset="-122"/>
+                <a:ea typeface="Microsoft YaHei" panose="020B0503020204020204" pitchFamily="34" charset="-122"/>
+              </a:rPr>
+              <a:t>2</a:t>
+            </a:r>
+            <a:r>
+              <a:rPr lang="zh-CN" altLang="en-US" dirty="0">
+                <a:solidFill>
+                  <a:srgbClr val="333333"/>
+                </a:solidFill>
+                <a:latin typeface="Microsoft YaHei" panose="020B0503020204020204" pitchFamily="34" charset="-122"/>
+                <a:ea typeface="Microsoft YaHei" panose="020B0503020204020204" pitchFamily="34" charset="-122"/>
+              </a:rPr>
+              <a:t>、 易于管理，集中式服务器更能保证安全性。 </a:t>
+            </a:r>
+            <a:endParaRPr lang="zh-CN" altLang="en-US" dirty="0">
+              <a:solidFill>
+                <a:srgbClr val="333333"/>
+              </a:solidFill>
+              <a:latin typeface="verdana" panose="020B0604030504040204" pitchFamily="34" charset="0"/>
+            </a:endParaRPr>
+          </a:p>
+          <a:p>
+            <a:r>
+              <a:rPr lang="en-US" altLang="zh-CN" dirty="0">
+                <a:solidFill>
+                  <a:srgbClr val="333333"/>
+                </a:solidFill>
+                <a:latin typeface="Microsoft YaHei" panose="020B0503020204020204" pitchFamily="34" charset="-122"/>
+                <a:ea typeface="Microsoft YaHei" panose="020B0503020204020204" pitchFamily="34" charset="-122"/>
+              </a:rPr>
+              <a:t>3</a:t>
+            </a:r>
+            <a:r>
+              <a:rPr lang="zh-CN" altLang="en-US" dirty="0">
+                <a:solidFill>
+                  <a:srgbClr val="333333"/>
+                </a:solidFill>
+                <a:latin typeface="Microsoft YaHei" panose="020B0503020204020204" pitchFamily="34" charset="-122"/>
+                <a:ea typeface="Microsoft YaHei" panose="020B0503020204020204" pitchFamily="34" charset="-122"/>
+              </a:rPr>
+              <a:t>、 代码一致性非常高。 </a:t>
+            </a:r>
+            <a:endParaRPr lang="zh-CN" altLang="en-US" dirty="0">
+              <a:solidFill>
+                <a:srgbClr val="333333"/>
+              </a:solidFill>
+              <a:latin typeface="verdana" panose="020B0604030504040204" pitchFamily="34" charset="0"/>
+            </a:endParaRPr>
+          </a:p>
+          <a:p>
+            <a:r>
+              <a:rPr lang="en-US" altLang="zh-CN" dirty="0">
+                <a:solidFill>
+                  <a:srgbClr val="333333"/>
+                </a:solidFill>
+                <a:latin typeface="Microsoft YaHei" panose="020B0503020204020204" pitchFamily="34" charset="-122"/>
+                <a:ea typeface="Microsoft YaHei" panose="020B0503020204020204" pitchFamily="34" charset="-122"/>
+              </a:rPr>
+              <a:t>4</a:t>
+            </a:r>
+            <a:r>
+              <a:rPr lang="zh-CN" altLang="en-US" dirty="0">
+                <a:solidFill>
+                  <a:srgbClr val="333333"/>
+                </a:solidFill>
+                <a:latin typeface="Microsoft YaHei" panose="020B0503020204020204" pitchFamily="34" charset="-122"/>
+                <a:ea typeface="Microsoft YaHei" panose="020B0503020204020204" pitchFamily="34" charset="-122"/>
+              </a:rPr>
+              <a:t>、 适合开发人数不多的项目开发。 </a:t>
+            </a:r>
+            <a:endParaRPr lang="zh-CN" altLang="en-US" dirty="0">
+              <a:solidFill>
+                <a:srgbClr val="333333"/>
+              </a:solidFill>
+              <a:latin typeface="verdana" panose="020B0604030504040204" pitchFamily="34" charset="0"/>
+            </a:endParaRPr>
+          </a:p>
+          <a:p>
+            <a:r>
+              <a:rPr lang="zh-CN" altLang="en-US" dirty="0">
+                <a:solidFill>
+                  <a:srgbClr val="333333"/>
+                </a:solidFill>
+                <a:latin typeface="Microsoft YaHei" panose="020B0503020204020204" pitchFamily="34" charset="-122"/>
+                <a:ea typeface="Microsoft YaHei" panose="020B0503020204020204" pitchFamily="34" charset="-122"/>
+              </a:rPr>
+              <a:t>缺点： </a:t>
+            </a:r>
+            <a:endParaRPr lang="zh-CN" altLang="en-US" dirty="0">
+              <a:solidFill>
+                <a:srgbClr val="333333"/>
+              </a:solidFill>
+              <a:latin typeface="verdana" panose="020B0604030504040204" pitchFamily="34" charset="0"/>
+            </a:endParaRPr>
+          </a:p>
+          <a:p>
+            <a:r>
+              <a:rPr lang="en-US" altLang="zh-CN" dirty="0">
+                <a:solidFill>
+                  <a:srgbClr val="333333"/>
+                </a:solidFill>
+                <a:latin typeface="Microsoft YaHei" panose="020B0503020204020204" pitchFamily="34" charset="-122"/>
+                <a:ea typeface="Microsoft YaHei" panose="020B0503020204020204" pitchFamily="34" charset="-122"/>
+              </a:rPr>
+              <a:t>1</a:t>
+            </a:r>
+            <a:r>
+              <a:rPr lang="zh-CN" altLang="en-US" dirty="0">
+                <a:solidFill>
+                  <a:srgbClr val="333333"/>
+                </a:solidFill>
+                <a:latin typeface="Microsoft YaHei" panose="020B0503020204020204" pitchFamily="34" charset="-122"/>
+                <a:ea typeface="Microsoft YaHei" panose="020B0503020204020204" pitchFamily="34" charset="-122"/>
+              </a:rPr>
+              <a:t>、 服务器压力太大，数据库容量暴增。 </a:t>
+            </a:r>
+            <a:endParaRPr lang="zh-CN" altLang="en-US" dirty="0">
+              <a:solidFill>
+                <a:srgbClr val="333333"/>
+              </a:solidFill>
+              <a:latin typeface="verdana" panose="020B0604030504040204" pitchFamily="34" charset="0"/>
+            </a:endParaRPr>
+          </a:p>
+          <a:p>
+            <a:r>
+              <a:rPr lang="en-US" altLang="zh-CN" dirty="0">
+                <a:solidFill>
+                  <a:srgbClr val="333333"/>
+                </a:solidFill>
+                <a:latin typeface="Microsoft YaHei" panose="020B0503020204020204" pitchFamily="34" charset="-122"/>
+                <a:ea typeface="Microsoft YaHei" panose="020B0503020204020204" pitchFamily="34" charset="-122"/>
+              </a:rPr>
+              <a:t>2</a:t>
+            </a:r>
+            <a:r>
+              <a:rPr lang="zh-CN" altLang="en-US" dirty="0">
+                <a:solidFill>
+                  <a:srgbClr val="333333"/>
+                </a:solidFill>
+                <a:latin typeface="Microsoft YaHei" panose="020B0503020204020204" pitchFamily="34" charset="-122"/>
+                <a:ea typeface="Microsoft YaHei" panose="020B0503020204020204" pitchFamily="34" charset="-122"/>
+              </a:rPr>
+              <a:t>、 如果不能连接到服务器上，基本上不可以工作</a:t>
+            </a:r>
+            <a:r>
+              <a:rPr lang="en-US" altLang="zh-CN" dirty="0">
+                <a:solidFill>
+                  <a:srgbClr val="333333"/>
+                </a:solidFill>
+                <a:latin typeface="Microsoft YaHei" panose="020B0503020204020204" pitchFamily="34" charset="-122"/>
+                <a:ea typeface="Microsoft YaHei" panose="020B0503020204020204" pitchFamily="34" charset="-122"/>
+              </a:rPr>
+              <a:t>, </a:t>
+            </a:r>
+            <a:r>
+              <a:rPr lang="zh-CN" altLang="en-US" dirty="0">
+                <a:solidFill>
+                  <a:srgbClr val="333333"/>
+                </a:solidFill>
+                <a:latin typeface="Microsoft YaHei" panose="020B0503020204020204" pitchFamily="34" charset="-122"/>
+                <a:ea typeface="Microsoft YaHei" panose="020B0503020204020204" pitchFamily="34" charset="-122"/>
+              </a:rPr>
+              <a:t>如果服务器不能连接上，就不能提交，还原，对比等等。 </a:t>
+            </a:r>
+            <a:endParaRPr lang="zh-CN" altLang="en-US" dirty="0">
+              <a:solidFill>
+                <a:srgbClr val="333333"/>
+              </a:solidFill>
+              <a:latin typeface="verdana" panose="020B0604030504040204" pitchFamily="34" charset="0"/>
+            </a:endParaRPr>
+          </a:p>
+          <a:p>
+            <a:r>
+              <a:rPr lang="en-US" altLang="zh-CN" dirty="0">
+                <a:solidFill>
+                  <a:srgbClr val="333333"/>
+                </a:solidFill>
+                <a:latin typeface="Microsoft YaHei" panose="020B0503020204020204" pitchFamily="34" charset="-122"/>
+                <a:ea typeface="Microsoft YaHei" panose="020B0503020204020204" pitchFamily="34" charset="-122"/>
+              </a:rPr>
+              <a:t>3</a:t>
+            </a:r>
+            <a:r>
+              <a:rPr lang="zh-CN" altLang="en-US" dirty="0">
+                <a:solidFill>
+                  <a:srgbClr val="333333"/>
+                </a:solidFill>
+                <a:latin typeface="Microsoft YaHei" panose="020B0503020204020204" pitchFamily="34" charset="-122"/>
+                <a:ea typeface="Microsoft YaHei" panose="020B0503020204020204" pitchFamily="34" charset="-122"/>
+              </a:rPr>
+              <a:t>、 不适合开源开发（开发人数非常非常多，但是</a:t>
+            </a:r>
+            <a:r>
+              <a:rPr lang="en-US" altLang="zh-CN" dirty="0">
+                <a:solidFill>
+                  <a:srgbClr val="333333"/>
+                </a:solidFill>
+                <a:latin typeface="Microsoft YaHei" panose="020B0503020204020204" pitchFamily="34" charset="-122"/>
+                <a:ea typeface="Microsoft YaHei" panose="020B0503020204020204" pitchFamily="34" charset="-122"/>
+              </a:rPr>
+              <a:t>Google app engine</a:t>
+            </a:r>
+            <a:r>
+              <a:rPr lang="zh-CN" altLang="en-US" dirty="0">
+                <a:solidFill>
+                  <a:srgbClr val="333333"/>
+                </a:solidFill>
+                <a:latin typeface="Microsoft YaHei" panose="020B0503020204020204" pitchFamily="34" charset="-122"/>
+                <a:ea typeface="Microsoft YaHei" panose="020B0503020204020204" pitchFamily="34" charset="-122"/>
+              </a:rPr>
+              <a:t>就是用</a:t>
+            </a:r>
+            <a:r>
+              <a:rPr lang="en-US" altLang="zh-CN" dirty="0" err="1">
+                <a:solidFill>
+                  <a:srgbClr val="333333"/>
+                </a:solidFill>
+                <a:latin typeface="Microsoft YaHei" panose="020B0503020204020204" pitchFamily="34" charset="-122"/>
+                <a:ea typeface="Microsoft YaHei" panose="020B0503020204020204" pitchFamily="34" charset="-122"/>
+              </a:rPr>
+              <a:t>svn</a:t>
+            </a:r>
+            <a:r>
+              <a:rPr lang="zh-CN" altLang="en-US" dirty="0">
+                <a:solidFill>
+                  <a:srgbClr val="333333"/>
+                </a:solidFill>
+                <a:latin typeface="Microsoft YaHei" panose="020B0503020204020204" pitchFamily="34" charset="-122"/>
+                <a:ea typeface="Microsoft YaHei" panose="020B0503020204020204" pitchFamily="34" charset="-122"/>
+              </a:rPr>
+              <a:t>的）。但是一般集中式管理的有非常明确的权限管理机制（例如分支访问限制），可以实现分层管理，从而很好的解决开发人数众多的问题。</a:t>
+            </a:r>
+            <a:endParaRPr lang="zh-CN" altLang="en-US" b="0" i="0" dirty="0">
+              <a:solidFill>
+                <a:srgbClr val="333333"/>
+              </a:solidFill>
+              <a:effectLst/>
+              <a:latin typeface="verdana" panose="020B0604030504040204" pitchFamily="34" charset="0"/>
+            </a:endParaRPr>
+          </a:p>
+        </p:txBody>
+      </p:sp>
+      <p:sp>
+        <p:nvSpPr>
+          <p:cNvPr id="7" name="矩形 6">
             <a:extLst>
               <a:ext uri="{FF2B5EF4-FFF2-40B4-BE49-F238E27FC236}">
-                <a16:creationId xmlns:a16="http://schemas.microsoft.com/office/drawing/2014/main" id="{36EEDDBF-8E93-490D-ADCF-0835FBC8C0B5}"/>
+                <a16:creationId xmlns:a16="http://schemas.microsoft.com/office/drawing/2014/main" id="{39D41C26-B28A-45EF-90CB-DFEF31CAC82E}"/>
               </a:ext>
             </a:extLst>
           </p:cNvPr>
-          <p:cNvSpPr>
-            <a:spLocks noGrp="1"/>
-          </p:cNvSpPr>
-          <p:nvPr>
-            <p:ph idx="1"/>
-          </p:nvPr>
-        </p:nvSpPr>
-        <p:spPr/>
-        <p:txBody>
-          <a:bodyPr/>
+          <p:cNvSpPr/>
+          <p:nvPr/>
+        </p:nvSpPr>
+        <p:spPr>
+          <a:xfrm>
+            <a:off x="6095999" y="834826"/>
+            <a:ext cx="5187519" cy="3416320"/>
+          </a:xfrm>
+          <a:prstGeom prst="rect">
+            <a:avLst/>
+          </a:prstGeom>
+        </p:spPr>
+        <p:txBody>
+          <a:bodyPr wrap="square">
+            <a:spAutoFit/>
+          </a:bodyPr>
           <a:lstStyle/>
           <a:p>
             <a:r>
-              <a:rPr lang="en-US" altLang="zh-CN" dirty="0"/>
-              <a:t>1.</a:t>
-            </a:r>
-            <a:r>
-              <a:rPr lang="zh-CN" altLang="en-US" dirty="0"/>
-              <a:t>自定义内容搜索</a:t>
-            </a:r>
-            <a:endParaRPr lang="en-US" altLang="zh-CN" dirty="0"/>
-          </a:p>
-          <a:p>
-            <a:r>
-              <a:rPr lang="en-US" altLang="zh-CN" dirty="0"/>
-              <a:t>2.entity</a:t>
-            </a:r>
-            <a:r>
-              <a:rPr lang="zh-CN" altLang="en-US" dirty="0"/>
-              <a:t>增删改查的封装</a:t>
-            </a:r>
-            <a:endParaRPr lang="en-US" altLang="zh-CN" dirty="0"/>
-          </a:p>
-          <a:p>
-            <a:r>
-              <a:rPr lang="en-US" altLang="zh-CN" dirty="0"/>
-              <a:t>3.</a:t>
-            </a:r>
-            <a:r>
-              <a:rPr lang="zh-CN" altLang="en-US" dirty="0"/>
-              <a:t>日志</a:t>
-            </a:r>
-            <a:r>
-              <a:rPr lang="en-US" altLang="zh-CN" dirty="0"/>
-              <a:t>(log4net)</a:t>
-            </a:r>
-          </a:p>
-          <a:p>
-            <a:r>
-              <a:rPr lang="en-US" altLang="zh-CN" dirty="0"/>
-              <a:t>4.</a:t>
-            </a:r>
-            <a:r>
-              <a:rPr lang="zh-CN" altLang="en-US" dirty="0"/>
-              <a:t>缓存</a:t>
-            </a:r>
-            <a:r>
-              <a:rPr lang="en-US" altLang="zh-CN" dirty="0"/>
-              <a:t>(</a:t>
-            </a:r>
-            <a:r>
-              <a:rPr lang="zh-CN" altLang="en-US" dirty="0"/>
-              <a:t>控制并发</a:t>
-            </a:r>
-            <a:r>
-              <a:rPr lang="en-US" altLang="zh-CN" dirty="0"/>
-              <a:t>,</a:t>
-            </a:r>
-            <a:r>
-              <a:rPr lang="en-US" altLang="zh-CN" dirty="0" err="1"/>
-              <a:t>Etag</a:t>
-            </a:r>
-            <a:r>
-              <a:rPr lang="zh-CN" altLang="en-US" dirty="0"/>
-              <a:t>验证器</a:t>
-            </a:r>
-            <a:r>
-              <a:rPr lang="en-US" altLang="zh-CN" dirty="0"/>
-              <a:t>)</a:t>
-            </a:r>
-          </a:p>
-          <a:p>
-            <a:r>
-              <a:rPr lang="en-US" altLang="zh-CN" dirty="0"/>
-              <a:t>5.swagger</a:t>
-            </a:r>
-          </a:p>
-          <a:p>
-            <a:r>
-              <a:rPr lang="en-US" altLang="zh-CN" dirty="0"/>
-              <a:t>6.xUnit(</a:t>
-            </a:r>
-            <a:r>
-              <a:rPr lang="zh-CN" altLang="en-US" dirty="0"/>
-              <a:t>单元测试</a:t>
-            </a:r>
-            <a:r>
-              <a:rPr lang="en-US" altLang="zh-CN" dirty="0"/>
-              <a:t>,</a:t>
-            </a:r>
-            <a:r>
-              <a:rPr lang="zh-CN" altLang="en-US" dirty="0"/>
-              <a:t>没时间就不做 了</a:t>
-            </a:r>
-            <a:r>
-              <a:rPr lang="en-US" altLang="zh-CN" dirty="0"/>
-              <a:t>)</a:t>
-            </a:r>
-          </a:p>
-          <a:p>
-            <a:endParaRPr lang="zh-CN" altLang="en-US" dirty="0"/>
+              <a:rPr lang="en-US" altLang="zh-CN" b="1" dirty="0">
+                <a:solidFill>
+                  <a:srgbClr val="333333"/>
+                </a:solidFill>
+                <a:latin typeface="Microsoft YaHei" panose="020B0503020204020204" pitchFamily="34" charset="-122"/>
+                <a:ea typeface="Microsoft YaHei" panose="020B0503020204020204" pitchFamily="34" charset="-122"/>
+              </a:rPr>
+              <a:t>2</a:t>
+            </a:r>
+            <a:r>
+              <a:rPr lang="zh-CN" altLang="en-US" b="1" dirty="0">
+                <a:solidFill>
+                  <a:srgbClr val="333333"/>
+                </a:solidFill>
+                <a:latin typeface="Microsoft YaHei" panose="020B0503020204020204" pitchFamily="34" charset="-122"/>
+                <a:ea typeface="Microsoft YaHei" panose="020B0503020204020204" pitchFamily="34" charset="-122"/>
+              </a:rPr>
+              <a:t>．</a:t>
+            </a:r>
+            <a:r>
+              <a:rPr lang="en-US" altLang="zh-CN" b="1" dirty="0">
+                <a:solidFill>
+                  <a:srgbClr val="333333"/>
+                </a:solidFill>
+                <a:latin typeface="Microsoft YaHei" panose="020B0503020204020204" pitchFamily="34" charset="-122"/>
+                <a:ea typeface="Microsoft YaHei" panose="020B0503020204020204" pitchFamily="34" charset="-122"/>
+              </a:rPr>
+              <a:t>Git</a:t>
+            </a:r>
+            <a:r>
+              <a:rPr lang="zh-CN" altLang="en-US" b="1" dirty="0">
+                <a:solidFill>
+                  <a:srgbClr val="333333"/>
+                </a:solidFill>
+                <a:latin typeface="Microsoft YaHei" panose="020B0503020204020204" pitchFamily="34" charset="-122"/>
+                <a:ea typeface="Microsoft YaHei" panose="020B0503020204020204" pitchFamily="34" charset="-122"/>
+              </a:rPr>
+              <a:t>优缺点</a:t>
+            </a:r>
+            <a:br>
+              <a:rPr lang="zh-CN" altLang="en-US" dirty="0">
+                <a:solidFill>
+                  <a:srgbClr val="333333"/>
+                </a:solidFill>
+                <a:latin typeface="verdana" panose="020B0604030504040204" pitchFamily="34" charset="0"/>
+              </a:rPr>
+            </a:br>
+            <a:r>
+              <a:rPr lang="zh-CN" altLang="en-US" dirty="0">
+                <a:solidFill>
+                  <a:srgbClr val="333333"/>
+                </a:solidFill>
+                <a:latin typeface="Microsoft YaHei" panose="020B0503020204020204" pitchFamily="34" charset="-122"/>
+                <a:ea typeface="Microsoft YaHei" panose="020B0503020204020204" pitchFamily="34" charset="-122"/>
+              </a:rPr>
+              <a:t>优点： </a:t>
+            </a:r>
+            <a:endParaRPr lang="zh-CN" altLang="en-US" dirty="0">
+              <a:solidFill>
+                <a:srgbClr val="333333"/>
+              </a:solidFill>
+              <a:latin typeface="verdana" panose="020B0604030504040204" pitchFamily="34" charset="0"/>
+            </a:endParaRPr>
+          </a:p>
+          <a:p>
+            <a:r>
+              <a:rPr lang="en-US" altLang="zh-CN" dirty="0">
+                <a:solidFill>
+                  <a:srgbClr val="333333"/>
+                </a:solidFill>
+                <a:latin typeface="Microsoft YaHei" panose="020B0503020204020204" pitchFamily="34" charset="-122"/>
+                <a:ea typeface="Microsoft YaHei" panose="020B0503020204020204" pitchFamily="34" charset="-122"/>
+              </a:rPr>
+              <a:t>1</a:t>
+            </a:r>
+            <a:r>
+              <a:rPr lang="zh-CN" altLang="en-US" dirty="0">
+                <a:solidFill>
+                  <a:srgbClr val="333333"/>
+                </a:solidFill>
+                <a:latin typeface="Microsoft YaHei" panose="020B0503020204020204" pitchFamily="34" charset="-122"/>
+                <a:ea typeface="Microsoft YaHei" panose="020B0503020204020204" pitchFamily="34" charset="-122"/>
+              </a:rPr>
+              <a:t>、适合分布式开发，强调个体。 </a:t>
+            </a:r>
+            <a:endParaRPr lang="zh-CN" altLang="en-US" dirty="0">
+              <a:solidFill>
+                <a:srgbClr val="333333"/>
+              </a:solidFill>
+              <a:latin typeface="verdana" panose="020B0604030504040204" pitchFamily="34" charset="0"/>
+            </a:endParaRPr>
+          </a:p>
+          <a:p>
+            <a:r>
+              <a:rPr lang="en-US" altLang="zh-CN" dirty="0">
+                <a:solidFill>
+                  <a:srgbClr val="333333"/>
+                </a:solidFill>
+                <a:latin typeface="Microsoft YaHei" panose="020B0503020204020204" pitchFamily="34" charset="-122"/>
+                <a:ea typeface="Microsoft YaHei" panose="020B0503020204020204" pitchFamily="34" charset="-122"/>
+              </a:rPr>
+              <a:t>2</a:t>
+            </a:r>
+            <a:r>
+              <a:rPr lang="zh-CN" altLang="en-US" dirty="0">
+                <a:solidFill>
+                  <a:srgbClr val="333333"/>
+                </a:solidFill>
+                <a:latin typeface="Microsoft YaHei" panose="020B0503020204020204" pitchFamily="34" charset="-122"/>
+                <a:ea typeface="Microsoft YaHei" panose="020B0503020204020204" pitchFamily="34" charset="-122"/>
+              </a:rPr>
+              <a:t>、公共服务器压力和数据量都不会太大。 </a:t>
+            </a:r>
+            <a:endParaRPr lang="zh-CN" altLang="en-US" dirty="0">
+              <a:solidFill>
+                <a:srgbClr val="333333"/>
+              </a:solidFill>
+              <a:latin typeface="verdana" panose="020B0604030504040204" pitchFamily="34" charset="0"/>
+            </a:endParaRPr>
+          </a:p>
+          <a:p>
+            <a:r>
+              <a:rPr lang="en-US" altLang="zh-CN" dirty="0">
+                <a:solidFill>
+                  <a:srgbClr val="333333"/>
+                </a:solidFill>
+                <a:latin typeface="Microsoft YaHei" panose="020B0503020204020204" pitchFamily="34" charset="-122"/>
+                <a:ea typeface="Microsoft YaHei" panose="020B0503020204020204" pitchFamily="34" charset="-122"/>
+              </a:rPr>
+              <a:t>3</a:t>
+            </a:r>
+            <a:r>
+              <a:rPr lang="zh-CN" altLang="en-US" dirty="0">
+                <a:solidFill>
+                  <a:srgbClr val="333333"/>
+                </a:solidFill>
+                <a:latin typeface="Microsoft YaHei" panose="020B0503020204020204" pitchFamily="34" charset="-122"/>
+                <a:ea typeface="Microsoft YaHei" panose="020B0503020204020204" pitchFamily="34" charset="-122"/>
+              </a:rPr>
+              <a:t>、速度快、灵活。 </a:t>
+            </a:r>
+            <a:endParaRPr lang="zh-CN" altLang="en-US" dirty="0">
+              <a:solidFill>
+                <a:srgbClr val="333333"/>
+              </a:solidFill>
+              <a:latin typeface="verdana" panose="020B0604030504040204" pitchFamily="34" charset="0"/>
+            </a:endParaRPr>
+          </a:p>
+          <a:p>
+            <a:r>
+              <a:rPr lang="en-US" altLang="zh-CN" dirty="0">
+                <a:solidFill>
+                  <a:srgbClr val="333333"/>
+                </a:solidFill>
+                <a:latin typeface="Microsoft YaHei" panose="020B0503020204020204" pitchFamily="34" charset="-122"/>
+                <a:ea typeface="Microsoft YaHei" panose="020B0503020204020204" pitchFamily="34" charset="-122"/>
+              </a:rPr>
+              <a:t>4</a:t>
+            </a:r>
+            <a:r>
+              <a:rPr lang="zh-CN" altLang="en-US" dirty="0">
+                <a:solidFill>
+                  <a:srgbClr val="333333"/>
+                </a:solidFill>
+                <a:latin typeface="Microsoft YaHei" panose="020B0503020204020204" pitchFamily="34" charset="-122"/>
+                <a:ea typeface="Microsoft YaHei" panose="020B0503020204020204" pitchFamily="34" charset="-122"/>
+              </a:rPr>
+              <a:t>、任意两个开发者之间可以很容易的解决冲突。 </a:t>
+            </a:r>
+            <a:endParaRPr lang="zh-CN" altLang="en-US" dirty="0">
+              <a:solidFill>
+                <a:srgbClr val="333333"/>
+              </a:solidFill>
+              <a:latin typeface="verdana" panose="020B0604030504040204" pitchFamily="34" charset="0"/>
+            </a:endParaRPr>
+          </a:p>
+          <a:p>
+            <a:r>
+              <a:rPr lang="en-US" altLang="zh-CN" dirty="0">
+                <a:solidFill>
+                  <a:srgbClr val="333333"/>
+                </a:solidFill>
+                <a:latin typeface="Microsoft YaHei" panose="020B0503020204020204" pitchFamily="34" charset="-122"/>
+                <a:ea typeface="Microsoft YaHei" panose="020B0503020204020204" pitchFamily="34" charset="-122"/>
+              </a:rPr>
+              <a:t>5</a:t>
+            </a:r>
+            <a:r>
+              <a:rPr lang="zh-CN" altLang="en-US" dirty="0">
+                <a:solidFill>
+                  <a:srgbClr val="333333"/>
+                </a:solidFill>
+                <a:latin typeface="Microsoft YaHei" panose="020B0503020204020204" pitchFamily="34" charset="-122"/>
+                <a:ea typeface="Microsoft YaHei" panose="020B0503020204020204" pitchFamily="34" charset="-122"/>
+              </a:rPr>
+              <a:t>、离线工作。 </a:t>
+            </a:r>
+            <a:endParaRPr lang="zh-CN" altLang="en-US" dirty="0">
+              <a:solidFill>
+                <a:srgbClr val="333333"/>
+              </a:solidFill>
+              <a:latin typeface="verdana" panose="020B0604030504040204" pitchFamily="34" charset="0"/>
+            </a:endParaRPr>
+          </a:p>
+          <a:p>
+            <a:r>
+              <a:rPr lang="zh-CN" altLang="en-US" dirty="0">
+                <a:solidFill>
+                  <a:srgbClr val="333333"/>
+                </a:solidFill>
+                <a:latin typeface="Microsoft YaHei" panose="020B0503020204020204" pitchFamily="34" charset="-122"/>
+                <a:ea typeface="Microsoft YaHei" panose="020B0503020204020204" pitchFamily="34" charset="-122"/>
+              </a:rPr>
+              <a:t>缺点： </a:t>
+            </a:r>
+            <a:endParaRPr lang="zh-CN" altLang="en-US" dirty="0">
+              <a:solidFill>
+                <a:srgbClr val="333333"/>
+              </a:solidFill>
+              <a:latin typeface="verdana" panose="020B0604030504040204" pitchFamily="34" charset="0"/>
+            </a:endParaRPr>
+          </a:p>
+          <a:p>
+            <a:r>
+              <a:rPr lang="en-US" altLang="zh-CN" dirty="0">
+                <a:solidFill>
+                  <a:srgbClr val="333333"/>
+                </a:solidFill>
+                <a:latin typeface="Microsoft YaHei" panose="020B0503020204020204" pitchFamily="34" charset="-122"/>
+                <a:ea typeface="Microsoft YaHei" panose="020B0503020204020204" pitchFamily="34" charset="-122"/>
+              </a:rPr>
+              <a:t>1</a:t>
+            </a:r>
+            <a:r>
+              <a:rPr lang="zh-CN" altLang="en-US" dirty="0">
+                <a:solidFill>
+                  <a:srgbClr val="333333"/>
+                </a:solidFill>
+                <a:latin typeface="Microsoft YaHei" panose="020B0503020204020204" pitchFamily="34" charset="-122"/>
+                <a:ea typeface="Microsoft YaHei" panose="020B0503020204020204" pitchFamily="34" charset="-122"/>
+              </a:rPr>
+              <a:t>、学习周期相对而言比较长。 </a:t>
+            </a:r>
+            <a:endParaRPr lang="zh-CN" altLang="en-US" dirty="0">
+              <a:solidFill>
+                <a:srgbClr val="333333"/>
+              </a:solidFill>
+              <a:latin typeface="verdana" panose="020B0604030504040204" pitchFamily="34" charset="0"/>
+            </a:endParaRPr>
+          </a:p>
+          <a:p>
+            <a:r>
+              <a:rPr lang="en-US" altLang="zh-CN" dirty="0">
+                <a:solidFill>
+                  <a:srgbClr val="333333"/>
+                </a:solidFill>
+                <a:latin typeface="Microsoft YaHei" panose="020B0503020204020204" pitchFamily="34" charset="-122"/>
+                <a:ea typeface="Microsoft YaHei" panose="020B0503020204020204" pitchFamily="34" charset="-122"/>
+              </a:rPr>
+              <a:t>2</a:t>
+            </a:r>
+            <a:r>
+              <a:rPr lang="zh-CN" altLang="en-US" dirty="0">
+                <a:solidFill>
+                  <a:srgbClr val="333333"/>
+                </a:solidFill>
+                <a:latin typeface="Microsoft YaHei" panose="020B0503020204020204" pitchFamily="34" charset="-122"/>
+                <a:ea typeface="Microsoft YaHei" panose="020B0503020204020204" pitchFamily="34" charset="-122"/>
+              </a:rPr>
+              <a:t>、不符合常规思维。 </a:t>
+            </a:r>
+            <a:endParaRPr lang="zh-CN" altLang="en-US" dirty="0">
+              <a:solidFill>
+                <a:srgbClr val="333333"/>
+              </a:solidFill>
+              <a:latin typeface="verdana" panose="020B0604030504040204" pitchFamily="34" charset="0"/>
+            </a:endParaRPr>
+          </a:p>
+          <a:p>
+            <a:r>
+              <a:rPr lang="en-US" altLang="zh-CN" dirty="0">
+                <a:solidFill>
+                  <a:srgbClr val="333333"/>
+                </a:solidFill>
+                <a:latin typeface="Microsoft YaHei" panose="020B0503020204020204" pitchFamily="34" charset="-122"/>
+                <a:ea typeface="Microsoft YaHei" panose="020B0503020204020204" pitchFamily="34" charset="-122"/>
+              </a:rPr>
+              <a:t>3</a:t>
+            </a:r>
+            <a:r>
+              <a:rPr lang="zh-CN" altLang="en-US" dirty="0">
+                <a:solidFill>
+                  <a:srgbClr val="333333"/>
+                </a:solidFill>
+                <a:latin typeface="Microsoft YaHei" panose="020B0503020204020204" pitchFamily="34" charset="-122"/>
+                <a:ea typeface="Microsoft YaHei" panose="020B0503020204020204" pitchFamily="34" charset="-122"/>
+              </a:rPr>
+              <a:t>、代码保密性差，一旦开发者把整个库克隆下来就可以完全公开所有代码和版本信息。</a:t>
+            </a:r>
+            <a:endParaRPr lang="zh-CN" altLang="en-US" b="0" i="0" dirty="0">
+              <a:solidFill>
+                <a:srgbClr val="333333"/>
+              </a:solidFill>
+              <a:effectLst/>
+              <a:latin typeface="verdana" panose="020B0604030504040204" pitchFamily="34" charset="0"/>
+            </a:endParaRPr>
           </a:p>
         </p:txBody>
       </p:sp>
     </p:spTree>
     <p:extLst>
       <p:ext uri="{BB962C8B-B14F-4D97-AF65-F5344CB8AC3E}">
-        <p14:creationId xmlns:p14="http://schemas.microsoft.com/office/powerpoint/2010/main" val="3178744829"/>
+        <p14:creationId xmlns:p14="http://schemas.microsoft.com/office/powerpoint/2010/main" val="2372553731"/>
       </p:ext>
     </p:extLst>
   </p:cSld>
@@ -8378,714 +8872,495 @@
       </p:grpSpPr>
       <p:sp>
         <p:nvSpPr>
-          <p:cNvPr id="6" name="矩形 5">
+          <p:cNvPr id="5" name="标题 4">
             <a:extLst>
               <a:ext uri="{FF2B5EF4-FFF2-40B4-BE49-F238E27FC236}">
-                <a16:creationId xmlns:a16="http://schemas.microsoft.com/office/drawing/2014/main" id="{53DE26ED-D84F-4074-8557-F90C6FFD9756}"/>
+                <a16:creationId xmlns:a16="http://schemas.microsoft.com/office/drawing/2014/main" id="{F97F2EF3-4830-4E94-BD03-F5E16AFFCAA0}"/>
               </a:ext>
             </a:extLst>
           </p:cNvPr>
-          <p:cNvSpPr/>
-          <p:nvPr/>
-        </p:nvSpPr>
-        <p:spPr>
-          <a:xfrm>
-            <a:off x="278167" y="834826"/>
-            <a:ext cx="5643239" cy="4524315"/>
-          </a:xfrm>
-          <a:prstGeom prst="rect">
-            <a:avLst/>
-          </a:prstGeom>
-        </p:spPr>
-        <p:txBody>
-          <a:bodyPr wrap="square">
-            <a:spAutoFit/>
-          </a:bodyPr>
+          <p:cNvSpPr>
+            <a:spLocks noGrp="1"/>
+          </p:cNvSpPr>
+          <p:nvPr>
+            <p:ph type="title"/>
+          </p:nvPr>
+        </p:nvSpPr>
+        <p:spPr/>
+        <p:txBody>
+          <a:bodyPr/>
           <a:lstStyle/>
           <a:p>
             <a:r>
-              <a:rPr lang="en-US" altLang="zh-CN" b="1" dirty="0">
-                <a:solidFill>
-                  <a:srgbClr val="333333"/>
-                </a:solidFill>
-                <a:latin typeface="Microsoft YaHei" panose="020B0503020204020204" pitchFamily="34" charset="-122"/>
-                <a:ea typeface="Microsoft YaHei" panose="020B0503020204020204" pitchFamily="34" charset="-122"/>
-              </a:rPr>
-              <a:t>1</a:t>
-            </a:r>
-            <a:r>
-              <a:rPr lang="zh-CN" altLang="en-US" b="1" dirty="0">
-                <a:solidFill>
-                  <a:srgbClr val="333333"/>
-                </a:solidFill>
-                <a:latin typeface="Microsoft YaHei" panose="020B0503020204020204" pitchFamily="34" charset="-122"/>
-                <a:ea typeface="Microsoft YaHei" panose="020B0503020204020204" pitchFamily="34" charset="-122"/>
-              </a:rPr>
-              <a:t>．</a:t>
-            </a:r>
-            <a:r>
-              <a:rPr lang="en-US" altLang="zh-CN" b="1" dirty="0">
-                <a:solidFill>
-                  <a:srgbClr val="333333"/>
-                </a:solidFill>
-                <a:latin typeface="Microsoft YaHei" panose="020B0503020204020204" pitchFamily="34" charset="-122"/>
-                <a:ea typeface="Microsoft YaHei" panose="020B0503020204020204" pitchFamily="34" charset="-122"/>
-              </a:rPr>
-              <a:t>SVN</a:t>
-            </a:r>
-            <a:r>
-              <a:rPr lang="zh-CN" altLang="en-US" b="1" dirty="0">
-                <a:solidFill>
-                  <a:srgbClr val="333333"/>
-                </a:solidFill>
-                <a:latin typeface="Microsoft YaHei" panose="020B0503020204020204" pitchFamily="34" charset="-122"/>
-                <a:ea typeface="Microsoft YaHei" panose="020B0503020204020204" pitchFamily="34" charset="-122"/>
-              </a:rPr>
-              <a:t>优缺点</a:t>
-            </a:r>
-            <a:endParaRPr lang="zh-CN" altLang="en-US" dirty="0">
-              <a:solidFill>
-                <a:srgbClr val="333333"/>
-              </a:solidFill>
-              <a:latin typeface="verdana" panose="020B0604030504040204" pitchFamily="34" charset="0"/>
-            </a:endParaRPr>
-          </a:p>
-          <a:p>
-            <a:r>
-              <a:rPr lang="zh-CN" altLang="en-US" dirty="0">
-                <a:solidFill>
-                  <a:srgbClr val="333333"/>
-                </a:solidFill>
-                <a:latin typeface="Microsoft YaHei" panose="020B0503020204020204" pitchFamily="34" charset="-122"/>
-                <a:ea typeface="Microsoft YaHei" panose="020B0503020204020204" pitchFamily="34" charset="-122"/>
-              </a:rPr>
-              <a:t>优点： </a:t>
-            </a:r>
-            <a:endParaRPr lang="zh-CN" altLang="en-US" dirty="0">
-              <a:solidFill>
-                <a:srgbClr val="333333"/>
-              </a:solidFill>
-              <a:latin typeface="verdana" panose="020B0604030504040204" pitchFamily="34" charset="0"/>
-            </a:endParaRPr>
-          </a:p>
-          <a:p>
-            <a:r>
-              <a:rPr lang="en-US" altLang="zh-CN" dirty="0">
-                <a:solidFill>
-                  <a:srgbClr val="333333"/>
-                </a:solidFill>
-                <a:latin typeface="Microsoft YaHei" panose="020B0503020204020204" pitchFamily="34" charset="-122"/>
-                <a:ea typeface="Microsoft YaHei" panose="020B0503020204020204" pitchFamily="34" charset="-122"/>
-              </a:rPr>
-              <a:t>1</a:t>
-            </a:r>
-            <a:r>
-              <a:rPr lang="zh-CN" altLang="en-US" dirty="0">
-                <a:solidFill>
-                  <a:srgbClr val="333333"/>
-                </a:solidFill>
-                <a:latin typeface="Microsoft YaHei" panose="020B0503020204020204" pitchFamily="34" charset="-122"/>
-                <a:ea typeface="Microsoft YaHei" panose="020B0503020204020204" pitchFamily="34" charset="-122"/>
-              </a:rPr>
-              <a:t>、 管理方便，逻辑明确，符合一般人思维习惯。 </a:t>
-            </a:r>
-            <a:endParaRPr lang="zh-CN" altLang="en-US" dirty="0">
-              <a:solidFill>
-                <a:srgbClr val="333333"/>
-              </a:solidFill>
-              <a:latin typeface="verdana" panose="020B0604030504040204" pitchFamily="34" charset="0"/>
-            </a:endParaRPr>
-          </a:p>
-          <a:p>
-            <a:r>
-              <a:rPr lang="en-US" altLang="zh-CN" dirty="0">
-                <a:solidFill>
-                  <a:srgbClr val="333333"/>
-                </a:solidFill>
-                <a:latin typeface="Microsoft YaHei" panose="020B0503020204020204" pitchFamily="34" charset="-122"/>
-                <a:ea typeface="Microsoft YaHei" panose="020B0503020204020204" pitchFamily="34" charset="-122"/>
-              </a:rPr>
-              <a:t>2</a:t>
-            </a:r>
-            <a:r>
-              <a:rPr lang="zh-CN" altLang="en-US" dirty="0">
-                <a:solidFill>
-                  <a:srgbClr val="333333"/>
-                </a:solidFill>
-                <a:latin typeface="Microsoft YaHei" panose="020B0503020204020204" pitchFamily="34" charset="-122"/>
-                <a:ea typeface="Microsoft YaHei" panose="020B0503020204020204" pitchFamily="34" charset="-122"/>
-              </a:rPr>
-              <a:t>、 易于管理，集中式服务器更能保证安全性。 </a:t>
-            </a:r>
-            <a:endParaRPr lang="zh-CN" altLang="en-US" dirty="0">
-              <a:solidFill>
-                <a:srgbClr val="333333"/>
-              </a:solidFill>
-              <a:latin typeface="verdana" panose="020B0604030504040204" pitchFamily="34" charset="0"/>
-            </a:endParaRPr>
-          </a:p>
-          <a:p>
-            <a:r>
-              <a:rPr lang="en-US" altLang="zh-CN" dirty="0">
-                <a:solidFill>
-                  <a:srgbClr val="333333"/>
-                </a:solidFill>
-                <a:latin typeface="Microsoft YaHei" panose="020B0503020204020204" pitchFamily="34" charset="-122"/>
-                <a:ea typeface="Microsoft YaHei" panose="020B0503020204020204" pitchFamily="34" charset="-122"/>
-              </a:rPr>
-              <a:t>3</a:t>
-            </a:r>
-            <a:r>
-              <a:rPr lang="zh-CN" altLang="en-US" dirty="0">
-                <a:solidFill>
-                  <a:srgbClr val="333333"/>
-                </a:solidFill>
-                <a:latin typeface="Microsoft YaHei" panose="020B0503020204020204" pitchFamily="34" charset="-122"/>
-                <a:ea typeface="Microsoft YaHei" panose="020B0503020204020204" pitchFamily="34" charset="-122"/>
-              </a:rPr>
-              <a:t>、 代码一致性非常高。 </a:t>
-            </a:r>
-            <a:endParaRPr lang="zh-CN" altLang="en-US" dirty="0">
-              <a:solidFill>
-                <a:srgbClr val="333333"/>
-              </a:solidFill>
-              <a:latin typeface="verdana" panose="020B0604030504040204" pitchFamily="34" charset="0"/>
-            </a:endParaRPr>
-          </a:p>
-          <a:p>
-            <a:r>
-              <a:rPr lang="en-US" altLang="zh-CN" dirty="0">
-                <a:solidFill>
-                  <a:srgbClr val="333333"/>
-                </a:solidFill>
-                <a:latin typeface="Microsoft YaHei" panose="020B0503020204020204" pitchFamily="34" charset="-122"/>
-                <a:ea typeface="Microsoft YaHei" panose="020B0503020204020204" pitchFamily="34" charset="-122"/>
-              </a:rPr>
-              <a:t>4</a:t>
-            </a:r>
-            <a:r>
-              <a:rPr lang="zh-CN" altLang="en-US" dirty="0">
-                <a:solidFill>
-                  <a:srgbClr val="333333"/>
-                </a:solidFill>
-                <a:latin typeface="Microsoft YaHei" panose="020B0503020204020204" pitchFamily="34" charset="-122"/>
-                <a:ea typeface="Microsoft YaHei" panose="020B0503020204020204" pitchFamily="34" charset="-122"/>
-              </a:rPr>
-              <a:t>、 适合开发人数不多的项目开发。 </a:t>
-            </a:r>
-            <a:endParaRPr lang="zh-CN" altLang="en-US" dirty="0">
-              <a:solidFill>
-                <a:srgbClr val="333333"/>
-              </a:solidFill>
-              <a:latin typeface="verdana" panose="020B0604030504040204" pitchFamily="34" charset="0"/>
-            </a:endParaRPr>
-          </a:p>
-          <a:p>
-            <a:r>
-              <a:rPr lang="zh-CN" altLang="en-US" dirty="0">
-                <a:solidFill>
-                  <a:srgbClr val="333333"/>
-                </a:solidFill>
-                <a:latin typeface="Microsoft YaHei" panose="020B0503020204020204" pitchFamily="34" charset="-122"/>
-                <a:ea typeface="Microsoft YaHei" panose="020B0503020204020204" pitchFamily="34" charset="-122"/>
-              </a:rPr>
-              <a:t>缺点： </a:t>
-            </a:r>
-            <a:endParaRPr lang="zh-CN" altLang="en-US" dirty="0">
-              <a:solidFill>
-                <a:srgbClr val="333333"/>
-              </a:solidFill>
-              <a:latin typeface="verdana" panose="020B0604030504040204" pitchFamily="34" charset="0"/>
-            </a:endParaRPr>
-          </a:p>
-          <a:p>
-            <a:r>
-              <a:rPr lang="en-US" altLang="zh-CN" dirty="0">
-                <a:solidFill>
-                  <a:srgbClr val="333333"/>
-                </a:solidFill>
-                <a:latin typeface="Microsoft YaHei" panose="020B0503020204020204" pitchFamily="34" charset="-122"/>
-                <a:ea typeface="Microsoft YaHei" panose="020B0503020204020204" pitchFamily="34" charset="-122"/>
-              </a:rPr>
-              <a:t>1</a:t>
-            </a:r>
-            <a:r>
-              <a:rPr lang="zh-CN" altLang="en-US" dirty="0">
-                <a:solidFill>
-                  <a:srgbClr val="333333"/>
-                </a:solidFill>
-                <a:latin typeface="Microsoft YaHei" panose="020B0503020204020204" pitchFamily="34" charset="-122"/>
-                <a:ea typeface="Microsoft YaHei" panose="020B0503020204020204" pitchFamily="34" charset="-122"/>
-              </a:rPr>
-              <a:t>、 服务器压力太大，数据库容量暴增。 </a:t>
-            </a:r>
-            <a:endParaRPr lang="zh-CN" altLang="en-US" dirty="0">
-              <a:solidFill>
-                <a:srgbClr val="333333"/>
-              </a:solidFill>
-              <a:latin typeface="verdana" panose="020B0604030504040204" pitchFamily="34" charset="0"/>
-            </a:endParaRPr>
-          </a:p>
-          <a:p>
-            <a:r>
-              <a:rPr lang="en-US" altLang="zh-CN" dirty="0">
-                <a:solidFill>
-                  <a:srgbClr val="333333"/>
-                </a:solidFill>
-                <a:latin typeface="Microsoft YaHei" panose="020B0503020204020204" pitchFamily="34" charset="-122"/>
-                <a:ea typeface="Microsoft YaHei" panose="020B0503020204020204" pitchFamily="34" charset="-122"/>
-              </a:rPr>
-              <a:t>2</a:t>
-            </a:r>
-            <a:r>
-              <a:rPr lang="zh-CN" altLang="en-US" dirty="0">
-                <a:solidFill>
-                  <a:srgbClr val="333333"/>
-                </a:solidFill>
-                <a:latin typeface="Microsoft YaHei" panose="020B0503020204020204" pitchFamily="34" charset="-122"/>
-                <a:ea typeface="Microsoft YaHei" panose="020B0503020204020204" pitchFamily="34" charset="-122"/>
-              </a:rPr>
-              <a:t>、 如果不能连接到服务器上，基本上不可以工作</a:t>
-            </a:r>
-            <a:r>
-              <a:rPr lang="en-US" altLang="zh-CN" dirty="0">
-                <a:solidFill>
-                  <a:srgbClr val="333333"/>
-                </a:solidFill>
-                <a:latin typeface="Microsoft YaHei" panose="020B0503020204020204" pitchFamily="34" charset="-122"/>
-                <a:ea typeface="Microsoft YaHei" panose="020B0503020204020204" pitchFamily="34" charset="-122"/>
-              </a:rPr>
-              <a:t>, </a:t>
-            </a:r>
-            <a:r>
-              <a:rPr lang="zh-CN" altLang="en-US" dirty="0">
-                <a:solidFill>
-                  <a:srgbClr val="333333"/>
-                </a:solidFill>
-                <a:latin typeface="Microsoft YaHei" panose="020B0503020204020204" pitchFamily="34" charset="-122"/>
-                <a:ea typeface="Microsoft YaHei" panose="020B0503020204020204" pitchFamily="34" charset="-122"/>
-              </a:rPr>
-              <a:t>如果服务器不能连接上，就不能提交，还原，对比等等。 </a:t>
-            </a:r>
-            <a:endParaRPr lang="zh-CN" altLang="en-US" dirty="0">
-              <a:solidFill>
-                <a:srgbClr val="333333"/>
-              </a:solidFill>
-              <a:latin typeface="verdana" panose="020B0604030504040204" pitchFamily="34" charset="0"/>
-            </a:endParaRPr>
-          </a:p>
-          <a:p>
-            <a:r>
-              <a:rPr lang="en-US" altLang="zh-CN" dirty="0">
-                <a:solidFill>
-                  <a:srgbClr val="333333"/>
-                </a:solidFill>
-                <a:latin typeface="Microsoft YaHei" panose="020B0503020204020204" pitchFamily="34" charset="-122"/>
-                <a:ea typeface="Microsoft YaHei" panose="020B0503020204020204" pitchFamily="34" charset="-122"/>
-              </a:rPr>
-              <a:t>3</a:t>
-            </a:r>
-            <a:r>
-              <a:rPr lang="zh-CN" altLang="en-US" dirty="0">
-                <a:solidFill>
-                  <a:srgbClr val="333333"/>
-                </a:solidFill>
-                <a:latin typeface="Microsoft YaHei" panose="020B0503020204020204" pitchFamily="34" charset="-122"/>
-                <a:ea typeface="Microsoft YaHei" panose="020B0503020204020204" pitchFamily="34" charset="-122"/>
-              </a:rPr>
-              <a:t>、 不适合开源开发（开发人数非常非常多，但是</a:t>
-            </a:r>
-            <a:r>
-              <a:rPr lang="en-US" altLang="zh-CN" dirty="0">
-                <a:solidFill>
-                  <a:srgbClr val="333333"/>
-                </a:solidFill>
-                <a:latin typeface="Microsoft YaHei" panose="020B0503020204020204" pitchFamily="34" charset="-122"/>
-                <a:ea typeface="Microsoft YaHei" panose="020B0503020204020204" pitchFamily="34" charset="-122"/>
-              </a:rPr>
-              <a:t>Google app engine</a:t>
-            </a:r>
-            <a:r>
-              <a:rPr lang="zh-CN" altLang="en-US" dirty="0">
-                <a:solidFill>
-                  <a:srgbClr val="333333"/>
-                </a:solidFill>
-                <a:latin typeface="Microsoft YaHei" panose="020B0503020204020204" pitchFamily="34" charset="-122"/>
-                <a:ea typeface="Microsoft YaHei" panose="020B0503020204020204" pitchFamily="34" charset="-122"/>
-              </a:rPr>
-              <a:t>就是用</a:t>
-            </a:r>
-            <a:r>
-              <a:rPr lang="en-US" altLang="zh-CN" dirty="0" err="1">
-                <a:solidFill>
-                  <a:srgbClr val="333333"/>
-                </a:solidFill>
-                <a:latin typeface="Microsoft YaHei" panose="020B0503020204020204" pitchFamily="34" charset="-122"/>
-                <a:ea typeface="Microsoft YaHei" panose="020B0503020204020204" pitchFamily="34" charset="-122"/>
-              </a:rPr>
-              <a:t>svn</a:t>
-            </a:r>
-            <a:r>
-              <a:rPr lang="zh-CN" altLang="en-US" dirty="0">
-                <a:solidFill>
-                  <a:srgbClr val="333333"/>
-                </a:solidFill>
-                <a:latin typeface="Microsoft YaHei" panose="020B0503020204020204" pitchFamily="34" charset="-122"/>
-                <a:ea typeface="Microsoft YaHei" panose="020B0503020204020204" pitchFamily="34" charset="-122"/>
-              </a:rPr>
-              <a:t>的）。但是一般集中式管理的有非常明确的权限管理机制（例如分支访问限制），可以实现分层管理，从而很好的解决开发人数众多的问题。</a:t>
-            </a:r>
-            <a:endParaRPr lang="zh-CN" altLang="en-US" b="0" i="0" dirty="0">
-              <a:solidFill>
-                <a:srgbClr val="333333"/>
-              </a:solidFill>
-              <a:effectLst/>
-              <a:latin typeface="verdana" panose="020B0604030504040204" pitchFamily="34" charset="0"/>
-            </a:endParaRPr>
-          </a:p>
-        </p:txBody>
-      </p:sp>
-      <p:sp>
-        <p:nvSpPr>
-          <p:cNvPr id="7" name="矩形 6">
+              <a:rPr lang="zh-CN" altLang="en-US" dirty="0"/>
+              <a:t>本周计划</a:t>
+            </a:r>
+            <a:r>
+              <a:rPr lang="en-US" altLang="zh-CN" dirty="0"/>
+              <a:t>(6.15~6.19)</a:t>
+            </a:r>
+            <a:endParaRPr lang="zh-CN" altLang="en-US" dirty="0"/>
+          </a:p>
+        </p:txBody>
+      </p:sp>
+      <p:sp>
+        <p:nvSpPr>
+          <p:cNvPr id="6" name="内容占位符 5">
             <a:extLst>
               <a:ext uri="{FF2B5EF4-FFF2-40B4-BE49-F238E27FC236}">
-                <a16:creationId xmlns:a16="http://schemas.microsoft.com/office/drawing/2014/main" id="{39D41C26-B28A-45EF-90CB-DFEF31CAC82E}"/>
+                <a16:creationId xmlns:a16="http://schemas.microsoft.com/office/drawing/2014/main" id="{71A12AFE-278A-4675-B26E-8F38CFDD15D3}"/>
               </a:ext>
             </a:extLst>
           </p:cNvPr>
-          <p:cNvSpPr/>
-          <p:nvPr/>
-        </p:nvSpPr>
-        <p:spPr>
-          <a:xfrm>
-            <a:off x="6095999" y="834826"/>
-            <a:ext cx="5187519" cy="3416320"/>
-          </a:xfrm>
-          <a:prstGeom prst="rect">
-            <a:avLst/>
-          </a:prstGeom>
-        </p:spPr>
-        <p:txBody>
-          <a:bodyPr wrap="square">
-            <a:spAutoFit/>
-          </a:bodyPr>
+          <p:cNvSpPr>
+            <a:spLocks noGrp="1"/>
+          </p:cNvSpPr>
+          <p:nvPr>
+            <p:ph idx="1"/>
+          </p:nvPr>
+        </p:nvSpPr>
+        <p:spPr/>
+        <p:txBody>
+          <a:bodyPr/>
           <a:lstStyle/>
           <a:p>
             <a:r>
-              <a:rPr lang="en-US" altLang="zh-CN" b="1" dirty="0">
-                <a:solidFill>
-                  <a:srgbClr val="333333"/>
-                </a:solidFill>
-                <a:latin typeface="Microsoft YaHei" panose="020B0503020204020204" pitchFamily="34" charset="-122"/>
-                <a:ea typeface="Microsoft YaHei" panose="020B0503020204020204" pitchFamily="34" charset="-122"/>
-              </a:rPr>
-              <a:t>2</a:t>
-            </a:r>
-            <a:r>
-              <a:rPr lang="zh-CN" altLang="en-US" b="1" dirty="0">
-                <a:solidFill>
-                  <a:srgbClr val="333333"/>
-                </a:solidFill>
-                <a:latin typeface="Microsoft YaHei" panose="020B0503020204020204" pitchFamily="34" charset="-122"/>
-                <a:ea typeface="Microsoft YaHei" panose="020B0503020204020204" pitchFamily="34" charset="-122"/>
-              </a:rPr>
-              <a:t>．</a:t>
-            </a:r>
-            <a:r>
-              <a:rPr lang="en-US" altLang="zh-CN" b="1" dirty="0">
-                <a:solidFill>
-                  <a:srgbClr val="333333"/>
-                </a:solidFill>
-                <a:latin typeface="Microsoft YaHei" panose="020B0503020204020204" pitchFamily="34" charset="-122"/>
-                <a:ea typeface="Microsoft YaHei" panose="020B0503020204020204" pitchFamily="34" charset="-122"/>
-              </a:rPr>
-              <a:t>Git</a:t>
-            </a:r>
-            <a:r>
-              <a:rPr lang="zh-CN" altLang="en-US" b="1" dirty="0">
-                <a:solidFill>
-                  <a:srgbClr val="333333"/>
-                </a:solidFill>
-                <a:latin typeface="Microsoft YaHei" panose="020B0503020204020204" pitchFamily="34" charset="-122"/>
-                <a:ea typeface="Microsoft YaHei" panose="020B0503020204020204" pitchFamily="34" charset="-122"/>
-              </a:rPr>
-              <a:t>优缺点</a:t>
-            </a:r>
-            <a:br>
-              <a:rPr lang="zh-CN" altLang="en-US" dirty="0">
-                <a:solidFill>
-                  <a:srgbClr val="333333"/>
-                </a:solidFill>
-                <a:latin typeface="verdana" panose="020B0604030504040204" pitchFamily="34" charset="0"/>
-              </a:rPr>
-            </a:br>
-            <a:r>
-              <a:rPr lang="zh-CN" altLang="en-US" dirty="0">
-                <a:solidFill>
-                  <a:srgbClr val="333333"/>
-                </a:solidFill>
-                <a:latin typeface="Microsoft YaHei" panose="020B0503020204020204" pitchFamily="34" charset="-122"/>
-                <a:ea typeface="Microsoft YaHei" panose="020B0503020204020204" pitchFamily="34" charset="-122"/>
-              </a:rPr>
-              <a:t>优点： </a:t>
-            </a:r>
-            <a:endParaRPr lang="zh-CN" altLang="en-US" dirty="0">
-              <a:solidFill>
-                <a:srgbClr val="333333"/>
-              </a:solidFill>
-              <a:latin typeface="verdana" panose="020B0604030504040204" pitchFamily="34" charset="0"/>
-            </a:endParaRPr>
-          </a:p>
-          <a:p>
-            <a:r>
-              <a:rPr lang="en-US" altLang="zh-CN" dirty="0">
-                <a:solidFill>
-                  <a:srgbClr val="333333"/>
-                </a:solidFill>
-                <a:latin typeface="Microsoft YaHei" panose="020B0503020204020204" pitchFamily="34" charset="-122"/>
-                <a:ea typeface="Microsoft YaHei" panose="020B0503020204020204" pitchFamily="34" charset="-122"/>
-              </a:rPr>
-              <a:t>1</a:t>
-            </a:r>
-            <a:r>
-              <a:rPr lang="zh-CN" altLang="en-US" dirty="0">
-                <a:solidFill>
-                  <a:srgbClr val="333333"/>
-                </a:solidFill>
-                <a:latin typeface="Microsoft YaHei" panose="020B0503020204020204" pitchFamily="34" charset="-122"/>
-                <a:ea typeface="Microsoft YaHei" panose="020B0503020204020204" pitchFamily="34" charset="-122"/>
-              </a:rPr>
-              <a:t>、适合分布式开发，强调个体。 </a:t>
-            </a:r>
-            <a:endParaRPr lang="zh-CN" altLang="en-US" dirty="0">
-              <a:solidFill>
-                <a:srgbClr val="333333"/>
-              </a:solidFill>
-              <a:latin typeface="verdana" panose="020B0604030504040204" pitchFamily="34" charset="0"/>
-            </a:endParaRPr>
-          </a:p>
-          <a:p>
-            <a:r>
-              <a:rPr lang="en-US" altLang="zh-CN" dirty="0">
-                <a:solidFill>
-                  <a:srgbClr val="333333"/>
-                </a:solidFill>
-                <a:latin typeface="Microsoft YaHei" panose="020B0503020204020204" pitchFamily="34" charset="-122"/>
-                <a:ea typeface="Microsoft YaHei" panose="020B0503020204020204" pitchFamily="34" charset="-122"/>
-              </a:rPr>
-              <a:t>2</a:t>
-            </a:r>
-            <a:r>
-              <a:rPr lang="zh-CN" altLang="en-US" dirty="0">
-                <a:solidFill>
-                  <a:srgbClr val="333333"/>
-                </a:solidFill>
-                <a:latin typeface="Microsoft YaHei" panose="020B0503020204020204" pitchFamily="34" charset="-122"/>
-                <a:ea typeface="Microsoft YaHei" panose="020B0503020204020204" pitchFamily="34" charset="-122"/>
-              </a:rPr>
-              <a:t>、公共服务器压力和数据量都不会太大。 </a:t>
-            </a:r>
-            <a:endParaRPr lang="zh-CN" altLang="en-US" dirty="0">
-              <a:solidFill>
-                <a:srgbClr val="333333"/>
-              </a:solidFill>
-              <a:latin typeface="verdana" panose="020B0604030504040204" pitchFamily="34" charset="0"/>
-            </a:endParaRPr>
-          </a:p>
-          <a:p>
-            <a:r>
-              <a:rPr lang="en-US" altLang="zh-CN" dirty="0">
-                <a:solidFill>
-                  <a:srgbClr val="333333"/>
-                </a:solidFill>
-                <a:latin typeface="Microsoft YaHei" panose="020B0503020204020204" pitchFamily="34" charset="-122"/>
-                <a:ea typeface="Microsoft YaHei" panose="020B0503020204020204" pitchFamily="34" charset="-122"/>
-              </a:rPr>
-              <a:t>3</a:t>
-            </a:r>
-            <a:r>
-              <a:rPr lang="zh-CN" altLang="en-US" dirty="0">
-                <a:solidFill>
-                  <a:srgbClr val="333333"/>
-                </a:solidFill>
-                <a:latin typeface="Microsoft YaHei" panose="020B0503020204020204" pitchFamily="34" charset="-122"/>
-                <a:ea typeface="Microsoft YaHei" panose="020B0503020204020204" pitchFamily="34" charset="-122"/>
-              </a:rPr>
-              <a:t>、速度快、灵活。 </a:t>
-            </a:r>
-            <a:endParaRPr lang="zh-CN" altLang="en-US" dirty="0">
-              <a:solidFill>
-                <a:srgbClr val="333333"/>
-              </a:solidFill>
-              <a:latin typeface="verdana" panose="020B0604030504040204" pitchFamily="34" charset="0"/>
-            </a:endParaRPr>
-          </a:p>
-          <a:p>
-            <a:r>
-              <a:rPr lang="en-US" altLang="zh-CN" dirty="0">
-                <a:solidFill>
-                  <a:srgbClr val="333333"/>
-                </a:solidFill>
-                <a:latin typeface="Microsoft YaHei" panose="020B0503020204020204" pitchFamily="34" charset="-122"/>
-                <a:ea typeface="Microsoft YaHei" panose="020B0503020204020204" pitchFamily="34" charset="-122"/>
-              </a:rPr>
-              <a:t>4</a:t>
-            </a:r>
-            <a:r>
-              <a:rPr lang="zh-CN" altLang="en-US" dirty="0">
-                <a:solidFill>
-                  <a:srgbClr val="333333"/>
-                </a:solidFill>
-                <a:latin typeface="Microsoft YaHei" panose="020B0503020204020204" pitchFamily="34" charset="-122"/>
-                <a:ea typeface="Microsoft YaHei" panose="020B0503020204020204" pitchFamily="34" charset="-122"/>
-              </a:rPr>
-              <a:t>、任意两个开发者之间可以很容易的解决冲突。 </a:t>
-            </a:r>
-            <a:endParaRPr lang="zh-CN" altLang="en-US" dirty="0">
-              <a:solidFill>
-                <a:srgbClr val="333333"/>
-              </a:solidFill>
-              <a:latin typeface="verdana" panose="020B0604030504040204" pitchFamily="34" charset="0"/>
-            </a:endParaRPr>
-          </a:p>
-          <a:p>
-            <a:r>
-              <a:rPr lang="en-US" altLang="zh-CN" dirty="0">
-                <a:solidFill>
-                  <a:srgbClr val="333333"/>
-                </a:solidFill>
-                <a:latin typeface="Microsoft YaHei" panose="020B0503020204020204" pitchFamily="34" charset="-122"/>
-                <a:ea typeface="Microsoft YaHei" panose="020B0503020204020204" pitchFamily="34" charset="-122"/>
-              </a:rPr>
-              <a:t>5</a:t>
-            </a:r>
-            <a:r>
-              <a:rPr lang="zh-CN" altLang="en-US" dirty="0">
-                <a:solidFill>
-                  <a:srgbClr val="333333"/>
-                </a:solidFill>
-                <a:latin typeface="Microsoft YaHei" panose="020B0503020204020204" pitchFamily="34" charset="-122"/>
-                <a:ea typeface="Microsoft YaHei" panose="020B0503020204020204" pitchFamily="34" charset="-122"/>
-              </a:rPr>
-              <a:t>、离线工作。 </a:t>
-            </a:r>
-            <a:endParaRPr lang="zh-CN" altLang="en-US" dirty="0">
-              <a:solidFill>
-                <a:srgbClr val="333333"/>
-              </a:solidFill>
-              <a:latin typeface="verdana" panose="020B0604030504040204" pitchFamily="34" charset="0"/>
-            </a:endParaRPr>
-          </a:p>
-          <a:p>
-            <a:r>
-              <a:rPr lang="zh-CN" altLang="en-US" dirty="0">
-                <a:solidFill>
-                  <a:srgbClr val="333333"/>
-                </a:solidFill>
-                <a:latin typeface="Microsoft YaHei" panose="020B0503020204020204" pitchFamily="34" charset="-122"/>
-                <a:ea typeface="Microsoft YaHei" panose="020B0503020204020204" pitchFamily="34" charset="-122"/>
-              </a:rPr>
-              <a:t>缺点： </a:t>
-            </a:r>
-            <a:endParaRPr lang="zh-CN" altLang="en-US" dirty="0">
-              <a:solidFill>
-                <a:srgbClr val="333333"/>
-              </a:solidFill>
-              <a:latin typeface="verdana" panose="020B0604030504040204" pitchFamily="34" charset="0"/>
-            </a:endParaRPr>
-          </a:p>
-          <a:p>
-            <a:r>
-              <a:rPr lang="en-US" altLang="zh-CN" dirty="0">
-                <a:solidFill>
-                  <a:srgbClr val="333333"/>
-                </a:solidFill>
-                <a:latin typeface="Microsoft YaHei" panose="020B0503020204020204" pitchFamily="34" charset="-122"/>
-                <a:ea typeface="Microsoft YaHei" panose="020B0503020204020204" pitchFamily="34" charset="-122"/>
-              </a:rPr>
-              <a:t>1</a:t>
-            </a:r>
-            <a:r>
-              <a:rPr lang="zh-CN" altLang="en-US" dirty="0">
-                <a:solidFill>
-                  <a:srgbClr val="333333"/>
-                </a:solidFill>
-                <a:latin typeface="Microsoft YaHei" panose="020B0503020204020204" pitchFamily="34" charset="-122"/>
-                <a:ea typeface="Microsoft YaHei" panose="020B0503020204020204" pitchFamily="34" charset="-122"/>
-              </a:rPr>
-              <a:t>、学习周期相对而言比较长。 </a:t>
-            </a:r>
-            <a:endParaRPr lang="zh-CN" altLang="en-US" dirty="0">
-              <a:solidFill>
-                <a:srgbClr val="333333"/>
-              </a:solidFill>
-              <a:latin typeface="verdana" panose="020B0604030504040204" pitchFamily="34" charset="0"/>
-            </a:endParaRPr>
-          </a:p>
-          <a:p>
-            <a:r>
-              <a:rPr lang="en-US" altLang="zh-CN" dirty="0">
-                <a:solidFill>
-                  <a:srgbClr val="333333"/>
-                </a:solidFill>
-                <a:latin typeface="Microsoft YaHei" panose="020B0503020204020204" pitchFamily="34" charset="-122"/>
-                <a:ea typeface="Microsoft YaHei" panose="020B0503020204020204" pitchFamily="34" charset="-122"/>
-              </a:rPr>
-              <a:t>2</a:t>
-            </a:r>
-            <a:r>
-              <a:rPr lang="zh-CN" altLang="en-US" dirty="0">
-                <a:solidFill>
-                  <a:srgbClr val="333333"/>
-                </a:solidFill>
-                <a:latin typeface="Microsoft YaHei" panose="020B0503020204020204" pitchFamily="34" charset="-122"/>
-                <a:ea typeface="Microsoft YaHei" panose="020B0503020204020204" pitchFamily="34" charset="-122"/>
-              </a:rPr>
-              <a:t>、不符合常规思维。 </a:t>
-            </a:r>
-            <a:endParaRPr lang="zh-CN" altLang="en-US" dirty="0">
-              <a:solidFill>
-                <a:srgbClr val="333333"/>
-              </a:solidFill>
-              <a:latin typeface="verdana" panose="020B0604030504040204" pitchFamily="34" charset="0"/>
-            </a:endParaRPr>
-          </a:p>
-          <a:p>
-            <a:r>
-              <a:rPr lang="en-US" altLang="zh-CN" dirty="0">
-                <a:solidFill>
-                  <a:srgbClr val="333333"/>
-                </a:solidFill>
-                <a:latin typeface="Microsoft YaHei" panose="020B0503020204020204" pitchFamily="34" charset="-122"/>
-                <a:ea typeface="Microsoft YaHei" panose="020B0503020204020204" pitchFamily="34" charset="-122"/>
-              </a:rPr>
-              <a:t>3</a:t>
-            </a:r>
-            <a:r>
-              <a:rPr lang="zh-CN" altLang="en-US" dirty="0">
-                <a:solidFill>
-                  <a:srgbClr val="333333"/>
-                </a:solidFill>
-                <a:latin typeface="Microsoft YaHei" panose="020B0503020204020204" pitchFamily="34" charset="-122"/>
-                <a:ea typeface="Microsoft YaHei" panose="020B0503020204020204" pitchFamily="34" charset="-122"/>
-              </a:rPr>
-              <a:t>、代码保密性差，一旦开发者把整个库克隆下来就可以完全公开所有代码和版本信息。</a:t>
-            </a:r>
-            <a:endParaRPr lang="zh-CN" altLang="en-US" b="0" i="0" dirty="0">
-              <a:solidFill>
-                <a:srgbClr val="333333"/>
-              </a:solidFill>
-              <a:effectLst/>
-              <a:latin typeface="verdana" panose="020B0604030504040204" pitchFamily="34" charset="0"/>
-            </a:endParaRPr>
+              <a:rPr lang="en-US" altLang="zh-CN" dirty="0"/>
+              <a:t>1.aop</a:t>
+            </a:r>
+            <a:r>
+              <a:rPr lang="zh-CN" altLang="en-US" dirty="0"/>
+              <a:t>框架内容</a:t>
+            </a:r>
+            <a:r>
+              <a:rPr lang="en-US" altLang="zh-CN" dirty="0"/>
+              <a:t>,</a:t>
+            </a:r>
+            <a:r>
+              <a:rPr lang="zh-CN" altLang="en-US" dirty="0"/>
+              <a:t>自定义</a:t>
+            </a:r>
+            <a:r>
+              <a:rPr lang="en-US" altLang="zh-CN" dirty="0"/>
+              <a:t>filter(</a:t>
+            </a:r>
+            <a:r>
+              <a:rPr lang="zh-CN" altLang="en-US" dirty="0"/>
+              <a:t>拓展重点</a:t>
+            </a:r>
+            <a:r>
+              <a:rPr lang="en-US" altLang="zh-CN" dirty="0"/>
+              <a:t>,</a:t>
+            </a:r>
+            <a:r>
+              <a:rPr lang="zh-CN" altLang="en-US" dirty="0"/>
+              <a:t>横向编程都在这做</a:t>
+            </a:r>
+            <a:r>
+              <a:rPr lang="en-US" altLang="zh-CN" dirty="0"/>
+              <a:t>)</a:t>
+            </a:r>
+          </a:p>
+          <a:p>
+            <a:r>
+              <a:rPr lang="en-US" altLang="zh-CN" dirty="0"/>
+              <a:t>2.</a:t>
+            </a:r>
+            <a:r>
+              <a:rPr lang="zh-CN" altLang="en-US" dirty="0"/>
+              <a:t>内容协商 </a:t>
+            </a:r>
+            <a:r>
+              <a:rPr lang="en-US" altLang="zh-CN" dirty="0"/>
+              <a:t>(</a:t>
+            </a:r>
+            <a:r>
+              <a:rPr lang="zh-CN" altLang="en-US" dirty="0"/>
+              <a:t>主要是</a:t>
+            </a:r>
+            <a:r>
+              <a:rPr lang="en-US" altLang="zh-CN" dirty="0"/>
+              <a:t>json</a:t>
+            </a:r>
+            <a:r>
+              <a:rPr lang="zh-CN" altLang="en-US" dirty="0"/>
+              <a:t>格式</a:t>
+            </a:r>
+            <a:r>
+              <a:rPr lang="en-US" altLang="zh-CN" dirty="0"/>
+              <a:t>,</a:t>
+            </a:r>
+            <a:r>
+              <a:rPr lang="zh-CN" altLang="en-US" dirty="0"/>
+              <a:t>加了</a:t>
+            </a:r>
+            <a:r>
+              <a:rPr lang="en-US" altLang="zh-CN" dirty="0" err="1"/>
+              <a:t>xml,hateoas</a:t>
+            </a:r>
+            <a:r>
+              <a:rPr lang="en-US" altLang="zh-CN" dirty="0"/>
+              <a:t>(</a:t>
+            </a:r>
+            <a:r>
+              <a:rPr lang="zh-CN" altLang="en-US" dirty="0"/>
+              <a:t>驱动应用程序的超链接</a:t>
+            </a:r>
+            <a:r>
+              <a:rPr lang="en-US" altLang="zh-CN" dirty="0"/>
+              <a:t>),</a:t>
+            </a:r>
+            <a:r>
+              <a:rPr lang="zh-CN" altLang="en-US" dirty="0"/>
+              <a:t>模型验证消息</a:t>
+            </a:r>
+            <a:r>
+              <a:rPr lang="en-US" altLang="zh-CN" dirty="0"/>
+              <a:t>,</a:t>
+            </a:r>
+            <a:r>
+              <a:rPr lang="zh-CN" altLang="en-US" dirty="0"/>
+              <a:t>没有写</a:t>
+            </a:r>
+            <a:r>
+              <a:rPr lang="en-US" altLang="zh-CN" dirty="0"/>
+              <a:t>link)</a:t>
+            </a:r>
+          </a:p>
+          <a:p>
+            <a:r>
+              <a:rPr lang="en-US" altLang="zh-CN" dirty="0"/>
+              <a:t>3.</a:t>
+            </a:r>
+            <a:r>
+              <a:rPr lang="zh-CN" altLang="en-US" dirty="0"/>
+              <a:t>数据塑性 </a:t>
+            </a:r>
+            <a:r>
+              <a:rPr lang="en-US" altLang="zh-CN" dirty="0"/>
+              <a:t>(</a:t>
+            </a:r>
+            <a:r>
+              <a:rPr lang="zh-CN" altLang="en-US" dirty="0"/>
+              <a:t>只能单层</a:t>
+            </a:r>
+            <a:r>
+              <a:rPr lang="en-US" altLang="zh-CN" dirty="0"/>
+              <a:t>) </a:t>
+            </a:r>
+            <a:r>
+              <a:rPr lang="zh-CN" altLang="en-US" dirty="0"/>
+              <a:t>例如</a:t>
+            </a:r>
+            <a:r>
+              <a:rPr lang="en-US" altLang="zh-CN" dirty="0"/>
+              <a:t>fields=</a:t>
+            </a:r>
+            <a:r>
+              <a:rPr lang="en-US" altLang="zh-CN" dirty="0" err="1"/>
+              <a:t>name,age,sex</a:t>
+            </a:r>
+            <a:endParaRPr lang="en-US" altLang="zh-CN" dirty="0"/>
+          </a:p>
+          <a:p>
+            <a:r>
+              <a:rPr lang="en-US" altLang="zh-CN" dirty="0"/>
+              <a:t>4.wcf</a:t>
+            </a:r>
+            <a:r>
+              <a:rPr lang="zh-CN" altLang="en-US" dirty="0"/>
+              <a:t>的适配器 </a:t>
+            </a:r>
+            <a:r>
+              <a:rPr lang="en-US" altLang="zh-CN" dirty="0"/>
+              <a:t>(</a:t>
+            </a:r>
+            <a:r>
+              <a:rPr lang="zh-CN" altLang="en-US" dirty="0"/>
+              <a:t>只做了关联</a:t>
+            </a:r>
+            <a:r>
+              <a:rPr lang="en-US" altLang="zh-CN" dirty="0"/>
+              <a:t>,</a:t>
+            </a:r>
+            <a:r>
+              <a:rPr lang="zh-CN" altLang="en-US" dirty="0"/>
+              <a:t>逻辑没写</a:t>
+            </a:r>
+            <a:r>
+              <a:rPr lang="en-US" altLang="zh-CN" dirty="0"/>
+              <a:t>)</a:t>
+            </a:r>
+          </a:p>
+          <a:p>
+            <a:r>
+              <a:rPr lang="en-US" altLang="zh-CN" dirty="0"/>
+              <a:t>5.</a:t>
+            </a:r>
+            <a:r>
+              <a:rPr lang="zh-CN" altLang="en-US" dirty="0"/>
+              <a:t>自定义</a:t>
+            </a:r>
+            <a:r>
+              <a:rPr lang="en-US" altLang="zh-CN" dirty="0"/>
+              <a:t>model</a:t>
+            </a:r>
+            <a:r>
+              <a:rPr lang="zh-CN" altLang="en-US" dirty="0"/>
+              <a:t>绑定 </a:t>
+            </a:r>
+            <a:r>
+              <a:rPr lang="en-US" altLang="zh-CN" dirty="0"/>
+              <a:t>(</a:t>
+            </a:r>
+            <a:r>
+              <a:rPr lang="zh-CN" altLang="en-US" dirty="0"/>
+              <a:t>查询多个</a:t>
+            </a:r>
+            <a:r>
+              <a:rPr lang="en-US" altLang="zh-CN" dirty="0"/>
+              <a:t>id</a:t>
+            </a:r>
+            <a:r>
+              <a:rPr lang="zh-CN" altLang="en-US" dirty="0"/>
+              <a:t>的数据</a:t>
+            </a:r>
+            <a:r>
+              <a:rPr lang="en-US" altLang="zh-CN" dirty="0"/>
+              <a:t>) </a:t>
+            </a:r>
+            <a:r>
+              <a:rPr lang="zh-CN" altLang="en-US" dirty="0"/>
+              <a:t>例如</a:t>
+            </a:r>
+            <a:r>
+              <a:rPr lang="en-US" altLang="zh-CN" dirty="0"/>
+              <a:t>ids=1,2,3</a:t>
+            </a:r>
+          </a:p>
+          <a:p>
+            <a:r>
+              <a:rPr lang="en-US" altLang="zh-CN" dirty="0"/>
+              <a:t>6.AutoMapper</a:t>
+            </a:r>
+          </a:p>
+          <a:p>
+            <a:r>
+              <a:rPr lang="en-US" altLang="zh-CN" dirty="0"/>
+              <a:t>7.</a:t>
+            </a:r>
+            <a:r>
+              <a:rPr lang="zh-CN" altLang="en-US" dirty="0"/>
+              <a:t>做了单资源的增删改查</a:t>
+            </a:r>
+            <a:r>
+              <a:rPr lang="en-US" altLang="zh-CN" dirty="0"/>
+              <a:t>(</a:t>
+            </a:r>
+            <a:r>
+              <a:rPr lang="zh-CN" altLang="en-US" dirty="0"/>
+              <a:t>没有写父子资源的嵌套</a:t>
+            </a:r>
+            <a:r>
+              <a:rPr lang="en-US" altLang="zh-CN" dirty="0"/>
+              <a:t>)</a:t>
+            </a:r>
           </a:p>
         </p:txBody>
       </p:sp>
     </p:spTree>
     <p:extLst>
       <p:ext uri="{BB962C8B-B14F-4D97-AF65-F5344CB8AC3E}">
-        <p14:creationId xmlns:p14="http://schemas.microsoft.com/office/powerpoint/2010/main" val="2372553731"/>
+        <p14:creationId xmlns:p14="http://schemas.microsoft.com/office/powerpoint/2010/main" val="857984851"/>
+      </p:ext>
+    </p:extLst>
+  </p:cSld>
+  <p:clrMapOvr>
+    <a:masterClrMapping/>
+  </p:clrMapOvr>
+</p:sld>
+</file>
+
+<file path=ppt/slides/slide17.xml><?xml version="1.0" encoding="utf-8"?>
+<p:sld xmlns:a="http://schemas.openxmlformats.org/drawingml/2006/main" xmlns:r="http://schemas.openxmlformats.org/officeDocument/2006/relationships" xmlns:p="http://schemas.openxmlformats.org/presentationml/2006/main">
+  <p:cSld>
+    <p:spTree>
+      <p:nvGrpSpPr>
+        <p:cNvPr id="1" name=""/>
+        <p:cNvGrpSpPr/>
+        <p:nvPr/>
+      </p:nvGrpSpPr>
+      <p:grpSpPr>
+        <a:xfrm>
+          <a:off x="0" y="0"/>
+          <a:ext cx="0" cy="0"/>
+          <a:chOff x="0" y="0"/>
+          <a:chExt cx="0" cy="0"/>
+        </a:xfrm>
+      </p:grpSpPr>
+      <p:sp>
+        <p:nvSpPr>
+          <p:cNvPr id="2" name="标题 1">
+            <a:extLst>
+              <a:ext uri="{FF2B5EF4-FFF2-40B4-BE49-F238E27FC236}">
+                <a16:creationId xmlns:a16="http://schemas.microsoft.com/office/drawing/2014/main" id="{971F9CAC-375C-447C-BFF7-7DD237D0504F}"/>
+              </a:ext>
+            </a:extLst>
+          </p:cNvPr>
+          <p:cNvSpPr>
+            <a:spLocks noGrp="1"/>
+          </p:cNvSpPr>
+          <p:nvPr>
+            <p:ph type="title"/>
+          </p:nvPr>
+        </p:nvSpPr>
+        <p:spPr/>
+        <p:txBody>
+          <a:bodyPr/>
+          <a:lstStyle/>
+          <a:p>
+            <a:r>
+              <a:rPr lang="zh-CN" altLang="en-US" dirty="0"/>
+              <a:t>本周计划</a:t>
+            </a:r>
+            <a:r>
+              <a:rPr lang="en-US" altLang="zh-CN" dirty="0"/>
+              <a:t>(6.22~29)</a:t>
+            </a:r>
+            <a:br>
+              <a:rPr lang="en-US" altLang="zh-CN" dirty="0"/>
+            </a:br>
+            <a:endParaRPr lang="zh-CN" altLang="en-US" dirty="0"/>
+          </a:p>
+        </p:txBody>
+      </p:sp>
+      <p:sp>
+        <p:nvSpPr>
+          <p:cNvPr id="3" name="内容占位符 2">
+            <a:extLst>
+              <a:ext uri="{FF2B5EF4-FFF2-40B4-BE49-F238E27FC236}">
+                <a16:creationId xmlns:a16="http://schemas.microsoft.com/office/drawing/2014/main" id="{36EEDDBF-8E93-490D-ADCF-0835FBC8C0B5}"/>
+              </a:ext>
+            </a:extLst>
+          </p:cNvPr>
+          <p:cNvSpPr>
+            <a:spLocks noGrp="1"/>
+          </p:cNvSpPr>
+          <p:nvPr>
+            <p:ph idx="1"/>
+          </p:nvPr>
+        </p:nvSpPr>
+        <p:spPr/>
+        <p:txBody>
+          <a:bodyPr/>
+          <a:lstStyle/>
+          <a:p>
+            <a:r>
+              <a:rPr lang="en-US" altLang="zh-CN" dirty="0"/>
+              <a:t>1.</a:t>
+            </a:r>
+            <a:r>
+              <a:rPr lang="zh-CN" altLang="en-US" dirty="0"/>
+              <a:t>自定义内容搜索</a:t>
+            </a:r>
+            <a:endParaRPr lang="en-US" altLang="zh-CN" dirty="0"/>
+          </a:p>
+          <a:p>
+            <a:r>
+              <a:rPr lang="en-US" altLang="zh-CN" dirty="0"/>
+              <a:t>2.entity</a:t>
+            </a:r>
+            <a:r>
+              <a:rPr lang="zh-CN" altLang="en-US" dirty="0"/>
+              <a:t>单资源增删改查的封装</a:t>
+            </a:r>
+            <a:endParaRPr lang="en-US" altLang="zh-CN" dirty="0"/>
+          </a:p>
+          <a:p>
+            <a:r>
+              <a:rPr lang="en-US" altLang="zh-CN" dirty="0"/>
+              <a:t>3.</a:t>
+            </a:r>
+            <a:r>
+              <a:rPr lang="zh-CN" altLang="en-US" dirty="0"/>
+              <a:t>日志</a:t>
+            </a:r>
+            <a:r>
+              <a:rPr lang="en-US" altLang="zh-CN" dirty="0"/>
+              <a:t>(log4net)</a:t>
+            </a:r>
+          </a:p>
+          <a:p>
+            <a:r>
+              <a:rPr lang="en-US" altLang="zh-CN" dirty="0"/>
+              <a:t>4.</a:t>
+            </a:r>
+            <a:r>
+              <a:rPr lang="zh-CN" altLang="en-US" dirty="0"/>
+              <a:t>缓存</a:t>
+            </a:r>
+            <a:r>
+              <a:rPr lang="en-US" altLang="zh-CN" dirty="0"/>
+              <a:t>(</a:t>
+            </a:r>
+            <a:r>
+              <a:rPr lang="zh-CN" altLang="en-US" dirty="0"/>
+              <a:t>控制并发</a:t>
+            </a:r>
+            <a:r>
+              <a:rPr lang="en-US" altLang="zh-CN" dirty="0"/>
+              <a:t>,</a:t>
+            </a:r>
+            <a:r>
+              <a:rPr lang="en-US" altLang="zh-CN" dirty="0" err="1"/>
+              <a:t>Etag</a:t>
+            </a:r>
+            <a:r>
+              <a:rPr lang="zh-CN" altLang="en-US" dirty="0"/>
+              <a:t>验证器</a:t>
+            </a:r>
+            <a:r>
+              <a:rPr lang="en-US" altLang="zh-CN" dirty="0"/>
+              <a:t>)</a:t>
+            </a:r>
+          </a:p>
+          <a:p>
+            <a:r>
+              <a:rPr lang="en-US" altLang="zh-CN" dirty="0"/>
+              <a:t>5.swagger</a:t>
+            </a:r>
+          </a:p>
+          <a:p>
+            <a:r>
+              <a:rPr lang="en-US" altLang="zh-CN" dirty="0"/>
+              <a:t>6.xUnit(</a:t>
+            </a:r>
+            <a:r>
+              <a:rPr lang="zh-CN" altLang="en-US" dirty="0"/>
+              <a:t>单元测试</a:t>
+            </a:r>
+            <a:r>
+              <a:rPr lang="en-US" altLang="zh-CN" dirty="0"/>
+              <a:t>,</a:t>
+            </a:r>
+            <a:r>
+              <a:rPr lang="zh-CN" altLang="en-US" dirty="0"/>
+              <a:t>没时间就不做 了</a:t>
+            </a:r>
+            <a:r>
+              <a:rPr lang="en-US" altLang="zh-CN" dirty="0"/>
+              <a:t>)</a:t>
+            </a:r>
+          </a:p>
+          <a:p>
+            <a:endParaRPr lang="zh-CN" altLang="en-US" dirty="0"/>
+          </a:p>
+        </p:txBody>
+      </p:sp>
+    </p:spTree>
+    <p:extLst>
+      <p:ext uri="{BB962C8B-B14F-4D97-AF65-F5344CB8AC3E}">
+        <p14:creationId xmlns:p14="http://schemas.microsoft.com/office/powerpoint/2010/main" val="3178744829"/>
       </p:ext>
     </p:extLst>
   </p:cSld>
@@ -9128,7 +9403,12 @@
             <p:ph type="title"/>
           </p:nvPr>
         </p:nvSpPr>
-        <p:spPr/>
+        <p:spPr>
+          <a:xfrm>
+            <a:off x="677334" y="609600"/>
+            <a:ext cx="8596668" cy="874944"/>
+          </a:xfrm>
+        </p:spPr>
         <p:txBody>
           <a:bodyPr/>
           <a:lstStyle/>
@@ -9156,9 +9436,16 @@
             <p:ph idx="1"/>
           </p:nvPr>
         </p:nvSpPr>
-        <p:spPr/>
-        <p:txBody>
-          <a:bodyPr/>
+        <p:spPr>
+          <a:xfrm>
+            <a:off x="677334" y="1484545"/>
+            <a:ext cx="8596668" cy="4889622"/>
+          </a:xfrm>
+        </p:spPr>
+        <p:txBody>
+          <a:bodyPr>
+            <a:normAutofit fontScale="92500" lnSpcReduction="20000"/>
+          </a:bodyPr>
           <a:lstStyle/>
           <a:p>
             <a:r>
@@ -9238,123 +9525,279 @@
               <a:rPr lang="zh-CN" altLang="en-US" dirty="0"/>
               <a:t>权限验证是否写在管道中</a:t>
             </a:r>
+            <a:r>
+              <a:rPr lang="en-US" altLang="zh-CN" dirty="0"/>
+              <a:t>(</a:t>
+            </a:r>
+            <a:r>
+              <a:rPr lang="zh-CN" altLang="en-US" dirty="0"/>
+              <a:t>拆分逻辑就写在切面</a:t>
+            </a:r>
+            <a:r>
+              <a:rPr lang="en-US" altLang="zh-CN" dirty="0"/>
+              <a:t>,</a:t>
+            </a:r>
+            <a:r>
+              <a:rPr lang="zh-CN" altLang="en-US" dirty="0"/>
+              <a:t>每个方法都要验证就在写中间件内</a:t>
+            </a:r>
+            <a:r>
+              <a:rPr lang="en-US" altLang="zh-CN" dirty="0"/>
+              <a:t>)</a:t>
+            </a:r>
+          </a:p>
+          <a:p>
+            <a:r>
+              <a:rPr lang="en-US" altLang="zh-CN" dirty="0"/>
+              <a:t>4.</a:t>
+            </a:r>
+            <a:r>
+              <a:rPr lang="zh-CN" altLang="en-US" dirty="0"/>
+              <a:t>内容协商部分</a:t>
+            </a:r>
+            <a:r>
+              <a:rPr lang="en-US" altLang="zh-CN" dirty="0"/>
+              <a:t>:</a:t>
+            </a:r>
+            <a:r>
+              <a:rPr lang="zh-CN" altLang="en-US" dirty="0"/>
+              <a:t>实体验证</a:t>
+            </a:r>
+            <a:r>
+              <a:rPr lang="en-US" altLang="zh-CN" dirty="0"/>
+              <a:t> </a:t>
+            </a:r>
+            <a:r>
+              <a:rPr lang="zh-CN" altLang="en-US" dirty="0"/>
+              <a:t>返回</a:t>
+            </a:r>
+            <a:r>
+              <a:rPr lang="en-US" altLang="zh-CN" dirty="0"/>
+              <a:t>422</a:t>
+            </a:r>
+            <a:r>
+              <a:rPr lang="zh-CN" altLang="en-US" dirty="0"/>
+              <a:t>  验证模型</a:t>
+            </a:r>
+            <a:r>
+              <a:rPr lang="en-US" altLang="zh-CN" dirty="0"/>
+              <a:t>??</a:t>
+            </a:r>
+            <a:r>
+              <a:rPr lang="zh-CN" altLang="en-US" dirty="0"/>
+              <a:t> </a:t>
+            </a:r>
             <a:endParaRPr lang="en-US" altLang="zh-CN" dirty="0"/>
           </a:p>
           <a:p>
             <a:r>
               <a:rPr lang="en-US" altLang="zh-CN" dirty="0"/>
-              <a:t>4.</a:t>
-            </a:r>
-            <a:r>
-              <a:rPr lang="zh-CN" altLang="en-US" dirty="0"/>
-              <a:t>内容协商部分</a:t>
-            </a:r>
-            <a:r>
-              <a:rPr lang="en-US" altLang="zh-CN" dirty="0"/>
-              <a:t>:</a:t>
-            </a:r>
-            <a:r>
-              <a:rPr lang="zh-CN" altLang="en-US" dirty="0"/>
-              <a:t>实体验证</a:t>
-            </a:r>
-            <a:r>
-              <a:rPr lang="en-US" altLang="zh-CN" dirty="0"/>
-              <a:t> </a:t>
-            </a:r>
-            <a:r>
-              <a:rPr lang="zh-CN" altLang="en-US" dirty="0"/>
-              <a:t>返回</a:t>
-            </a:r>
-            <a:r>
-              <a:rPr lang="en-US" altLang="zh-CN" dirty="0"/>
-              <a:t>422</a:t>
-            </a:r>
-            <a:r>
-              <a:rPr lang="zh-CN" altLang="en-US" dirty="0"/>
-              <a:t>  验证模型</a:t>
-            </a:r>
-            <a:r>
-              <a:rPr lang="en-US" altLang="zh-CN" dirty="0"/>
-              <a:t>??</a:t>
-            </a:r>
-            <a:r>
-              <a:rPr lang="zh-CN" altLang="en-US" dirty="0"/>
-              <a:t>前端做就不加</a:t>
+              <a:t>5.</a:t>
+            </a:r>
+            <a:r>
+              <a:rPr lang="zh-CN" altLang="en-US" dirty="0"/>
+              <a:t>缓存</a:t>
+            </a:r>
+            <a:r>
+              <a:rPr lang="en-US" altLang="zh-CN" dirty="0"/>
+              <a:t>?</a:t>
+            </a:r>
+            <a:r>
+              <a:rPr lang="zh-CN" altLang="en-US" dirty="0"/>
+              <a:t>控制并发的部分</a:t>
+            </a:r>
+            <a:endParaRPr lang="en-US" altLang="zh-CN" dirty="0"/>
+          </a:p>
+          <a:p>
+            <a:pPr marL="0" indent="0">
+              <a:buNone/>
+            </a:pPr>
+            <a:endParaRPr lang="en-US" altLang="zh-CN" dirty="0"/>
+          </a:p>
+          <a:p>
+            <a:r>
+              <a:rPr lang="en-US" altLang="zh-CN" dirty="0"/>
+              <a:t>6.git</a:t>
+            </a:r>
+            <a:r>
+              <a:rPr lang="zh-CN" altLang="en-US" dirty="0"/>
+              <a:t>适合代码管理</a:t>
             </a:r>
             <a:r>
               <a:rPr lang="en-US" altLang="zh-CN" dirty="0"/>
               <a:t>,</a:t>
-            </a:r>
-            <a:r>
-              <a:rPr lang="zh-CN" altLang="en-US" dirty="0"/>
-              <a:t>后端做就要加</a:t>
-            </a:r>
-            <a:endParaRPr lang="en-US" altLang="zh-CN" dirty="0"/>
-          </a:p>
-          <a:p>
-            <a:r>
-              <a:rPr lang="en-US" altLang="zh-CN" dirty="0"/>
-              <a:t>5.</a:t>
-            </a:r>
-            <a:r>
-              <a:rPr lang="zh-CN" altLang="en-US" dirty="0"/>
-              <a:t>缓存</a:t>
-            </a:r>
-            <a:r>
-              <a:rPr lang="en-US" altLang="zh-CN" dirty="0"/>
-              <a:t>?</a:t>
-            </a:r>
-            <a:r>
-              <a:rPr lang="zh-CN" altLang="en-US" dirty="0"/>
-              <a:t>控制并发的部分</a:t>
-            </a:r>
-            <a:endParaRPr lang="en-US" altLang="zh-CN" dirty="0"/>
-          </a:p>
-          <a:p>
-            <a:r>
-              <a:rPr lang="en-US" altLang="zh-CN" dirty="0"/>
-              <a:t>6.git </a:t>
             </a:r>
             <a:r>
               <a:rPr lang="en-US" altLang="zh-CN" dirty="0" err="1"/>
               <a:t>svn</a:t>
             </a:r>
             <a:r>
-              <a:rPr lang="en-US" altLang="zh-CN" dirty="0"/>
-              <a:t>(git</a:t>
-            </a:r>
-            <a:r>
-              <a:rPr lang="zh-CN" altLang="en-US" dirty="0"/>
-              <a:t>适用于代码管理</a:t>
+              <a:rPr lang="zh-CN" altLang="en-US" dirty="0"/>
+              <a:t>适合项目管理</a:t>
             </a:r>
             <a:r>
               <a:rPr lang="en-US" altLang="zh-CN" dirty="0"/>
               <a:t>,</a:t>
-            </a:r>
-            <a:r>
-              <a:rPr lang="en-US" altLang="zh-CN" dirty="0" err="1"/>
-              <a:t>svn</a:t>
-            </a:r>
-            <a:r>
-              <a:rPr lang="zh-CN" altLang="en-US" dirty="0"/>
-              <a:t>适用于项目管理</a:t>
-            </a:r>
-            <a:r>
-              <a:rPr lang="en-US" altLang="zh-CN" dirty="0"/>
-              <a:t>) </a:t>
             </a:r>
             <a:r>
               <a:rPr lang="en-US" altLang="zh-CN" dirty="0" err="1"/>
               <a:t>tfs</a:t>
             </a:r>
             <a:r>
-              <a:rPr lang="en-US" altLang="zh-CN" dirty="0"/>
-              <a:t>?</a:t>
-            </a:r>
-            <a:r>
-              <a:rPr lang="zh-CN" altLang="en-US" dirty="0"/>
-              <a:t>我是微软脑残粉</a:t>
-            </a:r>
+              <a:rPr lang="zh-CN" altLang="en-US" dirty="0"/>
+              <a:t>都兼顾</a:t>
+            </a:r>
+            <a:r>
+              <a:rPr lang="en-US" altLang="zh-CN" dirty="0"/>
+              <a:t>(</a:t>
+            </a:r>
+            <a:r>
+              <a:rPr lang="zh-CN" altLang="en-US" dirty="0"/>
+              <a:t>没人用了</a:t>
+            </a:r>
+            <a:r>
+              <a:rPr lang="en-US" altLang="zh-CN" dirty="0"/>
+              <a:t>,</a:t>
+            </a:r>
+            <a:r>
+              <a:rPr lang="zh-CN" altLang="en-US" dirty="0"/>
+              <a:t>只有少数</a:t>
+            </a:r>
+            <a:r>
+              <a:rPr lang="en-US" altLang="zh-CN" dirty="0" err="1"/>
+              <a:t>.net</a:t>
+            </a:r>
+            <a:r>
+              <a:rPr lang="zh-CN" altLang="en-US" dirty="0"/>
+              <a:t>用</a:t>
+            </a:r>
+            <a:r>
+              <a:rPr lang="en-US" altLang="zh-CN" dirty="0"/>
+              <a:t>)</a:t>
+            </a:r>
+          </a:p>
+          <a:p>
+            <a:r>
+              <a:rPr lang="en-US" altLang="zh-CN" dirty="0"/>
+              <a:t>7.CI/CD?</a:t>
+            </a:r>
+          </a:p>
+          <a:p>
+            <a:r>
+              <a:rPr lang="en-US" altLang="zh-CN" dirty="0"/>
+              <a:t>8.</a:t>
+            </a:r>
+            <a:r>
+              <a:rPr lang="zh-CN" altLang="en-US" dirty="0"/>
+              <a:t>现在项目的授权安全性比较低</a:t>
+            </a:r>
+            <a:r>
+              <a:rPr lang="en-US" altLang="zh-CN" dirty="0"/>
+              <a:t>,</a:t>
+            </a:r>
+            <a:r>
+              <a:rPr lang="zh-CN" altLang="en-US" dirty="0"/>
+              <a:t>可以被模仿和伪装</a:t>
+            </a:r>
+            <a:endParaRPr lang="en-US" altLang="zh-CN" dirty="0"/>
+          </a:p>
+          <a:p>
+            <a:r>
+              <a:rPr lang="en-US" altLang="zh-CN" dirty="0"/>
+              <a:t>JWT </a:t>
+            </a:r>
+            <a:r>
+              <a:rPr lang="zh-CN" altLang="en-US" dirty="0"/>
+              <a:t>需要简单的对后台进行保护用到的</a:t>
+            </a:r>
+            <a:r>
+              <a:rPr lang="en-US" altLang="zh-CN" dirty="0"/>
+              <a:t>(</a:t>
+            </a:r>
+            <a:r>
+              <a:rPr lang="zh-CN" altLang="en-US" dirty="0"/>
+              <a:t>相对简单</a:t>
+            </a:r>
+            <a:r>
+              <a:rPr lang="en-US" altLang="zh-CN" dirty="0"/>
+              <a:t>)</a:t>
+            </a:r>
+          </a:p>
+          <a:p>
+            <a:r>
+              <a:rPr lang="en-US" altLang="zh-CN" dirty="0"/>
+              <a:t>identity server 4 (oAuth2.0</a:t>
+            </a:r>
+            <a:r>
+              <a:rPr lang="zh-CN" altLang="en-US" dirty="0"/>
+              <a:t>规范</a:t>
+            </a:r>
+            <a:r>
+              <a:rPr lang="en-US" altLang="zh-CN" dirty="0"/>
+              <a:t>)</a:t>
+            </a:r>
+            <a:r>
+              <a:rPr lang="zh-CN" altLang="en-US" dirty="0"/>
+              <a:t>现在比较成熟的授权服务框架</a:t>
+            </a:r>
+            <a:r>
+              <a:rPr lang="en-US" altLang="zh-CN" dirty="0"/>
+              <a:t>(</a:t>
+            </a:r>
+            <a:r>
+              <a:rPr lang="zh-CN" altLang="en-US" dirty="0"/>
+              <a:t>相对复杂</a:t>
+            </a:r>
+            <a:r>
+              <a:rPr lang="en-US" altLang="zh-CN" dirty="0"/>
+              <a:t>)</a:t>
+            </a:r>
+          </a:p>
+          <a:p>
+            <a:pPr marL="0" indent="0">
+              <a:buNone/>
+            </a:pPr>
+            <a:r>
+              <a:rPr lang="zh-CN" altLang="en-US" dirty="0"/>
+              <a:t>     应用场景比如第三方登录</a:t>
+            </a:r>
+            <a:endParaRPr lang="en-US" altLang="zh-CN" dirty="0"/>
+          </a:p>
+          <a:p>
+            <a:r>
+              <a:rPr lang="en-US" altLang="zh-CN" dirty="0"/>
+              <a:t>9.restapi</a:t>
+            </a:r>
+          </a:p>
+          <a:p>
+            <a:r>
+              <a:rPr lang="en-US" altLang="zh-CN" dirty="0"/>
+              <a:t>10.</a:t>
+            </a:r>
+            <a:r>
+              <a:rPr lang="zh-CN" altLang="en-US" dirty="0"/>
+              <a:t>本地数据库</a:t>
+            </a:r>
+            <a:r>
+              <a:rPr lang="en-US" altLang="zh-CN" dirty="0"/>
+              <a:t>(</a:t>
+            </a:r>
+            <a:r>
+              <a:rPr lang="zh-CN" altLang="en-US" dirty="0"/>
+              <a:t>数据库迁移</a:t>
+            </a:r>
+            <a:r>
+              <a:rPr lang="en-US" altLang="zh-CN" dirty="0"/>
+              <a:t>)</a:t>
+            </a:r>
+          </a:p>
+          <a:p>
+            <a:pPr marL="0" indent="0">
+              <a:buNone/>
+            </a:pPr>
+            <a:endParaRPr lang="en-US" altLang="zh-CN" dirty="0"/>
+          </a:p>
+          <a:p>
             <a:endParaRPr lang="en-US" altLang="zh-CN" dirty="0"/>
           </a:p>
         </p:txBody>
@@ -9387,44 +9830,8 @@
         </p:blipFill>
         <p:spPr>
           <a:xfrm>
-            <a:off x="8457256" y="1823869"/>
+            <a:off x="8111027" y="1270355"/>
             <a:ext cx="896645" cy="874944"/>
-          </a:xfrm>
-          <a:prstGeom prst="rect">
-            <a:avLst/>
-          </a:prstGeom>
-        </p:spPr>
-      </p:pic>
-      <p:pic>
-        <p:nvPicPr>
-          <p:cNvPr id="9" name="图片 8">
-            <a:extLst>
-              <a:ext uri="{FF2B5EF4-FFF2-40B4-BE49-F238E27FC236}">
-                <a16:creationId xmlns:a16="http://schemas.microsoft.com/office/drawing/2014/main" id="{633A4A77-F753-4408-BB72-510A7426DC2E}"/>
-              </a:ext>
-            </a:extLst>
-          </p:cNvPr>
-          <p:cNvPicPr>
-            <a:picLocks noChangeAspect="1"/>
-          </p:cNvPicPr>
-          <p:nvPr/>
-        </p:nvPicPr>
-        <p:blipFill>
-          <a:blip r:embed="rId3">
-            <a:extLst>
-              <a:ext uri="{28A0092B-C50C-407E-A947-70E740481C1C}">
-                <a14:useLocalDpi xmlns:a14="http://schemas.microsoft.com/office/drawing/2010/main" val="0"/>
-              </a:ext>
-            </a:extLst>
-          </a:blip>
-          <a:stretch>
-            <a:fillRect/>
-          </a:stretch>
-        </p:blipFill>
-        <p:spPr>
-          <a:xfrm>
-            <a:off x="8096026" y="3913082"/>
-            <a:ext cx="762000" cy="762000"/>
           </a:xfrm>
           <a:prstGeom prst="rect">
             <a:avLst/>
@@ -9463,6 +9870,250 @@
       </p:grpSpPr>
       <p:sp>
         <p:nvSpPr>
+          <p:cNvPr id="2" name="标题 1">
+            <a:extLst>
+              <a:ext uri="{FF2B5EF4-FFF2-40B4-BE49-F238E27FC236}">
+                <a16:creationId xmlns:a16="http://schemas.microsoft.com/office/drawing/2014/main" id="{73BD9297-D07E-49A5-B100-7E66CD6A77ED}"/>
+              </a:ext>
+            </a:extLst>
+          </p:cNvPr>
+          <p:cNvSpPr>
+            <a:spLocks noGrp="1"/>
+          </p:cNvSpPr>
+          <p:nvPr>
+            <p:ph type="title"/>
+          </p:nvPr>
+        </p:nvSpPr>
+        <p:spPr/>
+        <p:txBody>
+          <a:bodyPr/>
+          <a:lstStyle/>
+          <a:p>
+            <a:r>
+              <a:rPr lang="en-US" altLang="zh-CN" dirty="0"/>
+              <a:t>REST</a:t>
+            </a:r>
+            <a:r>
+              <a:rPr lang="zh-CN" altLang="en-US" dirty="0"/>
+              <a:t>是一种</a:t>
+            </a:r>
+            <a:r>
+              <a:rPr lang="zh-CN" altLang="en-US" b="1" dirty="0"/>
+              <a:t>架构风格</a:t>
+            </a:r>
+            <a:endParaRPr lang="zh-CN" altLang="en-US" dirty="0"/>
+          </a:p>
+        </p:txBody>
+      </p:sp>
+      <p:pic>
+        <p:nvPicPr>
+          <p:cNvPr id="9" name="内容占位符 8">
+            <a:extLst>
+              <a:ext uri="{FF2B5EF4-FFF2-40B4-BE49-F238E27FC236}">
+                <a16:creationId xmlns:a16="http://schemas.microsoft.com/office/drawing/2014/main" id="{CD5D1BD6-D557-4DCA-A770-EE74362C4F16}"/>
+              </a:ext>
+            </a:extLst>
+          </p:cNvPr>
+          <p:cNvPicPr>
+            <a:picLocks noGrp="1" noChangeAspect="1"/>
+          </p:cNvPicPr>
+          <p:nvPr>
+            <p:ph idx="1"/>
+          </p:nvPr>
+        </p:nvPicPr>
+        <p:blipFill>
+          <a:blip r:embed="rId2">
+            <a:extLst>
+              <a:ext uri="{28A0092B-C50C-407E-A947-70E740481C1C}">
+                <a14:useLocalDpi xmlns:a14="http://schemas.microsoft.com/office/drawing/2010/main" val="0"/>
+              </a:ext>
+            </a:extLst>
+          </a:blip>
+          <a:stretch>
+            <a:fillRect/>
+          </a:stretch>
+        </p:blipFill>
+        <p:spPr>
+          <a:xfrm>
+            <a:off x="5401527" y="852256"/>
+            <a:ext cx="3764695" cy="5340581"/>
+          </a:xfrm>
+        </p:spPr>
+      </p:pic>
+      <p:sp>
+        <p:nvSpPr>
+          <p:cNvPr id="7" name="文本占位符 6">
+            <a:extLst>
+              <a:ext uri="{FF2B5EF4-FFF2-40B4-BE49-F238E27FC236}">
+                <a16:creationId xmlns:a16="http://schemas.microsoft.com/office/drawing/2014/main" id="{6C6E99D9-D09B-488D-BE9D-83366FD1877F}"/>
+              </a:ext>
+            </a:extLst>
+          </p:cNvPr>
+          <p:cNvSpPr>
+            <a:spLocks noGrp="1"/>
+          </p:cNvSpPr>
+          <p:nvPr>
+            <p:ph type="body" sz="half" idx="2"/>
+          </p:nvPr>
+        </p:nvSpPr>
+        <p:spPr>
+          <a:xfrm>
+            <a:off x="677334" y="2777069"/>
+            <a:ext cx="3854528" cy="2407490"/>
+          </a:xfrm>
+        </p:spPr>
+        <p:txBody>
+          <a:bodyPr>
+            <a:normAutofit/>
+          </a:bodyPr>
+          <a:lstStyle/>
+          <a:p>
+            <a:pPr fontAlgn="ctr"/>
+            <a:r>
+              <a:rPr lang="en-US" altLang="zh-CN" dirty="0"/>
+              <a:t>REST</a:t>
+            </a:r>
+            <a:r>
+              <a:rPr lang="zh-CN" altLang="en-US" dirty="0"/>
+              <a:t>是一种</a:t>
+            </a:r>
+            <a:r>
+              <a:rPr lang="zh-CN" altLang="en-US" b="1" dirty="0"/>
+              <a:t>架构风格</a:t>
+            </a:r>
+            <a:r>
+              <a:rPr lang="zh-CN" altLang="en-US" dirty="0"/>
+              <a:t>，而不是规范或标准；</a:t>
+            </a:r>
+            <a:endParaRPr lang="en-US" altLang="zh-CN" dirty="0"/>
+          </a:p>
+          <a:p>
+            <a:pPr fontAlgn="ctr"/>
+            <a:r>
+              <a:rPr lang="en-US" altLang="zh-CN" dirty="0"/>
+              <a:t>REST</a:t>
+            </a:r>
+            <a:r>
+              <a:rPr lang="zh-CN" altLang="en-US" dirty="0"/>
+              <a:t>需要使用一些规范、协议或标准来实现这种架构风格；</a:t>
+            </a:r>
+            <a:endParaRPr lang="en-US" altLang="zh-CN" dirty="0"/>
+          </a:p>
+          <a:p>
+            <a:pPr fontAlgn="ctr"/>
+            <a:r>
+              <a:rPr lang="en-US" altLang="zh-CN" dirty="0"/>
+              <a:t>REST</a:t>
+            </a:r>
+            <a:r>
+              <a:rPr lang="zh-CN" altLang="en-US" dirty="0"/>
+              <a:t>与协议无关。</a:t>
+            </a:r>
+            <a:r>
+              <a:rPr lang="en-US" altLang="zh-CN" dirty="0"/>
+              <a:t>JSON</a:t>
+            </a:r>
+            <a:r>
+              <a:rPr lang="zh-CN" altLang="en-US" dirty="0"/>
+              <a:t>并不是</a:t>
+            </a:r>
+            <a:r>
+              <a:rPr lang="en-US" altLang="zh-CN" dirty="0"/>
+              <a:t>REST</a:t>
+            </a:r>
+            <a:r>
+              <a:rPr lang="zh-CN" altLang="en-US" dirty="0"/>
+              <a:t>强制的，甚至</a:t>
+            </a:r>
+            <a:r>
+              <a:rPr lang="en-US" altLang="zh-CN" dirty="0"/>
+              <a:t>HTTP</a:t>
+            </a:r>
+            <a:r>
+              <a:rPr lang="zh-CN" altLang="en-US" dirty="0"/>
+              <a:t>都不是</a:t>
+            </a:r>
+            <a:r>
+              <a:rPr lang="en-US" altLang="zh-CN" dirty="0"/>
+              <a:t>REST</a:t>
+            </a:r>
+            <a:r>
+              <a:rPr lang="zh-CN" altLang="en-US" dirty="0"/>
+              <a:t>强制使用的，但这也仅仅是从理论上来看。</a:t>
+            </a:r>
+          </a:p>
+          <a:p>
+            <a:endParaRPr lang="en-US" altLang="zh-CN" dirty="0"/>
+          </a:p>
+        </p:txBody>
+      </p:sp>
+      <p:sp>
+        <p:nvSpPr>
+          <p:cNvPr id="11" name="文本框 10">
+            <a:extLst>
+              <a:ext uri="{FF2B5EF4-FFF2-40B4-BE49-F238E27FC236}">
+                <a16:creationId xmlns:a16="http://schemas.microsoft.com/office/drawing/2014/main" id="{C4C4D0D9-703E-4BD4-B66C-F091992AEE30}"/>
+              </a:ext>
+            </a:extLst>
+          </p:cNvPr>
+          <p:cNvSpPr txBox="1"/>
+          <p:nvPr/>
+        </p:nvSpPr>
+        <p:spPr>
+          <a:xfrm>
+            <a:off x="5425201" y="480497"/>
+            <a:ext cx="1107996" cy="369332"/>
+          </a:xfrm>
+          <a:prstGeom prst="rect">
+            <a:avLst/>
+          </a:prstGeom>
+          <a:noFill/>
+        </p:spPr>
+        <p:txBody>
+          <a:bodyPr wrap="none" rtlCol="0">
+            <a:spAutoFit/>
+          </a:bodyPr>
+          <a:lstStyle/>
+          <a:p>
+            <a:r>
+              <a:rPr lang="zh-CN" altLang="en-US" dirty="0"/>
+              <a:t>资源描述</a:t>
+            </a:r>
+          </a:p>
+        </p:txBody>
+      </p:sp>
+    </p:spTree>
+    <p:extLst>
+      <p:ext uri="{BB962C8B-B14F-4D97-AF65-F5344CB8AC3E}">
+        <p14:creationId xmlns:p14="http://schemas.microsoft.com/office/powerpoint/2010/main" val="399963956"/>
+      </p:ext>
+    </p:extLst>
+  </p:cSld>
+  <p:clrMapOvr>
+    <a:masterClrMapping/>
+  </p:clrMapOvr>
+</p:sld>
+</file>
+
+<file path=ppt/slides/slide4.xml><?xml version="1.0" encoding="utf-8"?>
+<p:sld xmlns:a="http://schemas.openxmlformats.org/drawingml/2006/main" xmlns:r="http://schemas.openxmlformats.org/officeDocument/2006/relationships" xmlns:p="http://schemas.openxmlformats.org/presentationml/2006/main">
+  <p:cSld>
+    <p:spTree>
+      <p:nvGrpSpPr>
+        <p:cNvPr id="1" name=""/>
+        <p:cNvGrpSpPr/>
+        <p:nvPr/>
+      </p:nvGrpSpPr>
+      <p:grpSpPr>
+        <a:xfrm>
+          <a:off x="0" y="0"/>
+          <a:ext cx="0" cy="0"/>
+          <a:chOff x="0" y="0"/>
+          <a:chExt cx="0" cy="0"/>
+        </a:xfrm>
+      </p:grpSpPr>
+      <p:sp>
+        <p:nvSpPr>
           <p:cNvPr id="4" name="矩形 3">
             <a:extLst>
               <a:ext uri="{FF2B5EF4-FFF2-40B4-BE49-F238E27FC236}">
@@ -10453,14 +11104,15 @@
           </p:cNvPr>
           <p:cNvCxnSpPr>
             <a:cxnSpLocks/>
+            <a:stCxn id="11" idx="2"/>
             <a:endCxn id="49" idx="0"/>
           </p:cNvCxnSpPr>
           <p:nvPr/>
         </p:nvCxnSpPr>
         <p:spPr>
           <a:xfrm>
-            <a:off x="1897963" y="3047814"/>
-            <a:ext cx="2900410" cy="1317778"/>
+            <a:off x="1842116" y="2931850"/>
+            <a:ext cx="2956257" cy="1433742"/>
           </a:xfrm>
           <a:prstGeom prst="straightConnector1">
             <a:avLst/>
@@ -11108,7 +11760,7 @@
 </p:sld>
 </file>
 
-<file path=ppt/slides/slide4.xml><?xml version="1.0" encoding="utf-8"?>
+<file path=ppt/slides/slide5.xml><?xml version="1.0" encoding="utf-8"?>
 <p:sld xmlns:a="http://schemas.openxmlformats.org/drawingml/2006/main" xmlns:r="http://schemas.openxmlformats.org/officeDocument/2006/relationships" xmlns:p="http://schemas.openxmlformats.org/presentationml/2006/main">
   <p:cSld>
     <p:spTree>
@@ -12117,14 +12769,15 @@
           </p:cNvPr>
           <p:cNvCxnSpPr>
             <a:cxnSpLocks/>
+            <a:stCxn id="11" idx="2"/>
             <a:endCxn id="49" idx="0"/>
           </p:cNvCxnSpPr>
           <p:nvPr/>
         </p:nvCxnSpPr>
         <p:spPr>
           <a:xfrm>
-            <a:off x="1897963" y="3047814"/>
-            <a:ext cx="2900410" cy="1317778"/>
+            <a:off x="1842116" y="2931850"/>
+            <a:ext cx="2956257" cy="1433742"/>
           </a:xfrm>
           <a:prstGeom prst="straightConnector1">
             <a:avLst/>
@@ -13409,7 +14062,7 @@
 </p:sld>
 </file>
 
-<file path=ppt/slides/slide5.xml><?xml version="1.0" encoding="utf-8"?>
+<file path=ppt/slides/slide6.xml><?xml version="1.0" encoding="utf-8"?>
 <p:sld xmlns:a="http://schemas.openxmlformats.org/drawingml/2006/main" xmlns:r="http://schemas.openxmlformats.org/officeDocument/2006/relationships" xmlns:p="http://schemas.openxmlformats.org/presentationml/2006/main">
   <p:cSld>
     <p:spTree>
@@ -13475,7 +14128,7 @@
 </p:sld>
 </file>
 
-<file path=ppt/slides/slide6.xml><?xml version="1.0" encoding="utf-8"?>
+<file path=ppt/slides/slide7.xml><?xml version="1.0" encoding="utf-8"?>
 <p:sld xmlns:a="http://schemas.openxmlformats.org/drawingml/2006/main" xmlns:r="http://schemas.openxmlformats.org/officeDocument/2006/relationships" xmlns:p="http://schemas.openxmlformats.org/presentationml/2006/main">
   <p:cSld>
     <p:spTree>
@@ -13738,374 +14391,6 @@
 </p:sld>
 </file>
 
-<file path=ppt/slides/slide7.xml><?xml version="1.0" encoding="utf-8"?>
-<p:sld xmlns:a="http://schemas.openxmlformats.org/drawingml/2006/main" xmlns:r="http://schemas.openxmlformats.org/officeDocument/2006/relationships" xmlns:p="http://schemas.openxmlformats.org/presentationml/2006/main">
-  <p:cSld>
-    <p:spTree>
-      <p:nvGrpSpPr>
-        <p:cNvPr id="1" name=""/>
-        <p:cNvGrpSpPr/>
-        <p:nvPr/>
-      </p:nvGrpSpPr>
-      <p:grpSpPr>
-        <a:xfrm>
-          <a:off x="0" y="0"/>
-          <a:ext cx="0" cy="0"/>
-          <a:chOff x="0" y="0"/>
-          <a:chExt cx="0" cy="0"/>
-        </a:xfrm>
-      </p:grpSpPr>
-      <p:sp>
-        <p:nvSpPr>
-          <p:cNvPr id="9" name="标题 8">
-            <a:extLst>
-              <a:ext uri="{FF2B5EF4-FFF2-40B4-BE49-F238E27FC236}">
-                <a16:creationId xmlns:a16="http://schemas.microsoft.com/office/drawing/2014/main" id="{8DCCBC20-8733-4FA3-B9A4-7EBD9ED4D861}"/>
-              </a:ext>
-            </a:extLst>
-          </p:cNvPr>
-          <p:cNvSpPr>
-            <a:spLocks noGrp="1"/>
-          </p:cNvSpPr>
-          <p:nvPr>
-            <p:ph type="title"/>
-          </p:nvPr>
-        </p:nvSpPr>
-        <p:spPr/>
-        <p:txBody>
-          <a:bodyPr/>
-          <a:lstStyle/>
-          <a:p>
-            <a:r>
-              <a:rPr lang="zh-CN" altLang="en-US" dirty="0"/>
-              <a:t>后端架构设计</a:t>
-            </a:r>
-          </a:p>
-        </p:txBody>
-      </p:sp>
-      <p:sp>
-        <p:nvSpPr>
-          <p:cNvPr id="11" name="文本占位符 10">
-            <a:extLst>
-              <a:ext uri="{FF2B5EF4-FFF2-40B4-BE49-F238E27FC236}">
-                <a16:creationId xmlns:a16="http://schemas.microsoft.com/office/drawing/2014/main" id="{6CF7EE0F-5A4D-46AF-BA4E-63E47A7134E2}"/>
-              </a:ext>
-            </a:extLst>
-          </p:cNvPr>
-          <p:cNvSpPr>
-            <a:spLocks noGrp="1"/>
-          </p:cNvSpPr>
-          <p:nvPr>
-            <p:ph type="body" sz="half" idx="2"/>
-          </p:nvPr>
-        </p:nvSpPr>
-        <p:spPr/>
-        <p:txBody>
-          <a:bodyPr/>
-          <a:lstStyle/>
-          <a:p>
-            <a:r>
-              <a:rPr lang="zh-CN" altLang="en-US" dirty="0"/>
-              <a:t>后端代码的扩展</a:t>
-            </a:r>
-          </a:p>
-        </p:txBody>
-      </p:sp>
-      <p:sp>
-        <p:nvSpPr>
-          <p:cNvPr id="33" name="内容占位符 32">
-            <a:extLst>
-              <a:ext uri="{FF2B5EF4-FFF2-40B4-BE49-F238E27FC236}">
-                <a16:creationId xmlns:a16="http://schemas.microsoft.com/office/drawing/2014/main" id="{CD178733-F98A-43E7-82C2-D97F0E264676}"/>
-              </a:ext>
-            </a:extLst>
-          </p:cNvPr>
-          <p:cNvSpPr>
-            <a:spLocks noGrp="1"/>
-          </p:cNvSpPr>
-          <p:nvPr>
-            <p:ph idx="1"/>
-          </p:nvPr>
-        </p:nvSpPr>
-        <p:spPr/>
-        <p:txBody>
-          <a:bodyPr>
-            <a:normAutofit/>
-          </a:bodyPr>
-          <a:lstStyle/>
-          <a:p>
-            <a:r>
-              <a:rPr lang="en-US" altLang="zh-CN" dirty="0"/>
-              <a:t>1.EntityFramework.Core</a:t>
-            </a:r>
-          </a:p>
-          <a:p>
-            <a:r>
-              <a:rPr lang="en-US" altLang="zh-CN" dirty="0"/>
-              <a:t>2.</a:t>
-            </a:r>
-            <a:r>
-              <a:rPr lang="zh-CN" altLang="en-US" dirty="0"/>
-              <a:t>日志</a:t>
-            </a:r>
-            <a:r>
-              <a:rPr lang="en-US" altLang="zh-CN" dirty="0"/>
-              <a:t>(log4net)</a:t>
-            </a:r>
-          </a:p>
-          <a:p>
-            <a:r>
-              <a:rPr lang="en-US" altLang="zh-CN" dirty="0"/>
-              <a:t>3.</a:t>
-            </a:r>
-            <a:r>
-              <a:rPr lang="zh-CN" altLang="en-US" dirty="0"/>
-              <a:t>缓存</a:t>
-            </a:r>
-            <a:endParaRPr lang="en-US" altLang="zh-CN" dirty="0"/>
-          </a:p>
-          <a:p>
-            <a:r>
-              <a:rPr lang="en-US" altLang="zh-CN" dirty="0"/>
-              <a:t>4.swagger</a:t>
-            </a:r>
-          </a:p>
-          <a:p>
-            <a:r>
-              <a:rPr lang="en-US" altLang="zh-CN" dirty="0"/>
-              <a:t>5.</a:t>
-            </a:r>
-            <a:r>
-              <a:rPr lang="en-US" altLang="zh-CN" dirty="0">
-                <a:solidFill>
-                  <a:srgbClr val="00B0F0"/>
-                </a:solidFill>
-              </a:rPr>
-              <a:t> #</a:t>
-            </a:r>
-            <a:r>
-              <a:rPr lang="en-US" altLang="zh-CN" dirty="0" err="1"/>
-              <a:t>aop</a:t>
-            </a:r>
-            <a:r>
-              <a:rPr lang="en-US" altLang="zh-CN" dirty="0"/>
-              <a:t> (</a:t>
-            </a:r>
-            <a:r>
-              <a:rPr lang="zh-CN" altLang="en-US" dirty="0"/>
-              <a:t>异常处理</a:t>
-            </a:r>
-            <a:r>
-              <a:rPr lang="en-US" altLang="zh-CN" dirty="0"/>
-              <a:t>,</a:t>
-            </a:r>
-            <a:r>
-              <a:rPr lang="zh-CN" altLang="en-US" dirty="0"/>
-              <a:t>缓存</a:t>
-            </a:r>
-            <a:r>
-              <a:rPr lang="en-US" altLang="zh-CN" dirty="0"/>
-              <a:t>,</a:t>
-            </a:r>
-            <a:r>
-              <a:rPr lang="zh-CN" altLang="en-US" dirty="0"/>
-              <a:t>用户验证</a:t>
-            </a:r>
-            <a:r>
-              <a:rPr lang="en-US" altLang="zh-CN" dirty="0"/>
-              <a:t>,</a:t>
-            </a:r>
-            <a:r>
-              <a:rPr lang="zh-CN" altLang="en-US" dirty="0"/>
-              <a:t>并发控制</a:t>
-            </a:r>
-            <a:r>
-              <a:rPr lang="en-US" altLang="zh-CN" dirty="0"/>
-              <a:t>,</a:t>
-            </a:r>
-            <a:r>
-              <a:rPr lang="zh-CN" altLang="en-US" dirty="0"/>
-              <a:t>日志</a:t>
-            </a:r>
-            <a:r>
-              <a:rPr lang="en-US" altLang="zh-CN" dirty="0"/>
-              <a:t>)</a:t>
-            </a:r>
-          </a:p>
-          <a:p>
-            <a:r>
-              <a:rPr lang="en-US" altLang="zh-CN" dirty="0"/>
-              <a:t>6.ioc</a:t>
-            </a:r>
-            <a:r>
-              <a:rPr lang="zh-CN" altLang="en-US" dirty="0"/>
-              <a:t>框架</a:t>
-            </a:r>
-            <a:r>
-              <a:rPr lang="en-US" altLang="zh-CN" dirty="0"/>
-              <a:t>(</a:t>
-            </a:r>
-            <a:r>
-              <a:rPr lang="en-US" altLang="zh-CN" dirty="0" err="1"/>
-              <a:t>autofac</a:t>
-            </a:r>
-            <a:r>
-              <a:rPr lang="en-US" altLang="zh-CN" dirty="0"/>
-              <a:t>)</a:t>
-            </a:r>
-          </a:p>
-          <a:p>
-            <a:r>
-              <a:rPr lang="en-US" altLang="zh-CN" dirty="0"/>
-              <a:t>7.</a:t>
-            </a:r>
-            <a:r>
-              <a:rPr lang="en-US" altLang="zh-CN" dirty="0">
-                <a:solidFill>
-                  <a:srgbClr val="00B0F0"/>
-                </a:solidFill>
-              </a:rPr>
-              <a:t>#</a:t>
-            </a:r>
-            <a:r>
-              <a:rPr lang="zh-CN" altLang="en-US" dirty="0"/>
-              <a:t>数据塑性</a:t>
-            </a:r>
-            <a:endParaRPr lang="en-US" altLang="zh-CN" dirty="0"/>
-          </a:p>
-          <a:p>
-            <a:r>
-              <a:rPr lang="en-US" altLang="zh-CN" dirty="0"/>
-              <a:t>8.xUnit</a:t>
-            </a:r>
-          </a:p>
-          <a:p>
-            <a:r>
-              <a:rPr lang="en-US" altLang="zh-CN" dirty="0"/>
-              <a:t>9.</a:t>
-            </a:r>
-            <a:r>
-              <a:rPr lang="zh-CN" altLang="en-US" dirty="0"/>
-              <a:t>输入验证</a:t>
-            </a:r>
-            <a:r>
-              <a:rPr lang="en-US" altLang="zh-CN" dirty="0"/>
-              <a:t>(</a:t>
-            </a:r>
-            <a:r>
-              <a:rPr lang="zh-CN" altLang="en-US" dirty="0"/>
-              <a:t>业务开发自己控制</a:t>
-            </a:r>
-            <a:r>
-              <a:rPr lang="en-US" altLang="zh-CN" dirty="0"/>
-              <a:t>)</a:t>
-            </a:r>
-          </a:p>
-          <a:p>
-            <a:r>
-              <a:rPr lang="en-US" altLang="zh-CN" dirty="0"/>
-              <a:t>10.</a:t>
-            </a:r>
-            <a:r>
-              <a:rPr lang="en-US" altLang="zh-CN" dirty="0">
-                <a:solidFill>
-                  <a:srgbClr val="00B0F0"/>
-                </a:solidFill>
-              </a:rPr>
-              <a:t> #</a:t>
-            </a:r>
-            <a:r>
-              <a:rPr lang="zh-CN" altLang="en-US" dirty="0"/>
-              <a:t>内容协商</a:t>
-            </a:r>
-            <a:r>
-              <a:rPr lang="en-US" altLang="zh-CN" dirty="0"/>
-              <a:t>(</a:t>
-            </a:r>
-            <a:r>
-              <a:rPr lang="zh-CN" altLang="en-US" dirty="0"/>
-              <a:t>以</a:t>
-            </a:r>
-            <a:r>
-              <a:rPr lang="en-US" altLang="zh-CN" dirty="0"/>
-              <a:t>application/json</a:t>
-            </a:r>
-            <a:r>
-              <a:rPr lang="zh-CN" altLang="en-US" dirty="0"/>
-              <a:t>为主</a:t>
-            </a:r>
-            <a:r>
-              <a:rPr lang="en-US" altLang="zh-CN" dirty="0"/>
-              <a:t>,</a:t>
-            </a:r>
-            <a:r>
-              <a:rPr lang="zh-CN" altLang="en-US" dirty="0"/>
-              <a:t>自定义返回数据信息</a:t>
-            </a:r>
-            <a:r>
-              <a:rPr lang="en-US" altLang="zh-CN" dirty="0"/>
-              <a:t>)</a:t>
-            </a:r>
-          </a:p>
-          <a:p>
-            <a:r>
-              <a:rPr lang="en-US" altLang="zh-CN" dirty="0"/>
-              <a:t>11. </a:t>
-            </a:r>
-            <a:r>
-              <a:rPr lang="en-US" altLang="zh-CN" dirty="0">
-                <a:solidFill>
-                  <a:srgbClr val="00B0F0"/>
-                </a:solidFill>
-              </a:rPr>
-              <a:t>#</a:t>
-            </a:r>
-            <a:r>
-              <a:rPr lang="zh-CN" altLang="en-US" dirty="0"/>
-              <a:t>与</a:t>
-            </a:r>
-            <a:r>
-              <a:rPr lang="en-US" altLang="zh-CN" dirty="0" err="1"/>
-              <a:t>wcf</a:t>
-            </a:r>
-            <a:r>
-              <a:rPr lang="zh-CN" altLang="en-US" dirty="0"/>
-              <a:t>的适配器</a:t>
-            </a:r>
-            <a:endParaRPr lang="en-US" altLang="zh-CN" dirty="0"/>
-          </a:p>
-          <a:p>
-            <a:r>
-              <a:rPr lang="en-US" altLang="zh-CN" dirty="0"/>
-              <a:t>12.identity server 4 (</a:t>
-            </a:r>
-            <a:r>
-              <a:rPr lang="zh-CN" altLang="en-US" dirty="0"/>
-              <a:t>单体架构</a:t>
-            </a:r>
-            <a:r>
-              <a:rPr lang="en-US" altLang="zh-CN" dirty="0"/>
-              <a:t>JWT)?</a:t>
-            </a:r>
-          </a:p>
-          <a:p>
-            <a:endParaRPr lang="zh-CN" altLang="en-US" dirty="0"/>
-          </a:p>
-        </p:txBody>
-      </p:sp>
-    </p:spTree>
-    <p:extLst>
-      <p:ext uri="{BB962C8B-B14F-4D97-AF65-F5344CB8AC3E}">
-        <p14:creationId xmlns:p14="http://schemas.microsoft.com/office/powerpoint/2010/main" val="1660704437"/>
-      </p:ext>
-    </p:extLst>
-  </p:cSld>
-  <p:clrMapOvr>
-    <a:masterClrMapping/>
-  </p:clrMapOvr>
-</p:sld>
-</file>
-
 <file path=ppt/slides/slide8.xml><?xml version="1.0" encoding="utf-8"?>
 <p:sld xmlns:a="http://schemas.openxmlformats.org/drawingml/2006/main" xmlns:r="http://schemas.openxmlformats.org/officeDocument/2006/relationships" xmlns:p="http://schemas.openxmlformats.org/presentationml/2006/main">
   <p:cSld>
@@ -14125,10 +14410,10 @@
       </p:grpSpPr>
       <p:sp>
         <p:nvSpPr>
-          <p:cNvPr id="2" name="标题 1">
+          <p:cNvPr id="9" name="标题 8">
             <a:extLst>
               <a:ext uri="{FF2B5EF4-FFF2-40B4-BE49-F238E27FC236}">
-                <a16:creationId xmlns:a16="http://schemas.microsoft.com/office/drawing/2014/main" id="{23F3E3E7-38A3-4E31-AE55-F7D4B35DB1AD}"/>
+                <a16:creationId xmlns:a16="http://schemas.microsoft.com/office/drawing/2014/main" id="{8DCCBC20-8733-4FA3-B9A4-7EBD9ED4D861}"/>
               </a:ext>
             </a:extLst>
           </p:cNvPr>
@@ -14146,17 +14431,45 @@
           <a:p>
             <a:r>
               <a:rPr lang="zh-CN" altLang="en-US" dirty="0"/>
-              <a:t>数据库设计</a:t>
-            </a:r>
-          </a:p>
-        </p:txBody>
-      </p:sp>
-      <p:sp>
-        <p:nvSpPr>
-          <p:cNvPr id="3" name="内容占位符 2">
+              <a:t>后端架构设计</a:t>
+            </a:r>
+          </a:p>
+        </p:txBody>
+      </p:sp>
+      <p:sp>
+        <p:nvSpPr>
+          <p:cNvPr id="11" name="文本占位符 10">
             <a:extLst>
               <a:ext uri="{FF2B5EF4-FFF2-40B4-BE49-F238E27FC236}">
-                <a16:creationId xmlns:a16="http://schemas.microsoft.com/office/drawing/2014/main" id="{934AE0F8-6951-41B2-AAC4-E0EE505BA8DD}"/>
+                <a16:creationId xmlns:a16="http://schemas.microsoft.com/office/drawing/2014/main" id="{6CF7EE0F-5A4D-46AF-BA4E-63E47A7134E2}"/>
+              </a:ext>
+            </a:extLst>
+          </p:cNvPr>
+          <p:cNvSpPr>
+            <a:spLocks noGrp="1"/>
+          </p:cNvSpPr>
+          <p:nvPr>
+            <p:ph type="body" sz="half" idx="2"/>
+          </p:nvPr>
+        </p:nvSpPr>
+        <p:spPr/>
+        <p:txBody>
+          <a:bodyPr/>
+          <a:lstStyle/>
+          <a:p>
+            <a:r>
+              <a:rPr lang="zh-CN" altLang="en-US" dirty="0"/>
+              <a:t>后端代码的扩展</a:t>
+            </a:r>
+          </a:p>
+        </p:txBody>
+      </p:sp>
+      <p:sp>
+        <p:nvSpPr>
+          <p:cNvPr id="33" name="内容占位符 32">
+            <a:extLst>
+              <a:ext uri="{FF2B5EF4-FFF2-40B4-BE49-F238E27FC236}">
+                <a16:creationId xmlns:a16="http://schemas.microsoft.com/office/drawing/2014/main" id="{CD178733-F98A-43E7-82C2-D97F0E264676}"/>
               </a:ext>
             </a:extLst>
           </p:cNvPr>
@@ -14169,69 +14482,274 @@
         </p:nvSpPr>
         <p:spPr/>
         <p:txBody>
-          <a:bodyPr/>
+          <a:bodyPr>
+            <a:normAutofit/>
+          </a:bodyPr>
           <a:lstStyle/>
           <a:p>
             <a:r>
               <a:rPr lang="en-US" altLang="zh-CN" dirty="0"/>
-              <a:t>1.powerdesigner</a:t>
-            </a:r>
-            <a:r>
-              <a:rPr lang="zh-CN" altLang="en-US" dirty="0"/>
-              <a:t>等工具设计</a:t>
+              <a:t>1.EntityFramework.Core</a:t>
+            </a:r>
+          </a:p>
+          <a:p>
+            <a:r>
+              <a:rPr lang="en-US" altLang="zh-CN" dirty="0"/>
+              <a:t>2.</a:t>
+            </a:r>
+            <a:r>
+              <a:rPr lang="zh-CN" altLang="en-US" dirty="0"/>
+              <a:t>日志</a:t>
+            </a:r>
+            <a:r>
+              <a:rPr lang="en-US" altLang="zh-CN" dirty="0"/>
+              <a:t>(log4net)</a:t>
+            </a:r>
+          </a:p>
+          <a:p>
+            <a:r>
+              <a:rPr lang="en-US" altLang="zh-CN" dirty="0"/>
+              <a:t>3.</a:t>
+            </a:r>
+            <a:r>
+              <a:rPr lang="zh-CN" altLang="en-US" dirty="0"/>
+              <a:t>缓存</a:t>
             </a:r>
             <a:endParaRPr lang="en-US" altLang="zh-CN" dirty="0"/>
           </a:p>
           <a:p>
             <a:r>
               <a:rPr lang="en-US" altLang="zh-CN" dirty="0"/>
-              <a:t>2.migration</a:t>
-            </a:r>
-            <a:r>
-              <a:rPr lang="zh-CN" altLang="en-US" dirty="0"/>
-              <a:t>反向工程探究</a:t>
-            </a:r>
-            <a:r>
-              <a:rPr lang="en-US" altLang="zh-CN" dirty="0"/>
-              <a:t>??</a:t>
-            </a:r>
-          </a:p>
-        </p:txBody>
-      </p:sp>
-      <p:pic>
-        <p:nvPicPr>
-          <p:cNvPr id="6" name="图片 5">
-            <a:extLst>
-              <a:ext uri="{FF2B5EF4-FFF2-40B4-BE49-F238E27FC236}">
-                <a16:creationId xmlns:a16="http://schemas.microsoft.com/office/drawing/2014/main" id="{1892931D-855F-466F-9847-42AB506EF33C}"/>
-              </a:ext>
-            </a:extLst>
-          </p:cNvPr>
-          <p:cNvPicPr>
-            <a:picLocks noChangeAspect="1"/>
-          </p:cNvPicPr>
-          <p:nvPr/>
-        </p:nvPicPr>
-        <p:blipFill>
-          <a:blip r:embed="rId2"/>
-          <a:stretch>
-            <a:fillRect/>
-          </a:stretch>
-        </p:blipFill>
-        <p:spPr>
-          <a:xfrm>
-            <a:off x="903672" y="2986919"/>
-            <a:ext cx="9225749" cy="2428875"/>
-          </a:xfrm>
-          <a:prstGeom prst="rect">
-            <a:avLst/>
-          </a:prstGeom>
-        </p:spPr>
-      </p:pic>
+              <a:t>4.swagger</a:t>
+            </a:r>
+          </a:p>
+          <a:p>
+            <a:r>
+              <a:rPr lang="en-US" altLang="zh-CN" dirty="0"/>
+              <a:t>5.</a:t>
+            </a:r>
+            <a:r>
+              <a:rPr lang="en-US" altLang="zh-CN" dirty="0">
+                <a:solidFill>
+                  <a:srgbClr val="00B0F0"/>
+                </a:solidFill>
+              </a:rPr>
+              <a:t> #</a:t>
+            </a:r>
+            <a:r>
+              <a:rPr lang="en-US" altLang="zh-CN" dirty="0" err="1"/>
+              <a:t>aop</a:t>
+            </a:r>
+            <a:r>
+              <a:rPr lang="en-US" altLang="zh-CN" dirty="0"/>
+              <a:t> (</a:t>
+            </a:r>
+            <a:r>
+              <a:rPr lang="zh-CN" altLang="en-US" dirty="0"/>
+              <a:t>异常处理</a:t>
+            </a:r>
+            <a:r>
+              <a:rPr lang="en-US" altLang="zh-CN" dirty="0"/>
+              <a:t>,</a:t>
+            </a:r>
+            <a:r>
+              <a:rPr lang="zh-CN" altLang="en-US" dirty="0"/>
+              <a:t>缓存</a:t>
+            </a:r>
+            <a:r>
+              <a:rPr lang="en-US" altLang="zh-CN" dirty="0"/>
+              <a:t>,</a:t>
+            </a:r>
+            <a:r>
+              <a:rPr lang="zh-CN" altLang="en-US" dirty="0"/>
+              <a:t>用户验证</a:t>
+            </a:r>
+            <a:r>
+              <a:rPr lang="en-US" altLang="zh-CN" dirty="0"/>
+              <a:t>,</a:t>
+            </a:r>
+            <a:r>
+              <a:rPr lang="zh-CN" altLang="en-US" dirty="0"/>
+              <a:t>并发控制</a:t>
+            </a:r>
+            <a:r>
+              <a:rPr lang="en-US" altLang="zh-CN" dirty="0"/>
+              <a:t>,</a:t>
+            </a:r>
+            <a:r>
+              <a:rPr lang="zh-CN" altLang="en-US" dirty="0"/>
+              <a:t>日志</a:t>
+            </a:r>
+            <a:r>
+              <a:rPr lang="en-US" altLang="zh-CN" dirty="0"/>
+              <a:t>)</a:t>
+            </a:r>
+          </a:p>
+          <a:p>
+            <a:r>
+              <a:rPr lang="en-US" altLang="zh-CN" dirty="0"/>
+              <a:t>6.ioc</a:t>
+            </a:r>
+            <a:r>
+              <a:rPr lang="zh-CN" altLang="en-US" dirty="0"/>
+              <a:t>框架</a:t>
+            </a:r>
+            <a:r>
+              <a:rPr lang="en-US" altLang="zh-CN" dirty="0"/>
+              <a:t>(</a:t>
+            </a:r>
+            <a:r>
+              <a:rPr lang="en-US" altLang="zh-CN" dirty="0" err="1"/>
+              <a:t>autofac</a:t>
+            </a:r>
+            <a:r>
+              <a:rPr lang="en-US" altLang="zh-CN" dirty="0"/>
+              <a:t>)</a:t>
+            </a:r>
+          </a:p>
+          <a:p>
+            <a:r>
+              <a:rPr lang="en-US" altLang="zh-CN" dirty="0"/>
+              <a:t>7.</a:t>
+            </a:r>
+            <a:r>
+              <a:rPr lang="en-US" altLang="zh-CN" dirty="0">
+                <a:solidFill>
+                  <a:srgbClr val="00B0F0"/>
+                </a:solidFill>
+              </a:rPr>
+              <a:t>#</a:t>
+            </a:r>
+            <a:r>
+              <a:rPr lang="zh-CN" altLang="en-US" dirty="0"/>
+              <a:t>数据塑性</a:t>
+            </a:r>
+            <a:endParaRPr lang="en-US" altLang="zh-CN" dirty="0"/>
+          </a:p>
+          <a:p>
+            <a:r>
+              <a:rPr lang="en-US" altLang="zh-CN" dirty="0"/>
+              <a:t>8.xUnit</a:t>
+            </a:r>
+          </a:p>
+          <a:p>
+            <a:r>
+              <a:rPr lang="en-US" altLang="zh-CN" dirty="0"/>
+              <a:t>9.</a:t>
+            </a:r>
+            <a:r>
+              <a:rPr lang="zh-CN" altLang="en-US" dirty="0"/>
+              <a:t>输入验证</a:t>
+            </a:r>
+            <a:r>
+              <a:rPr lang="en-US" altLang="zh-CN" dirty="0"/>
+              <a:t>(</a:t>
+            </a:r>
+            <a:r>
+              <a:rPr lang="zh-CN" altLang="en-US" dirty="0"/>
+              <a:t>业务开发自己控制</a:t>
+            </a:r>
+            <a:r>
+              <a:rPr lang="en-US" altLang="zh-CN" dirty="0"/>
+              <a:t>)</a:t>
+            </a:r>
+          </a:p>
+          <a:p>
+            <a:r>
+              <a:rPr lang="en-US" altLang="zh-CN" dirty="0"/>
+              <a:t>10.</a:t>
+            </a:r>
+            <a:r>
+              <a:rPr lang="en-US" altLang="zh-CN" dirty="0">
+                <a:solidFill>
+                  <a:srgbClr val="00B0F0"/>
+                </a:solidFill>
+              </a:rPr>
+              <a:t> #</a:t>
+            </a:r>
+            <a:r>
+              <a:rPr lang="zh-CN" altLang="en-US" dirty="0"/>
+              <a:t>内容协商</a:t>
+            </a:r>
+            <a:r>
+              <a:rPr lang="en-US" altLang="zh-CN" dirty="0"/>
+              <a:t>(</a:t>
+            </a:r>
+            <a:r>
+              <a:rPr lang="zh-CN" altLang="en-US" dirty="0"/>
+              <a:t>以</a:t>
+            </a:r>
+            <a:r>
+              <a:rPr lang="en-US" altLang="zh-CN" dirty="0"/>
+              <a:t>application/json</a:t>
+            </a:r>
+            <a:r>
+              <a:rPr lang="zh-CN" altLang="en-US" dirty="0"/>
+              <a:t>为主</a:t>
+            </a:r>
+            <a:r>
+              <a:rPr lang="en-US" altLang="zh-CN" dirty="0"/>
+              <a:t>,</a:t>
+            </a:r>
+            <a:r>
+              <a:rPr lang="zh-CN" altLang="en-US" dirty="0"/>
+              <a:t>自定义返回数据信息</a:t>
+            </a:r>
+            <a:r>
+              <a:rPr lang="en-US" altLang="zh-CN" dirty="0"/>
+              <a:t>)</a:t>
+            </a:r>
+          </a:p>
+          <a:p>
+            <a:r>
+              <a:rPr lang="en-US" altLang="zh-CN" dirty="0"/>
+              <a:t>11. </a:t>
+            </a:r>
+            <a:r>
+              <a:rPr lang="en-US" altLang="zh-CN" dirty="0">
+                <a:solidFill>
+                  <a:srgbClr val="00B0F0"/>
+                </a:solidFill>
+              </a:rPr>
+              <a:t>#</a:t>
+            </a:r>
+            <a:r>
+              <a:rPr lang="zh-CN" altLang="en-US" dirty="0"/>
+              <a:t>与</a:t>
+            </a:r>
+            <a:r>
+              <a:rPr lang="en-US" altLang="zh-CN" dirty="0" err="1"/>
+              <a:t>wcf</a:t>
+            </a:r>
+            <a:r>
+              <a:rPr lang="zh-CN" altLang="en-US" dirty="0"/>
+              <a:t>的适配器</a:t>
+            </a:r>
+            <a:endParaRPr lang="en-US" altLang="zh-CN" dirty="0"/>
+          </a:p>
+          <a:p>
+            <a:r>
+              <a:rPr lang="en-US" altLang="zh-CN" dirty="0"/>
+              <a:t>12.identity server 4 (</a:t>
+            </a:r>
+            <a:r>
+              <a:rPr lang="zh-CN" altLang="en-US" dirty="0"/>
+              <a:t>单体架构</a:t>
+            </a:r>
+            <a:r>
+              <a:rPr lang="en-US" altLang="zh-CN" dirty="0"/>
+              <a:t>JWT)?</a:t>
+            </a:r>
+          </a:p>
+          <a:p>
+            <a:endParaRPr lang="zh-CN" altLang="en-US" dirty="0"/>
+          </a:p>
+        </p:txBody>
+      </p:sp>
     </p:spTree>
     <p:extLst>
       <p:ext uri="{BB962C8B-B14F-4D97-AF65-F5344CB8AC3E}">
-        <p14:creationId xmlns:p14="http://schemas.microsoft.com/office/powerpoint/2010/main" val="269878499"/>
+        <p14:creationId xmlns:p14="http://schemas.microsoft.com/office/powerpoint/2010/main" val="1660704437"/>
       </p:ext>
     </p:extLst>
   </p:cSld>
@@ -14263,7 +14781,7 @@
           <p:cNvPr id="2" name="标题 1">
             <a:extLst>
               <a:ext uri="{FF2B5EF4-FFF2-40B4-BE49-F238E27FC236}">
-                <a16:creationId xmlns:a16="http://schemas.microsoft.com/office/drawing/2014/main" id="{3E781746-F090-43AE-B759-C2EB2E5FD7B3}"/>
+                <a16:creationId xmlns:a16="http://schemas.microsoft.com/office/drawing/2014/main" id="{23F3E3E7-38A3-4E31-AE55-F7D4B35DB1AD}"/>
               </a:ext>
             </a:extLst>
           </p:cNvPr>
@@ -14280,10 +14798,9 @@
           <a:lstStyle/>
           <a:p>
             <a:r>
-              <a:rPr lang="en-US" altLang="zh-CN" dirty="0" err="1"/>
-              <a:t>EntityFrameworkCore</a:t>
-            </a:r>
-            <a:endParaRPr lang="zh-CN" altLang="en-US" dirty="0"/>
+              <a:rPr lang="zh-CN" altLang="en-US" dirty="0"/>
+              <a:t>数据库设计</a:t>
+            </a:r>
           </a:p>
         </p:txBody>
       </p:sp>
@@ -14292,7 +14809,7 @@
           <p:cNvPr id="3" name="内容占位符 2">
             <a:extLst>
               <a:ext uri="{FF2B5EF4-FFF2-40B4-BE49-F238E27FC236}">
-                <a16:creationId xmlns:a16="http://schemas.microsoft.com/office/drawing/2014/main" id="{0B0CC85E-3CEF-4C78-9761-7B1B62EC4CD7}"/>
+                <a16:creationId xmlns:a16="http://schemas.microsoft.com/office/drawing/2014/main" id="{934AE0F8-6951-41B2-AAC4-E0EE505BA8DD}"/>
               </a:ext>
             </a:extLst>
           </p:cNvPr>
@@ -14303,37 +14820,43 @@
             <p:ph idx="1"/>
           </p:nvPr>
         </p:nvSpPr>
-        <p:spPr>
-          <a:xfrm>
-            <a:off x="677334" y="1269507"/>
-            <a:ext cx="8596668" cy="4771855"/>
-          </a:xfrm>
-        </p:spPr>
+        <p:spPr/>
         <p:txBody>
           <a:bodyPr/>
           <a:lstStyle/>
           <a:p>
             <a:r>
               <a:rPr lang="en-US" altLang="zh-CN" dirty="0"/>
-              <a:t>1.ibm.frameworkcore</a:t>
-            </a:r>
-            <a:r>
-              <a:rPr lang="zh-CN" altLang="en-US" dirty="0"/>
-              <a:t>不支持异步更新操作</a:t>
+              <a:t>1.powerdesigner</a:t>
+            </a:r>
+            <a:r>
+              <a:rPr lang="zh-CN" altLang="en-US" dirty="0"/>
+              <a:t>等工具设计</a:t>
             </a:r>
             <a:endParaRPr lang="en-US" altLang="zh-CN" dirty="0"/>
           </a:p>
           <a:p>
-            <a:endParaRPr lang="zh-CN" altLang="en-US" dirty="0"/>
+            <a:r>
+              <a:rPr lang="en-US" altLang="zh-CN" dirty="0"/>
+              <a:t>2.migration</a:t>
+            </a:r>
+            <a:r>
+              <a:rPr lang="zh-CN" altLang="en-US" dirty="0"/>
+              <a:t>反向工程探究</a:t>
+            </a:r>
+            <a:r>
+              <a:rPr lang="en-US" altLang="zh-CN" dirty="0"/>
+              <a:t>??</a:t>
+            </a:r>
           </a:p>
         </p:txBody>
       </p:sp>
       <p:pic>
         <p:nvPicPr>
-          <p:cNvPr id="5" name="图片 4">
+          <p:cNvPr id="6" name="图片 5">
             <a:extLst>
               <a:ext uri="{FF2B5EF4-FFF2-40B4-BE49-F238E27FC236}">
-                <a16:creationId xmlns:a16="http://schemas.microsoft.com/office/drawing/2014/main" id="{C6EF402B-F29E-4BB2-941D-DDC4C9A91655}"/>
+                <a16:creationId xmlns:a16="http://schemas.microsoft.com/office/drawing/2014/main" id="{1892931D-855F-466F-9847-42AB506EF33C}"/>
               </a:ext>
             </a:extLst>
           </p:cNvPr>
@@ -14350,103 +14873,18 @@
         </p:blipFill>
         <p:spPr>
           <a:xfrm>
-            <a:off x="860679" y="3429000"/>
-            <a:ext cx="7439942" cy="3176587"/>
+            <a:off x="903672" y="2986919"/>
+            <a:ext cx="9225749" cy="2428875"/>
           </a:xfrm>
           <a:prstGeom prst="rect">
             <a:avLst/>
           </a:prstGeom>
         </p:spPr>
       </p:pic>
-      <p:pic>
-        <p:nvPicPr>
-          <p:cNvPr id="4" name="图片 3">
-            <a:extLst>
-              <a:ext uri="{FF2B5EF4-FFF2-40B4-BE49-F238E27FC236}">
-                <a16:creationId xmlns:a16="http://schemas.microsoft.com/office/drawing/2014/main" id="{D4457D31-2E92-492F-99C9-B4E7C4E21C43}"/>
-              </a:ext>
-            </a:extLst>
-          </p:cNvPr>
-          <p:cNvPicPr>
-            <a:picLocks noChangeAspect="1"/>
-          </p:cNvPicPr>
-          <p:nvPr/>
-        </p:nvPicPr>
-        <p:blipFill>
-          <a:blip r:embed="rId3"/>
-          <a:stretch>
-            <a:fillRect/>
-          </a:stretch>
-        </p:blipFill>
-        <p:spPr>
-          <a:xfrm>
-            <a:off x="851801" y="1695310"/>
-            <a:ext cx="7581985" cy="1527284"/>
-          </a:xfrm>
-          <a:prstGeom prst="rect">
-            <a:avLst/>
-          </a:prstGeom>
-          <a:ln>
-            <a:noFill/>
-          </a:ln>
-        </p:spPr>
-      </p:pic>
-      <p:sp>
-        <p:nvSpPr>
-          <p:cNvPr id="6" name="矩形 5">
-            <a:extLst>
-              <a:ext uri="{FF2B5EF4-FFF2-40B4-BE49-F238E27FC236}">
-                <a16:creationId xmlns:a16="http://schemas.microsoft.com/office/drawing/2014/main" id="{FA733C50-BEC7-4430-A0B5-97F4EED0D138}"/>
-              </a:ext>
-            </a:extLst>
-          </p:cNvPr>
-          <p:cNvSpPr/>
-          <p:nvPr/>
-        </p:nvSpPr>
-        <p:spPr>
-          <a:xfrm>
-            <a:off x="1846555" y="2494625"/>
-            <a:ext cx="2476870" cy="168676"/>
-          </a:xfrm>
-          <a:prstGeom prst="rect">
-            <a:avLst/>
-          </a:prstGeom>
-          <a:noFill/>
-          <a:ln>
-            <a:solidFill>
-              <a:srgbClr val="FF0000"/>
-            </a:solidFill>
-          </a:ln>
-        </p:spPr>
-        <p:style>
-          <a:lnRef idx="2">
-            <a:schemeClr val="accent1">
-              <a:shade val="50000"/>
-            </a:schemeClr>
-          </a:lnRef>
-          <a:fillRef idx="1">
-            <a:schemeClr val="accent1"/>
-          </a:fillRef>
-          <a:effectRef idx="0">
-            <a:schemeClr val="accent1"/>
-          </a:effectRef>
-          <a:fontRef idx="minor">
-            <a:schemeClr val="lt1"/>
-          </a:fontRef>
-        </p:style>
-        <p:txBody>
-          <a:bodyPr rtlCol="0" anchor="ctr"/>
-          <a:lstStyle/>
-          <a:p>
-            <a:pPr algn="ctr"/>
-            <a:endParaRPr lang="zh-CN" altLang="en-US"/>
-          </a:p>
-        </p:txBody>
-      </p:sp>
     </p:spTree>
     <p:extLst>
       <p:ext uri="{BB962C8B-B14F-4D97-AF65-F5344CB8AC3E}">
-        <p14:creationId xmlns:p14="http://schemas.microsoft.com/office/powerpoint/2010/main" val="2043643592"/>
+        <p14:creationId xmlns:p14="http://schemas.microsoft.com/office/powerpoint/2010/main" val="269878499"/>
       </p:ext>
     </p:extLst>
   </p:cSld>

--- a/后端设计.pptx
+++ b/后端设计.pptx
@@ -850,7 +850,7 @@
           <a:p>
             <a:fld id="{71344541-80F6-4665-B184-FDE0A684C9F7}" type="datetimeFigureOut">
               <a:rPr lang="zh-CN" altLang="en-US" smtClean="0"/>
-              <a:t>2020/6/21</a:t>
+              <a:t>2020/6/24</a:t>
             </a:fld>
             <a:endParaRPr lang="zh-CN" altLang="en-US"/>
           </a:p>
@@ -1101,7 +1101,7 @@
           <a:p>
             <a:fld id="{71344541-80F6-4665-B184-FDE0A684C9F7}" type="datetimeFigureOut">
               <a:rPr lang="zh-CN" altLang="en-US" smtClean="0"/>
-              <a:t>2020/6/21</a:t>
+              <a:t>2020/6/24</a:t>
             </a:fld>
             <a:endParaRPr lang="zh-CN" altLang="en-US"/>
           </a:p>
@@ -1415,7 +1415,7 @@
           <a:p>
             <a:fld id="{71344541-80F6-4665-B184-FDE0A684C9F7}" type="datetimeFigureOut">
               <a:rPr lang="zh-CN" altLang="en-US" smtClean="0"/>
-              <a:t>2020/6/21</a:t>
+              <a:t>2020/6/24</a:t>
             </a:fld>
             <a:endParaRPr lang="zh-CN" altLang="en-US"/>
           </a:p>
@@ -1756,7 +1756,7 @@
           <a:p>
             <a:fld id="{71344541-80F6-4665-B184-FDE0A684C9F7}" type="datetimeFigureOut">
               <a:rPr lang="zh-CN" altLang="en-US" smtClean="0"/>
-              <a:t>2020/6/21</a:t>
+              <a:t>2020/6/24</a:t>
             </a:fld>
             <a:endParaRPr lang="zh-CN" altLang="en-US"/>
           </a:p>
@@ -2070,7 +2070,7 @@
           <a:p>
             <a:fld id="{71344541-80F6-4665-B184-FDE0A684C9F7}" type="datetimeFigureOut">
               <a:rPr lang="zh-CN" altLang="en-US" smtClean="0"/>
-              <a:t>2020/6/21</a:t>
+              <a:t>2020/6/24</a:t>
             </a:fld>
             <a:endParaRPr lang="zh-CN" altLang="en-US"/>
           </a:p>
@@ -2463,7 +2463,7 @@
           <a:p>
             <a:fld id="{71344541-80F6-4665-B184-FDE0A684C9F7}" type="datetimeFigureOut">
               <a:rPr lang="zh-CN" altLang="en-US" smtClean="0"/>
-              <a:t>2020/6/21</a:t>
+              <a:t>2020/6/24</a:t>
             </a:fld>
             <a:endParaRPr lang="zh-CN" altLang="en-US"/>
           </a:p>
@@ -2633,7 +2633,7 @@
           <a:p>
             <a:fld id="{71344541-80F6-4665-B184-FDE0A684C9F7}" type="datetimeFigureOut">
               <a:rPr lang="zh-CN" altLang="en-US" smtClean="0"/>
-              <a:t>2020/6/21</a:t>
+              <a:t>2020/6/24</a:t>
             </a:fld>
             <a:endParaRPr lang="zh-CN" altLang="en-US"/>
           </a:p>
@@ -2813,7 +2813,7 @@
           <a:p>
             <a:fld id="{71344541-80F6-4665-B184-FDE0A684C9F7}" type="datetimeFigureOut">
               <a:rPr lang="zh-CN" altLang="en-US" smtClean="0"/>
-              <a:t>2020/6/21</a:t>
+              <a:t>2020/6/24</a:t>
             </a:fld>
             <a:endParaRPr lang="zh-CN" altLang="en-US"/>
           </a:p>
@@ -2989,7 +2989,7 @@
           <a:p>
             <a:fld id="{71344541-80F6-4665-B184-FDE0A684C9F7}" type="datetimeFigureOut">
               <a:rPr lang="zh-CN" altLang="en-US" smtClean="0"/>
-              <a:t>2020/6/21</a:t>
+              <a:t>2020/6/24</a:t>
             </a:fld>
             <a:endParaRPr lang="zh-CN" altLang="en-US"/>
           </a:p>
@@ -3236,7 +3236,7 @@
           <a:p>
             <a:fld id="{71344541-80F6-4665-B184-FDE0A684C9F7}" type="datetimeFigureOut">
               <a:rPr lang="zh-CN" altLang="en-US" smtClean="0"/>
-              <a:t>2020/6/21</a:t>
+              <a:t>2020/6/24</a:t>
             </a:fld>
             <a:endParaRPr lang="zh-CN" altLang="en-US"/>
           </a:p>
@@ -3468,7 +3468,7 @@
           <a:p>
             <a:fld id="{71344541-80F6-4665-B184-FDE0A684C9F7}" type="datetimeFigureOut">
               <a:rPr lang="zh-CN" altLang="en-US" smtClean="0"/>
-              <a:t>2020/6/21</a:t>
+              <a:t>2020/6/24</a:t>
             </a:fld>
             <a:endParaRPr lang="zh-CN" altLang="en-US"/>
           </a:p>
@@ -3842,7 +3842,7 @@
           <a:p>
             <a:fld id="{71344541-80F6-4665-B184-FDE0A684C9F7}" type="datetimeFigureOut">
               <a:rPr lang="zh-CN" altLang="en-US" smtClean="0"/>
-              <a:t>2020/6/21</a:t>
+              <a:t>2020/6/24</a:t>
             </a:fld>
             <a:endParaRPr lang="zh-CN" altLang="en-US"/>
           </a:p>
@@ -3965,7 +3965,7 @@
           <a:p>
             <a:fld id="{71344541-80F6-4665-B184-FDE0A684C9F7}" type="datetimeFigureOut">
               <a:rPr lang="zh-CN" altLang="en-US" smtClean="0"/>
-              <a:t>2020/6/21</a:t>
+              <a:t>2020/6/24</a:t>
             </a:fld>
             <a:endParaRPr lang="zh-CN" altLang="en-US"/>
           </a:p>
@@ -4060,7 +4060,7 @@
           <a:p>
             <a:fld id="{71344541-80F6-4665-B184-FDE0A684C9F7}" type="datetimeFigureOut">
               <a:rPr lang="zh-CN" altLang="en-US" smtClean="0"/>
-              <a:t>2020/6/21</a:t>
+              <a:t>2020/6/24</a:t>
             </a:fld>
             <a:endParaRPr lang="zh-CN" altLang="en-US"/>
           </a:p>
@@ -4315,7 +4315,7 @@
           <a:p>
             <a:fld id="{71344541-80F6-4665-B184-FDE0A684C9F7}" type="datetimeFigureOut">
               <a:rPr lang="zh-CN" altLang="en-US" smtClean="0"/>
-              <a:t>2020/6/21</a:t>
+              <a:t>2020/6/24</a:t>
             </a:fld>
             <a:endParaRPr lang="zh-CN" altLang="en-US"/>
           </a:p>
@@ -4578,7 +4578,7 @@
           <a:p>
             <a:fld id="{71344541-80F6-4665-B184-FDE0A684C9F7}" type="datetimeFigureOut">
               <a:rPr lang="zh-CN" altLang="en-US" smtClean="0"/>
-              <a:t>2020/6/21</a:t>
+              <a:t>2020/6/24</a:t>
             </a:fld>
             <a:endParaRPr lang="zh-CN" altLang="en-US"/>
           </a:p>
@@ -5321,7 +5321,7 @@
           <a:p>
             <a:fld id="{71344541-80F6-4665-B184-FDE0A684C9F7}" type="datetimeFigureOut">
               <a:rPr lang="zh-CN" altLang="en-US" smtClean="0"/>
-              <a:t>2020/6/21</a:t>
+              <a:t>2020/6/24</a:t>
             </a:fld>
             <a:endParaRPr lang="zh-CN" altLang="en-US"/>
           </a:p>
@@ -9252,7 +9252,9 @@
         </p:nvSpPr>
         <p:spPr/>
         <p:txBody>
-          <a:bodyPr/>
+          <a:bodyPr>
+            <a:normAutofit/>
+          </a:bodyPr>
           <a:lstStyle/>
           <a:p>
             <a:r>
@@ -9261,6 +9263,20 @@
             </a:r>
             <a:r>
               <a:rPr lang="zh-CN" altLang="en-US" dirty="0"/>
+              <a:t>日志</a:t>
+            </a:r>
+            <a:r>
+              <a:rPr lang="en-US" altLang="zh-CN" dirty="0"/>
+              <a:t>(log4net)</a:t>
+            </a:r>
+          </a:p>
+          <a:p>
+            <a:r>
+              <a:rPr lang="en-US" altLang="zh-CN" dirty="0"/>
+              <a:t>2.</a:t>
+            </a:r>
+            <a:r>
+              <a:rPr lang="zh-CN" altLang="en-US" dirty="0"/>
               <a:t>自定义内容搜索</a:t>
             </a:r>
             <a:endParaRPr lang="en-US" altLang="zh-CN" dirty="0"/>
@@ -9268,7 +9284,7 @@
           <a:p>
             <a:r>
               <a:rPr lang="en-US" altLang="zh-CN" dirty="0"/>
-              <a:t>2.entity</a:t>
+              <a:t>3.entity</a:t>
             </a:r>
             <a:r>
               <a:rPr lang="zh-CN" altLang="en-US" dirty="0"/>
@@ -9279,21 +9295,32 @@
           <a:p>
             <a:r>
               <a:rPr lang="en-US" altLang="zh-CN" dirty="0"/>
-              <a:t>3.</a:t>
-            </a:r>
-            <a:r>
-              <a:rPr lang="zh-CN" altLang="en-US" dirty="0"/>
-              <a:t>日志</a:t>
-            </a:r>
-            <a:r>
-              <a:rPr lang="en-US" altLang="zh-CN" dirty="0"/>
-              <a:t>(log4net)</a:t>
-            </a:r>
-          </a:p>
-          <a:p>
-            <a:r>
-              <a:rPr lang="en-US" altLang="zh-CN" dirty="0"/>
               <a:t>4.</a:t>
+            </a:r>
+            <a:r>
+              <a:rPr lang="zh-CN" altLang="en-US" dirty="0"/>
+              <a:t>邮件服务</a:t>
+            </a:r>
+            <a:endParaRPr lang="en-US" altLang="zh-CN" dirty="0"/>
+          </a:p>
+          <a:p>
+            <a:r>
+              <a:rPr lang="en-US" altLang="zh-CN" dirty="0"/>
+              <a:t>5.</a:t>
+            </a:r>
+            <a:r>
+              <a:rPr lang="zh-CN" altLang="en-US" dirty="0"/>
+              <a:t>父子资源的</a:t>
+            </a:r>
+            <a:r>
+              <a:rPr lang="en-US" altLang="zh-CN" dirty="0"/>
+              <a:t>demo</a:t>
+            </a:r>
+          </a:p>
+          <a:p>
+            <a:r>
+              <a:rPr lang="en-US" altLang="zh-CN" dirty="0"/>
+              <a:t>//3.</a:t>
             </a:r>
             <a:r>
               <a:rPr lang="zh-CN" altLang="en-US" dirty="0"/>
@@ -9327,13 +9354,32 @@
           <a:p>
             <a:r>
               <a:rPr lang="en-US" altLang="zh-CN" dirty="0"/>
-              <a:t>5.swagger</a:t>
-            </a:r>
-          </a:p>
-          <a:p>
-            <a:r>
-              <a:rPr lang="en-US" altLang="zh-CN" dirty="0"/>
-              <a:t>6.xUnit(</a:t>
+              <a:t>6.</a:t>
+            </a:r>
+            <a:r>
+              <a:rPr lang="zh-CN" altLang="en-US" dirty="0"/>
+              <a:t>缓存</a:t>
+            </a:r>
+            <a:r>
+              <a:rPr lang="en-US" altLang="zh-CN" dirty="0"/>
+              <a:t>()</a:t>
+            </a:r>
+          </a:p>
+          <a:p>
+            <a:r>
+              <a:rPr lang="en-US" altLang="zh-CN" dirty="0"/>
+              <a:t>6.swagger/</a:t>
+            </a:r>
+            <a:r>
+              <a:rPr lang="en-US" altLang="zh-CN" dirty="0" err="1"/>
+              <a:t>aos</a:t>
+            </a:r>
+            <a:endParaRPr lang="en-US" altLang="zh-CN" dirty="0"/>
+          </a:p>
+          <a:p>
+            <a:r>
+              <a:rPr lang="en-US" altLang="zh-CN" dirty="0"/>
+              <a:t>7.xUnit(</a:t>
             </a:r>
             <a:r>
               <a:rPr lang="zh-CN" altLang="en-US" dirty="0"/>
@@ -9450,168 +9496,118 @@
           <a:p>
             <a:r>
               <a:rPr lang="en-US" altLang="zh-CN" dirty="0"/>
-              <a:t>1.</a:t>
-            </a:r>
-            <a:r>
-              <a:rPr lang="zh-CN" altLang="en-US" dirty="0"/>
+              <a:t>2.wcf</a:t>
+            </a:r>
+            <a:r>
+              <a:rPr lang="zh-CN" altLang="en-US" dirty="0"/>
+              <a:t>适配完成</a:t>
+            </a:r>
+            <a:r>
+              <a:rPr lang="en-US" altLang="zh-CN" dirty="0"/>
+              <a:t>,</a:t>
+            </a:r>
+            <a:r>
+              <a:rPr lang="zh-CN" altLang="en-US" dirty="0"/>
+              <a:t>但是还没有写逻辑</a:t>
+            </a:r>
+            <a:r>
+              <a:rPr lang="en-US" altLang="zh-CN" dirty="0"/>
+              <a:t>,</a:t>
+            </a:r>
+            <a:r>
+              <a:rPr lang="zh-CN" altLang="en-US" dirty="0"/>
+              <a:t>接口</a:t>
+            </a:r>
+            <a:endParaRPr lang="en-US" altLang="zh-CN" dirty="0"/>
+          </a:p>
+          <a:p>
+            <a:r>
+              <a:rPr lang="en-US" altLang="zh-CN" dirty="0"/>
+              <a:t>3.</a:t>
+            </a:r>
+            <a:r>
+              <a:rPr lang="zh-CN" altLang="en-US" dirty="0"/>
+              <a:t>权限验证是否写在管道中</a:t>
+            </a:r>
+            <a:r>
+              <a:rPr lang="en-US" altLang="zh-CN" dirty="0"/>
+              <a:t>(</a:t>
+            </a:r>
+            <a:r>
+              <a:rPr lang="zh-CN" altLang="en-US" dirty="0"/>
+              <a:t>拆分逻辑就写在切面</a:t>
+            </a:r>
+            <a:r>
+              <a:rPr lang="en-US" altLang="zh-CN" dirty="0"/>
+              <a:t>)</a:t>
+            </a:r>
+          </a:p>
+          <a:p>
+            <a:r>
+              <a:rPr lang="en-US" altLang="zh-CN" dirty="0"/>
+              <a:t>4.</a:t>
+            </a:r>
+            <a:r>
+              <a:rPr lang="zh-CN" altLang="en-US" dirty="0"/>
+              <a:t>内容协商部分</a:t>
+            </a:r>
+            <a:r>
+              <a:rPr lang="en-US" altLang="zh-CN" dirty="0"/>
+              <a:t>:</a:t>
+            </a:r>
+            <a:r>
+              <a:rPr lang="zh-CN" altLang="en-US" dirty="0"/>
+              <a:t>实体验证</a:t>
+            </a:r>
+            <a:r>
+              <a:rPr lang="en-US" altLang="zh-CN" dirty="0"/>
               <a:t> </a:t>
             </a:r>
             <a:r>
-              <a:rPr lang="en-US" altLang="zh-CN" dirty="0" err="1"/>
-              <a:t>orm</a:t>
-            </a:r>
-            <a:r>
-              <a:rPr lang="zh-CN" altLang="en-US" dirty="0"/>
-              <a:t>要不要换成</a:t>
-            </a:r>
-            <a:r>
-              <a:rPr lang="en-US" altLang="zh-CN" dirty="0"/>
-              <a:t>dapper,db2.efcore</a:t>
-            </a:r>
-            <a:r>
-              <a:rPr lang="zh-CN" altLang="en-US" dirty="0"/>
-              <a:t>不支持异步</a:t>
-            </a:r>
-            <a:r>
-              <a:rPr lang="en-US" altLang="zh-CN" dirty="0"/>
-              <a:t>,</a:t>
-            </a:r>
-            <a:r>
-              <a:rPr lang="zh-CN" altLang="en-US" dirty="0"/>
-              <a:t>可以同步更新</a:t>
-            </a:r>
-            <a:r>
-              <a:rPr lang="en-US" altLang="zh-CN" dirty="0"/>
-              <a:t>(</a:t>
-            </a:r>
-            <a:r>
-              <a:rPr lang="en-US" altLang="zh-CN" dirty="0" err="1"/>
-              <a:t>ibm</a:t>
-            </a:r>
-            <a:r>
-              <a:rPr lang="zh-CN" altLang="en-US" dirty="0"/>
-              <a:t>抠脚</a:t>
-            </a:r>
-            <a:r>
-              <a:rPr lang="en-US" altLang="zh-CN" dirty="0"/>
-              <a:t>)</a:t>
-            </a:r>
-          </a:p>
-          <a:p>
-            <a:r>
-              <a:rPr lang="en-US" altLang="zh-CN" dirty="0"/>
-              <a:t>2.wcf</a:t>
-            </a:r>
-            <a:r>
-              <a:rPr lang="zh-CN" altLang="en-US" dirty="0"/>
-              <a:t>适配完成</a:t>
-            </a:r>
-            <a:r>
-              <a:rPr lang="en-US" altLang="zh-CN" dirty="0"/>
-              <a:t>,</a:t>
-            </a:r>
-            <a:r>
-              <a:rPr lang="zh-CN" altLang="en-US" dirty="0"/>
-              <a:t>但是还没有写逻辑</a:t>
+              <a:rPr lang="zh-CN" altLang="en-US" dirty="0"/>
+              <a:t>返回</a:t>
+            </a:r>
+            <a:r>
+              <a:rPr lang="en-US" altLang="zh-CN" dirty="0"/>
+              <a:t>422</a:t>
+            </a:r>
+            <a:r>
+              <a:rPr lang="zh-CN" altLang="en-US" dirty="0"/>
+              <a:t>  验证模型</a:t>
+            </a:r>
+            <a:r>
+              <a:rPr lang="en-US" altLang="zh-CN" dirty="0"/>
+              <a:t>??</a:t>
+            </a:r>
+            <a:r>
+              <a:rPr lang="zh-CN" altLang="en-US" dirty="0"/>
+              <a:t>  后台必做验证</a:t>
             </a:r>
             <a:endParaRPr lang="en-US" altLang="zh-CN" dirty="0"/>
           </a:p>
           <a:p>
             <a:r>
               <a:rPr lang="en-US" altLang="zh-CN" dirty="0"/>
-              <a:t>3.</a:t>
-            </a:r>
-            <a:r>
-              <a:rPr lang="zh-CN" altLang="en-US" dirty="0"/>
-              <a:t>权限验证是否写在管道中</a:t>
-            </a:r>
-            <a:r>
-              <a:rPr lang="en-US" altLang="zh-CN" dirty="0"/>
-              <a:t>(</a:t>
-            </a:r>
-            <a:r>
-              <a:rPr lang="zh-CN" altLang="en-US" dirty="0"/>
-              <a:t>拆分逻辑就写在切面</a:t>
-            </a:r>
-            <a:r>
-              <a:rPr lang="en-US" altLang="zh-CN" dirty="0"/>
-              <a:t>,</a:t>
-            </a:r>
-            <a:r>
-              <a:rPr lang="zh-CN" altLang="en-US" dirty="0"/>
-              <a:t>每个方法都要验证就在写中间件内</a:t>
-            </a:r>
-            <a:r>
-              <a:rPr lang="en-US" altLang="zh-CN" dirty="0"/>
-              <a:t>)</a:t>
-            </a:r>
-          </a:p>
-          <a:p>
-            <a:r>
-              <a:rPr lang="en-US" altLang="zh-CN" dirty="0"/>
-              <a:t>4.</a:t>
-            </a:r>
-            <a:r>
-              <a:rPr lang="zh-CN" altLang="en-US" dirty="0"/>
-              <a:t>内容协商部分</a:t>
-            </a:r>
-            <a:r>
-              <a:rPr lang="en-US" altLang="zh-CN" dirty="0"/>
-              <a:t>:</a:t>
-            </a:r>
-            <a:r>
-              <a:rPr lang="zh-CN" altLang="en-US" dirty="0"/>
-              <a:t>实体验证</a:t>
-            </a:r>
-            <a:r>
-              <a:rPr lang="en-US" altLang="zh-CN" dirty="0"/>
-              <a:t> </a:t>
-            </a:r>
-            <a:r>
-              <a:rPr lang="zh-CN" altLang="en-US" dirty="0"/>
-              <a:t>返回</a:t>
-            </a:r>
-            <a:r>
-              <a:rPr lang="en-US" altLang="zh-CN" dirty="0"/>
-              <a:t>422</a:t>
-            </a:r>
-            <a:r>
-              <a:rPr lang="zh-CN" altLang="en-US" dirty="0"/>
-              <a:t>  验证模型</a:t>
-            </a:r>
-            <a:r>
-              <a:rPr lang="en-US" altLang="zh-CN" dirty="0"/>
-              <a:t>??</a:t>
-            </a:r>
-            <a:r>
-              <a:rPr lang="zh-CN" altLang="en-US" dirty="0"/>
-              <a:t> </a:t>
+              <a:t>5.</a:t>
+            </a:r>
+            <a:r>
+              <a:rPr lang="zh-CN" altLang="en-US" dirty="0"/>
+              <a:t>缓存</a:t>
+            </a:r>
+            <a:r>
+              <a:rPr lang="en-US" altLang="zh-CN" dirty="0"/>
+              <a:t>?</a:t>
+            </a:r>
+            <a:r>
+              <a:rPr lang="zh-CN" altLang="en-US" dirty="0"/>
+              <a:t>控制并发的部分</a:t>
             </a:r>
             <a:endParaRPr lang="en-US" altLang="zh-CN" dirty="0"/>
           </a:p>
           <a:p>
-            <a:r>
-              <a:rPr lang="en-US" altLang="zh-CN" dirty="0"/>
-              <a:t>5.</a:t>
-            </a:r>
-            <a:r>
-              <a:rPr lang="zh-CN" altLang="en-US" dirty="0"/>
-              <a:t>缓存</a:t>
-            </a:r>
-            <a:r>
-              <a:rPr lang="en-US" altLang="zh-CN" dirty="0"/>
-              <a:t>?</a:t>
-            </a:r>
-            <a:r>
-              <a:rPr lang="zh-CN" altLang="en-US" dirty="0"/>
-              <a:t>控制并发的部分</a:t>
-            </a:r>
             <a:endParaRPr lang="en-US" altLang="zh-CN" dirty="0"/>
           </a:p>
           <a:p>
-            <a:pPr marL="0" indent="0">
-              <a:buNone/>
-            </a:pPr>
             <a:endParaRPr lang="en-US" altLang="zh-CN" dirty="0"/>
           </a:p>
           <a:p>
@@ -9680,6 +9676,14 @@
             <a:r>
               <a:rPr lang="en-US" altLang="zh-CN" dirty="0"/>
               <a:t>7.CI/CD?</a:t>
+            </a:r>
+            <a:r>
+              <a:rPr lang="zh-CN" altLang="en-US" dirty="0"/>
+              <a:t>持续交付</a:t>
+            </a:r>
+            <a:r>
+              <a:rPr lang="en-US" altLang="zh-CN" dirty="0"/>
+              <a:t>????</a:t>
             </a:r>
           </a:p>
           <a:p>
@@ -9830,7 +9834,7 @@
         </p:blipFill>
         <p:spPr>
           <a:xfrm>
-            <a:off x="8111027" y="1270355"/>
+            <a:off x="7095027" y="1484544"/>
             <a:ext cx="896645" cy="874944"/>
           </a:xfrm>
           <a:prstGeom prst="rect">

--- a/后端设计.pptx
+++ b/后端设计.pptx
@@ -22,6 +22,7 @@
     <p:sldId id="271" r:id="rId16"/>
     <p:sldId id="261" r:id="rId17"/>
     <p:sldId id="266" r:id="rId18"/>
+    <p:sldId id="273" r:id="rId19"/>
   </p:sldIdLst>
   <p:sldSz cx="12192000" cy="6858000"/>
   <p:notesSz cx="6858000" cy="9144000"/>
@@ -850,7 +851,7 @@
           <a:p>
             <a:fld id="{71344541-80F6-4665-B184-FDE0A684C9F7}" type="datetimeFigureOut">
               <a:rPr lang="zh-CN" altLang="en-US" smtClean="0"/>
-              <a:t>2020/6/24</a:t>
+              <a:t>2020/7/5</a:t>
             </a:fld>
             <a:endParaRPr lang="zh-CN" altLang="en-US"/>
           </a:p>
@@ -1101,7 +1102,7 @@
           <a:p>
             <a:fld id="{71344541-80F6-4665-B184-FDE0A684C9F7}" type="datetimeFigureOut">
               <a:rPr lang="zh-CN" altLang="en-US" smtClean="0"/>
-              <a:t>2020/6/24</a:t>
+              <a:t>2020/7/5</a:t>
             </a:fld>
             <a:endParaRPr lang="zh-CN" altLang="en-US"/>
           </a:p>
@@ -1415,7 +1416,7 @@
           <a:p>
             <a:fld id="{71344541-80F6-4665-B184-FDE0A684C9F7}" type="datetimeFigureOut">
               <a:rPr lang="zh-CN" altLang="en-US" smtClean="0"/>
-              <a:t>2020/6/24</a:t>
+              <a:t>2020/7/5</a:t>
             </a:fld>
             <a:endParaRPr lang="zh-CN" altLang="en-US"/>
           </a:p>
@@ -1756,7 +1757,7 @@
           <a:p>
             <a:fld id="{71344541-80F6-4665-B184-FDE0A684C9F7}" type="datetimeFigureOut">
               <a:rPr lang="zh-CN" altLang="en-US" smtClean="0"/>
-              <a:t>2020/6/24</a:t>
+              <a:t>2020/7/5</a:t>
             </a:fld>
             <a:endParaRPr lang="zh-CN" altLang="en-US"/>
           </a:p>
@@ -2070,7 +2071,7 @@
           <a:p>
             <a:fld id="{71344541-80F6-4665-B184-FDE0A684C9F7}" type="datetimeFigureOut">
               <a:rPr lang="zh-CN" altLang="en-US" smtClean="0"/>
-              <a:t>2020/6/24</a:t>
+              <a:t>2020/7/5</a:t>
             </a:fld>
             <a:endParaRPr lang="zh-CN" altLang="en-US"/>
           </a:p>
@@ -2463,7 +2464,7 @@
           <a:p>
             <a:fld id="{71344541-80F6-4665-B184-FDE0A684C9F7}" type="datetimeFigureOut">
               <a:rPr lang="zh-CN" altLang="en-US" smtClean="0"/>
-              <a:t>2020/6/24</a:t>
+              <a:t>2020/7/5</a:t>
             </a:fld>
             <a:endParaRPr lang="zh-CN" altLang="en-US"/>
           </a:p>
@@ -2633,7 +2634,7 @@
           <a:p>
             <a:fld id="{71344541-80F6-4665-B184-FDE0A684C9F7}" type="datetimeFigureOut">
               <a:rPr lang="zh-CN" altLang="en-US" smtClean="0"/>
-              <a:t>2020/6/24</a:t>
+              <a:t>2020/7/5</a:t>
             </a:fld>
             <a:endParaRPr lang="zh-CN" altLang="en-US"/>
           </a:p>
@@ -2813,7 +2814,7 @@
           <a:p>
             <a:fld id="{71344541-80F6-4665-B184-FDE0A684C9F7}" type="datetimeFigureOut">
               <a:rPr lang="zh-CN" altLang="en-US" smtClean="0"/>
-              <a:t>2020/6/24</a:t>
+              <a:t>2020/7/5</a:t>
             </a:fld>
             <a:endParaRPr lang="zh-CN" altLang="en-US"/>
           </a:p>
@@ -2989,7 +2990,7 @@
           <a:p>
             <a:fld id="{71344541-80F6-4665-B184-FDE0A684C9F7}" type="datetimeFigureOut">
               <a:rPr lang="zh-CN" altLang="en-US" smtClean="0"/>
-              <a:t>2020/6/24</a:t>
+              <a:t>2020/7/5</a:t>
             </a:fld>
             <a:endParaRPr lang="zh-CN" altLang="en-US"/>
           </a:p>
@@ -3236,7 +3237,7 @@
           <a:p>
             <a:fld id="{71344541-80F6-4665-B184-FDE0A684C9F7}" type="datetimeFigureOut">
               <a:rPr lang="zh-CN" altLang="en-US" smtClean="0"/>
-              <a:t>2020/6/24</a:t>
+              <a:t>2020/7/5</a:t>
             </a:fld>
             <a:endParaRPr lang="zh-CN" altLang="en-US"/>
           </a:p>
@@ -3468,7 +3469,7 @@
           <a:p>
             <a:fld id="{71344541-80F6-4665-B184-FDE0A684C9F7}" type="datetimeFigureOut">
               <a:rPr lang="zh-CN" altLang="en-US" smtClean="0"/>
-              <a:t>2020/6/24</a:t>
+              <a:t>2020/7/5</a:t>
             </a:fld>
             <a:endParaRPr lang="zh-CN" altLang="en-US"/>
           </a:p>
@@ -3842,7 +3843,7 @@
           <a:p>
             <a:fld id="{71344541-80F6-4665-B184-FDE0A684C9F7}" type="datetimeFigureOut">
               <a:rPr lang="zh-CN" altLang="en-US" smtClean="0"/>
-              <a:t>2020/6/24</a:t>
+              <a:t>2020/7/5</a:t>
             </a:fld>
             <a:endParaRPr lang="zh-CN" altLang="en-US"/>
           </a:p>
@@ -3965,7 +3966,7 @@
           <a:p>
             <a:fld id="{71344541-80F6-4665-B184-FDE0A684C9F7}" type="datetimeFigureOut">
               <a:rPr lang="zh-CN" altLang="en-US" smtClean="0"/>
-              <a:t>2020/6/24</a:t>
+              <a:t>2020/7/5</a:t>
             </a:fld>
             <a:endParaRPr lang="zh-CN" altLang="en-US"/>
           </a:p>
@@ -4060,7 +4061,7 @@
           <a:p>
             <a:fld id="{71344541-80F6-4665-B184-FDE0A684C9F7}" type="datetimeFigureOut">
               <a:rPr lang="zh-CN" altLang="en-US" smtClean="0"/>
-              <a:t>2020/6/24</a:t>
+              <a:t>2020/7/5</a:t>
             </a:fld>
             <a:endParaRPr lang="zh-CN" altLang="en-US"/>
           </a:p>
@@ -4315,7 +4316,7 @@
           <a:p>
             <a:fld id="{71344541-80F6-4665-B184-FDE0A684C9F7}" type="datetimeFigureOut">
               <a:rPr lang="zh-CN" altLang="en-US" smtClean="0"/>
-              <a:t>2020/6/24</a:t>
+              <a:t>2020/7/5</a:t>
             </a:fld>
             <a:endParaRPr lang="zh-CN" altLang="en-US"/>
           </a:p>
@@ -4578,7 +4579,7 @@
           <a:p>
             <a:fld id="{71344541-80F6-4665-B184-FDE0A684C9F7}" type="datetimeFigureOut">
               <a:rPr lang="zh-CN" altLang="en-US" smtClean="0"/>
-              <a:t>2020/6/24</a:t>
+              <a:t>2020/7/5</a:t>
             </a:fld>
             <a:endParaRPr lang="zh-CN" altLang="en-US"/>
           </a:p>
@@ -5321,7 +5322,7 @@
           <a:p>
             <a:fld id="{71344541-80F6-4665-B184-FDE0A684C9F7}" type="datetimeFigureOut">
               <a:rPr lang="zh-CN" altLang="en-US" smtClean="0"/>
-              <a:t>2020/6/24</a:t>
+              <a:t>2020/7/5</a:t>
             </a:fld>
             <a:endParaRPr lang="zh-CN" altLang="en-US"/>
           </a:p>
@@ -9290,22 +9291,33 @@
               <a:rPr lang="zh-CN" altLang="en-US" dirty="0"/>
               <a:t>单资源增删改查的封装</a:t>
             </a:r>
+            <a:r>
+              <a:rPr lang="en-US" altLang="zh-CN" dirty="0"/>
+              <a:t>(</a:t>
+            </a:r>
+            <a:r>
+              <a:rPr lang="zh-CN" altLang="en-US" dirty="0"/>
+              <a:t>完成简单的增删改查</a:t>
+            </a:r>
+            <a:r>
+              <a:rPr lang="en-US" altLang="zh-CN" dirty="0"/>
+              <a:t>)</a:t>
+            </a:r>
+          </a:p>
+          <a:p>
+            <a:r>
+              <a:rPr lang="en-US" altLang="zh-CN" dirty="0"/>
+              <a:t>4.</a:t>
+            </a:r>
+            <a:r>
+              <a:rPr lang="zh-CN" altLang="en-US" dirty="0"/>
+              <a:t>邮件服务</a:t>
+            </a:r>
             <a:endParaRPr lang="en-US" altLang="zh-CN" dirty="0"/>
           </a:p>
           <a:p>
             <a:r>
               <a:rPr lang="en-US" altLang="zh-CN" dirty="0"/>
-              <a:t>4.</a:t>
-            </a:r>
-            <a:r>
-              <a:rPr lang="zh-CN" altLang="en-US" dirty="0"/>
-              <a:t>邮件服务</a:t>
-            </a:r>
-            <a:endParaRPr lang="en-US" altLang="zh-CN" dirty="0"/>
-          </a:p>
-          <a:p>
-            <a:r>
-              <a:rPr lang="en-US" altLang="zh-CN" dirty="0"/>
               <a:t>5.</a:t>
             </a:r>
             <a:r>
@@ -9314,7 +9326,15 @@
             </a:r>
             <a:r>
               <a:rPr lang="en-US" altLang="zh-CN" dirty="0"/>
-              <a:t>demo</a:t>
+              <a:t>demo (</a:t>
+            </a:r>
+            <a:r>
+              <a:rPr lang="zh-CN" altLang="en-US" dirty="0"/>
+              <a:t>子资源的</a:t>
+            </a:r>
+            <a:r>
+              <a:rPr lang="en-US" altLang="zh-CN" dirty="0"/>
+              <a:t>demo)</a:t>
             </a:r>
           </a:p>
           <a:p>
@@ -9407,6 +9427,176 @@
     <p:extLst>
       <p:ext uri="{BB962C8B-B14F-4D97-AF65-F5344CB8AC3E}">
         <p14:creationId xmlns:p14="http://schemas.microsoft.com/office/powerpoint/2010/main" val="3178744829"/>
+      </p:ext>
+    </p:extLst>
+  </p:cSld>
+  <p:clrMapOvr>
+    <a:masterClrMapping/>
+  </p:clrMapOvr>
+</p:sld>
+</file>
+
+<file path=ppt/slides/slide18.xml><?xml version="1.0" encoding="utf-8"?>
+<p:sld xmlns:a="http://schemas.openxmlformats.org/drawingml/2006/main" xmlns:r="http://schemas.openxmlformats.org/officeDocument/2006/relationships" xmlns:p="http://schemas.openxmlformats.org/presentationml/2006/main">
+  <p:cSld>
+    <p:spTree>
+      <p:nvGrpSpPr>
+        <p:cNvPr id="1" name=""/>
+        <p:cNvGrpSpPr/>
+        <p:nvPr/>
+      </p:nvGrpSpPr>
+      <p:grpSpPr>
+        <a:xfrm>
+          <a:off x="0" y="0"/>
+          <a:ext cx="0" cy="0"/>
+          <a:chOff x="0" y="0"/>
+          <a:chExt cx="0" cy="0"/>
+        </a:xfrm>
+      </p:grpSpPr>
+      <p:sp>
+        <p:nvSpPr>
+          <p:cNvPr id="2" name="标题 1">
+            <a:extLst>
+              <a:ext uri="{FF2B5EF4-FFF2-40B4-BE49-F238E27FC236}">
+                <a16:creationId xmlns:a16="http://schemas.microsoft.com/office/drawing/2014/main" id="{8C11547B-6180-4DFC-B09B-2A643C8C0386}"/>
+              </a:ext>
+            </a:extLst>
+          </p:cNvPr>
+          <p:cNvSpPr>
+            <a:spLocks noGrp="1"/>
+          </p:cNvSpPr>
+          <p:nvPr>
+            <p:ph type="title"/>
+          </p:nvPr>
+        </p:nvSpPr>
+        <p:spPr/>
+        <p:txBody>
+          <a:bodyPr/>
+          <a:lstStyle/>
+          <a:p>
+            <a:r>
+              <a:rPr lang="zh-CN" altLang="en-US" dirty="0"/>
+              <a:t>计划</a:t>
+            </a:r>
+            <a:r>
+              <a:rPr lang="en-US" altLang="zh-CN" dirty="0"/>
+              <a:t>7.6~</a:t>
+            </a:r>
+            <a:endParaRPr lang="zh-CN" altLang="en-US" dirty="0"/>
+          </a:p>
+        </p:txBody>
+      </p:sp>
+      <p:sp>
+        <p:nvSpPr>
+          <p:cNvPr id="3" name="内容占位符 2">
+            <a:extLst>
+              <a:ext uri="{FF2B5EF4-FFF2-40B4-BE49-F238E27FC236}">
+                <a16:creationId xmlns:a16="http://schemas.microsoft.com/office/drawing/2014/main" id="{BC19EC0F-D241-4961-A8E5-93C14B44BE27}"/>
+              </a:ext>
+            </a:extLst>
+          </p:cNvPr>
+          <p:cNvSpPr>
+            <a:spLocks noGrp="1"/>
+          </p:cNvSpPr>
+          <p:nvPr>
+            <p:ph idx="1"/>
+          </p:nvPr>
+        </p:nvSpPr>
+        <p:spPr/>
+        <p:txBody>
+          <a:bodyPr/>
+          <a:lstStyle/>
+          <a:p>
+            <a:r>
+              <a:rPr lang="en-US" altLang="zh-CN" dirty="0"/>
+              <a:t>1.</a:t>
+            </a:r>
+            <a:r>
+              <a:rPr lang="zh-CN" altLang="en-US" dirty="0"/>
+              <a:t>全局日志处理</a:t>
+            </a:r>
+            <a:r>
+              <a:rPr lang="en-US" altLang="zh-CN" dirty="0"/>
+              <a:t>(</a:t>
+            </a:r>
+            <a:r>
+              <a:rPr lang="en-US" altLang="zh-CN" dirty="0" err="1"/>
+              <a:t>NLog</a:t>
+            </a:r>
+            <a:r>
+              <a:rPr lang="en-US" altLang="zh-CN" dirty="0"/>
+              <a:t>)</a:t>
+            </a:r>
+          </a:p>
+          <a:p>
+            <a:r>
+              <a:rPr lang="en-US" altLang="zh-CN" dirty="0"/>
+              <a:t>2.</a:t>
+            </a:r>
+            <a:r>
+              <a:rPr lang="zh-CN" altLang="en-US"/>
+              <a:t>日志写入数据库</a:t>
+            </a:r>
+            <a:endParaRPr lang="en-US" altLang="zh-CN" dirty="0"/>
+          </a:p>
+          <a:p>
+            <a:r>
+              <a:rPr lang="en-US" altLang="zh-CN" dirty="0"/>
+              <a:t>3.</a:t>
+            </a:r>
+            <a:r>
+              <a:rPr lang="zh-CN" altLang="en-US" dirty="0"/>
+              <a:t>封装</a:t>
+            </a:r>
+            <a:r>
+              <a:rPr lang="en-US" altLang="zh-CN" dirty="0" err="1"/>
+              <a:t>wcf</a:t>
+            </a:r>
+            <a:r>
+              <a:rPr lang="zh-CN" altLang="en-US" dirty="0"/>
+              <a:t>的接口</a:t>
+            </a:r>
+            <a:endParaRPr lang="en-US" altLang="zh-CN" dirty="0"/>
+          </a:p>
+          <a:p>
+            <a:r>
+              <a:rPr lang="en-US" altLang="zh-CN" dirty="0"/>
+              <a:t>4.</a:t>
+            </a:r>
+            <a:r>
+              <a:rPr lang="zh-CN" altLang="en-US" dirty="0"/>
+              <a:t>自定义内容搜索</a:t>
+            </a:r>
+            <a:endParaRPr lang="en-US" altLang="zh-CN" dirty="0"/>
+          </a:p>
+          <a:p>
+            <a:r>
+              <a:rPr lang="en-US" altLang="zh-CN" dirty="0"/>
+              <a:t>5.</a:t>
+            </a:r>
+            <a:r>
+              <a:rPr lang="zh-CN" altLang="en-US" dirty="0"/>
+              <a:t>缓存</a:t>
+            </a:r>
+            <a:r>
+              <a:rPr lang="en-US" altLang="zh-CN" dirty="0" err="1"/>
+              <a:t>Etag</a:t>
+            </a:r>
+            <a:endParaRPr lang="en-US" altLang="zh-CN" dirty="0"/>
+          </a:p>
+          <a:p>
+            <a:r>
+              <a:rPr lang="en-US" altLang="zh-CN" dirty="0"/>
+              <a:t>6.swagger</a:t>
+            </a:r>
+            <a:endParaRPr lang="zh-CN" altLang="en-US" dirty="0"/>
+          </a:p>
+        </p:txBody>
+      </p:sp>
+    </p:spTree>
+    <p:extLst>
+      <p:ext uri="{BB962C8B-B14F-4D97-AF65-F5344CB8AC3E}">
+        <p14:creationId xmlns:p14="http://schemas.microsoft.com/office/powerpoint/2010/main" val="726919370"/>
       </p:ext>
     </p:extLst>
   </p:cSld>

--- a/后端设计.pptx
+++ b/后端设计.pptx
@@ -23,6 +23,7 @@
     <p:sldId id="261" r:id="rId17"/>
     <p:sldId id="266" r:id="rId18"/>
     <p:sldId id="273" r:id="rId19"/>
+    <p:sldId id="274" r:id="rId20"/>
   </p:sldIdLst>
   <p:sldSz cx="12192000" cy="6858000"/>
   <p:notesSz cx="6858000" cy="9144000"/>
@@ -851,7 +852,7 @@
           <a:p>
             <a:fld id="{71344541-80F6-4665-B184-FDE0A684C9F7}" type="datetimeFigureOut">
               <a:rPr lang="zh-CN" altLang="en-US" smtClean="0"/>
-              <a:t>2020/7/5</a:t>
+              <a:t>2020/7/13</a:t>
             </a:fld>
             <a:endParaRPr lang="zh-CN" altLang="en-US"/>
           </a:p>
@@ -1102,7 +1103,7 @@
           <a:p>
             <a:fld id="{71344541-80F6-4665-B184-FDE0A684C9F7}" type="datetimeFigureOut">
               <a:rPr lang="zh-CN" altLang="en-US" smtClean="0"/>
-              <a:t>2020/7/5</a:t>
+              <a:t>2020/7/13</a:t>
             </a:fld>
             <a:endParaRPr lang="zh-CN" altLang="en-US"/>
           </a:p>
@@ -1416,7 +1417,7 @@
           <a:p>
             <a:fld id="{71344541-80F6-4665-B184-FDE0A684C9F7}" type="datetimeFigureOut">
               <a:rPr lang="zh-CN" altLang="en-US" smtClean="0"/>
-              <a:t>2020/7/5</a:t>
+              <a:t>2020/7/13</a:t>
             </a:fld>
             <a:endParaRPr lang="zh-CN" altLang="en-US"/>
           </a:p>
@@ -1757,7 +1758,7 @@
           <a:p>
             <a:fld id="{71344541-80F6-4665-B184-FDE0A684C9F7}" type="datetimeFigureOut">
               <a:rPr lang="zh-CN" altLang="en-US" smtClean="0"/>
-              <a:t>2020/7/5</a:t>
+              <a:t>2020/7/13</a:t>
             </a:fld>
             <a:endParaRPr lang="zh-CN" altLang="en-US"/>
           </a:p>
@@ -2071,7 +2072,7 @@
           <a:p>
             <a:fld id="{71344541-80F6-4665-B184-FDE0A684C9F7}" type="datetimeFigureOut">
               <a:rPr lang="zh-CN" altLang="en-US" smtClean="0"/>
-              <a:t>2020/7/5</a:t>
+              <a:t>2020/7/13</a:t>
             </a:fld>
             <a:endParaRPr lang="zh-CN" altLang="en-US"/>
           </a:p>
@@ -2464,7 +2465,7 @@
           <a:p>
             <a:fld id="{71344541-80F6-4665-B184-FDE0A684C9F7}" type="datetimeFigureOut">
               <a:rPr lang="zh-CN" altLang="en-US" smtClean="0"/>
-              <a:t>2020/7/5</a:t>
+              <a:t>2020/7/13</a:t>
             </a:fld>
             <a:endParaRPr lang="zh-CN" altLang="en-US"/>
           </a:p>
@@ -2634,7 +2635,7 @@
           <a:p>
             <a:fld id="{71344541-80F6-4665-B184-FDE0A684C9F7}" type="datetimeFigureOut">
               <a:rPr lang="zh-CN" altLang="en-US" smtClean="0"/>
-              <a:t>2020/7/5</a:t>
+              <a:t>2020/7/13</a:t>
             </a:fld>
             <a:endParaRPr lang="zh-CN" altLang="en-US"/>
           </a:p>
@@ -2814,7 +2815,7 @@
           <a:p>
             <a:fld id="{71344541-80F6-4665-B184-FDE0A684C9F7}" type="datetimeFigureOut">
               <a:rPr lang="zh-CN" altLang="en-US" smtClean="0"/>
-              <a:t>2020/7/5</a:t>
+              <a:t>2020/7/13</a:t>
             </a:fld>
             <a:endParaRPr lang="zh-CN" altLang="en-US"/>
           </a:p>
@@ -2990,7 +2991,7 @@
           <a:p>
             <a:fld id="{71344541-80F6-4665-B184-FDE0A684C9F7}" type="datetimeFigureOut">
               <a:rPr lang="zh-CN" altLang="en-US" smtClean="0"/>
-              <a:t>2020/7/5</a:t>
+              <a:t>2020/7/13</a:t>
             </a:fld>
             <a:endParaRPr lang="zh-CN" altLang="en-US"/>
           </a:p>
@@ -3237,7 +3238,7 @@
           <a:p>
             <a:fld id="{71344541-80F6-4665-B184-FDE0A684C9F7}" type="datetimeFigureOut">
               <a:rPr lang="zh-CN" altLang="en-US" smtClean="0"/>
-              <a:t>2020/7/5</a:t>
+              <a:t>2020/7/13</a:t>
             </a:fld>
             <a:endParaRPr lang="zh-CN" altLang="en-US"/>
           </a:p>
@@ -3469,7 +3470,7 @@
           <a:p>
             <a:fld id="{71344541-80F6-4665-B184-FDE0A684C9F7}" type="datetimeFigureOut">
               <a:rPr lang="zh-CN" altLang="en-US" smtClean="0"/>
-              <a:t>2020/7/5</a:t>
+              <a:t>2020/7/13</a:t>
             </a:fld>
             <a:endParaRPr lang="zh-CN" altLang="en-US"/>
           </a:p>
@@ -3843,7 +3844,7 @@
           <a:p>
             <a:fld id="{71344541-80F6-4665-B184-FDE0A684C9F7}" type="datetimeFigureOut">
               <a:rPr lang="zh-CN" altLang="en-US" smtClean="0"/>
-              <a:t>2020/7/5</a:t>
+              <a:t>2020/7/13</a:t>
             </a:fld>
             <a:endParaRPr lang="zh-CN" altLang="en-US"/>
           </a:p>
@@ -3966,7 +3967,7 @@
           <a:p>
             <a:fld id="{71344541-80F6-4665-B184-FDE0A684C9F7}" type="datetimeFigureOut">
               <a:rPr lang="zh-CN" altLang="en-US" smtClean="0"/>
-              <a:t>2020/7/5</a:t>
+              <a:t>2020/7/13</a:t>
             </a:fld>
             <a:endParaRPr lang="zh-CN" altLang="en-US"/>
           </a:p>
@@ -4061,7 +4062,7 @@
           <a:p>
             <a:fld id="{71344541-80F6-4665-B184-FDE0A684C9F7}" type="datetimeFigureOut">
               <a:rPr lang="zh-CN" altLang="en-US" smtClean="0"/>
-              <a:t>2020/7/5</a:t>
+              <a:t>2020/7/13</a:t>
             </a:fld>
             <a:endParaRPr lang="zh-CN" altLang="en-US"/>
           </a:p>
@@ -4316,7 +4317,7 @@
           <a:p>
             <a:fld id="{71344541-80F6-4665-B184-FDE0A684C9F7}" type="datetimeFigureOut">
               <a:rPr lang="zh-CN" altLang="en-US" smtClean="0"/>
-              <a:t>2020/7/5</a:t>
+              <a:t>2020/7/13</a:t>
             </a:fld>
             <a:endParaRPr lang="zh-CN" altLang="en-US"/>
           </a:p>
@@ -4579,7 +4580,7 @@
           <a:p>
             <a:fld id="{71344541-80F6-4665-B184-FDE0A684C9F7}" type="datetimeFigureOut">
               <a:rPr lang="zh-CN" altLang="en-US" smtClean="0"/>
-              <a:t>2020/7/5</a:t>
+              <a:t>2020/7/13</a:t>
             </a:fld>
             <a:endParaRPr lang="zh-CN" altLang="en-US"/>
           </a:p>
@@ -5322,7 +5323,7 @@
           <a:p>
             <a:fld id="{71344541-80F6-4665-B184-FDE0A684C9F7}" type="datetimeFigureOut">
               <a:rPr lang="zh-CN" altLang="en-US" smtClean="0"/>
-              <a:t>2020/7/5</a:t>
+              <a:t>2020/7/13</a:t>
             </a:fld>
             <a:endParaRPr lang="zh-CN" altLang="en-US"/>
           </a:p>
@@ -9534,7 +9535,7 @@
               <a:t>2.</a:t>
             </a:r>
             <a:r>
-              <a:rPr lang="zh-CN" altLang="en-US"/>
+              <a:rPr lang="zh-CN" altLang="en-US" dirty="0"/>
               <a:t>日志写入数据库</a:t>
             </a:r>
             <a:endParaRPr lang="en-US" altLang="zh-CN" dirty="0"/>
@@ -9597,6 +9598,141 @@
     <p:extLst>
       <p:ext uri="{BB962C8B-B14F-4D97-AF65-F5344CB8AC3E}">
         <p14:creationId xmlns:p14="http://schemas.microsoft.com/office/powerpoint/2010/main" val="726919370"/>
+      </p:ext>
+    </p:extLst>
+  </p:cSld>
+  <p:clrMapOvr>
+    <a:masterClrMapping/>
+  </p:clrMapOvr>
+</p:sld>
+</file>
+
+<file path=ppt/slides/slide19.xml><?xml version="1.0" encoding="utf-8"?>
+<p:sld xmlns:a="http://schemas.openxmlformats.org/drawingml/2006/main" xmlns:r="http://schemas.openxmlformats.org/officeDocument/2006/relationships" xmlns:p="http://schemas.openxmlformats.org/presentationml/2006/main">
+  <p:cSld>
+    <p:spTree>
+      <p:nvGrpSpPr>
+        <p:cNvPr id="1" name=""/>
+        <p:cNvGrpSpPr/>
+        <p:nvPr/>
+      </p:nvGrpSpPr>
+      <p:grpSpPr>
+        <a:xfrm>
+          <a:off x="0" y="0"/>
+          <a:ext cx="0" cy="0"/>
+          <a:chOff x="0" y="0"/>
+          <a:chExt cx="0" cy="0"/>
+        </a:xfrm>
+      </p:grpSpPr>
+      <p:sp>
+        <p:nvSpPr>
+          <p:cNvPr id="2" name="标题 1">
+            <a:extLst>
+              <a:ext uri="{FF2B5EF4-FFF2-40B4-BE49-F238E27FC236}">
+                <a16:creationId xmlns:a16="http://schemas.microsoft.com/office/drawing/2014/main" id="{A264FDC6-3295-41C1-ADC4-589F98E8DF90}"/>
+              </a:ext>
+            </a:extLst>
+          </p:cNvPr>
+          <p:cNvSpPr>
+            <a:spLocks noGrp="1"/>
+          </p:cNvSpPr>
+          <p:nvPr>
+            <p:ph type="title"/>
+          </p:nvPr>
+        </p:nvSpPr>
+        <p:spPr/>
+        <p:txBody>
+          <a:bodyPr/>
+          <a:lstStyle/>
+          <a:p>
+            <a:r>
+              <a:rPr lang="zh-CN" altLang="en-US" dirty="0"/>
+              <a:t>计划</a:t>
+            </a:r>
+            <a:r>
+              <a:rPr lang="en-US" altLang="zh-CN" dirty="0"/>
+              <a:t>7.13~</a:t>
+            </a:r>
+            <a:endParaRPr lang="zh-CN" altLang="en-US" dirty="0"/>
+          </a:p>
+        </p:txBody>
+      </p:sp>
+      <p:sp>
+        <p:nvSpPr>
+          <p:cNvPr id="3" name="内容占位符 2">
+            <a:extLst>
+              <a:ext uri="{FF2B5EF4-FFF2-40B4-BE49-F238E27FC236}">
+                <a16:creationId xmlns:a16="http://schemas.microsoft.com/office/drawing/2014/main" id="{1963DACA-B0D2-4C34-8E05-91F481ADFC9D}"/>
+              </a:ext>
+            </a:extLst>
+          </p:cNvPr>
+          <p:cNvSpPr>
+            <a:spLocks noGrp="1"/>
+          </p:cNvSpPr>
+          <p:nvPr>
+            <p:ph idx="1"/>
+          </p:nvPr>
+        </p:nvSpPr>
+        <p:spPr/>
+        <p:txBody>
+          <a:bodyPr/>
+          <a:lstStyle/>
+          <a:p>
+            <a:r>
+              <a:rPr lang="en-US" altLang="zh-CN" dirty="0"/>
+              <a:t>1.</a:t>
+            </a:r>
+            <a:r>
+              <a:rPr lang="zh-CN" altLang="en-US" dirty="0"/>
+              <a:t>日志写入数据库</a:t>
+            </a:r>
+            <a:endParaRPr lang="en-US" altLang="zh-CN" dirty="0"/>
+          </a:p>
+          <a:p>
+            <a:r>
+              <a:rPr lang="en-US" altLang="zh-CN" dirty="0"/>
+              <a:t>2.wcf</a:t>
+            </a:r>
+            <a:r>
+              <a:rPr lang="zh-CN" altLang="en-US" dirty="0"/>
+              <a:t>的授权接口</a:t>
+            </a:r>
+            <a:endParaRPr lang="en-US" altLang="zh-CN" dirty="0"/>
+          </a:p>
+          <a:p>
+            <a:r>
+              <a:rPr lang="en-US" altLang="zh-CN" dirty="0"/>
+              <a:t>3.</a:t>
+            </a:r>
+            <a:r>
+              <a:rPr lang="zh-CN" altLang="en-US" dirty="0"/>
+              <a:t>父子资源的</a:t>
+            </a:r>
+            <a:r>
+              <a:rPr lang="en-US" altLang="zh-CN" dirty="0"/>
+              <a:t>demo</a:t>
+            </a:r>
+          </a:p>
+          <a:p>
+            <a:r>
+              <a:rPr lang="en-US" altLang="zh-CN" dirty="0"/>
+              <a:t>4.</a:t>
+            </a:r>
+            <a:r>
+              <a:rPr lang="zh-CN" altLang="en-US"/>
+              <a:t>其他数据库的调用</a:t>
+            </a:r>
+            <a:endParaRPr lang="en-US" altLang="zh-CN" dirty="0"/>
+          </a:p>
+          <a:p>
+            <a:endParaRPr lang="zh-CN" altLang="en-US" dirty="0"/>
+          </a:p>
+        </p:txBody>
+      </p:sp>
+    </p:spTree>
+    <p:extLst>
+      <p:ext uri="{BB962C8B-B14F-4D97-AF65-F5344CB8AC3E}">
+        <p14:creationId xmlns:p14="http://schemas.microsoft.com/office/powerpoint/2010/main" val="4036492521"/>
       </p:ext>
     </p:extLst>
   </p:cSld>

--- a/后端设计.pptx
+++ b/后端设计.pptx
@@ -24,6 +24,7 @@
     <p:sldId id="266" r:id="rId18"/>
     <p:sldId id="273" r:id="rId19"/>
     <p:sldId id="274" r:id="rId20"/>
+    <p:sldId id="275" r:id="rId21"/>
   </p:sldIdLst>
   <p:sldSz cx="12192000" cy="6858000"/>
   <p:notesSz cx="6858000" cy="9144000"/>
@@ -852,7 +853,7 @@
           <a:p>
             <a:fld id="{71344541-80F6-4665-B184-FDE0A684C9F7}" type="datetimeFigureOut">
               <a:rPr lang="zh-CN" altLang="en-US" smtClean="0"/>
-              <a:t>2020/7/13</a:t>
+              <a:t>2020/7/17</a:t>
             </a:fld>
             <a:endParaRPr lang="zh-CN" altLang="en-US"/>
           </a:p>
@@ -1103,7 +1104,7 @@
           <a:p>
             <a:fld id="{71344541-80F6-4665-B184-FDE0A684C9F7}" type="datetimeFigureOut">
               <a:rPr lang="zh-CN" altLang="en-US" smtClean="0"/>
-              <a:t>2020/7/13</a:t>
+              <a:t>2020/7/17</a:t>
             </a:fld>
             <a:endParaRPr lang="zh-CN" altLang="en-US"/>
           </a:p>
@@ -1417,7 +1418,7 @@
           <a:p>
             <a:fld id="{71344541-80F6-4665-B184-FDE0A684C9F7}" type="datetimeFigureOut">
               <a:rPr lang="zh-CN" altLang="en-US" smtClean="0"/>
-              <a:t>2020/7/13</a:t>
+              <a:t>2020/7/17</a:t>
             </a:fld>
             <a:endParaRPr lang="zh-CN" altLang="en-US"/>
           </a:p>
@@ -1758,7 +1759,7 @@
           <a:p>
             <a:fld id="{71344541-80F6-4665-B184-FDE0A684C9F7}" type="datetimeFigureOut">
               <a:rPr lang="zh-CN" altLang="en-US" smtClean="0"/>
-              <a:t>2020/7/13</a:t>
+              <a:t>2020/7/17</a:t>
             </a:fld>
             <a:endParaRPr lang="zh-CN" altLang="en-US"/>
           </a:p>
@@ -2072,7 +2073,7 @@
           <a:p>
             <a:fld id="{71344541-80F6-4665-B184-FDE0A684C9F7}" type="datetimeFigureOut">
               <a:rPr lang="zh-CN" altLang="en-US" smtClean="0"/>
-              <a:t>2020/7/13</a:t>
+              <a:t>2020/7/17</a:t>
             </a:fld>
             <a:endParaRPr lang="zh-CN" altLang="en-US"/>
           </a:p>
@@ -2465,7 +2466,7 @@
           <a:p>
             <a:fld id="{71344541-80F6-4665-B184-FDE0A684C9F7}" type="datetimeFigureOut">
               <a:rPr lang="zh-CN" altLang="en-US" smtClean="0"/>
-              <a:t>2020/7/13</a:t>
+              <a:t>2020/7/17</a:t>
             </a:fld>
             <a:endParaRPr lang="zh-CN" altLang="en-US"/>
           </a:p>
@@ -2635,7 +2636,7 @@
           <a:p>
             <a:fld id="{71344541-80F6-4665-B184-FDE0A684C9F7}" type="datetimeFigureOut">
               <a:rPr lang="zh-CN" altLang="en-US" smtClean="0"/>
-              <a:t>2020/7/13</a:t>
+              <a:t>2020/7/17</a:t>
             </a:fld>
             <a:endParaRPr lang="zh-CN" altLang="en-US"/>
           </a:p>
@@ -2815,7 +2816,7 @@
           <a:p>
             <a:fld id="{71344541-80F6-4665-B184-FDE0A684C9F7}" type="datetimeFigureOut">
               <a:rPr lang="zh-CN" altLang="en-US" smtClean="0"/>
-              <a:t>2020/7/13</a:t>
+              <a:t>2020/7/17</a:t>
             </a:fld>
             <a:endParaRPr lang="zh-CN" altLang="en-US"/>
           </a:p>
@@ -2991,7 +2992,7 @@
           <a:p>
             <a:fld id="{71344541-80F6-4665-B184-FDE0A684C9F7}" type="datetimeFigureOut">
               <a:rPr lang="zh-CN" altLang="en-US" smtClean="0"/>
-              <a:t>2020/7/13</a:t>
+              <a:t>2020/7/17</a:t>
             </a:fld>
             <a:endParaRPr lang="zh-CN" altLang="en-US"/>
           </a:p>
@@ -3238,7 +3239,7 @@
           <a:p>
             <a:fld id="{71344541-80F6-4665-B184-FDE0A684C9F7}" type="datetimeFigureOut">
               <a:rPr lang="zh-CN" altLang="en-US" smtClean="0"/>
-              <a:t>2020/7/13</a:t>
+              <a:t>2020/7/17</a:t>
             </a:fld>
             <a:endParaRPr lang="zh-CN" altLang="en-US"/>
           </a:p>
@@ -3470,7 +3471,7 @@
           <a:p>
             <a:fld id="{71344541-80F6-4665-B184-FDE0A684C9F7}" type="datetimeFigureOut">
               <a:rPr lang="zh-CN" altLang="en-US" smtClean="0"/>
-              <a:t>2020/7/13</a:t>
+              <a:t>2020/7/17</a:t>
             </a:fld>
             <a:endParaRPr lang="zh-CN" altLang="en-US"/>
           </a:p>
@@ -3844,7 +3845,7 @@
           <a:p>
             <a:fld id="{71344541-80F6-4665-B184-FDE0A684C9F7}" type="datetimeFigureOut">
               <a:rPr lang="zh-CN" altLang="en-US" smtClean="0"/>
-              <a:t>2020/7/13</a:t>
+              <a:t>2020/7/17</a:t>
             </a:fld>
             <a:endParaRPr lang="zh-CN" altLang="en-US"/>
           </a:p>
@@ -3967,7 +3968,7 @@
           <a:p>
             <a:fld id="{71344541-80F6-4665-B184-FDE0A684C9F7}" type="datetimeFigureOut">
               <a:rPr lang="zh-CN" altLang="en-US" smtClean="0"/>
-              <a:t>2020/7/13</a:t>
+              <a:t>2020/7/17</a:t>
             </a:fld>
             <a:endParaRPr lang="zh-CN" altLang="en-US"/>
           </a:p>
@@ -4062,7 +4063,7 @@
           <a:p>
             <a:fld id="{71344541-80F6-4665-B184-FDE0A684C9F7}" type="datetimeFigureOut">
               <a:rPr lang="zh-CN" altLang="en-US" smtClean="0"/>
-              <a:t>2020/7/13</a:t>
+              <a:t>2020/7/17</a:t>
             </a:fld>
             <a:endParaRPr lang="zh-CN" altLang="en-US"/>
           </a:p>
@@ -4317,7 +4318,7 @@
           <a:p>
             <a:fld id="{71344541-80F6-4665-B184-FDE0A684C9F7}" type="datetimeFigureOut">
               <a:rPr lang="zh-CN" altLang="en-US" smtClean="0"/>
-              <a:t>2020/7/13</a:t>
+              <a:t>2020/7/17</a:t>
             </a:fld>
             <a:endParaRPr lang="zh-CN" altLang="en-US"/>
           </a:p>
@@ -4580,7 +4581,7 @@
           <a:p>
             <a:fld id="{71344541-80F6-4665-B184-FDE0A684C9F7}" type="datetimeFigureOut">
               <a:rPr lang="zh-CN" altLang="en-US" smtClean="0"/>
-              <a:t>2020/7/13</a:t>
+              <a:t>2020/7/17</a:t>
             </a:fld>
             <a:endParaRPr lang="zh-CN" altLang="en-US"/>
           </a:p>
@@ -5323,7 +5324,7 @@
           <a:p>
             <a:fld id="{71344541-80F6-4665-B184-FDE0A684C9F7}" type="datetimeFigureOut">
               <a:rPr lang="zh-CN" altLang="en-US" smtClean="0"/>
-              <a:t>2020/7/13</a:t>
+              <a:t>2020/7/17</a:t>
             </a:fld>
             <a:endParaRPr lang="zh-CN" altLang="en-US"/>
           </a:p>
@@ -10181,6 +10182,147 @@
 </p:sld>
 </file>
 
+<file path=ppt/slides/slide20.xml><?xml version="1.0" encoding="utf-8"?>
+<p:sld xmlns:a="http://schemas.openxmlformats.org/drawingml/2006/main" xmlns:r="http://schemas.openxmlformats.org/officeDocument/2006/relationships" xmlns:p="http://schemas.openxmlformats.org/presentationml/2006/main">
+  <p:cSld>
+    <p:spTree>
+      <p:nvGrpSpPr>
+        <p:cNvPr id="1" name=""/>
+        <p:cNvGrpSpPr/>
+        <p:nvPr/>
+      </p:nvGrpSpPr>
+      <p:grpSpPr>
+        <a:xfrm>
+          <a:off x="0" y="0"/>
+          <a:ext cx="0" cy="0"/>
+          <a:chOff x="0" y="0"/>
+          <a:chExt cx="0" cy="0"/>
+        </a:xfrm>
+      </p:grpSpPr>
+      <p:sp>
+        <p:nvSpPr>
+          <p:cNvPr id="2" name="标题 1">
+            <a:extLst>
+              <a:ext uri="{FF2B5EF4-FFF2-40B4-BE49-F238E27FC236}">
+                <a16:creationId xmlns:a16="http://schemas.microsoft.com/office/drawing/2014/main" id="{FF08582A-F135-4327-82A0-AB47B5368857}"/>
+              </a:ext>
+            </a:extLst>
+          </p:cNvPr>
+          <p:cNvSpPr>
+            <a:spLocks noGrp="1"/>
+          </p:cNvSpPr>
+          <p:nvPr>
+            <p:ph type="title"/>
+          </p:nvPr>
+        </p:nvSpPr>
+        <p:spPr/>
+        <p:txBody>
+          <a:bodyPr/>
+          <a:lstStyle/>
+          <a:p>
+            <a:r>
+              <a:rPr lang="zh-CN" altLang="en-US" dirty="0"/>
+              <a:t>计划</a:t>
+            </a:r>
+            <a:r>
+              <a:rPr lang="en-US" altLang="zh-CN"/>
+              <a:t>7.20</a:t>
+            </a:r>
+            <a:endParaRPr lang="zh-CN" altLang="en-US" dirty="0"/>
+          </a:p>
+        </p:txBody>
+      </p:sp>
+      <p:sp>
+        <p:nvSpPr>
+          <p:cNvPr id="3" name="内容占位符 2">
+            <a:extLst>
+              <a:ext uri="{FF2B5EF4-FFF2-40B4-BE49-F238E27FC236}">
+                <a16:creationId xmlns:a16="http://schemas.microsoft.com/office/drawing/2014/main" id="{0BD4574D-2275-4EA9-9A33-8546D4321F34}"/>
+              </a:ext>
+            </a:extLst>
+          </p:cNvPr>
+          <p:cNvSpPr>
+            <a:spLocks noGrp="1"/>
+          </p:cNvSpPr>
+          <p:nvPr>
+            <p:ph idx="1"/>
+          </p:nvPr>
+        </p:nvSpPr>
+        <p:spPr/>
+        <p:txBody>
+          <a:bodyPr/>
+          <a:lstStyle/>
+          <a:p>
+            <a:r>
+              <a:rPr lang="en-US" altLang="zh-CN" dirty="0"/>
+              <a:t>1.</a:t>
+            </a:r>
+            <a:r>
+              <a:rPr lang="zh-CN" altLang="en-US" dirty="0"/>
+              <a:t>全局保存用户 </a:t>
+            </a:r>
+            <a:r>
+              <a:rPr lang="en-US" altLang="zh-CN" dirty="0"/>
+              <a:t>session</a:t>
+            </a:r>
+          </a:p>
+          <a:p>
+            <a:r>
+              <a:rPr lang="en-US" altLang="zh-CN" dirty="0"/>
+              <a:t>2.entity</a:t>
+            </a:r>
+            <a:r>
+              <a:rPr lang="zh-CN" altLang="en-US" dirty="0"/>
+              <a:t>统一的 用户 时间 </a:t>
+            </a:r>
+            <a:r>
+              <a:rPr lang="en-US" altLang="zh-CN" dirty="0"/>
+              <a:t>creator </a:t>
+            </a:r>
+            <a:r>
+              <a:rPr lang="en-US" altLang="zh-CN" dirty="0" err="1"/>
+              <a:t>createtime</a:t>
+            </a:r>
+            <a:r>
+              <a:rPr lang="en-US" altLang="zh-CN" dirty="0"/>
+              <a:t> </a:t>
+            </a:r>
+            <a:r>
+              <a:rPr lang="en-US" altLang="zh-CN" dirty="0" err="1"/>
+              <a:t>updator</a:t>
+            </a:r>
+            <a:r>
+              <a:rPr lang="en-US" altLang="zh-CN" dirty="0"/>
+              <a:t> </a:t>
+            </a:r>
+            <a:r>
+              <a:rPr lang="en-US" altLang="zh-CN" dirty="0" err="1"/>
+              <a:t>updatetime</a:t>
+            </a:r>
+            <a:endParaRPr lang="en-US" altLang="zh-CN" dirty="0"/>
+          </a:p>
+          <a:p>
+            <a:r>
+              <a:rPr lang="en-US" altLang="zh-CN" dirty="0"/>
+              <a:t>3. </a:t>
+            </a:r>
+            <a:endParaRPr lang="zh-CN" altLang="en-US" dirty="0"/>
+          </a:p>
+        </p:txBody>
+      </p:sp>
+    </p:spTree>
+    <p:extLst>
+      <p:ext uri="{BB962C8B-B14F-4D97-AF65-F5344CB8AC3E}">
+        <p14:creationId xmlns:p14="http://schemas.microsoft.com/office/powerpoint/2010/main" val="2841148695"/>
+      </p:ext>
+    </p:extLst>
+  </p:cSld>
+  <p:clrMapOvr>
+    <a:masterClrMapping/>
+  </p:clrMapOvr>
+</p:sld>
+</file>
+
 <file path=ppt/slides/slide3.xml><?xml version="1.0" encoding="utf-8"?>
 <p:sld xmlns:a="http://schemas.openxmlformats.org/drawingml/2006/main" xmlns:r="http://schemas.openxmlformats.org/officeDocument/2006/relationships" xmlns:p="http://schemas.openxmlformats.org/presentationml/2006/main">
   <p:cSld>

--- a/后端设计.pptx
+++ b/后端设计.pptx
@@ -6,25 +6,19 @@
   </p:sldMasterIdLst>
   <p:sldIdLst>
     <p:sldId id="256" r:id="rId2"/>
-    <p:sldId id="265" r:id="rId3"/>
+    <p:sldId id="258" r:id="rId3"/>
     <p:sldId id="272" r:id="rId4"/>
     <p:sldId id="259" r:id="rId5"/>
     <p:sldId id="270" r:id="rId6"/>
     <p:sldId id="269" r:id="rId7"/>
-    <p:sldId id="258" r:id="rId8"/>
-    <p:sldId id="257" r:id="rId9"/>
-    <p:sldId id="260" r:id="rId10"/>
-    <p:sldId id="262" r:id="rId11"/>
-    <p:sldId id="263" r:id="rId12"/>
-    <p:sldId id="267" r:id="rId13"/>
-    <p:sldId id="268" r:id="rId14"/>
-    <p:sldId id="264" r:id="rId15"/>
-    <p:sldId id="271" r:id="rId16"/>
-    <p:sldId id="261" r:id="rId17"/>
-    <p:sldId id="266" r:id="rId18"/>
-    <p:sldId id="273" r:id="rId19"/>
-    <p:sldId id="274" r:id="rId20"/>
-    <p:sldId id="275" r:id="rId21"/>
+    <p:sldId id="257" r:id="rId8"/>
+    <p:sldId id="260" r:id="rId9"/>
+    <p:sldId id="262" r:id="rId10"/>
+    <p:sldId id="263" r:id="rId11"/>
+    <p:sldId id="267" r:id="rId12"/>
+    <p:sldId id="268" r:id="rId13"/>
+    <p:sldId id="264" r:id="rId14"/>
+    <p:sldId id="271" r:id="rId15"/>
   </p:sldIdLst>
   <p:sldSz cx="12192000" cy="6858000"/>
   <p:notesSz cx="6858000" cy="9144000"/>
@@ -853,7 +847,7 @@
           <a:p>
             <a:fld id="{71344541-80F6-4665-B184-FDE0A684C9F7}" type="datetimeFigureOut">
               <a:rPr lang="zh-CN" altLang="en-US" smtClean="0"/>
-              <a:t>2020/7/17</a:t>
+              <a:t>2020/7/30</a:t>
             </a:fld>
             <a:endParaRPr lang="zh-CN" altLang="en-US"/>
           </a:p>
@@ -1104,7 +1098,7 @@
           <a:p>
             <a:fld id="{71344541-80F6-4665-B184-FDE0A684C9F7}" type="datetimeFigureOut">
               <a:rPr lang="zh-CN" altLang="en-US" smtClean="0"/>
-              <a:t>2020/7/17</a:t>
+              <a:t>2020/7/30</a:t>
             </a:fld>
             <a:endParaRPr lang="zh-CN" altLang="en-US"/>
           </a:p>
@@ -1418,7 +1412,7 @@
           <a:p>
             <a:fld id="{71344541-80F6-4665-B184-FDE0A684C9F7}" type="datetimeFigureOut">
               <a:rPr lang="zh-CN" altLang="en-US" smtClean="0"/>
-              <a:t>2020/7/17</a:t>
+              <a:t>2020/7/30</a:t>
             </a:fld>
             <a:endParaRPr lang="zh-CN" altLang="en-US"/>
           </a:p>
@@ -1759,7 +1753,7 @@
           <a:p>
             <a:fld id="{71344541-80F6-4665-B184-FDE0A684C9F7}" type="datetimeFigureOut">
               <a:rPr lang="zh-CN" altLang="en-US" smtClean="0"/>
-              <a:t>2020/7/17</a:t>
+              <a:t>2020/7/30</a:t>
             </a:fld>
             <a:endParaRPr lang="zh-CN" altLang="en-US"/>
           </a:p>
@@ -2073,7 +2067,7 @@
           <a:p>
             <a:fld id="{71344541-80F6-4665-B184-FDE0A684C9F7}" type="datetimeFigureOut">
               <a:rPr lang="zh-CN" altLang="en-US" smtClean="0"/>
-              <a:t>2020/7/17</a:t>
+              <a:t>2020/7/30</a:t>
             </a:fld>
             <a:endParaRPr lang="zh-CN" altLang="en-US"/>
           </a:p>
@@ -2466,7 +2460,7 @@
           <a:p>
             <a:fld id="{71344541-80F6-4665-B184-FDE0A684C9F7}" type="datetimeFigureOut">
               <a:rPr lang="zh-CN" altLang="en-US" smtClean="0"/>
-              <a:t>2020/7/17</a:t>
+              <a:t>2020/7/30</a:t>
             </a:fld>
             <a:endParaRPr lang="zh-CN" altLang="en-US"/>
           </a:p>
@@ -2636,7 +2630,7 @@
           <a:p>
             <a:fld id="{71344541-80F6-4665-B184-FDE0A684C9F7}" type="datetimeFigureOut">
               <a:rPr lang="zh-CN" altLang="en-US" smtClean="0"/>
-              <a:t>2020/7/17</a:t>
+              <a:t>2020/7/30</a:t>
             </a:fld>
             <a:endParaRPr lang="zh-CN" altLang="en-US"/>
           </a:p>
@@ -2816,7 +2810,7 @@
           <a:p>
             <a:fld id="{71344541-80F6-4665-B184-FDE0A684C9F7}" type="datetimeFigureOut">
               <a:rPr lang="zh-CN" altLang="en-US" smtClean="0"/>
-              <a:t>2020/7/17</a:t>
+              <a:t>2020/7/30</a:t>
             </a:fld>
             <a:endParaRPr lang="zh-CN" altLang="en-US"/>
           </a:p>
@@ -2992,7 +2986,7 @@
           <a:p>
             <a:fld id="{71344541-80F6-4665-B184-FDE0A684C9F7}" type="datetimeFigureOut">
               <a:rPr lang="zh-CN" altLang="en-US" smtClean="0"/>
-              <a:t>2020/7/17</a:t>
+              <a:t>2020/7/30</a:t>
             </a:fld>
             <a:endParaRPr lang="zh-CN" altLang="en-US"/>
           </a:p>
@@ -3239,7 +3233,7 @@
           <a:p>
             <a:fld id="{71344541-80F6-4665-B184-FDE0A684C9F7}" type="datetimeFigureOut">
               <a:rPr lang="zh-CN" altLang="en-US" smtClean="0"/>
-              <a:t>2020/7/17</a:t>
+              <a:t>2020/7/30</a:t>
             </a:fld>
             <a:endParaRPr lang="zh-CN" altLang="en-US"/>
           </a:p>
@@ -3471,7 +3465,7 @@
           <a:p>
             <a:fld id="{71344541-80F6-4665-B184-FDE0A684C9F7}" type="datetimeFigureOut">
               <a:rPr lang="zh-CN" altLang="en-US" smtClean="0"/>
-              <a:t>2020/7/17</a:t>
+              <a:t>2020/7/30</a:t>
             </a:fld>
             <a:endParaRPr lang="zh-CN" altLang="en-US"/>
           </a:p>
@@ -3845,7 +3839,7 @@
           <a:p>
             <a:fld id="{71344541-80F6-4665-B184-FDE0A684C9F7}" type="datetimeFigureOut">
               <a:rPr lang="zh-CN" altLang="en-US" smtClean="0"/>
-              <a:t>2020/7/17</a:t>
+              <a:t>2020/7/30</a:t>
             </a:fld>
             <a:endParaRPr lang="zh-CN" altLang="en-US"/>
           </a:p>
@@ -3968,7 +3962,7 @@
           <a:p>
             <a:fld id="{71344541-80F6-4665-B184-FDE0A684C9F7}" type="datetimeFigureOut">
               <a:rPr lang="zh-CN" altLang="en-US" smtClean="0"/>
-              <a:t>2020/7/17</a:t>
+              <a:t>2020/7/30</a:t>
             </a:fld>
             <a:endParaRPr lang="zh-CN" altLang="en-US"/>
           </a:p>
@@ -4063,7 +4057,7 @@
           <a:p>
             <a:fld id="{71344541-80F6-4665-B184-FDE0A684C9F7}" type="datetimeFigureOut">
               <a:rPr lang="zh-CN" altLang="en-US" smtClean="0"/>
-              <a:t>2020/7/17</a:t>
+              <a:t>2020/7/30</a:t>
             </a:fld>
             <a:endParaRPr lang="zh-CN" altLang="en-US"/>
           </a:p>
@@ -4318,7 +4312,7 @@
           <a:p>
             <a:fld id="{71344541-80F6-4665-B184-FDE0A684C9F7}" type="datetimeFigureOut">
               <a:rPr lang="zh-CN" altLang="en-US" smtClean="0"/>
-              <a:t>2020/7/17</a:t>
+              <a:t>2020/7/30</a:t>
             </a:fld>
             <a:endParaRPr lang="zh-CN" altLang="en-US"/>
           </a:p>
@@ -4581,7 +4575,7 @@
           <a:p>
             <a:fld id="{71344541-80F6-4665-B184-FDE0A684C9F7}" type="datetimeFigureOut">
               <a:rPr lang="zh-CN" altLang="en-US" smtClean="0"/>
-              <a:t>2020/7/17</a:t>
+              <a:t>2020/7/30</a:t>
             </a:fld>
             <a:endParaRPr lang="zh-CN" altLang="en-US"/>
           </a:p>
@@ -5324,7 +5318,7 @@
           <a:p>
             <a:fld id="{71344541-80F6-4665-B184-FDE0A684C9F7}" type="datetimeFigureOut">
               <a:rPr lang="zh-CN" altLang="en-US" smtClean="0"/>
-              <a:t>2020/7/17</a:t>
+              <a:t>2020/7/30</a:t>
             </a:fld>
             <a:endParaRPr lang="zh-CN" altLang="en-US"/>
           </a:p>
@@ -5944,221 +5938,6 @@
           <p:cNvPr id="2" name="标题 1">
             <a:extLst>
               <a:ext uri="{FF2B5EF4-FFF2-40B4-BE49-F238E27FC236}">
-                <a16:creationId xmlns:a16="http://schemas.microsoft.com/office/drawing/2014/main" id="{3E781746-F090-43AE-B759-C2EB2E5FD7B3}"/>
-              </a:ext>
-            </a:extLst>
-          </p:cNvPr>
-          <p:cNvSpPr>
-            <a:spLocks noGrp="1"/>
-          </p:cNvSpPr>
-          <p:nvPr>
-            <p:ph type="title"/>
-          </p:nvPr>
-        </p:nvSpPr>
-        <p:spPr/>
-        <p:txBody>
-          <a:bodyPr/>
-          <a:lstStyle/>
-          <a:p>
-            <a:r>
-              <a:rPr lang="en-US" altLang="zh-CN" dirty="0" err="1"/>
-              <a:t>EntityFrameworkCore</a:t>
-            </a:r>
-            <a:endParaRPr lang="zh-CN" altLang="en-US" dirty="0"/>
-          </a:p>
-        </p:txBody>
-      </p:sp>
-      <p:sp>
-        <p:nvSpPr>
-          <p:cNvPr id="3" name="内容占位符 2">
-            <a:extLst>
-              <a:ext uri="{FF2B5EF4-FFF2-40B4-BE49-F238E27FC236}">
-                <a16:creationId xmlns:a16="http://schemas.microsoft.com/office/drawing/2014/main" id="{0B0CC85E-3CEF-4C78-9761-7B1B62EC4CD7}"/>
-              </a:ext>
-            </a:extLst>
-          </p:cNvPr>
-          <p:cNvSpPr>
-            <a:spLocks noGrp="1"/>
-          </p:cNvSpPr>
-          <p:nvPr>
-            <p:ph idx="1"/>
-          </p:nvPr>
-        </p:nvSpPr>
-        <p:spPr>
-          <a:xfrm>
-            <a:off x="677334" y="1269507"/>
-            <a:ext cx="8596668" cy="4771855"/>
-          </a:xfrm>
-        </p:spPr>
-        <p:txBody>
-          <a:bodyPr/>
-          <a:lstStyle/>
-          <a:p>
-            <a:r>
-              <a:rPr lang="en-US" altLang="zh-CN" dirty="0"/>
-              <a:t>1.ibm.frameworkcore</a:t>
-            </a:r>
-            <a:r>
-              <a:rPr lang="zh-CN" altLang="en-US" dirty="0"/>
-              <a:t>不支持异步更新操作</a:t>
-            </a:r>
-            <a:endParaRPr lang="en-US" altLang="zh-CN" dirty="0"/>
-          </a:p>
-          <a:p>
-            <a:endParaRPr lang="zh-CN" altLang="en-US" dirty="0"/>
-          </a:p>
-        </p:txBody>
-      </p:sp>
-      <p:pic>
-        <p:nvPicPr>
-          <p:cNvPr id="5" name="图片 4">
-            <a:extLst>
-              <a:ext uri="{FF2B5EF4-FFF2-40B4-BE49-F238E27FC236}">
-                <a16:creationId xmlns:a16="http://schemas.microsoft.com/office/drawing/2014/main" id="{C6EF402B-F29E-4BB2-941D-DDC4C9A91655}"/>
-              </a:ext>
-            </a:extLst>
-          </p:cNvPr>
-          <p:cNvPicPr>
-            <a:picLocks noChangeAspect="1"/>
-          </p:cNvPicPr>
-          <p:nvPr/>
-        </p:nvPicPr>
-        <p:blipFill>
-          <a:blip r:embed="rId2"/>
-          <a:stretch>
-            <a:fillRect/>
-          </a:stretch>
-        </p:blipFill>
-        <p:spPr>
-          <a:xfrm>
-            <a:off x="860679" y="3429000"/>
-            <a:ext cx="7439942" cy="3176587"/>
-          </a:xfrm>
-          <a:prstGeom prst="rect">
-            <a:avLst/>
-          </a:prstGeom>
-        </p:spPr>
-      </p:pic>
-      <p:pic>
-        <p:nvPicPr>
-          <p:cNvPr id="4" name="图片 3">
-            <a:extLst>
-              <a:ext uri="{FF2B5EF4-FFF2-40B4-BE49-F238E27FC236}">
-                <a16:creationId xmlns:a16="http://schemas.microsoft.com/office/drawing/2014/main" id="{D4457D31-2E92-492F-99C9-B4E7C4E21C43}"/>
-              </a:ext>
-            </a:extLst>
-          </p:cNvPr>
-          <p:cNvPicPr>
-            <a:picLocks noChangeAspect="1"/>
-          </p:cNvPicPr>
-          <p:nvPr/>
-        </p:nvPicPr>
-        <p:blipFill>
-          <a:blip r:embed="rId3"/>
-          <a:stretch>
-            <a:fillRect/>
-          </a:stretch>
-        </p:blipFill>
-        <p:spPr>
-          <a:xfrm>
-            <a:off x="851801" y="1695310"/>
-            <a:ext cx="7581985" cy="1527284"/>
-          </a:xfrm>
-          <a:prstGeom prst="rect">
-            <a:avLst/>
-          </a:prstGeom>
-          <a:ln>
-            <a:noFill/>
-          </a:ln>
-        </p:spPr>
-      </p:pic>
-      <p:sp>
-        <p:nvSpPr>
-          <p:cNvPr id="6" name="矩形 5">
-            <a:extLst>
-              <a:ext uri="{FF2B5EF4-FFF2-40B4-BE49-F238E27FC236}">
-                <a16:creationId xmlns:a16="http://schemas.microsoft.com/office/drawing/2014/main" id="{FA733C50-BEC7-4430-A0B5-97F4EED0D138}"/>
-              </a:ext>
-            </a:extLst>
-          </p:cNvPr>
-          <p:cNvSpPr/>
-          <p:nvPr/>
-        </p:nvSpPr>
-        <p:spPr>
-          <a:xfrm>
-            <a:off x="1846555" y="2494625"/>
-            <a:ext cx="2476870" cy="168676"/>
-          </a:xfrm>
-          <a:prstGeom prst="rect">
-            <a:avLst/>
-          </a:prstGeom>
-          <a:noFill/>
-          <a:ln>
-            <a:solidFill>
-              <a:srgbClr val="FF0000"/>
-            </a:solidFill>
-          </a:ln>
-        </p:spPr>
-        <p:style>
-          <a:lnRef idx="2">
-            <a:schemeClr val="accent1">
-              <a:shade val="50000"/>
-            </a:schemeClr>
-          </a:lnRef>
-          <a:fillRef idx="1">
-            <a:schemeClr val="accent1"/>
-          </a:fillRef>
-          <a:effectRef idx="0">
-            <a:schemeClr val="accent1"/>
-          </a:effectRef>
-          <a:fontRef idx="minor">
-            <a:schemeClr val="lt1"/>
-          </a:fontRef>
-        </p:style>
-        <p:txBody>
-          <a:bodyPr rtlCol="0" anchor="ctr"/>
-          <a:lstStyle/>
-          <a:p>
-            <a:pPr algn="ctr"/>
-            <a:endParaRPr lang="zh-CN" altLang="en-US"/>
-          </a:p>
-        </p:txBody>
-      </p:sp>
-    </p:spTree>
-    <p:extLst>
-      <p:ext uri="{BB962C8B-B14F-4D97-AF65-F5344CB8AC3E}">
-        <p14:creationId xmlns:p14="http://schemas.microsoft.com/office/powerpoint/2010/main" val="2043643592"/>
-      </p:ext>
-    </p:extLst>
-  </p:cSld>
-  <p:clrMapOvr>
-    <a:masterClrMapping/>
-  </p:clrMapOvr>
-</p:sld>
-</file>
-
-<file path=ppt/slides/slide11.xml><?xml version="1.0" encoding="utf-8"?>
-<p:sld xmlns:a="http://schemas.openxmlformats.org/drawingml/2006/main" xmlns:r="http://schemas.openxmlformats.org/officeDocument/2006/relationships" xmlns:p="http://schemas.openxmlformats.org/presentationml/2006/main">
-  <p:cSld>
-    <p:spTree>
-      <p:nvGrpSpPr>
-        <p:cNvPr id="1" name=""/>
-        <p:cNvGrpSpPr/>
-        <p:nvPr/>
-      </p:nvGrpSpPr>
-      <p:grpSpPr>
-        <a:xfrm>
-          <a:off x="0" y="0"/>
-          <a:ext cx="0" cy="0"/>
-          <a:chOff x="0" y="0"/>
-          <a:chExt cx="0" cy="0"/>
-        </a:xfrm>
-      </p:grpSpPr>
-      <p:sp>
-        <p:nvSpPr>
-          <p:cNvPr id="2" name="标题 1">
-            <a:extLst>
-              <a:ext uri="{FF2B5EF4-FFF2-40B4-BE49-F238E27FC236}">
                 <a16:creationId xmlns:a16="http://schemas.microsoft.com/office/drawing/2014/main" id="{26DD8FB0-F97F-4B3A-ADE7-5CB49CDD11BD}"/>
               </a:ext>
             </a:extLst>
@@ -6607,7 +6386,7 @@
 </p:sld>
 </file>
 
-<file path=ppt/slides/slide12.xml><?xml version="1.0" encoding="utf-8"?>
+<file path=ppt/slides/slide11.xml><?xml version="1.0" encoding="utf-8"?>
 <p:sld xmlns:a="http://schemas.openxmlformats.org/drawingml/2006/main" xmlns:r="http://schemas.openxmlformats.org/officeDocument/2006/relationships" xmlns:p="http://schemas.openxmlformats.org/presentationml/2006/main">
   <p:cSld>
     <p:spTree>
@@ -7111,7 +6890,7 @@
 </p:sld>
 </file>
 
-<file path=ppt/slides/slide13.xml><?xml version="1.0" encoding="utf-8"?>
+<file path=ppt/slides/slide12.xml><?xml version="1.0" encoding="utf-8"?>
 <p:sld xmlns:a="http://schemas.openxmlformats.org/drawingml/2006/main" xmlns:r="http://schemas.openxmlformats.org/officeDocument/2006/relationships" xmlns:p="http://schemas.openxmlformats.org/presentationml/2006/main">
   <p:cSld>
     <p:spTree>
@@ -7782,6 +7561,344 @@
 </p:sld>
 </file>
 
+<file path=ppt/slides/slide13.xml><?xml version="1.0" encoding="utf-8"?>
+<p:sld xmlns:a="http://schemas.openxmlformats.org/drawingml/2006/main" xmlns:r="http://schemas.openxmlformats.org/officeDocument/2006/relationships" xmlns:p="http://schemas.openxmlformats.org/presentationml/2006/main">
+  <p:cSld>
+    <p:spTree>
+      <p:nvGrpSpPr>
+        <p:cNvPr id="1" name=""/>
+        <p:cNvGrpSpPr/>
+        <p:nvPr/>
+      </p:nvGrpSpPr>
+      <p:grpSpPr>
+        <a:xfrm>
+          <a:off x="0" y="0"/>
+          <a:ext cx="0" cy="0"/>
+          <a:chOff x="0" y="0"/>
+          <a:chExt cx="0" cy="0"/>
+        </a:xfrm>
+      </p:grpSpPr>
+      <p:sp>
+        <p:nvSpPr>
+          <p:cNvPr id="2" name="标题 1">
+            <a:extLst>
+              <a:ext uri="{FF2B5EF4-FFF2-40B4-BE49-F238E27FC236}">
+                <a16:creationId xmlns:a16="http://schemas.microsoft.com/office/drawing/2014/main" id="{03E6FB89-BB36-4DFA-8CB4-6C4223962F29}"/>
+              </a:ext>
+            </a:extLst>
+          </p:cNvPr>
+          <p:cNvSpPr>
+            <a:spLocks noGrp="1"/>
+          </p:cNvSpPr>
+          <p:nvPr>
+            <p:ph type="title"/>
+          </p:nvPr>
+        </p:nvSpPr>
+        <p:spPr/>
+        <p:txBody>
+          <a:bodyPr/>
+          <a:lstStyle/>
+          <a:p>
+            <a:r>
+              <a:rPr lang="en-US" altLang="zh-CN" dirty="0"/>
+              <a:t>MUS </a:t>
+            </a:r>
+            <a:r>
+              <a:rPr lang="zh-CN" altLang="en-US" dirty="0"/>
+              <a:t>的</a:t>
+            </a:r>
+            <a:r>
+              <a:rPr lang="en-US" altLang="zh-CN" dirty="0" err="1"/>
+              <a:t>wcf</a:t>
+            </a:r>
+            <a:r>
+              <a:rPr lang="zh-CN" altLang="en-US" dirty="0"/>
+              <a:t>服务</a:t>
+            </a:r>
+            <a:r>
+              <a:rPr lang="en-US" altLang="zh-CN" dirty="0"/>
+              <a:t>endpoint</a:t>
+            </a:r>
+            <a:endParaRPr lang="zh-CN" altLang="en-US" dirty="0"/>
+          </a:p>
+        </p:txBody>
+      </p:sp>
+      <p:sp>
+        <p:nvSpPr>
+          <p:cNvPr id="3" name="内容占位符 2">
+            <a:extLst>
+              <a:ext uri="{FF2B5EF4-FFF2-40B4-BE49-F238E27FC236}">
+                <a16:creationId xmlns:a16="http://schemas.microsoft.com/office/drawing/2014/main" id="{447FEAC0-292B-45F4-AFF6-81A5614C7E49}"/>
+              </a:ext>
+            </a:extLst>
+          </p:cNvPr>
+          <p:cNvSpPr>
+            <a:spLocks noGrp="1"/>
+          </p:cNvSpPr>
+          <p:nvPr>
+            <p:ph idx="1"/>
+          </p:nvPr>
+        </p:nvSpPr>
+        <p:spPr/>
+        <p:txBody>
+          <a:bodyPr>
+            <a:normAutofit fontScale="92500" lnSpcReduction="20000"/>
+          </a:bodyPr>
+          <a:lstStyle/>
+          <a:p>
+            <a:r>
+              <a:rPr lang="en-US" altLang="zh-CN" dirty="0"/>
+              <a:t> &lt;endpoint address="http://10.236.198.102:8888/</a:t>
+            </a:r>
+            <a:r>
+              <a:rPr lang="en-US" altLang="zh-CN" dirty="0" err="1"/>
+              <a:t>ServiceControler</a:t>
+            </a:r>
+            <a:r>
+              <a:rPr lang="en-US" altLang="zh-CN" dirty="0"/>
+              <a:t>/Token" binding="</a:t>
+            </a:r>
+            <a:r>
+              <a:rPr lang="en-US" altLang="zh-CN" dirty="0" err="1"/>
+              <a:t>wsHttpBinding</a:t>
+            </a:r>
+            <a:r>
+              <a:rPr lang="en-US" altLang="zh-CN" dirty="0"/>
+              <a:t>" </a:t>
+            </a:r>
+            <a:r>
+              <a:rPr lang="en-US" altLang="zh-CN" dirty="0" err="1"/>
+              <a:t>bindingConfiguration</a:t>
+            </a:r>
+            <a:r>
+              <a:rPr lang="en-US" altLang="zh-CN" dirty="0"/>
+              <a:t>="NewBinding0" contract="</a:t>
+            </a:r>
+            <a:r>
+              <a:rPr lang="en-US" altLang="zh-CN" dirty="0" err="1"/>
+              <a:t>MUASService.IToken</a:t>
+            </a:r>
+            <a:r>
+              <a:rPr lang="en-US" altLang="zh-CN" dirty="0"/>
+              <a:t>" name="</a:t>
+            </a:r>
+            <a:r>
+              <a:rPr lang="en-US" altLang="zh-CN" dirty="0" err="1"/>
+              <a:t>WSHttpBinding_IToken</a:t>
+            </a:r>
+            <a:r>
+              <a:rPr lang="en-US" altLang="zh-CN" dirty="0"/>
+              <a:t>"/&gt;</a:t>
+            </a:r>
+          </a:p>
+          <a:p>
+            <a:r>
+              <a:rPr lang="en-US" altLang="zh-CN" dirty="0"/>
+              <a:t>      &lt;endpoint address="http://10.236.198.102:8888/</a:t>
+            </a:r>
+            <a:r>
+              <a:rPr lang="en-US" altLang="zh-CN" dirty="0" err="1"/>
+              <a:t>ServiceControler</a:t>
+            </a:r>
+            <a:r>
+              <a:rPr lang="en-US" altLang="zh-CN" dirty="0"/>
+              <a:t>/Company" binding="</a:t>
+            </a:r>
+            <a:r>
+              <a:rPr lang="en-US" altLang="zh-CN" dirty="0" err="1"/>
+              <a:t>wsHttpBinding</a:t>
+            </a:r>
+            <a:r>
+              <a:rPr lang="en-US" altLang="zh-CN" dirty="0"/>
+              <a:t>" </a:t>
+            </a:r>
+            <a:r>
+              <a:rPr lang="en-US" altLang="zh-CN" dirty="0" err="1"/>
+              <a:t>bindingConfiguration</a:t>
+            </a:r>
+            <a:r>
+              <a:rPr lang="en-US" altLang="zh-CN" dirty="0"/>
+              <a:t>="NewBinding0" contract="</a:t>
+            </a:r>
+            <a:r>
+              <a:rPr lang="en-US" altLang="zh-CN" dirty="0" err="1"/>
+              <a:t>MUASService.ICompany</a:t>
+            </a:r>
+            <a:r>
+              <a:rPr lang="en-US" altLang="zh-CN" dirty="0"/>
+              <a:t>" name="</a:t>
+            </a:r>
+            <a:r>
+              <a:rPr lang="en-US" altLang="zh-CN" dirty="0" err="1"/>
+              <a:t>WSHttpBinding_ICompany</a:t>
+            </a:r>
+            <a:r>
+              <a:rPr lang="en-US" altLang="zh-CN" dirty="0"/>
+              <a:t>"/&gt;</a:t>
+            </a:r>
+          </a:p>
+          <a:p>
+            <a:r>
+              <a:rPr lang="en-US" altLang="zh-CN" dirty="0"/>
+              <a:t>      &lt;endpoint address="http://10.236.198.102:8888/</a:t>
+            </a:r>
+            <a:r>
+              <a:rPr lang="en-US" altLang="zh-CN" dirty="0" err="1"/>
+              <a:t>ServiceControler</a:t>
+            </a:r>
+            <a:r>
+              <a:rPr lang="en-US" altLang="zh-CN" dirty="0"/>
+              <a:t>/</a:t>
+            </a:r>
+            <a:r>
+              <a:rPr lang="en-US" altLang="zh-CN" dirty="0" err="1"/>
+              <a:t>UserRole</a:t>
+            </a:r>
+            <a:r>
+              <a:rPr lang="en-US" altLang="zh-CN" dirty="0"/>
+              <a:t>" binding="</a:t>
+            </a:r>
+            <a:r>
+              <a:rPr lang="en-US" altLang="zh-CN" dirty="0" err="1"/>
+              <a:t>wsHttpBinding</a:t>
+            </a:r>
+            <a:r>
+              <a:rPr lang="en-US" altLang="zh-CN" dirty="0"/>
+              <a:t>" </a:t>
+            </a:r>
+            <a:r>
+              <a:rPr lang="en-US" altLang="zh-CN" dirty="0" err="1"/>
+              <a:t>bindingConfiguration</a:t>
+            </a:r>
+            <a:r>
+              <a:rPr lang="en-US" altLang="zh-CN" dirty="0"/>
+              <a:t>="NewBinding0" contract="</a:t>
+            </a:r>
+            <a:r>
+              <a:rPr lang="en-US" altLang="zh-CN" dirty="0" err="1"/>
+              <a:t>MUASService.IUserRole</a:t>
+            </a:r>
+            <a:r>
+              <a:rPr lang="en-US" altLang="zh-CN" dirty="0"/>
+              <a:t>" name="</a:t>
+            </a:r>
+            <a:r>
+              <a:rPr lang="en-US" altLang="zh-CN" dirty="0" err="1"/>
+              <a:t>WSHttpBinding_IUserRole</a:t>
+            </a:r>
+            <a:r>
+              <a:rPr lang="en-US" altLang="zh-CN" dirty="0"/>
+              <a:t>"/&gt;</a:t>
+            </a:r>
+          </a:p>
+          <a:p>
+            <a:r>
+              <a:rPr lang="en-US" altLang="zh-CN" dirty="0"/>
+              <a:t>      &lt;endpoint address="http://10.236.198.102:8888/</a:t>
+            </a:r>
+            <a:r>
+              <a:rPr lang="en-US" altLang="zh-CN" dirty="0" err="1"/>
+              <a:t>ServiceControler</a:t>
+            </a:r>
+            <a:r>
+              <a:rPr lang="en-US" altLang="zh-CN" dirty="0"/>
+              <a:t>/Role" binding="</a:t>
+            </a:r>
+            <a:r>
+              <a:rPr lang="en-US" altLang="zh-CN" dirty="0" err="1"/>
+              <a:t>wsHttpBinding</a:t>
+            </a:r>
+            <a:r>
+              <a:rPr lang="en-US" altLang="zh-CN" dirty="0"/>
+              <a:t>" </a:t>
+            </a:r>
+            <a:r>
+              <a:rPr lang="en-US" altLang="zh-CN" dirty="0" err="1"/>
+              <a:t>bindingConfiguration</a:t>
+            </a:r>
+            <a:r>
+              <a:rPr lang="en-US" altLang="zh-CN" dirty="0"/>
+              <a:t>="NewBinding0" contract="</a:t>
+            </a:r>
+            <a:r>
+              <a:rPr lang="en-US" altLang="zh-CN" dirty="0" err="1"/>
+              <a:t>MUASService.IRole</a:t>
+            </a:r>
+            <a:r>
+              <a:rPr lang="en-US" altLang="zh-CN" dirty="0"/>
+              <a:t>" name="</a:t>
+            </a:r>
+            <a:r>
+              <a:rPr lang="en-US" altLang="zh-CN" dirty="0" err="1"/>
+              <a:t>WSHttpBinding_IRole</a:t>
+            </a:r>
+            <a:r>
+              <a:rPr lang="en-US" altLang="zh-CN" dirty="0"/>
+              <a:t>"/&gt;</a:t>
+            </a:r>
+          </a:p>
+          <a:p>
+            <a:r>
+              <a:rPr lang="en-US" altLang="zh-CN" dirty="0"/>
+              <a:t>      &lt;endpoint address="http://10.236.198.102:8888/</a:t>
+            </a:r>
+            <a:r>
+              <a:rPr lang="en-US" altLang="zh-CN" dirty="0" err="1"/>
+              <a:t>ServiceControler</a:t>
+            </a:r>
+            <a:r>
+              <a:rPr lang="en-US" altLang="zh-CN" dirty="0"/>
+              <a:t>/User" binding="</a:t>
+            </a:r>
+            <a:r>
+              <a:rPr lang="en-US" altLang="zh-CN" dirty="0" err="1"/>
+              <a:t>wsHttpBinding</a:t>
+            </a:r>
+            <a:r>
+              <a:rPr lang="en-US" altLang="zh-CN" dirty="0"/>
+              <a:t>" </a:t>
+            </a:r>
+            <a:r>
+              <a:rPr lang="en-US" altLang="zh-CN" dirty="0" err="1"/>
+              <a:t>bindingConfiguration</a:t>
+            </a:r>
+            <a:r>
+              <a:rPr lang="en-US" altLang="zh-CN" dirty="0"/>
+              <a:t>="NewBinding0" contract="</a:t>
+            </a:r>
+            <a:r>
+              <a:rPr lang="en-US" altLang="zh-CN" dirty="0" err="1"/>
+              <a:t>MUASService.IUser</a:t>
+            </a:r>
+            <a:r>
+              <a:rPr lang="en-US" altLang="zh-CN" dirty="0"/>
+              <a:t>" name="</a:t>
+            </a:r>
+            <a:r>
+              <a:rPr lang="en-US" altLang="zh-CN" dirty="0" err="1"/>
+              <a:t>WSHttpBinding_IUser</a:t>
+            </a:r>
+            <a:r>
+              <a:rPr lang="en-US" altLang="zh-CN" dirty="0"/>
+              <a:t>"/&gt;</a:t>
+            </a:r>
+            <a:endParaRPr lang="zh-CN" altLang="en-US" dirty="0"/>
+          </a:p>
+        </p:txBody>
+      </p:sp>
+    </p:spTree>
+    <p:extLst>
+      <p:ext uri="{BB962C8B-B14F-4D97-AF65-F5344CB8AC3E}">
+        <p14:creationId xmlns:p14="http://schemas.microsoft.com/office/powerpoint/2010/main" val="3121808463"/>
+      </p:ext>
+    </p:extLst>
+  </p:cSld>
+  <p:clrMapOvr>
+    <a:masterClrMapping/>
+  </p:clrMapOvr>
+</p:sld>
+</file>
+
 <file path=ppt/slides/slide14.xml><?xml version="1.0" encoding="utf-8"?>
 <p:sld xmlns:a="http://schemas.openxmlformats.org/drawingml/2006/main" xmlns:r="http://schemas.openxmlformats.org/officeDocument/2006/relationships" xmlns:p="http://schemas.openxmlformats.org/presentationml/2006/main">
   <p:cSld>
@@ -7801,344 +7918,6 @@
       </p:grpSpPr>
       <p:sp>
         <p:nvSpPr>
-          <p:cNvPr id="2" name="标题 1">
-            <a:extLst>
-              <a:ext uri="{FF2B5EF4-FFF2-40B4-BE49-F238E27FC236}">
-                <a16:creationId xmlns:a16="http://schemas.microsoft.com/office/drawing/2014/main" id="{03E6FB89-BB36-4DFA-8CB4-6C4223962F29}"/>
-              </a:ext>
-            </a:extLst>
-          </p:cNvPr>
-          <p:cNvSpPr>
-            <a:spLocks noGrp="1"/>
-          </p:cNvSpPr>
-          <p:nvPr>
-            <p:ph type="title"/>
-          </p:nvPr>
-        </p:nvSpPr>
-        <p:spPr/>
-        <p:txBody>
-          <a:bodyPr/>
-          <a:lstStyle/>
-          <a:p>
-            <a:r>
-              <a:rPr lang="en-US" altLang="zh-CN" dirty="0"/>
-              <a:t>MUS </a:t>
-            </a:r>
-            <a:r>
-              <a:rPr lang="zh-CN" altLang="en-US" dirty="0"/>
-              <a:t>的</a:t>
-            </a:r>
-            <a:r>
-              <a:rPr lang="en-US" altLang="zh-CN" dirty="0" err="1"/>
-              <a:t>wcf</a:t>
-            </a:r>
-            <a:r>
-              <a:rPr lang="zh-CN" altLang="en-US" dirty="0"/>
-              <a:t>服务</a:t>
-            </a:r>
-            <a:r>
-              <a:rPr lang="en-US" altLang="zh-CN" dirty="0"/>
-              <a:t>endpoint</a:t>
-            </a:r>
-            <a:endParaRPr lang="zh-CN" altLang="en-US" dirty="0"/>
-          </a:p>
-        </p:txBody>
-      </p:sp>
-      <p:sp>
-        <p:nvSpPr>
-          <p:cNvPr id="3" name="内容占位符 2">
-            <a:extLst>
-              <a:ext uri="{FF2B5EF4-FFF2-40B4-BE49-F238E27FC236}">
-                <a16:creationId xmlns:a16="http://schemas.microsoft.com/office/drawing/2014/main" id="{447FEAC0-292B-45F4-AFF6-81A5614C7E49}"/>
-              </a:ext>
-            </a:extLst>
-          </p:cNvPr>
-          <p:cNvSpPr>
-            <a:spLocks noGrp="1"/>
-          </p:cNvSpPr>
-          <p:nvPr>
-            <p:ph idx="1"/>
-          </p:nvPr>
-        </p:nvSpPr>
-        <p:spPr/>
-        <p:txBody>
-          <a:bodyPr>
-            <a:normAutofit fontScale="92500" lnSpcReduction="20000"/>
-          </a:bodyPr>
-          <a:lstStyle/>
-          <a:p>
-            <a:r>
-              <a:rPr lang="en-US" altLang="zh-CN" dirty="0"/>
-              <a:t> &lt;endpoint address="http://10.236.198.102:8888/</a:t>
-            </a:r>
-            <a:r>
-              <a:rPr lang="en-US" altLang="zh-CN" dirty="0" err="1"/>
-              <a:t>ServiceControler</a:t>
-            </a:r>
-            <a:r>
-              <a:rPr lang="en-US" altLang="zh-CN" dirty="0"/>
-              <a:t>/Token" binding="</a:t>
-            </a:r>
-            <a:r>
-              <a:rPr lang="en-US" altLang="zh-CN" dirty="0" err="1"/>
-              <a:t>wsHttpBinding</a:t>
-            </a:r>
-            <a:r>
-              <a:rPr lang="en-US" altLang="zh-CN" dirty="0"/>
-              <a:t>" </a:t>
-            </a:r>
-            <a:r>
-              <a:rPr lang="en-US" altLang="zh-CN" dirty="0" err="1"/>
-              <a:t>bindingConfiguration</a:t>
-            </a:r>
-            <a:r>
-              <a:rPr lang="en-US" altLang="zh-CN" dirty="0"/>
-              <a:t>="NewBinding0" contract="</a:t>
-            </a:r>
-            <a:r>
-              <a:rPr lang="en-US" altLang="zh-CN" dirty="0" err="1"/>
-              <a:t>MUASService.IToken</a:t>
-            </a:r>
-            <a:r>
-              <a:rPr lang="en-US" altLang="zh-CN" dirty="0"/>
-              <a:t>" name="</a:t>
-            </a:r>
-            <a:r>
-              <a:rPr lang="en-US" altLang="zh-CN" dirty="0" err="1"/>
-              <a:t>WSHttpBinding_IToken</a:t>
-            </a:r>
-            <a:r>
-              <a:rPr lang="en-US" altLang="zh-CN" dirty="0"/>
-              <a:t>"/&gt;</a:t>
-            </a:r>
-          </a:p>
-          <a:p>
-            <a:r>
-              <a:rPr lang="en-US" altLang="zh-CN" dirty="0"/>
-              <a:t>      &lt;endpoint address="http://10.236.198.102:8888/</a:t>
-            </a:r>
-            <a:r>
-              <a:rPr lang="en-US" altLang="zh-CN" dirty="0" err="1"/>
-              <a:t>ServiceControler</a:t>
-            </a:r>
-            <a:r>
-              <a:rPr lang="en-US" altLang="zh-CN" dirty="0"/>
-              <a:t>/Company" binding="</a:t>
-            </a:r>
-            <a:r>
-              <a:rPr lang="en-US" altLang="zh-CN" dirty="0" err="1"/>
-              <a:t>wsHttpBinding</a:t>
-            </a:r>
-            <a:r>
-              <a:rPr lang="en-US" altLang="zh-CN" dirty="0"/>
-              <a:t>" </a:t>
-            </a:r>
-            <a:r>
-              <a:rPr lang="en-US" altLang="zh-CN" dirty="0" err="1"/>
-              <a:t>bindingConfiguration</a:t>
-            </a:r>
-            <a:r>
-              <a:rPr lang="en-US" altLang="zh-CN" dirty="0"/>
-              <a:t>="NewBinding0" contract="</a:t>
-            </a:r>
-            <a:r>
-              <a:rPr lang="en-US" altLang="zh-CN" dirty="0" err="1"/>
-              <a:t>MUASService.ICompany</a:t>
-            </a:r>
-            <a:r>
-              <a:rPr lang="en-US" altLang="zh-CN" dirty="0"/>
-              <a:t>" name="</a:t>
-            </a:r>
-            <a:r>
-              <a:rPr lang="en-US" altLang="zh-CN" dirty="0" err="1"/>
-              <a:t>WSHttpBinding_ICompany</a:t>
-            </a:r>
-            <a:r>
-              <a:rPr lang="en-US" altLang="zh-CN" dirty="0"/>
-              <a:t>"/&gt;</a:t>
-            </a:r>
-          </a:p>
-          <a:p>
-            <a:r>
-              <a:rPr lang="en-US" altLang="zh-CN" dirty="0"/>
-              <a:t>      &lt;endpoint address="http://10.236.198.102:8888/</a:t>
-            </a:r>
-            <a:r>
-              <a:rPr lang="en-US" altLang="zh-CN" dirty="0" err="1"/>
-              <a:t>ServiceControler</a:t>
-            </a:r>
-            <a:r>
-              <a:rPr lang="en-US" altLang="zh-CN" dirty="0"/>
-              <a:t>/</a:t>
-            </a:r>
-            <a:r>
-              <a:rPr lang="en-US" altLang="zh-CN" dirty="0" err="1"/>
-              <a:t>UserRole</a:t>
-            </a:r>
-            <a:r>
-              <a:rPr lang="en-US" altLang="zh-CN" dirty="0"/>
-              <a:t>" binding="</a:t>
-            </a:r>
-            <a:r>
-              <a:rPr lang="en-US" altLang="zh-CN" dirty="0" err="1"/>
-              <a:t>wsHttpBinding</a:t>
-            </a:r>
-            <a:r>
-              <a:rPr lang="en-US" altLang="zh-CN" dirty="0"/>
-              <a:t>" </a:t>
-            </a:r>
-            <a:r>
-              <a:rPr lang="en-US" altLang="zh-CN" dirty="0" err="1"/>
-              <a:t>bindingConfiguration</a:t>
-            </a:r>
-            <a:r>
-              <a:rPr lang="en-US" altLang="zh-CN" dirty="0"/>
-              <a:t>="NewBinding0" contract="</a:t>
-            </a:r>
-            <a:r>
-              <a:rPr lang="en-US" altLang="zh-CN" dirty="0" err="1"/>
-              <a:t>MUASService.IUserRole</a:t>
-            </a:r>
-            <a:r>
-              <a:rPr lang="en-US" altLang="zh-CN" dirty="0"/>
-              <a:t>" name="</a:t>
-            </a:r>
-            <a:r>
-              <a:rPr lang="en-US" altLang="zh-CN" dirty="0" err="1"/>
-              <a:t>WSHttpBinding_IUserRole</a:t>
-            </a:r>
-            <a:r>
-              <a:rPr lang="en-US" altLang="zh-CN" dirty="0"/>
-              <a:t>"/&gt;</a:t>
-            </a:r>
-          </a:p>
-          <a:p>
-            <a:r>
-              <a:rPr lang="en-US" altLang="zh-CN" dirty="0"/>
-              <a:t>      &lt;endpoint address="http://10.236.198.102:8888/</a:t>
-            </a:r>
-            <a:r>
-              <a:rPr lang="en-US" altLang="zh-CN" dirty="0" err="1"/>
-              <a:t>ServiceControler</a:t>
-            </a:r>
-            <a:r>
-              <a:rPr lang="en-US" altLang="zh-CN" dirty="0"/>
-              <a:t>/Role" binding="</a:t>
-            </a:r>
-            <a:r>
-              <a:rPr lang="en-US" altLang="zh-CN" dirty="0" err="1"/>
-              <a:t>wsHttpBinding</a:t>
-            </a:r>
-            <a:r>
-              <a:rPr lang="en-US" altLang="zh-CN" dirty="0"/>
-              <a:t>" </a:t>
-            </a:r>
-            <a:r>
-              <a:rPr lang="en-US" altLang="zh-CN" dirty="0" err="1"/>
-              <a:t>bindingConfiguration</a:t>
-            </a:r>
-            <a:r>
-              <a:rPr lang="en-US" altLang="zh-CN" dirty="0"/>
-              <a:t>="NewBinding0" contract="</a:t>
-            </a:r>
-            <a:r>
-              <a:rPr lang="en-US" altLang="zh-CN" dirty="0" err="1"/>
-              <a:t>MUASService.IRole</a:t>
-            </a:r>
-            <a:r>
-              <a:rPr lang="en-US" altLang="zh-CN" dirty="0"/>
-              <a:t>" name="</a:t>
-            </a:r>
-            <a:r>
-              <a:rPr lang="en-US" altLang="zh-CN" dirty="0" err="1"/>
-              <a:t>WSHttpBinding_IRole</a:t>
-            </a:r>
-            <a:r>
-              <a:rPr lang="en-US" altLang="zh-CN" dirty="0"/>
-              <a:t>"/&gt;</a:t>
-            </a:r>
-          </a:p>
-          <a:p>
-            <a:r>
-              <a:rPr lang="en-US" altLang="zh-CN" dirty="0"/>
-              <a:t>      &lt;endpoint address="http://10.236.198.102:8888/</a:t>
-            </a:r>
-            <a:r>
-              <a:rPr lang="en-US" altLang="zh-CN" dirty="0" err="1"/>
-              <a:t>ServiceControler</a:t>
-            </a:r>
-            <a:r>
-              <a:rPr lang="en-US" altLang="zh-CN" dirty="0"/>
-              <a:t>/User" binding="</a:t>
-            </a:r>
-            <a:r>
-              <a:rPr lang="en-US" altLang="zh-CN" dirty="0" err="1"/>
-              <a:t>wsHttpBinding</a:t>
-            </a:r>
-            <a:r>
-              <a:rPr lang="en-US" altLang="zh-CN" dirty="0"/>
-              <a:t>" </a:t>
-            </a:r>
-            <a:r>
-              <a:rPr lang="en-US" altLang="zh-CN" dirty="0" err="1"/>
-              <a:t>bindingConfiguration</a:t>
-            </a:r>
-            <a:r>
-              <a:rPr lang="en-US" altLang="zh-CN" dirty="0"/>
-              <a:t>="NewBinding0" contract="</a:t>
-            </a:r>
-            <a:r>
-              <a:rPr lang="en-US" altLang="zh-CN" dirty="0" err="1"/>
-              <a:t>MUASService.IUser</a:t>
-            </a:r>
-            <a:r>
-              <a:rPr lang="en-US" altLang="zh-CN" dirty="0"/>
-              <a:t>" name="</a:t>
-            </a:r>
-            <a:r>
-              <a:rPr lang="en-US" altLang="zh-CN" dirty="0" err="1"/>
-              <a:t>WSHttpBinding_IUser</a:t>
-            </a:r>
-            <a:r>
-              <a:rPr lang="en-US" altLang="zh-CN" dirty="0"/>
-              <a:t>"/&gt;</a:t>
-            </a:r>
-            <a:endParaRPr lang="zh-CN" altLang="en-US" dirty="0"/>
-          </a:p>
-        </p:txBody>
-      </p:sp>
-    </p:spTree>
-    <p:extLst>
-      <p:ext uri="{BB962C8B-B14F-4D97-AF65-F5344CB8AC3E}">
-        <p14:creationId xmlns:p14="http://schemas.microsoft.com/office/powerpoint/2010/main" val="3121808463"/>
-      </p:ext>
-    </p:extLst>
-  </p:cSld>
-  <p:clrMapOvr>
-    <a:masterClrMapping/>
-  </p:clrMapOvr>
-</p:sld>
-</file>
-
-<file path=ppt/slides/slide15.xml><?xml version="1.0" encoding="utf-8"?>
-<p:sld xmlns:a="http://schemas.openxmlformats.org/drawingml/2006/main" xmlns:r="http://schemas.openxmlformats.org/officeDocument/2006/relationships" xmlns:p="http://schemas.openxmlformats.org/presentationml/2006/main">
-  <p:cSld>
-    <p:spTree>
-      <p:nvGrpSpPr>
-        <p:cNvPr id="1" name=""/>
-        <p:cNvGrpSpPr/>
-        <p:nvPr/>
-      </p:nvGrpSpPr>
-      <p:grpSpPr>
-        <a:xfrm>
-          <a:off x="0" y="0"/>
-          <a:ext cx="0" cy="0"/>
-          <a:chOff x="0" y="0"/>
-          <a:chExt cx="0" cy="0"/>
-        </a:xfrm>
-      </p:grpSpPr>
-      <p:sp>
-        <p:nvSpPr>
           <p:cNvPr id="6" name="矩形 5">
             <a:extLst>
               <a:ext uri="{FF2B5EF4-FFF2-40B4-BE49-F238E27FC236}">
@@ -8847,893 +8626,6 @@
     <p:extLst>
       <p:ext uri="{BB962C8B-B14F-4D97-AF65-F5344CB8AC3E}">
         <p14:creationId xmlns:p14="http://schemas.microsoft.com/office/powerpoint/2010/main" val="2372553731"/>
-      </p:ext>
-    </p:extLst>
-  </p:cSld>
-  <p:clrMapOvr>
-    <a:masterClrMapping/>
-  </p:clrMapOvr>
-</p:sld>
-</file>
-
-<file path=ppt/slides/slide16.xml><?xml version="1.0" encoding="utf-8"?>
-<p:sld xmlns:a="http://schemas.openxmlformats.org/drawingml/2006/main" xmlns:r="http://schemas.openxmlformats.org/officeDocument/2006/relationships" xmlns:p="http://schemas.openxmlformats.org/presentationml/2006/main">
-  <p:cSld>
-    <p:spTree>
-      <p:nvGrpSpPr>
-        <p:cNvPr id="1" name=""/>
-        <p:cNvGrpSpPr/>
-        <p:nvPr/>
-      </p:nvGrpSpPr>
-      <p:grpSpPr>
-        <a:xfrm>
-          <a:off x="0" y="0"/>
-          <a:ext cx="0" cy="0"/>
-          <a:chOff x="0" y="0"/>
-          <a:chExt cx="0" cy="0"/>
-        </a:xfrm>
-      </p:grpSpPr>
-      <p:sp>
-        <p:nvSpPr>
-          <p:cNvPr id="5" name="标题 4">
-            <a:extLst>
-              <a:ext uri="{FF2B5EF4-FFF2-40B4-BE49-F238E27FC236}">
-                <a16:creationId xmlns:a16="http://schemas.microsoft.com/office/drawing/2014/main" id="{F97F2EF3-4830-4E94-BD03-F5E16AFFCAA0}"/>
-              </a:ext>
-            </a:extLst>
-          </p:cNvPr>
-          <p:cNvSpPr>
-            <a:spLocks noGrp="1"/>
-          </p:cNvSpPr>
-          <p:nvPr>
-            <p:ph type="title"/>
-          </p:nvPr>
-        </p:nvSpPr>
-        <p:spPr/>
-        <p:txBody>
-          <a:bodyPr/>
-          <a:lstStyle/>
-          <a:p>
-            <a:r>
-              <a:rPr lang="zh-CN" altLang="en-US" dirty="0"/>
-              <a:t>本周计划</a:t>
-            </a:r>
-            <a:r>
-              <a:rPr lang="en-US" altLang="zh-CN" dirty="0"/>
-              <a:t>(6.15~6.19)</a:t>
-            </a:r>
-            <a:endParaRPr lang="zh-CN" altLang="en-US" dirty="0"/>
-          </a:p>
-        </p:txBody>
-      </p:sp>
-      <p:sp>
-        <p:nvSpPr>
-          <p:cNvPr id="6" name="内容占位符 5">
-            <a:extLst>
-              <a:ext uri="{FF2B5EF4-FFF2-40B4-BE49-F238E27FC236}">
-                <a16:creationId xmlns:a16="http://schemas.microsoft.com/office/drawing/2014/main" id="{71A12AFE-278A-4675-B26E-8F38CFDD15D3}"/>
-              </a:ext>
-            </a:extLst>
-          </p:cNvPr>
-          <p:cNvSpPr>
-            <a:spLocks noGrp="1"/>
-          </p:cNvSpPr>
-          <p:nvPr>
-            <p:ph idx="1"/>
-          </p:nvPr>
-        </p:nvSpPr>
-        <p:spPr/>
-        <p:txBody>
-          <a:bodyPr/>
-          <a:lstStyle/>
-          <a:p>
-            <a:r>
-              <a:rPr lang="en-US" altLang="zh-CN" dirty="0"/>
-              <a:t>1.aop</a:t>
-            </a:r>
-            <a:r>
-              <a:rPr lang="zh-CN" altLang="en-US" dirty="0"/>
-              <a:t>框架内容</a:t>
-            </a:r>
-            <a:r>
-              <a:rPr lang="en-US" altLang="zh-CN" dirty="0"/>
-              <a:t>,</a:t>
-            </a:r>
-            <a:r>
-              <a:rPr lang="zh-CN" altLang="en-US" dirty="0"/>
-              <a:t>自定义</a:t>
-            </a:r>
-            <a:r>
-              <a:rPr lang="en-US" altLang="zh-CN" dirty="0"/>
-              <a:t>filter(</a:t>
-            </a:r>
-            <a:r>
-              <a:rPr lang="zh-CN" altLang="en-US" dirty="0"/>
-              <a:t>拓展重点</a:t>
-            </a:r>
-            <a:r>
-              <a:rPr lang="en-US" altLang="zh-CN" dirty="0"/>
-              <a:t>,</a:t>
-            </a:r>
-            <a:r>
-              <a:rPr lang="zh-CN" altLang="en-US" dirty="0"/>
-              <a:t>横向编程都在这做</a:t>
-            </a:r>
-            <a:r>
-              <a:rPr lang="en-US" altLang="zh-CN" dirty="0"/>
-              <a:t>)</a:t>
-            </a:r>
-          </a:p>
-          <a:p>
-            <a:r>
-              <a:rPr lang="en-US" altLang="zh-CN" dirty="0"/>
-              <a:t>2.</a:t>
-            </a:r>
-            <a:r>
-              <a:rPr lang="zh-CN" altLang="en-US" dirty="0"/>
-              <a:t>内容协商 </a:t>
-            </a:r>
-            <a:r>
-              <a:rPr lang="en-US" altLang="zh-CN" dirty="0"/>
-              <a:t>(</a:t>
-            </a:r>
-            <a:r>
-              <a:rPr lang="zh-CN" altLang="en-US" dirty="0"/>
-              <a:t>主要是</a:t>
-            </a:r>
-            <a:r>
-              <a:rPr lang="en-US" altLang="zh-CN" dirty="0"/>
-              <a:t>json</a:t>
-            </a:r>
-            <a:r>
-              <a:rPr lang="zh-CN" altLang="en-US" dirty="0"/>
-              <a:t>格式</a:t>
-            </a:r>
-            <a:r>
-              <a:rPr lang="en-US" altLang="zh-CN" dirty="0"/>
-              <a:t>,</a:t>
-            </a:r>
-            <a:r>
-              <a:rPr lang="zh-CN" altLang="en-US" dirty="0"/>
-              <a:t>加了</a:t>
-            </a:r>
-            <a:r>
-              <a:rPr lang="en-US" altLang="zh-CN" dirty="0" err="1"/>
-              <a:t>xml,hateoas</a:t>
-            </a:r>
-            <a:r>
-              <a:rPr lang="en-US" altLang="zh-CN" dirty="0"/>
-              <a:t>(</a:t>
-            </a:r>
-            <a:r>
-              <a:rPr lang="zh-CN" altLang="en-US" dirty="0"/>
-              <a:t>驱动应用程序的超链接</a:t>
-            </a:r>
-            <a:r>
-              <a:rPr lang="en-US" altLang="zh-CN" dirty="0"/>
-              <a:t>),</a:t>
-            </a:r>
-            <a:r>
-              <a:rPr lang="zh-CN" altLang="en-US" dirty="0"/>
-              <a:t>模型验证消息</a:t>
-            </a:r>
-            <a:r>
-              <a:rPr lang="en-US" altLang="zh-CN" dirty="0"/>
-              <a:t>,</a:t>
-            </a:r>
-            <a:r>
-              <a:rPr lang="zh-CN" altLang="en-US" dirty="0"/>
-              <a:t>没有写</a:t>
-            </a:r>
-            <a:r>
-              <a:rPr lang="en-US" altLang="zh-CN" dirty="0"/>
-              <a:t>link)</a:t>
-            </a:r>
-          </a:p>
-          <a:p>
-            <a:r>
-              <a:rPr lang="en-US" altLang="zh-CN" dirty="0"/>
-              <a:t>3.</a:t>
-            </a:r>
-            <a:r>
-              <a:rPr lang="zh-CN" altLang="en-US" dirty="0"/>
-              <a:t>数据塑性 </a:t>
-            </a:r>
-            <a:r>
-              <a:rPr lang="en-US" altLang="zh-CN" dirty="0"/>
-              <a:t>(</a:t>
-            </a:r>
-            <a:r>
-              <a:rPr lang="zh-CN" altLang="en-US" dirty="0"/>
-              <a:t>只能单层</a:t>
-            </a:r>
-            <a:r>
-              <a:rPr lang="en-US" altLang="zh-CN" dirty="0"/>
-              <a:t>) </a:t>
-            </a:r>
-            <a:r>
-              <a:rPr lang="zh-CN" altLang="en-US" dirty="0"/>
-              <a:t>例如</a:t>
-            </a:r>
-            <a:r>
-              <a:rPr lang="en-US" altLang="zh-CN" dirty="0"/>
-              <a:t>fields=</a:t>
-            </a:r>
-            <a:r>
-              <a:rPr lang="en-US" altLang="zh-CN" dirty="0" err="1"/>
-              <a:t>name,age,sex</a:t>
-            </a:r>
-            <a:endParaRPr lang="en-US" altLang="zh-CN" dirty="0"/>
-          </a:p>
-          <a:p>
-            <a:r>
-              <a:rPr lang="en-US" altLang="zh-CN" dirty="0"/>
-              <a:t>4.wcf</a:t>
-            </a:r>
-            <a:r>
-              <a:rPr lang="zh-CN" altLang="en-US" dirty="0"/>
-              <a:t>的适配器 </a:t>
-            </a:r>
-            <a:r>
-              <a:rPr lang="en-US" altLang="zh-CN" dirty="0"/>
-              <a:t>(</a:t>
-            </a:r>
-            <a:r>
-              <a:rPr lang="zh-CN" altLang="en-US" dirty="0"/>
-              <a:t>只做了关联</a:t>
-            </a:r>
-            <a:r>
-              <a:rPr lang="en-US" altLang="zh-CN" dirty="0"/>
-              <a:t>,</a:t>
-            </a:r>
-            <a:r>
-              <a:rPr lang="zh-CN" altLang="en-US" dirty="0"/>
-              <a:t>逻辑没写</a:t>
-            </a:r>
-            <a:r>
-              <a:rPr lang="en-US" altLang="zh-CN" dirty="0"/>
-              <a:t>)</a:t>
-            </a:r>
-          </a:p>
-          <a:p>
-            <a:r>
-              <a:rPr lang="en-US" altLang="zh-CN" dirty="0"/>
-              <a:t>5.</a:t>
-            </a:r>
-            <a:r>
-              <a:rPr lang="zh-CN" altLang="en-US" dirty="0"/>
-              <a:t>自定义</a:t>
-            </a:r>
-            <a:r>
-              <a:rPr lang="en-US" altLang="zh-CN" dirty="0"/>
-              <a:t>model</a:t>
-            </a:r>
-            <a:r>
-              <a:rPr lang="zh-CN" altLang="en-US" dirty="0"/>
-              <a:t>绑定 </a:t>
-            </a:r>
-            <a:r>
-              <a:rPr lang="en-US" altLang="zh-CN" dirty="0"/>
-              <a:t>(</a:t>
-            </a:r>
-            <a:r>
-              <a:rPr lang="zh-CN" altLang="en-US" dirty="0"/>
-              <a:t>查询多个</a:t>
-            </a:r>
-            <a:r>
-              <a:rPr lang="en-US" altLang="zh-CN" dirty="0"/>
-              <a:t>id</a:t>
-            </a:r>
-            <a:r>
-              <a:rPr lang="zh-CN" altLang="en-US" dirty="0"/>
-              <a:t>的数据</a:t>
-            </a:r>
-            <a:r>
-              <a:rPr lang="en-US" altLang="zh-CN" dirty="0"/>
-              <a:t>) </a:t>
-            </a:r>
-            <a:r>
-              <a:rPr lang="zh-CN" altLang="en-US" dirty="0"/>
-              <a:t>例如</a:t>
-            </a:r>
-            <a:r>
-              <a:rPr lang="en-US" altLang="zh-CN" dirty="0"/>
-              <a:t>ids=1,2,3</a:t>
-            </a:r>
-          </a:p>
-          <a:p>
-            <a:r>
-              <a:rPr lang="en-US" altLang="zh-CN" dirty="0"/>
-              <a:t>6.AutoMapper</a:t>
-            </a:r>
-          </a:p>
-          <a:p>
-            <a:r>
-              <a:rPr lang="en-US" altLang="zh-CN" dirty="0"/>
-              <a:t>7.</a:t>
-            </a:r>
-            <a:r>
-              <a:rPr lang="zh-CN" altLang="en-US" dirty="0"/>
-              <a:t>做了单资源的增删改查</a:t>
-            </a:r>
-            <a:r>
-              <a:rPr lang="en-US" altLang="zh-CN" dirty="0"/>
-              <a:t>(</a:t>
-            </a:r>
-            <a:r>
-              <a:rPr lang="zh-CN" altLang="en-US" dirty="0"/>
-              <a:t>没有写父子资源的嵌套</a:t>
-            </a:r>
-            <a:r>
-              <a:rPr lang="en-US" altLang="zh-CN" dirty="0"/>
-              <a:t>)</a:t>
-            </a:r>
-          </a:p>
-        </p:txBody>
-      </p:sp>
-    </p:spTree>
-    <p:extLst>
-      <p:ext uri="{BB962C8B-B14F-4D97-AF65-F5344CB8AC3E}">
-        <p14:creationId xmlns:p14="http://schemas.microsoft.com/office/powerpoint/2010/main" val="857984851"/>
-      </p:ext>
-    </p:extLst>
-  </p:cSld>
-  <p:clrMapOvr>
-    <a:masterClrMapping/>
-  </p:clrMapOvr>
-</p:sld>
-</file>
-
-<file path=ppt/slides/slide17.xml><?xml version="1.0" encoding="utf-8"?>
-<p:sld xmlns:a="http://schemas.openxmlformats.org/drawingml/2006/main" xmlns:r="http://schemas.openxmlformats.org/officeDocument/2006/relationships" xmlns:p="http://schemas.openxmlformats.org/presentationml/2006/main">
-  <p:cSld>
-    <p:spTree>
-      <p:nvGrpSpPr>
-        <p:cNvPr id="1" name=""/>
-        <p:cNvGrpSpPr/>
-        <p:nvPr/>
-      </p:nvGrpSpPr>
-      <p:grpSpPr>
-        <a:xfrm>
-          <a:off x="0" y="0"/>
-          <a:ext cx="0" cy="0"/>
-          <a:chOff x="0" y="0"/>
-          <a:chExt cx="0" cy="0"/>
-        </a:xfrm>
-      </p:grpSpPr>
-      <p:sp>
-        <p:nvSpPr>
-          <p:cNvPr id="2" name="标题 1">
-            <a:extLst>
-              <a:ext uri="{FF2B5EF4-FFF2-40B4-BE49-F238E27FC236}">
-                <a16:creationId xmlns:a16="http://schemas.microsoft.com/office/drawing/2014/main" id="{971F9CAC-375C-447C-BFF7-7DD237D0504F}"/>
-              </a:ext>
-            </a:extLst>
-          </p:cNvPr>
-          <p:cNvSpPr>
-            <a:spLocks noGrp="1"/>
-          </p:cNvSpPr>
-          <p:nvPr>
-            <p:ph type="title"/>
-          </p:nvPr>
-        </p:nvSpPr>
-        <p:spPr/>
-        <p:txBody>
-          <a:bodyPr/>
-          <a:lstStyle/>
-          <a:p>
-            <a:r>
-              <a:rPr lang="zh-CN" altLang="en-US" dirty="0"/>
-              <a:t>本周计划</a:t>
-            </a:r>
-            <a:r>
-              <a:rPr lang="en-US" altLang="zh-CN" dirty="0"/>
-              <a:t>(6.22~29)</a:t>
-            </a:r>
-            <a:br>
-              <a:rPr lang="en-US" altLang="zh-CN" dirty="0"/>
-            </a:br>
-            <a:endParaRPr lang="zh-CN" altLang="en-US" dirty="0"/>
-          </a:p>
-        </p:txBody>
-      </p:sp>
-      <p:sp>
-        <p:nvSpPr>
-          <p:cNvPr id="3" name="内容占位符 2">
-            <a:extLst>
-              <a:ext uri="{FF2B5EF4-FFF2-40B4-BE49-F238E27FC236}">
-                <a16:creationId xmlns:a16="http://schemas.microsoft.com/office/drawing/2014/main" id="{36EEDDBF-8E93-490D-ADCF-0835FBC8C0B5}"/>
-              </a:ext>
-            </a:extLst>
-          </p:cNvPr>
-          <p:cNvSpPr>
-            <a:spLocks noGrp="1"/>
-          </p:cNvSpPr>
-          <p:nvPr>
-            <p:ph idx="1"/>
-          </p:nvPr>
-        </p:nvSpPr>
-        <p:spPr/>
-        <p:txBody>
-          <a:bodyPr>
-            <a:normAutofit/>
-          </a:bodyPr>
-          <a:lstStyle/>
-          <a:p>
-            <a:r>
-              <a:rPr lang="en-US" altLang="zh-CN" dirty="0"/>
-              <a:t>1.</a:t>
-            </a:r>
-            <a:r>
-              <a:rPr lang="zh-CN" altLang="en-US" dirty="0"/>
-              <a:t>日志</a:t>
-            </a:r>
-            <a:r>
-              <a:rPr lang="en-US" altLang="zh-CN" dirty="0"/>
-              <a:t>(log4net)</a:t>
-            </a:r>
-          </a:p>
-          <a:p>
-            <a:r>
-              <a:rPr lang="en-US" altLang="zh-CN" dirty="0"/>
-              <a:t>2.</a:t>
-            </a:r>
-            <a:r>
-              <a:rPr lang="zh-CN" altLang="en-US" dirty="0"/>
-              <a:t>自定义内容搜索</a:t>
-            </a:r>
-            <a:endParaRPr lang="en-US" altLang="zh-CN" dirty="0"/>
-          </a:p>
-          <a:p>
-            <a:r>
-              <a:rPr lang="en-US" altLang="zh-CN" dirty="0"/>
-              <a:t>3.entity</a:t>
-            </a:r>
-            <a:r>
-              <a:rPr lang="zh-CN" altLang="en-US" dirty="0"/>
-              <a:t>单资源增删改查的封装</a:t>
-            </a:r>
-            <a:r>
-              <a:rPr lang="en-US" altLang="zh-CN" dirty="0"/>
-              <a:t>(</a:t>
-            </a:r>
-            <a:r>
-              <a:rPr lang="zh-CN" altLang="en-US" dirty="0"/>
-              <a:t>完成简单的增删改查</a:t>
-            </a:r>
-            <a:r>
-              <a:rPr lang="en-US" altLang="zh-CN" dirty="0"/>
-              <a:t>)</a:t>
-            </a:r>
-          </a:p>
-          <a:p>
-            <a:r>
-              <a:rPr lang="en-US" altLang="zh-CN" dirty="0"/>
-              <a:t>4.</a:t>
-            </a:r>
-            <a:r>
-              <a:rPr lang="zh-CN" altLang="en-US" dirty="0"/>
-              <a:t>邮件服务</a:t>
-            </a:r>
-            <a:endParaRPr lang="en-US" altLang="zh-CN" dirty="0"/>
-          </a:p>
-          <a:p>
-            <a:r>
-              <a:rPr lang="en-US" altLang="zh-CN" dirty="0"/>
-              <a:t>5.</a:t>
-            </a:r>
-            <a:r>
-              <a:rPr lang="zh-CN" altLang="en-US" dirty="0"/>
-              <a:t>父子资源的</a:t>
-            </a:r>
-            <a:r>
-              <a:rPr lang="en-US" altLang="zh-CN" dirty="0"/>
-              <a:t>demo (</a:t>
-            </a:r>
-            <a:r>
-              <a:rPr lang="zh-CN" altLang="en-US" dirty="0"/>
-              <a:t>子资源的</a:t>
-            </a:r>
-            <a:r>
-              <a:rPr lang="en-US" altLang="zh-CN" dirty="0"/>
-              <a:t>demo)</a:t>
-            </a:r>
-          </a:p>
-          <a:p>
-            <a:r>
-              <a:rPr lang="en-US" altLang="zh-CN" dirty="0"/>
-              <a:t>//3.</a:t>
-            </a:r>
-            <a:r>
-              <a:rPr lang="zh-CN" altLang="en-US" dirty="0"/>
-              <a:t>缓存</a:t>
-            </a:r>
-            <a:r>
-              <a:rPr lang="en-US" altLang="zh-CN" dirty="0"/>
-              <a:t>(</a:t>
-            </a:r>
-            <a:r>
-              <a:rPr lang="zh-CN" altLang="en-US" dirty="0"/>
-              <a:t>控制并发</a:t>
-            </a:r>
-            <a:r>
-              <a:rPr lang="en-US" altLang="zh-CN" dirty="0"/>
-              <a:t>,</a:t>
-            </a:r>
-            <a:r>
-              <a:rPr lang="en-US" altLang="zh-CN" dirty="0" err="1"/>
-              <a:t>Etag</a:t>
-            </a:r>
-            <a:r>
-              <a:rPr lang="zh-CN" altLang="en-US" dirty="0"/>
-              <a:t>验证器</a:t>
-            </a:r>
-            <a:r>
-              <a:rPr lang="en-US" altLang="zh-CN" dirty="0"/>
-              <a:t>)</a:t>
-            </a:r>
-          </a:p>
-          <a:p>
-            <a:r>
-              <a:rPr lang="en-US" altLang="zh-CN" dirty="0"/>
-              <a:t>6.</a:t>
-            </a:r>
-            <a:r>
-              <a:rPr lang="zh-CN" altLang="en-US" dirty="0"/>
-              <a:t>缓存</a:t>
-            </a:r>
-            <a:r>
-              <a:rPr lang="en-US" altLang="zh-CN" dirty="0"/>
-              <a:t>()</a:t>
-            </a:r>
-          </a:p>
-          <a:p>
-            <a:r>
-              <a:rPr lang="en-US" altLang="zh-CN" dirty="0"/>
-              <a:t>6.swagger/</a:t>
-            </a:r>
-            <a:r>
-              <a:rPr lang="en-US" altLang="zh-CN" dirty="0" err="1"/>
-              <a:t>aos</a:t>
-            </a:r>
-            <a:endParaRPr lang="en-US" altLang="zh-CN" dirty="0"/>
-          </a:p>
-          <a:p>
-            <a:r>
-              <a:rPr lang="en-US" altLang="zh-CN" dirty="0"/>
-              <a:t>7.xUnit(</a:t>
-            </a:r>
-            <a:r>
-              <a:rPr lang="zh-CN" altLang="en-US" dirty="0"/>
-              <a:t>单元测试</a:t>
-            </a:r>
-            <a:r>
-              <a:rPr lang="en-US" altLang="zh-CN" dirty="0"/>
-              <a:t>,</a:t>
-            </a:r>
-            <a:r>
-              <a:rPr lang="zh-CN" altLang="en-US" dirty="0"/>
-              <a:t>没时间就不做 了</a:t>
-            </a:r>
-            <a:r>
-              <a:rPr lang="en-US" altLang="zh-CN" dirty="0"/>
-              <a:t>)</a:t>
-            </a:r>
-          </a:p>
-          <a:p>
-            <a:endParaRPr lang="zh-CN" altLang="en-US" dirty="0"/>
-          </a:p>
-        </p:txBody>
-      </p:sp>
-    </p:spTree>
-    <p:extLst>
-      <p:ext uri="{BB962C8B-B14F-4D97-AF65-F5344CB8AC3E}">
-        <p14:creationId xmlns:p14="http://schemas.microsoft.com/office/powerpoint/2010/main" val="3178744829"/>
-      </p:ext>
-    </p:extLst>
-  </p:cSld>
-  <p:clrMapOvr>
-    <a:masterClrMapping/>
-  </p:clrMapOvr>
-</p:sld>
-</file>
-
-<file path=ppt/slides/slide18.xml><?xml version="1.0" encoding="utf-8"?>
-<p:sld xmlns:a="http://schemas.openxmlformats.org/drawingml/2006/main" xmlns:r="http://schemas.openxmlformats.org/officeDocument/2006/relationships" xmlns:p="http://schemas.openxmlformats.org/presentationml/2006/main">
-  <p:cSld>
-    <p:spTree>
-      <p:nvGrpSpPr>
-        <p:cNvPr id="1" name=""/>
-        <p:cNvGrpSpPr/>
-        <p:nvPr/>
-      </p:nvGrpSpPr>
-      <p:grpSpPr>
-        <a:xfrm>
-          <a:off x="0" y="0"/>
-          <a:ext cx="0" cy="0"/>
-          <a:chOff x="0" y="0"/>
-          <a:chExt cx="0" cy="0"/>
-        </a:xfrm>
-      </p:grpSpPr>
-      <p:sp>
-        <p:nvSpPr>
-          <p:cNvPr id="2" name="标题 1">
-            <a:extLst>
-              <a:ext uri="{FF2B5EF4-FFF2-40B4-BE49-F238E27FC236}">
-                <a16:creationId xmlns:a16="http://schemas.microsoft.com/office/drawing/2014/main" id="{8C11547B-6180-4DFC-B09B-2A643C8C0386}"/>
-              </a:ext>
-            </a:extLst>
-          </p:cNvPr>
-          <p:cNvSpPr>
-            <a:spLocks noGrp="1"/>
-          </p:cNvSpPr>
-          <p:nvPr>
-            <p:ph type="title"/>
-          </p:nvPr>
-        </p:nvSpPr>
-        <p:spPr/>
-        <p:txBody>
-          <a:bodyPr/>
-          <a:lstStyle/>
-          <a:p>
-            <a:r>
-              <a:rPr lang="zh-CN" altLang="en-US" dirty="0"/>
-              <a:t>计划</a:t>
-            </a:r>
-            <a:r>
-              <a:rPr lang="en-US" altLang="zh-CN" dirty="0"/>
-              <a:t>7.6~</a:t>
-            </a:r>
-            <a:endParaRPr lang="zh-CN" altLang="en-US" dirty="0"/>
-          </a:p>
-        </p:txBody>
-      </p:sp>
-      <p:sp>
-        <p:nvSpPr>
-          <p:cNvPr id="3" name="内容占位符 2">
-            <a:extLst>
-              <a:ext uri="{FF2B5EF4-FFF2-40B4-BE49-F238E27FC236}">
-                <a16:creationId xmlns:a16="http://schemas.microsoft.com/office/drawing/2014/main" id="{BC19EC0F-D241-4961-A8E5-93C14B44BE27}"/>
-              </a:ext>
-            </a:extLst>
-          </p:cNvPr>
-          <p:cNvSpPr>
-            <a:spLocks noGrp="1"/>
-          </p:cNvSpPr>
-          <p:nvPr>
-            <p:ph idx="1"/>
-          </p:nvPr>
-        </p:nvSpPr>
-        <p:spPr/>
-        <p:txBody>
-          <a:bodyPr/>
-          <a:lstStyle/>
-          <a:p>
-            <a:r>
-              <a:rPr lang="en-US" altLang="zh-CN" dirty="0"/>
-              <a:t>1.</a:t>
-            </a:r>
-            <a:r>
-              <a:rPr lang="zh-CN" altLang="en-US" dirty="0"/>
-              <a:t>全局日志处理</a:t>
-            </a:r>
-            <a:r>
-              <a:rPr lang="en-US" altLang="zh-CN" dirty="0"/>
-              <a:t>(</a:t>
-            </a:r>
-            <a:r>
-              <a:rPr lang="en-US" altLang="zh-CN" dirty="0" err="1"/>
-              <a:t>NLog</a:t>
-            </a:r>
-            <a:r>
-              <a:rPr lang="en-US" altLang="zh-CN" dirty="0"/>
-              <a:t>)</a:t>
-            </a:r>
-          </a:p>
-          <a:p>
-            <a:r>
-              <a:rPr lang="en-US" altLang="zh-CN" dirty="0"/>
-              <a:t>2.</a:t>
-            </a:r>
-            <a:r>
-              <a:rPr lang="zh-CN" altLang="en-US" dirty="0"/>
-              <a:t>日志写入数据库</a:t>
-            </a:r>
-            <a:endParaRPr lang="en-US" altLang="zh-CN" dirty="0"/>
-          </a:p>
-          <a:p>
-            <a:r>
-              <a:rPr lang="en-US" altLang="zh-CN" dirty="0"/>
-              <a:t>3.</a:t>
-            </a:r>
-            <a:r>
-              <a:rPr lang="zh-CN" altLang="en-US" dirty="0"/>
-              <a:t>封装</a:t>
-            </a:r>
-            <a:r>
-              <a:rPr lang="en-US" altLang="zh-CN" dirty="0" err="1"/>
-              <a:t>wcf</a:t>
-            </a:r>
-            <a:r>
-              <a:rPr lang="zh-CN" altLang="en-US" dirty="0"/>
-              <a:t>的接口</a:t>
-            </a:r>
-            <a:endParaRPr lang="en-US" altLang="zh-CN" dirty="0"/>
-          </a:p>
-          <a:p>
-            <a:r>
-              <a:rPr lang="en-US" altLang="zh-CN" dirty="0"/>
-              <a:t>4.</a:t>
-            </a:r>
-            <a:r>
-              <a:rPr lang="zh-CN" altLang="en-US" dirty="0"/>
-              <a:t>自定义内容搜索</a:t>
-            </a:r>
-            <a:endParaRPr lang="en-US" altLang="zh-CN" dirty="0"/>
-          </a:p>
-          <a:p>
-            <a:r>
-              <a:rPr lang="en-US" altLang="zh-CN" dirty="0"/>
-              <a:t>5.</a:t>
-            </a:r>
-            <a:r>
-              <a:rPr lang="zh-CN" altLang="en-US" dirty="0"/>
-              <a:t>缓存</a:t>
-            </a:r>
-            <a:r>
-              <a:rPr lang="en-US" altLang="zh-CN" dirty="0" err="1"/>
-              <a:t>Etag</a:t>
-            </a:r>
-            <a:endParaRPr lang="en-US" altLang="zh-CN" dirty="0"/>
-          </a:p>
-          <a:p>
-            <a:r>
-              <a:rPr lang="en-US" altLang="zh-CN" dirty="0"/>
-              <a:t>6.swagger</a:t>
-            </a:r>
-            <a:endParaRPr lang="zh-CN" altLang="en-US" dirty="0"/>
-          </a:p>
-        </p:txBody>
-      </p:sp>
-    </p:spTree>
-    <p:extLst>
-      <p:ext uri="{BB962C8B-B14F-4D97-AF65-F5344CB8AC3E}">
-        <p14:creationId xmlns:p14="http://schemas.microsoft.com/office/powerpoint/2010/main" val="726919370"/>
-      </p:ext>
-    </p:extLst>
-  </p:cSld>
-  <p:clrMapOvr>
-    <a:masterClrMapping/>
-  </p:clrMapOvr>
-</p:sld>
-</file>
-
-<file path=ppt/slides/slide19.xml><?xml version="1.0" encoding="utf-8"?>
-<p:sld xmlns:a="http://schemas.openxmlformats.org/drawingml/2006/main" xmlns:r="http://schemas.openxmlformats.org/officeDocument/2006/relationships" xmlns:p="http://schemas.openxmlformats.org/presentationml/2006/main">
-  <p:cSld>
-    <p:spTree>
-      <p:nvGrpSpPr>
-        <p:cNvPr id="1" name=""/>
-        <p:cNvGrpSpPr/>
-        <p:nvPr/>
-      </p:nvGrpSpPr>
-      <p:grpSpPr>
-        <a:xfrm>
-          <a:off x="0" y="0"/>
-          <a:ext cx="0" cy="0"/>
-          <a:chOff x="0" y="0"/>
-          <a:chExt cx="0" cy="0"/>
-        </a:xfrm>
-      </p:grpSpPr>
-      <p:sp>
-        <p:nvSpPr>
-          <p:cNvPr id="2" name="标题 1">
-            <a:extLst>
-              <a:ext uri="{FF2B5EF4-FFF2-40B4-BE49-F238E27FC236}">
-                <a16:creationId xmlns:a16="http://schemas.microsoft.com/office/drawing/2014/main" id="{A264FDC6-3295-41C1-ADC4-589F98E8DF90}"/>
-              </a:ext>
-            </a:extLst>
-          </p:cNvPr>
-          <p:cNvSpPr>
-            <a:spLocks noGrp="1"/>
-          </p:cNvSpPr>
-          <p:nvPr>
-            <p:ph type="title"/>
-          </p:nvPr>
-        </p:nvSpPr>
-        <p:spPr/>
-        <p:txBody>
-          <a:bodyPr/>
-          <a:lstStyle/>
-          <a:p>
-            <a:r>
-              <a:rPr lang="zh-CN" altLang="en-US" dirty="0"/>
-              <a:t>计划</a:t>
-            </a:r>
-            <a:r>
-              <a:rPr lang="en-US" altLang="zh-CN" dirty="0"/>
-              <a:t>7.13~</a:t>
-            </a:r>
-            <a:endParaRPr lang="zh-CN" altLang="en-US" dirty="0"/>
-          </a:p>
-        </p:txBody>
-      </p:sp>
-      <p:sp>
-        <p:nvSpPr>
-          <p:cNvPr id="3" name="内容占位符 2">
-            <a:extLst>
-              <a:ext uri="{FF2B5EF4-FFF2-40B4-BE49-F238E27FC236}">
-                <a16:creationId xmlns:a16="http://schemas.microsoft.com/office/drawing/2014/main" id="{1963DACA-B0D2-4C34-8E05-91F481ADFC9D}"/>
-              </a:ext>
-            </a:extLst>
-          </p:cNvPr>
-          <p:cNvSpPr>
-            <a:spLocks noGrp="1"/>
-          </p:cNvSpPr>
-          <p:nvPr>
-            <p:ph idx="1"/>
-          </p:nvPr>
-        </p:nvSpPr>
-        <p:spPr/>
-        <p:txBody>
-          <a:bodyPr/>
-          <a:lstStyle/>
-          <a:p>
-            <a:r>
-              <a:rPr lang="en-US" altLang="zh-CN" dirty="0"/>
-              <a:t>1.</a:t>
-            </a:r>
-            <a:r>
-              <a:rPr lang="zh-CN" altLang="en-US" dirty="0"/>
-              <a:t>日志写入数据库</a:t>
-            </a:r>
-            <a:endParaRPr lang="en-US" altLang="zh-CN" dirty="0"/>
-          </a:p>
-          <a:p>
-            <a:r>
-              <a:rPr lang="en-US" altLang="zh-CN" dirty="0"/>
-              <a:t>2.wcf</a:t>
-            </a:r>
-            <a:r>
-              <a:rPr lang="zh-CN" altLang="en-US" dirty="0"/>
-              <a:t>的授权接口</a:t>
-            </a:r>
-            <a:endParaRPr lang="en-US" altLang="zh-CN" dirty="0"/>
-          </a:p>
-          <a:p>
-            <a:r>
-              <a:rPr lang="en-US" altLang="zh-CN" dirty="0"/>
-              <a:t>3.</a:t>
-            </a:r>
-            <a:r>
-              <a:rPr lang="zh-CN" altLang="en-US" dirty="0"/>
-              <a:t>父子资源的</a:t>
-            </a:r>
-            <a:r>
-              <a:rPr lang="en-US" altLang="zh-CN" dirty="0"/>
-              <a:t>demo</a:t>
-            </a:r>
-          </a:p>
-          <a:p>
-            <a:r>
-              <a:rPr lang="en-US" altLang="zh-CN" dirty="0"/>
-              <a:t>4.</a:t>
-            </a:r>
-            <a:r>
-              <a:rPr lang="zh-CN" altLang="en-US"/>
-              <a:t>其他数据库的调用</a:t>
-            </a:r>
-            <a:endParaRPr lang="en-US" altLang="zh-CN" dirty="0"/>
-          </a:p>
-          <a:p>
-            <a:endParaRPr lang="zh-CN" altLang="en-US" dirty="0"/>
-          </a:p>
-        </p:txBody>
-      </p:sp>
-    </p:spTree>
-    <p:extLst>
-      <p:ext uri="{BB962C8B-B14F-4D97-AF65-F5344CB8AC3E}">
-        <p14:creationId xmlns:p14="http://schemas.microsoft.com/office/powerpoint/2010/main" val="4036492521"/>
       </p:ext>
     </p:extLst>
   </p:cSld>
@@ -9762,10 +8654,10 @@
       </p:grpSpPr>
       <p:sp>
         <p:nvSpPr>
-          <p:cNvPr id="2" name="标题 1">
+          <p:cNvPr id="9" name="标题 8">
             <a:extLst>
               <a:ext uri="{FF2B5EF4-FFF2-40B4-BE49-F238E27FC236}">
-                <a16:creationId xmlns:a16="http://schemas.microsoft.com/office/drawing/2014/main" id="{DC744FF7-4785-494D-B146-DB61DFD5B734}"/>
+                <a16:creationId xmlns:a16="http://schemas.microsoft.com/office/drawing/2014/main" id="{BF41E544-83CD-4E89-A093-127C0F1E8F3E}"/>
               </a:ext>
             </a:extLst>
           </p:cNvPr>
@@ -9776,29 +8668,28 @@
             <p:ph type="title"/>
           </p:nvPr>
         </p:nvSpPr>
-        <p:spPr>
-          <a:xfrm>
-            <a:off x="677334" y="609600"/>
-            <a:ext cx="8596668" cy="874944"/>
-          </a:xfrm>
-        </p:spPr>
+        <p:spPr/>
         <p:txBody>
           <a:bodyPr/>
           <a:lstStyle/>
           <a:p>
             <a:r>
+              <a:rPr lang="en-US" altLang="zh-CN" dirty="0"/>
+              <a:t>Service</a:t>
+            </a:r>
+            <a:r>
               <a:rPr lang="zh-CN" altLang="en-US" dirty="0"/>
-              <a:t>问题讨论</a:t>
-            </a:r>
-          </a:p>
-        </p:txBody>
-      </p:sp>
-      <p:sp>
-        <p:nvSpPr>
-          <p:cNvPr id="3" name="内容占位符 2">
+              <a:t>结构</a:t>
+            </a:r>
+          </a:p>
+        </p:txBody>
+      </p:sp>
+      <p:sp>
+        <p:nvSpPr>
+          <p:cNvPr id="11" name="内容占位符 10">
             <a:extLst>
               <a:ext uri="{FF2B5EF4-FFF2-40B4-BE49-F238E27FC236}">
-                <a16:creationId xmlns:a16="http://schemas.microsoft.com/office/drawing/2014/main" id="{05C27364-D610-4A05-92BF-31018F7909DD}"/>
+                <a16:creationId xmlns:a16="http://schemas.microsoft.com/office/drawing/2014/main" id="{24F4045C-A5A2-4C99-9048-B3B83E21066A}"/>
               </a:ext>
             </a:extLst>
           </p:cNvPr>
@@ -9806,28 +8697,23 @@
             <a:spLocks noGrp="1"/>
           </p:cNvSpPr>
           <p:nvPr>
-            <p:ph idx="1"/>
+            <p:ph sz="half" idx="2"/>
           </p:nvPr>
         </p:nvSpPr>
-        <p:spPr>
-          <a:xfrm>
-            <a:off x="677334" y="1484545"/>
-            <a:ext cx="8596668" cy="4889622"/>
-          </a:xfrm>
-        </p:spPr>
+        <p:spPr/>
         <p:txBody>
           <a:bodyPr>
-            <a:normAutofit fontScale="92500" lnSpcReduction="20000"/>
+            <a:normAutofit/>
           </a:bodyPr>
           <a:lstStyle/>
           <a:p>
             <a:r>
               <a:rPr lang="en-US" altLang="zh-CN" dirty="0"/>
-              <a:t>2.wcf</a:t>
+              <a:t>1.</a:t>
             </a:r>
             <a:r>
               <a:rPr lang="zh-CN" altLang="en-US" dirty="0"/>
-              <a:t>适配完成</a:t>
+              <a:t>数据库上下文</a:t>
             </a:r>
             <a:r>
               <a:rPr lang="en-US" altLang="zh-CN" dirty="0"/>
@@ -9835,15 +8721,18 @@
             </a:r>
             <a:r>
               <a:rPr lang="zh-CN" altLang="en-US" dirty="0"/>
-              <a:t>但是还没有写逻辑</a:t>
-            </a:r>
-            <a:r>
-              <a:rPr lang="en-US" altLang="zh-CN" dirty="0"/>
-              <a:t>,</a:t>
+              <a:t>迁移文件</a:t>
+            </a:r>
+            <a:endParaRPr lang="en-US" altLang="zh-CN" dirty="0"/>
+          </a:p>
+          <a:p>
+            <a:r>
+              <a:rPr lang="en-US" altLang="zh-CN" dirty="0"/>
+              <a:t>2.</a:t>
             </a:r>
             <a:r>
               <a:rPr lang="zh-CN" altLang="en-US" dirty="0"/>
-              <a:t>接口</a:t>
+              <a:t>数据库实体</a:t>
             </a:r>
             <a:endParaRPr lang="en-US" altLang="zh-CN" dirty="0"/>
           </a:p>
@@ -9854,7 +8743,7 @@
             </a:r>
             <a:r>
               <a:rPr lang="zh-CN" altLang="en-US" dirty="0"/>
-              <a:t>权限验证是否写在管道中</a:t>
+              <a:t>仓库</a:t>
             </a:r>
             <a:r>
               <a:rPr lang="en-US" altLang="zh-CN" dirty="0"/>
@@ -9862,7 +8751,7 @@
             </a:r>
             <a:r>
               <a:rPr lang="zh-CN" altLang="en-US" dirty="0"/>
-              <a:t>拆分逻辑就写在切面</a:t>
+              <a:t>数据库增删改查</a:t>
             </a:r>
             <a:r>
               <a:rPr lang="en-US" altLang="zh-CN" dirty="0"/>
@@ -9872,273 +8761,122 @@
           <a:p>
             <a:r>
               <a:rPr lang="en-US" altLang="zh-CN" dirty="0"/>
-              <a:t>4.</a:t>
+              <a:t>4.dto(Data Transfer Object)</a:t>
+            </a:r>
+          </a:p>
+          <a:p>
+            <a:r>
+              <a:rPr lang="en-US" altLang="zh-CN" dirty="0"/>
+              <a:t>5.api</a:t>
             </a:r>
             <a:r>
               <a:rPr lang="zh-CN" altLang="en-US" dirty="0"/>
-              <a:t>内容协商部分</a:t>
-            </a:r>
-            <a:r>
-              <a:rPr lang="en-US" altLang="zh-CN" dirty="0"/>
-              <a:t>:</a:t>
+              <a:t>入口</a:t>
+            </a:r>
+            <a:r>
+              <a:rPr lang="en-US" altLang="zh-CN" dirty="0"/>
+              <a:t>,controller</a:t>
             </a:r>
             <a:r>
               <a:rPr lang="zh-CN" altLang="en-US" dirty="0"/>
-              <a:t>实体验证</a:t>
-            </a:r>
-            <a:r>
-              <a:rPr lang="en-US" altLang="zh-CN" dirty="0"/>
-              <a:t> </a:t>
+              <a:t>中业务处理</a:t>
+            </a:r>
+            <a:endParaRPr lang="en-US" altLang="zh-CN" dirty="0"/>
+          </a:p>
+          <a:p>
+            <a:r>
+              <a:rPr lang="en-US" altLang="zh-CN" dirty="0"/>
+              <a:t>6.</a:t>
             </a:r>
             <a:r>
               <a:rPr lang="zh-CN" altLang="en-US" dirty="0"/>
-              <a:t>返回</a:t>
-            </a:r>
-            <a:r>
-              <a:rPr lang="en-US" altLang="zh-CN" dirty="0"/>
-              <a:t>422</a:t>
+              <a:t>帮助类</a:t>
+            </a:r>
+            <a:endParaRPr lang="en-US" altLang="zh-CN" dirty="0"/>
+          </a:p>
+          <a:p>
+            <a:r>
+              <a:rPr lang="en-US" altLang="zh-CN" dirty="0"/>
+              <a:t>7.api</a:t>
             </a:r>
             <a:r>
               <a:rPr lang="zh-CN" altLang="en-US" dirty="0"/>
-              <a:t>  验证模型</a:t>
-            </a:r>
-            <a:r>
-              <a:rPr lang="en-US" altLang="zh-CN" dirty="0"/>
-              <a:t>??</a:t>
+              <a:t>中间件</a:t>
+            </a:r>
+            <a:r>
+              <a:rPr lang="en-US" altLang="zh-CN" dirty="0"/>
+              <a:t>(</a:t>
+            </a:r>
+            <a:r>
+              <a:rPr lang="en-US" altLang="zh-CN" dirty="0" err="1"/>
+              <a:t>aop,swagger,nlog</a:t>
             </a:r>
             <a:r>
               <a:rPr lang="zh-CN" altLang="en-US" dirty="0"/>
-              <a:t>  后台必做验证</a:t>
-            </a:r>
-            <a:endParaRPr lang="en-US" altLang="zh-CN" dirty="0"/>
-          </a:p>
-          <a:p>
-            <a:r>
-              <a:rPr lang="en-US" altLang="zh-CN" dirty="0"/>
-              <a:t>5.</a:t>
+              <a:t>等相应配置</a:t>
+            </a:r>
+            <a:r>
+              <a:rPr lang="en-US" altLang="zh-CN" dirty="0"/>
+              <a:t>)</a:t>
+            </a:r>
+          </a:p>
+          <a:p>
+            <a:r>
+              <a:rPr lang="en-US" altLang="zh-CN" dirty="0"/>
+              <a:t>8.</a:t>
             </a:r>
             <a:r>
               <a:rPr lang="zh-CN" altLang="en-US" dirty="0"/>
-              <a:t>缓存</a:t>
-            </a:r>
-            <a:r>
-              <a:rPr lang="en-US" altLang="zh-CN" dirty="0"/>
-              <a:t>?</a:t>
+              <a:t>项目配置</a:t>
+            </a:r>
+            <a:r>
+              <a:rPr lang="en-US" altLang="zh-CN" dirty="0"/>
+              <a:t>(</a:t>
+            </a:r>
+            <a:r>
+              <a:rPr lang="en-US" altLang="zh-CN" dirty="0" err="1"/>
+              <a:t>congfig.model</a:t>
             </a:r>
             <a:r>
               <a:rPr lang="zh-CN" altLang="en-US" dirty="0"/>
-              <a:t>控制并发的部分</a:t>
-            </a:r>
-            <a:endParaRPr lang="en-US" altLang="zh-CN" dirty="0"/>
-          </a:p>
-          <a:p>
-            <a:endParaRPr lang="en-US" altLang="zh-CN" dirty="0"/>
-          </a:p>
-          <a:p>
-            <a:endParaRPr lang="en-US" altLang="zh-CN" dirty="0"/>
-          </a:p>
-          <a:p>
-            <a:r>
-              <a:rPr lang="en-US" altLang="zh-CN" dirty="0"/>
-              <a:t>6.git</a:t>
+              <a:t>强类型</a:t>
+            </a:r>
+            <a:r>
+              <a:rPr lang="en-US" altLang="zh-CN" dirty="0"/>
+              <a:t>)</a:t>
+            </a:r>
+          </a:p>
+          <a:p>
+            <a:r>
+              <a:rPr lang="en-US" altLang="zh-CN" dirty="0"/>
+              <a:t>9.</a:t>
             </a:r>
             <a:r>
               <a:rPr lang="zh-CN" altLang="en-US" dirty="0"/>
-              <a:t>适合代码管理</a:t>
-            </a:r>
-            <a:r>
-              <a:rPr lang="en-US" altLang="zh-CN" dirty="0"/>
-              <a:t>,</a:t>
-            </a:r>
-            <a:r>
-              <a:rPr lang="en-US" altLang="zh-CN" dirty="0" err="1"/>
-              <a:t>svn</a:t>
+              <a:t>公共资源</a:t>
+            </a:r>
+            <a:r>
+              <a:rPr lang="en-US" altLang="zh-CN" dirty="0"/>
+              <a:t>(</a:t>
             </a:r>
             <a:r>
               <a:rPr lang="zh-CN" altLang="en-US" dirty="0"/>
-              <a:t>适合项目管理</a:t>
-            </a:r>
-            <a:r>
-              <a:rPr lang="en-US" altLang="zh-CN" dirty="0"/>
-              <a:t>,</a:t>
-            </a:r>
-            <a:r>
-              <a:rPr lang="en-US" altLang="zh-CN" dirty="0" err="1"/>
-              <a:t>tfs</a:t>
-            </a:r>
-            <a:r>
-              <a:rPr lang="zh-CN" altLang="en-US" dirty="0"/>
-              <a:t>都兼顾</a:t>
-            </a:r>
-            <a:r>
-              <a:rPr lang="en-US" altLang="zh-CN" dirty="0"/>
-              <a:t>(</a:t>
-            </a:r>
-            <a:r>
-              <a:rPr lang="zh-CN" altLang="en-US" dirty="0"/>
-              <a:t>没人用了</a:t>
-            </a:r>
-            <a:r>
-              <a:rPr lang="en-US" altLang="zh-CN" dirty="0"/>
-              <a:t>,</a:t>
-            </a:r>
-            <a:r>
-              <a:rPr lang="zh-CN" altLang="en-US" dirty="0"/>
-              <a:t>只有少数</a:t>
-            </a:r>
-            <a:r>
-              <a:rPr lang="en-US" altLang="zh-CN" dirty="0" err="1"/>
-              <a:t>.net</a:t>
-            </a:r>
-            <a:r>
-              <a:rPr lang="zh-CN" altLang="en-US" dirty="0"/>
-              <a:t>用</a:t>
+              <a:t>枚举等</a:t>
             </a:r>
             <a:r>
               <a:rPr lang="en-US" altLang="zh-CN" dirty="0"/>
               <a:t>)</a:t>
             </a:r>
-          </a:p>
-          <a:p>
-            <a:r>
-              <a:rPr lang="en-US" altLang="zh-CN" dirty="0"/>
-              <a:t>7.CI/CD?</a:t>
-            </a:r>
-            <a:r>
-              <a:rPr lang="zh-CN" altLang="en-US" dirty="0"/>
-              <a:t>持续交付</a:t>
-            </a:r>
-            <a:r>
-              <a:rPr lang="en-US" altLang="zh-CN" dirty="0"/>
-              <a:t>????</a:t>
-            </a:r>
-          </a:p>
-          <a:p>
-            <a:r>
-              <a:rPr lang="en-US" altLang="zh-CN" dirty="0"/>
-              <a:t>8.</a:t>
-            </a:r>
-            <a:r>
-              <a:rPr lang="zh-CN" altLang="en-US" dirty="0"/>
-              <a:t>现在项目的授权安全性比较低</a:t>
-            </a:r>
-            <a:r>
-              <a:rPr lang="en-US" altLang="zh-CN" dirty="0"/>
-              <a:t>,</a:t>
-            </a:r>
-            <a:r>
-              <a:rPr lang="zh-CN" altLang="en-US" dirty="0"/>
-              <a:t>可以被模仿和伪装</a:t>
-            </a:r>
-            <a:endParaRPr lang="en-US" altLang="zh-CN" dirty="0"/>
-          </a:p>
-          <a:p>
-            <a:r>
-              <a:rPr lang="en-US" altLang="zh-CN" dirty="0"/>
-              <a:t>JWT </a:t>
-            </a:r>
-            <a:r>
-              <a:rPr lang="zh-CN" altLang="en-US" dirty="0"/>
-              <a:t>需要简单的对后台进行保护用到的</a:t>
-            </a:r>
-            <a:r>
-              <a:rPr lang="en-US" altLang="zh-CN" dirty="0"/>
-              <a:t>(</a:t>
-            </a:r>
-            <a:r>
-              <a:rPr lang="zh-CN" altLang="en-US" dirty="0"/>
-              <a:t>相对简单</a:t>
-            </a:r>
-            <a:r>
-              <a:rPr lang="en-US" altLang="zh-CN" dirty="0"/>
-              <a:t>)</a:t>
-            </a:r>
-          </a:p>
-          <a:p>
-            <a:r>
-              <a:rPr lang="en-US" altLang="zh-CN" dirty="0"/>
-              <a:t>identity server 4 (oAuth2.0</a:t>
-            </a:r>
-            <a:r>
-              <a:rPr lang="zh-CN" altLang="en-US" dirty="0"/>
-              <a:t>规范</a:t>
-            </a:r>
-            <a:r>
-              <a:rPr lang="en-US" altLang="zh-CN" dirty="0"/>
-              <a:t>)</a:t>
-            </a:r>
-            <a:r>
-              <a:rPr lang="zh-CN" altLang="en-US" dirty="0"/>
-              <a:t>现在比较成熟的授权服务框架</a:t>
-            </a:r>
-            <a:r>
-              <a:rPr lang="en-US" altLang="zh-CN" dirty="0"/>
-              <a:t>(</a:t>
-            </a:r>
-            <a:r>
-              <a:rPr lang="zh-CN" altLang="en-US" dirty="0"/>
-              <a:t>相对复杂</a:t>
-            </a:r>
-            <a:r>
-              <a:rPr lang="en-US" altLang="zh-CN" dirty="0"/>
-              <a:t>)</a:t>
-            </a:r>
-          </a:p>
-          <a:p>
-            <a:pPr marL="0" indent="0">
-              <a:buNone/>
-            </a:pPr>
-            <a:r>
-              <a:rPr lang="zh-CN" altLang="en-US" dirty="0"/>
-              <a:t>     应用场景比如第三方登录</a:t>
-            </a:r>
-            <a:endParaRPr lang="en-US" altLang="zh-CN" dirty="0"/>
-          </a:p>
-          <a:p>
-            <a:r>
-              <a:rPr lang="en-US" altLang="zh-CN" dirty="0"/>
-              <a:t>9.restapi</a:t>
-            </a:r>
-          </a:p>
-          <a:p>
-            <a:r>
-              <a:rPr lang="en-US" altLang="zh-CN" dirty="0"/>
-              <a:t>10.</a:t>
-            </a:r>
-            <a:r>
-              <a:rPr lang="zh-CN" altLang="en-US" dirty="0"/>
-              <a:t>本地数据库</a:t>
-            </a:r>
-            <a:r>
-              <a:rPr lang="en-US" altLang="zh-CN" dirty="0"/>
-              <a:t>(</a:t>
-            </a:r>
-            <a:r>
-              <a:rPr lang="zh-CN" altLang="en-US" dirty="0"/>
-              <a:t>数据库迁移</a:t>
-            </a:r>
-            <a:r>
-              <a:rPr lang="en-US" altLang="zh-CN" dirty="0"/>
-              <a:t>)</a:t>
-            </a:r>
-          </a:p>
-          <a:p>
-            <a:pPr marL="0" indent="0">
-              <a:buNone/>
-            </a:pPr>
-            <a:endParaRPr lang="en-US" altLang="zh-CN" dirty="0"/>
-          </a:p>
-          <a:p>
-            <a:endParaRPr lang="en-US" altLang="zh-CN" dirty="0"/>
+            <a:endParaRPr lang="zh-CN" altLang="en-US" dirty="0"/>
           </a:p>
         </p:txBody>
       </p:sp>
       <p:pic>
         <p:nvPicPr>
-          <p:cNvPr id="7" name="图片 6">
+          <p:cNvPr id="5" name="图片 4">
             <a:extLst>
               <a:ext uri="{FF2B5EF4-FFF2-40B4-BE49-F238E27FC236}">
-                <a16:creationId xmlns:a16="http://schemas.microsoft.com/office/drawing/2014/main" id="{C9360449-791F-4F56-8B62-19900B61A9A0}"/>
+                <a16:creationId xmlns:a16="http://schemas.microsoft.com/office/drawing/2014/main" id="{2D433AA1-DCAE-4903-9B39-885FCA32C8E2}"/>
               </a:ext>
             </a:extLst>
           </p:cNvPr>
@@ -10148,21 +8886,15 @@
           <p:nvPr/>
         </p:nvPicPr>
         <p:blipFill>
-          <a:blip r:embed="rId2">
-            <a:extLst>
-              <a:ext uri="{28A0092B-C50C-407E-A947-70E740481C1C}">
-                <a14:useLocalDpi xmlns:a14="http://schemas.microsoft.com/office/drawing/2010/main" val="0"/>
-              </a:ext>
-            </a:extLst>
-          </a:blip>
+          <a:blip r:embed="rId2"/>
           <a:stretch>
             <a:fillRect/>
           </a:stretch>
         </p:blipFill>
         <p:spPr>
           <a:xfrm>
-            <a:off x="7095027" y="1484544"/>
-            <a:ext cx="896645" cy="874944"/>
+            <a:off x="1403520" y="2040792"/>
+            <a:ext cx="3426387" cy="3880773"/>
           </a:xfrm>
           <a:prstGeom prst="rect">
             <a:avLst/>
@@ -10172,148 +8904,7 @@
     </p:spTree>
     <p:extLst>
       <p:ext uri="{BB962C8B-B14F-4D97-AF65-F5344CB8AC3E}">
-        <p14:creationId xmlns:p14="http://schemas.microsoft.com/office/powerpoint/2010/main" val="3893386399"/>
-      </p:ext>
-    </p:extLst>
-  </p:cSld>
-  <p:clrMapOvr>
-    <a:masterClrMapping/>
-  </p:clrMapOvr>
-</p:sld>
-</file>
-
-<file path=ppt/slides/slide20.xml><?xml version="1.0" encoding="utf-8"?>
-<p:sld xmlns:a="http://schemas.openxmlformats.org/drawingml/2006/main" xmlns:r="http://schemas.openxmlformats.org/officeDocument/2006/relationships" xmlns:p="http://schemas.openxmlformats.org/presentationml/2006/main">
-  <p:cSld>
-    <p:spTree>
-      <p:nvGrpSpPr>
-        <p:cNvPr id="1" name=""/>
-        <p:cNvGrpSpPr/>
-        <p:nvPr/>
-      </p:nvGrpSpPr>
-      <p:grpSpPr>
-        <a:xfrm>
-          <a:off x="0" y="0"/>
-          <a:ext cx="0" cy="0"/>
-          <a:chOff x="0" y="0"/>
-          <a:chExt cx="0" cy="0"/>
-        </a:xfrm>
-      </p:grpSpPr>
-      <p:sp>
-        <p:nvSpPr>
-          <p:cNvPr id="2" name="标题 1">
-            <a:extLst>
-              <a:ext uri="{FF2B5EF4-FFF2-40B4-BE49-F238E27FC236}">
-                <a16:creationId xmlns:a16="http://schemas.microsoft.com/office/drawing/2014/main" id="{FF08582A-F135-4327-82A0-AB47B5368857}"/>
-              </a:ext>
-            </a:extLst>
-          </p:cNvPr>
-          <p:cNvSpPr>
-            <a:spLocks noGrp="1"/>
-          </p:cNvSpPr>
-          <p:nvPr>
-            <p:ph type="title"/>
-          </p:nvPr>
-        </p:nvSpPr>
-        <p:spPr/>
-        <p:txBody>
-          <a:bodyPr/>
-          <a:lstStyle/>
-          <a:p>
-            <a:r>
-              <a:rPr lang="zh-CN" altLang="en-US" dirty="0"/>
-              <a:t>计划</a:t>
-            </a:r>
-            <a:r>
-              <a:rPr lang="en-US" altLang="zh-CN"/>
-              <a:t>7.20</a:t>
-            </a:r>
-            <a:endParaRPr lang="zh-CN" altLang="en-US" dirty="0"/>
-          </a:p>
-        </p:txBody>
-      </p:sp>
-      <p:sp>
-        <p:nvSpPr>
-          <p:cNvPr id="3" name="内容占位符 2">
-            <a:extLst>
-              <a:ext uri="{FF2B5EF4-FFF2-40B4-BE49-F238E27FC236}">
-                <a16:creationId xmlns:a16="http://schemas.microsoft.com/office/drawing/2014/main" id="{0BD4574D-2275-4EA9-9A33-8546D4321F34}"/>
-              </a:ext>
-            </a:extLst>
-          </p:cNvPr>
-          <p:cNvSpPr>
-            <a:spLocks noGrp="1"/>
-          </p:cNvSpPr>
-          <p:nvPr>
-            <p:ph idx="1"/>
-          </p:nvPr>
-        </p:nvSpPr>
-        <p:spPr/>
-        <p:txBody>
-          <a:bodyPr/>
-          <a:lstStyle/>
-          <a:p>
-            <a:r>
-              <a:rPr lang="en-US" altLang="zh-CN" dirty="0"/>
-              <a:t>1.</a:t>
-            </a:r>
-            <a:r>
-              <a:rPr lang="zh-CN" altLang="en-US" dirty="0"/>
-              <a:t>全局保存用户 </a:t>
-            </a:r>
-            <a:r>
-              <a:rPr lang="en-US" altLang="zh-CN" dirty="0"/>
-              <a:t>session</a:t>
-            </a:r>
-          </a:p>
-          <a:p>
-            <a:r>
-              <a:rPr lang="en-US" altLang="zh-CN" dirty="0"/>
-              <a:t>2.entity</a:t>
-            </a:r>
-            <a:r>
-              <a:rPr lang="zh-CN" altLang="en-US" dirty="0"/>
-              <a:t>统一的 用户 时间 </a:t>
-            </a:r>
-            <a:r>
-              <a:rPr lang="en-US" altLang="zh-CN" dirty="0"/>
-              <a:t>creator </a:t>
-            </a:r>
-            <a:r>
-              <a:rPr lang="en-US" altLang="zh-CN" dirty="0" err="1"/>
-              <a:t>createtime</a:t>
-            </a:r>
-            <a:r>
-              <a:rPr lang="en-US" altLang="zh-CN" dirty="0"/>
-              <a:t> </a:t>
-            </a:r>
-            <a:r>
-              <a:rPr lang="en-US" altLang="zh-CN" dirty="0" err="1"/>
-              <a:t>updator</a:t>
-            </a:r>
-            <a:r>
-              <a:rPr lang="en-US" altLang="zh-CN" dirty="0"/>
-              <a:t> </a:t>
-            </a:r>
-            <a:r>
-              <a:rPr lang="en-US" altLang="zh-CN" dirty="0" err="1"/>
-              <a:t>updatetime</a:t>
-            </a:r>
-            <a:endParaRPr lang="en-US" altLang="zh-CN" dirty="0"/>
-          </a:p>
-          <a:p>
-            <a:r>
-              <a:rPr lang="en-US" altLang="zh-CN" dirty="0"/>
-              <a:t>3. </a:t>
-            </a:r>
-            <a:endParaRPr lang="zh-CN" altLang="en-US" dirty="0"/>
-          </a:p>
-        </p:txBody>
-      </p:sp>
-    </p:spTree>
-    <p:extLst>
-      <p:ext uri="{BB962C8B-B14F-4D97-AF65-F5344CB8AC3E}">
-        <p14:creationId xmlns:p14="http://schemas.microsoft.com/office/powerpoint/2010/main" val="2841148695"/>
+        <p14:creationId xmlns:p14="http://schemas.microsoft.com/office/powerpoint/2010/main" val="4117031782"/>
       </p:ext>
     </p:extLst>
   </p:cSld>
@@ -14622,7 +13213,7 @@
           <p:cNvPr id="9" name="标题 8">
             <a:extLst>
               <a:ext uri="{FF2B5EF4-FFF2-40B4-BE49-F238E27FC236}">
-                <a16:creationId xmlns:a16="http://schemas.microsoft.com/office/drawing/2014/main" id="{BF41E544-83CD-4E89-A093-127C0F1E8F3E}"/>
+                <a16:creationId xmlns:a16="http://schemas.microsoft.com/office/drawing/2014/main" id="{8DCCBC20-8733-4FA3-B9A4-7EBD9ED4D861}"/>
               </a:ext>
             </a:extLst>
           </p:cNvPr>
@@ -14639,22 +13230,18 @@
           <a:lstStyle/>
           <a:p>
             <a:r>
-              <a:rPr lang="en-US" altLang="zh-CN" dirty="0"/>
-              <a:t>Service</a:t>
-            </a:r>
-            <a:r>
               <a:rPr lang="zh-CN" altLang="en-US" dirty="0"/>
-              <a:t>结构</a:t>
-            </a:r>
-          </a:p>
-        </p:txBody>
-      </p:sp>
-      <p:sp>
-        <p:nvSpPr>
-          <p:cNvPr id="11" name="内容占位符 10">
+              <a:t>后端架构设计</a:t>
+            </a:r>
+          </a:p>
+        </p:txBody>
+      </p:sp>
+      <p:sp>
+        <p:nvSpPr>
+          <p:cNvPr id="11" name="文本占位符 10">
             <a:extLst>
               <a:ext uri="{FF2B5EF4-FFF2-40B4-BE49-F238E27FC236}">
-                <a16:creationId xmlns:a16="http://schemas.microsoft.com/office/drawing/2014/main" id="{24F4045C-A5A2-4C99-9048-B3B83E21066A}"/>
+                <a16:creationId xmlns:a16="http://schemas.microsoft.com/office/drawing/2014/main" id="{6CF7EE0F-5A4D-46AF-BA4E-63E47A7134E2}"/>
               </a:ext>
             </a:extLst>
           </p:cNvPr>
@@ -14662,7 +13249,7 @@
             <a:spLocks noGrp="1"/>
           </p:cNvSpPr>
           <p:nvPr>
-            <p:ph sz="half" idx="2"/>
+            <p:ph type="body" sz="half" idx="2"/>
           </p:nvPr>
         </p:nvSpPr>
         <p:spPr/>
@@ -14671,189 +13258,298 @@
           <a:lstStyle/>
           <a:p>
             <a:r>
-              <a:rPr lang="en-US" altLang="zh-CN" dirty="0"/>
-              <a:t>1.</a:t>
-            </a:r>
-            <a:r>
               <a:rPr lang="zh-CN" altLang="en-US" dirty="0"/>
-              <a:t>数据库映射</a:t>
-            </a:r>
-            <a:endParaRPr lang="en-US" altLang="zh-CN" dirty="0"/>
-          </a:p>
-          <a:p>
-            <a:r>
-              <a:rPr lang="en-US" altLang="zh-CN" dirty="0"/>
-              <a:t>2.</a:t>
-            </a:r>
-            <a:r>
-              <a:rPr lang="zh-CN" altLang="en-US" dirty="0"/>
-              <a:t>仓库</a:t>
-            </a:r>
-            <a:r>
-              <a:rPr lang="en-US" altLang="zh-CN" dirty="0"/>
-              <a:t>(</a:t>
-            </a:r>
-            <a:r>
-              <a:rPr lang="zh-CN" altLang="en-US" dirty="0"/>
-              <a:t>数据库增删改查</a:t>
-            </a:r>
-            <a:r>
-              <a:rPr lang="en-US" altLang="zh-CN" dirty="0"/>
-              <a:t>)</a:t>
-            </a:r>
-          </a:p>
-          <a:p>
-            <a:r>
-              <a:rPr lang="en-US" altLang="zh-CN" dirty="0"/>
-              <a:t>3.</a:t>
-            </a:r>
-            <a:r>
-              <a:rPr lang="zh-CN" altLang="en-US" dirty="0"/>
-              <a:t>业务处理</a:t>
-            </a:r>
-            <a:endParaRPr lang="en-US" altLang="zh-CN" dirty="0"/>
-          </a:p>
-          <a:p>
-            <a:r>
-              <a:rPr lang="en-US" altLang="zh-CN" dirty="0"/>
-              <a:t>4.dto(Data Transfer Object)</a:t>
-            </a:r>
-          </a:p>
-          <a:p>
-            <a:r>
-              <a:rPr lang="en-US" altLang="zh-CN" dirty="0"/>
-              <a:t>5.api</a:t>
-            </a:r>
-            <a:r>
-              <a:rPr lang="zh-CN" altLang="en-US" dirty="0"/>
-              <a:t>入口</a:t>
-            </a:r>
-            <a:endParaRPr lang="en-US" altLang="zh-CN" dirty="0"/>
-          </a:p>
-          <a:p>
-            <a:r>
-              <a:rPr lang="en-US" altLang="zh-CN" dirty="0"/>
-              <a:t>6.</a:t>
-            </a:r>
-            <a:r>
-              <a:rPr lang="zh-CN" altLang="en-US" dirty="0"/>
-              <a:t>静态工具</a:t>
-            </a:r>
-            <a:endParaRPr lang="en-US" altLang="zh-CN" dirty="0"/>
-          </a:p>
-          <a:p>
-            <a:r>
-              <a:rPr lang="en-US" altLang="zh-CN" dirty="0"/>
-              <a:t>7.api</a:t>
-            </a:r>
-            <a:r>
-              <a:rPr lang="zh-CN" altLang="en-US" dirty="0"/>
-              <a:t>中间件</a:t>
-            </a:r>
-            <a:r>
-              <a:rPr lang="en-US" altLang="zh-CN" dirty="0"/>
-              <a:t>(</a:t>
-            </a:r>
-            <a:r>
-              <a:rPr lang="en-US" altLang="zh-CN" dirty="0" err="1"/>
-              <a:t>aop</a:t>
-            </a:r>
-            <a:r>
-              <a:rPr lang="zh-CN" altLang="en-US" dirty="0"/>
-              <a:t>等相应配置</a:t>
-            </a:r>
-            <a:r>
-              <a:rPr lang="en-US" altLang="zh-CN" dirty="0"/>
-              <a:t>)</a:t>
-            </a:r>
-          </a:p>
-          <a:p>
-            <a:r>
-              <a:rPr lang="en-US" altLang="zh-CN" dirty="0"/>
-              <a:t>8.</a:t>
-            </a:r>
-            <a:r>
-              <a:rPr lang="zh-CN" altLang="en-US" dirty="0"/>
-              <a:t>项目配置</a:t>
-            </a:r>
-            <a:r>
-              <a:rPr lang="en-US" altLang="zh-CN" dirty="0"/>
-              <a:t>(</a:t>
-            </a:r>
-            <a:r>
-              <a:rPr lang="en-US" altLang="zh-CN" dirty="0" err="1"/>
-              <a:t>congfig.model</a:t>
-            </a:r>
-            <a:r>
-              <a:rPr lang="zh-CN" altLang="en-US" dirty="0"/>
-              <a:t>强类型</a:t>
-            </a:r>
-            <a:r>
-              <a:rPr lang="en-US" altLang="zh-CN" dirty="0"/>
-              <a:t>)</a:t>
-            </a:r>
-          </a:p>
-          <a:p>
-            <a:r>
-              <a:rPr lang="en-US" altLang="zh-CN" dirty="0"/>
-              <a:t>9.</a:t>
-            </a:r>
-            <a:r>
-              <a:rPr lang="zh-CN" altLang="en-US" dirty="0"/>
-              <a:t>公共资源</a:t>
-            </a:r>
-            <a:r>
-              <a:rPr lang="en-US" altLang="zh-CN" dirty="0"/>
-              <a:t>(</a:t>
-            </a:r>
-            <a:r>
-              <a:rPr lang="zh-CN" altLang="en-US" dirty="0"/>
-              <a:t>枚举等</a:t>
-            </a:r>
-            <a:r>
-              <a:rPr lang="en-US" altLang="zh-CN" dirty="0"/>
-              <a:t>)</a:t>
-            </a:r>
-            <a:endParaRPr lang="zh-CN" altLang="en-US" dirty="0"/>
-          </a:p>
-        </p:txBody>
-      </p:sp>
-      <p:pic>
-        <p:nvPicPr>
-          <p:cNvPr id="12" name="内容占位符 6">
+              <a:t>后端代码的扩展</a:t>
+            </a:r>
+          </a:p>
+        </p:txBody>
+      </p:sp>
+      <p:sp>
+        <p:nvSpPr>
+          <p:cNvPr id="33" name="内容占位符 32">
             <a:extLst>
               <a:ext uri="{FF2B5EF4-FFF2-40B4-BE49-F238E27FC236}">
-                <a16:creationId xmlns:a16="http://schemas.microsoft.com/office/drawing/2014/main" id="{4C51ED67-44D7-4E17-8E43-9580E3C66298}"/>
+                <a16:creationId xmlns:a16="http://schemas.microsoft.com/office/drawing/2014/main" id="{CD178733-F98A-43E7-82C2-D97F0E264676}"/>
               </a:ext>
             </a:extLst>
           </p:cNvPr>
-          <p:cNvPicPr>
-            <a:picLocks noGrp="1" noChangeAspect="1"/>
-          </p:cNvPicPr>
+          <p:cNvSpPr>
+            <a:spLocks noGrp="1"/>
+          </p:cNvSpPr>
           <p:nvPr>
-            <p:ph sz="half" idx="1"/>
+            <p:ph idx="1"/>
           </p:nvPr>
-        </p:nvPicPr>
-        <p:blipFill>
-          <a:blip r:embed="rId2"/>
-          <a:stretch>
-            <a:fillRect/>
-          </a:stretch>
-        </p:blipFill>
-        <p:spPr>
-          <a:xfrm>
-            <a:off x="1519862" y="2085974"/>
-            <a:ext cx="3158670" cy="3880773"/>
-          </a:xfrm>
-          <a:prstGeom prst="rect">
-            <a:avLst/>
-          </a:prstGeom>
-        </p:spPr>
-      </p:pic>
+        </p:nvSpPr>
+        <p:spPr/>
+        <p:txBody>
+          <a:bodyPr>
+            <a:normAutofit/>
+          </a:bodyPr>
+          <a:lstStyle/>
+          <a:p>
+            <a:r>
+              <a:rPr lang="en-US" altLang="zh-CN" dirty="0"/>
+              <a:t>1.EntityFramework.Core</a:t>
+            </a:r>
+          </a:p>
+          <a:p>
+            <a:r>
+              <a:rPr lang="en-US" altLang="zh-CN" dirty="0"/>
+              <a:t>2.</a:t>
+            </a:r>
+            <a:r>
+              <a:rPr lang="zh-CN" altLang="en-US" dirty="0"/>
+              <a:t>日志</a:t>
+            </a:r>
+            <a:r>
+              <a:rPr lang="en-US" altLang="zh-CN" dirty="0"/>
+              <a:t>(log4net)</a:t>
+            </a:r>
+          </a:p>
+          <a:p>
+            <a:r>
+              <a:rPr lang="en-US" altLang="zh-CN" dirty="0"/>
+              <a:t>3.</a:t>
+            </a:r>
+            <a:r>
+              <a:rPr lang="zh-CN" altLang="en-US" dirty="0"/>
+              <a:t>缓存</a:t>
+            </a:r>
+            <a:endParaRPr lang="en-US" altLang="zh-CN" dirty="0"/>
+          </a:p>
+          <a:p>
+            <a:r>
+              <a:rPr lang="en-US" altLang="zh-CN" dirty="0"/>
+              <a:t>4.swagger</a:t>
+            </a:r>
+          </a:p>
+          <a:p>
+            <a:r>
+              <a:rPr lang="en-US" altLang="zh-CN" dirty="0"/>
+              <a:t>5.</a:t>
+            </a:r>
+            <a:r>
+              <a:rPr lang="en-US" altLang="zh-CN" dirty="0">
+                <a:solidFill>
+                  <a:srgbClr val="00B0F0"/>
+                </a:solidFill>
+              </a:rPr>
+              <a:t> #</a:t>
+            </a:r>
+            <a:r>
+              <a:rPr lang="en-US" altLang="zh-CN" dirty="0" err="1"/>
+              <a:t>aop</a:t>
+            </a:r>
+            <a:r>
+              <a:rPr lang="en-US" altLang="zh-CN" dirty="0"/>
+              <a:t> (</a:t>
+            </a:r>
+            <a:r>
+              <a:rPr lang="zh-CN" altLang="en-US" dirty="0"/>
+              <a:t>异常处理</a:t>
+            </a:r>
+            <a:r>
+              <a:rPr lang="en-US" altLang="zh-CN" dirty="0"/>
+              <a:t>,</a:t>
+            </a:r>
+            <a:r>
+              <a:rPr lang="zh-CN" altLang="en-US" dirty="0"/>
+              <a:t>缓存</a:t>
+            </a:r>
+            <a:r>
+              <a:rPr lang="en-US" altLang="zh-CN" dirty="0"/>
+              <a:t>,</a:t>
+            </a:r>
+            <a:r>
+              <a:rPr lang="zh-CN" altLang="en-US" dirty="0"/>
+              <a:t>用户验证</a:t>
+            </a:r>
+            <a:r>
+              <a:rPr lang="en-US" altLang="zh-CN" dirty="0"/>
+              <a:t>,</a:t>
+            </a:r>
+            <a:r>
+              <a:rPr lang="zh-CN" altLang="en-US" dirty="0"/>
+              <a:t>并发控制</a:t>
+            </a:r>
+            <a:r>
+              <a:rPr lang="en-US" altLang="zh-CN" dirty="0"/>
+              <a:t>,</a:t>
+            </a:r>
+            <a:r>
+              <a:rPr lang="zh-CN" altLang="en-US" dirty="0"/>
+              <a:t>日志</a:t>
+            </a:r>
+            <a:r>
+              <a:rPr lang="en-US" altLang="zh-CN" dirty="0"/>
+              <a:t>)</a:t>
+            </a:r>
+          </a:p>
+          <a:p>
+            <a:r>
+              <a:rPr lang="en-US" altLang="zh-CN" dirty="0"/>
+              <a:t>6.ioc</a:t>
+            </a:r>
+            <a:r>
+              <a:rPr lang="zh-CN" altLang="en-US" dirty="0"/>
+              <a:t>框架</a:t>
+            </a:r>
+            <a:r>
+              <a:rPr lang="en-US" altLang="zh-CN" dirty="0"/>
+              <a:t>(</a:t>
+            </a:r>
+            <a:r>
+              <a:rPr lang="en-US" altLang="zh-CN" dirty="0" err="1"/>
+              <a:t>autofac</a:t>
+            </a:r>
+            <a:r>
+              <a:rPr lang="en-US" altLang="zh-CN" dirty="0"/>
+              <a:t>)</a:t>
+            </a:r>
+          </a:p>
+          <a:p>
+            <a:r>
+              <a:rPr lang="en-US" altLang="zh-CN" dirty="0"/>
+              <a:t>7.</a:t>
+            </a:r>
+            <a:r>
+              <a:rPr lang="en-US" altLang="zh-CN" dirty="0">
+                <a:solidFill>
+                  <a:srgbClr val="00B0F0"/>
+                </a:solidFill>
+              </a:rPr>
+              <a:t>#</a:t>
+            </a:r>
+            <a:r>
+              <a:rPr lang="zh-CN" altLang="en-US" dirty="0"/>
+              <a:t>数据塑性</a:t>
+            </a:r>
+            <a:endParaRPr lang="en-US" altLang="zh-CN" dirty="0"/>
+          </a:p>
+          <a:p>
+            <a:r>
+              <a:rPr lang="en-US" altLang="zh-CN" dirty="0"/>
+              <a:t>8.xUnit</a:t>
+            </a:r>
+          </a:p>
+          <a:p>
+            <a:r>
+              <a:rPr lang="en-US" altLang="zh-CN" dirty="0"/>
+              <a:t>9.</a:t>
+            </a:r>
+            <a:r>
+              <a:rPr lang="zh-CN" altLang="en-US" dirty="0"/>
+              <a:t>输入验证</a:t>
+            </a:r>
+            <a:r>
+              <a:rPr lang="en-US" altLang="zh-CN" dirty="0"/>
+              <a:t>(</a:t>
+            </a:r>
+            <a:r>
+              <a:rPr lang="zh-CN" altLang="en-US" dirty="0"/>
+              <a:t>业务开发自己控制</a:t>
+            </a:r>
+            <a:r>
+              <a:rPr lang="en-US" altLang="zh-CN" dirty="0"/>
+              <a:t>)</a:t>
+            </a:r>
+          </a:p>
+          <a:p>
+            <a:r>
+              <a:rPr lang="en-US" altLang="zh-CN" dirty="0"/>
+              <a:t>10.</a:t>
+            </a:r>
+            <a:r>
+              <a:rPr lang="en-US" altLang="zh-CN" dirty="0">
+                <a:solidFill>
+                  <a:srgbClr val="00B0F0"/>
+                </a:solidFill>
+              </a:rPr>
+              <a:t> #</a:t>
+            </a:r>
+            <a:r>
+              <a:rPr lang="zh-CN" altLang="en-US" dirty="0"/>
+              <a:t>内容协商</a:t>
+            </a:r>
+            <a:r>
+              <a:rPr lang="en-US" altLang="zh-CN" dirty="0"/>
+              <a:t>(</a:t>
+            </a:r>
+            <a:r>
+              <a:rPr lang="zh-CN" altLang="en-US" dirty="0"/>
+              <a:t>以</a:t>
+            </a:r>
+            <a:r>
+              <a:rPr lang="en-US" altLang="zh-CN" dirty="0"/>
+              <a:t>application/json</a:t>
+            </a:r>
+            <a:r>
+              <a:rPr lang="zh-CN" altLang="en-US" dirty="0"/>
+              <a:t>为主</a:t>
+            </a:r>
+            <a:r>
+              <a:rPr lang="en-US" altLang="zh-CN" dirty="0"/>
+              <a:t>,</a:t>
+            </a:r>
+            <a:r>
+              <a:rPr lang="zh-CN" altLang="en-US" dirty="0"/>
+              <a:t>自定义返回数据信息</a:t>
+            </a:r>
+            <a:r>
+              <a:rPr lang="en-US" altLang="zh-CN" dirty="0"/>
+              <a:t>)</a:t>
+            </a:r>
+          </a:p>
+          <a:p>
+            <a:r>
+              <a:rPr lang="en-US" altLang="zh-CN" dirty="0"/>
+              <a:t>11. </a:t>
+            </a:r>
+            <a:r>
+              <a:rPr lang="en-US" altLang="zh-CN" dirty="0">
+                <a:solidFill>
+                  <a:srgbClr val="00B0F0"/>
+                </a:solidFill>
+              </a:rPr>
+              <a:t>#</a:t>
+            </a:r>
+            <a:r>
+              <a:rPr lang="zh-CN" altLang="en-US" dirty="0"/>
+              <a:t>与</a:t>
+            </a:r>
+            <a:r>
+              <a:rPr lang="en-US" altLang="zh-CN" dirty="0" err="1"/>
+              <a:t>wcf</a:t>
+            </a:r>
+            <a:r>
+              <a:rPr lang="zh-CN" altLang="en-US" dirty="0"/>
+              <a:t>的适配器</a:t>
+            </a:r>
+            <a:endParaRPr lang="en-US" altLang="zh-CN" dirty="0"/>
+          </a:p>
+          <a:p>
+            <a:r>
+              <a:rPr lang="en-US" altLang="zh-CN" dirty="0"/>
+              <a:t>12.identity server 4 (</a:t>
+            </a:r>
+            <a:r>
+              <a:rPr lang="zh-CN" altLang="en-US" dirty="0"/>
+              <a:t>单体架构</a:t>
+            </a:r>
+            <a:r>
+              <a:rPr lang="en-US" altLang="zh-CN" dirty="0"/>
+              <a:t>JWT)?</a:t>
+            </a:r>
+          </a:p>
+          <a:p>
+            <a:endParaRPr lang="zh-CN" altLang="en-US" dirty="0"/>
+          </a:p>
+        </p:txBody>
+      </p:sp>
     </p:spTree>
     <p:extLst>
       <p:ext uri="{BB962C8B-B14F-4D97-AF65-F5344CB8AC3E}">
-        <p14:creationId xmlns:p14="http://schemas.microsoft.com/office/powerpoint/2010/main" val="4117031782"/>
+        <p14:creationId xmlns:p14="http://schemas.microsoft.com/office/powerpoint/2010/main" val="1660704437"/>
       </p:ext>
     </p:extLst>
   </p:cSld>
@@ -14882,10 +13578,10 @@
       </p:grpSpPr>
       <p:sp>
         <p:nvSpPr>
-          <p:cNvPr id="9" name="标题 8">
+          <p:cNvPr id="2" name="标题 1">
             <a:extLst>
               <a:ext uri="{FF2B5EF4-FFF2-40B4-BE49-F238E27FC236}">
-                <a16:creationId xmlns:a16="http://schemas.microsoft.com/office/drawing/2014/main" id="{8DCCBC20-8733-4FA3-B9A4-7EBD9ED4D861}"/>
+                <a16:creationId xmlns:a16="http://schemas.microsoft.com/office/drawing/2014/main" id="{23F3E3E7-38A3-4E31-AE55-F7D4B35DB1AD}"/>
               </a:ext>
             </a:extLst>
           </p:cNvPr>
@@ -14903,45 +13599,17 @@
           <a:p>
             <a:r>
               <a:rPr lang="zh-CN" altLang="en-US" dirty="0"/>
-              <a:t>后端架构设计</a:t>
-            </a:r>
-          </a:p>
-        </p:txBody>
-      </p:sp>
-      <p:sp>
-        <p:nvSpPr>
-          <p:cNvPr id="11" name="文本占位符 10">
+              <a:t>数据库设计</a:t>
+            </a:r>
+          </a:p>
+        </p:txBody>
+      </p:sp>
+      <p:sp>
+        <p:nvSpPr>
+          <p:cNvPr id="3" name="内容占位符 2">
             <a:extLst>
               <a:ext uri="{FF2B5EF4-FFF2-40B4-BE49-F238E27FC236}">
-                <a16:creationId xmlns:a16="http://schemas.microsoft.com/office/drawing/2014/main" id="{6CF7EE0F-5A4D-46AF-BA4E-63E47A7134E2}"/>
-              </a:ext>
-            </a:extLst>
-          </p:cNvPr>
-          <p:cNvSpPr>
-            <a:spLocks noGrp="1"/>
-          </p:cNvSpPr>
-          <p:nvPr>
-            <p:ph type="body" sz="half" idx="2"/>
-          </p:nvPr>
-        </p:nvSpPr>
-        <p:spPr/>
-        <p:txBody>
-          <a:bodyPr/>
-          <a:lstStyle/>
-          <a:p>
-            <a:r>
-              <a:rPr lang="zh-CN" altLang="en-US" dirty="0"/>
-              <a:t>后端代码的扩展</a:t>
-            </a:r>
-          </a:p>
-        </p:txBody>
-      </p:sp>
-      <p:sp>
-        <p:nvSpPr>
-          <p:cNvPr id="33" name="内容占位符 32">
-            <a:extLst>
-              <a:ext uri="{FF2B5EF4-FFF2-40B4-BE49-F238E27FC236}">
-                <a16:creationId xmlns:a16="http://schemas.microsoft.com/office/drawing/2014/main" id="{CD178733-F98A-43E7-82C2-D97F0E264676}"/>
+                <a16:creationId xmlns:a16="http://schemas.microsoft.com/office/drawing/2014/main" id="{934AE0F8-6951-41B2-AAC4-E0EE505BA8DD}"/>
               </a:ext>
             </a:extLst>
           </p:cNvPr>
@@ -14954,274 +13622,69 @@
         </p:nvSpPr>
         <p:spPr/>
         <p:txBody>
-          <a:bodyPr>
-            <a:normAutofit/>
-          </a:bodyPr>
+          <a:bodyPr/>
           <a:lstStyle/>
           <a:p>
             <a:r>
               <a:rPr lang="en-US" altLang="zh-CN" dirty="0"/>
-              <a:t>1.EntityFramework.Core</a:t>
-            </a:r>
-          </a:p>
-          <a:p>
-            <a:r>
-              <a:rPr lang="en-US" altLang="zh-CN" dirty="0"/>
-              <a:t>2.</a:t>
+              <a:t>1.powerdesigner</a:t>
             </a:r>
             <a:r>
               <a:rPr lang="zh-CN" altLang="en-US" dirty="0"/>
-              <a:t>日志</a:t>
-            </a:r>
-            <a:r>
-              <a:rPr lang="en-US" altLang="zh-CN" dirty="0"/>
-              <a:t>(log4net)</a:t>
-            </a:r>
-          </a:p>
-          <a:p>
-            <a:r>
-              <a:rPr lang="en-US" altLang="zh-CN" dirty="0"/>
-              <a:t>3.</a:t>
+              <a:t>等工具设计</a:t>
+            </a:r>
+            <a:endParaRPr lang="en-US" altLang="zh-CN" dirty="0"/>
+          </a:p>
+          <a:p>
+            <a:r>
+              <a:rPr lang="en-US" altLang="zh-CN" dirty="0"/>
+              <a:t>2.migration</a:t>
             </a:r>
             <a:r>
               <a:rPr lang="zh-CN" altLang="en-US" dirty="0"/>
-              <a:t>缓存</a:t>
-            </a:r>
-            <a:endParaRPr lang="en-US" altLang="zh-CN" dirty="0"/>
-          </a:p>
-          <a:p>
-            <a:r>
-              <a:rPr lang="en-US" altLang="zh-CN" dirty="0"/>
-              <a:t>4.swagger</a:t>
-            </a:r>
-          </a:p>
-          <a:p>
-            <a:r>
-              <a:rPr lang="en-US" altLang="zh-CN" dirty="0"/>
-              <a:t>5.</a:t>
-            </a:r>
-            <a:r>
-              <a:rPr lang="en-US" altLang="zh-CN" dirty="0">
-                <a:solidFill>
-                  <a:srgbClr val="00B0F0"/>
-                </a:solidFill>
-              </a:rPr>
-              <a:t> #</a:t>
-            </a:r>
-            <a:r>
-              <a:rPr lang="en-US" altLang="zh-CN" dirty="0" err="1"/>
-              <a:t>aop</a:t>
-            </a:r>
-            <a:r>
-              <a:rPr lang="en-US" altLang="zh-CN" dirty="0"/>
-              <a:t> (</a:t>
-            </a:r>
-            <a:r>
-              <a:rPr lang="zh-CN" altLang="en-US" dirty="0"/>
-              <a:t>异常处理</a:t>
-            </a:r>
-            <a:r>
-              <a:rPr lang="en-US" altLang="zh-CN" dirty="0"/>
-              <a:t>,</a:t>
-            </a:r>
-            <a:r>
-              <a:rPr lang="zh-CN" altLang="en-US" dirty="0"/>
-              <a:t>缓存</a:t>
-            </a:r>
-            <a:r>
-              <a:rPr lang="en-US" altLang="zh-CN" dirty="0"/>
-              <a:t>,</a:t>
-            </a:r>
-            <a:r>
-              <a:rPr lang="zh-CN" altLang="en-US" dirty="0"/>
-              <a:t>用户验证</a:t>
-            </a:r>
-            <a:r>
-              <a:rPr lang="en-US" altLang="zh-CN" dirty="0"/>
-              <a:t>,</a:t>
-            </a:r>
-            <a:r>
-              <a:rPr lang="zh-CN" altLang="en-US" dirty="0"/>
-              <a:t>并发控制</a:t>
-            </a:r>
-            <a:r>
-              <a:rPr lang="en-US" altLang="zh-CN" dirty="0"/>
-              <a:t>,</a:t>
-            </a:r>
-            <a:r>
-              <a:rPr lang="zh-CN" altLang="en-US" dirty="0"/>
-              <a:t>日志</a:t>
-            </a:r>
-            <a:r>
-              <a:rPr lang="en-US" altLang="zh-CN" dirty="0"/>
-              <a:t>)</a:t>
-            </a:r>
-          </a:p>
-          <a:p>
-            <a:r>
-              <a:rPr lang="en-US" altLang="zh-CN" dirty="0"/>
-              <a:t>6.ioc</a:t>
-            </a:r>
-            <a:r>
-              <a:rPr lang="zh-CN" altLang="en-US" dirty="0"/>
-              <a:t>框架</a:t>
-            </a:r>
-            <a:r>
-              <a:rPr lang="en-US" altLang="zh-CN" dirty="0"/>
-              <a:t>(</a:t>
-            </a:r>
-            <a:r>
-              <a:rPr lang="en-US" altLang="zh-CN" dirty="0" err="1"/>
-              <a:t>autofac</a:t>
-            </a:r>
-            <a:r>
-              <a:rPr lang="en-US" altLang="zh-CN" dirty="0"/>
-              <a:t>)</a:t>
-            </a:r>
-          </a:p>
-          <a:p>
-            <a:r>
-              <a:rPr lang="en-US" altLang="zh-CN" dirty="0"/>
-              <a:t>7.</a:t>
-            </a:r>
-            <a:r>
-              <a:rPr lang="en-US" altLang="zh-CN" dirty="0">
-                <a:solidFill>
-                  <a:srgbClr val="00B0F0"/>
-                </a:solidFill>
-              </a:rPr>
-              <a:t>#</a:t>
-            </a:r>
-            <a:r>
-              <a:rPr lang="zh-CN" altLang="en-US" dirty="0"/>
-              <a:t>数据塑性</a:t>
-            </a:r>
-            <a:endParaRPr lang="en-US" altLang="zh-CN" dirty="0"/>
-          </a:p>
-          <a:p>
-            <a:r>
-              <a:rPr lang="en-US" altLang="zh-CN" dirty="0"/>
-              <a:t>8.xUnit</a:t>
-            </a:r>
-          </a:p>
-          <a:p>
-            <a:r>
-              <a:rPr lang="en-US" altLang="zh-CN" dirty="0"/>
-              <a:t>9.</a:t>
-            </a:r>
-            <a:r>
-              <a:rPr lang="zh-CN" altLang="en-US" dirty="0"/>
-              <a:t>输入验证</a:t>
-            </a:r>
-            <a:r>
-              <a:rPr lang="en-US" altLang="zh-CN" dirty="0"/>
-              <a:t>(</a:t>
-            </a:r>
-            <a:r>
-              <a:rPr lang="zh-CN" altLang="en-US" dirty="0"/>
-              <a:t>业务开发自己控制</a:t>
-            </a:r>
-            <a:r>
-              <a:rPr lang="en-US" altLang="zh-CN" dirty="0"/>
-              <a:t>)</a:t>
-            </a:r>
-          </a:p>
-          <a:p>
-            <a:r>
-              <a:rPr lang="en-US" altLang="zh-CN" dirty="0"/>
-              <a:t>10.</a:t>
-            </a:r>
-            <a:r>
-              <a:rPr lang="en-US" altLang="zh-CN" dirty="0">
-                <a:solidFill>
-                  <a:srgbClr val="00B0F0"/>
-                </a:solidFill>
-              </a:rPr>
-              <a:t> #</a:t>
-            </a:r>
-            <a:r>
-              <a:rPr lang="zh-CN" altLang="en-US" dirty="0"/>
-              <a:t>内容协商</a:t>
-            </a:r>
-            <a:r>
-              <a:rPr lang="en-US" altLang="zh-CN" dirty="0"/>
-              <a:t>(</a:t>
-            </a:r>
-            <a:r>
-              <a:rPr lang="zh-CN" altLang="en-US" dirty="0"/>
-              <a:t>以</a:t>
-            </a:r>
-            <a:r>
-              <a:rPr lang="en-US" altLang="zh-CN" dirty="0"/>
-              <a:t>application/json</a:t>
-            </a:r>
-            <a:r>
-              <a:rPr lang="zh-CN" altLang="en-US" dirty="0"/>
-              <a:t>为主</a:t>
-            </a:r>
-            <a:r>
-              <a:rPr lang="en-US" altLang="zh-CN" dirty="0"/>
-              <a:t>,</a:t>
-            </a:r>
-            <a:r>
-              <a:rPr lang="zh-CN" altLang="en-US" dirty="0"/>
-              <a:t>自定义返回数据信息</a:t>
-            </a:r>
-            <a:r>
-              <a:rPr lang="en-US" altLang="zh-CN" dirty="0"/>
-              <a:t>)</a:t>
-            </a:r>
-          </a:p>
-          <a:p>
-            <a:r>
-              <a:rPr lang="en-US" altLang="zh-CN" dirty="0"/>
-              <a:t>11. </a:t>
-            </a:r>
-            <a:r>
-              <a:rPr lang="en-US" altLang="zh-CN" dirty="0">
-                <a:solidFill>
-                  <a:srgbClr val="00B0F0"/>
-                </a:solidFill>
-              </a:rPr>
-              <a:t>#</a:t>
-            </a:r>
-            <a:r>
-              <a:rPr lang="zh-CN" altLang="en-US" dirty="0"/>
-              <a:t>与</a:t>
-            </a:r>
-            <a:r>
-              <a:rPr lang="en-US" altLang="zh-CN" dirty="0" err="1"/>
-              <a:t>wcf</a:t>
-            </a:r>
-            <a:r>
-              <a:rPr lang="zh-CN" altLang="en-US" dirty="0"/>
-              <a:t>的适配器</a:t>
-            </a:r>
-            <a:endParaRPr lang="en-US" altLang="zh-CN" dirty="0"/>
-          </a:p>
-          <a:p>
-            <a:r>
-              <a:rPr lang="en-US" altLang="zh-CN" dirty="0"/>
-              <a:t>12.identity server 4 (</a:t>
-            </a:r>
-            <a:r>
-              <a:rPr lang="zh-CN" altLang="en-US" dirty="0"/>
-              <a:t>单体架构</a:t>
-            </a:r>
-            <a:r>
-              <a:rPr lang="en-US" altLang="zh-CN" dirty="0"/>
-              <a:t>JWT)?</a:t>
-            </a:r>
-          </a:p>
-          <a:p>
-            <a:endParaRPr lang="zh-CN" altLang="en-US" dirty="0"/>
-          </a:p>
-        </p:txBody>
-      </p:sp>
+              <a:t>反向工程探究</a:t>
+            </a:r>
+            <a:r>
+              <a:rPr lang="en-US" altLang="zh-CN" dirty="0"/>
+              <a:t>??</a:t>
+            </a:r>
+          </a:p>
+        </p:txBody>
+      </p:sp>
+      <p:pic>
+        <p:nvPicPr>
+          <p:cNvPr id="6" name="图片 5">
+            <a:extLst>
+              <a:ext uri="{FF2B5EF4-FFF2-40B4-BE49-F238E27FC236}">
+                <a16:creationId xmlns:a16="http://schemas.microsoft.com/office/drawing/2014/main" id="{1892931D-855F-466F-9847-42AB506EF33C}"/>
+              </a:ext>
+            </a:extLst>
+          </p:cNvPr>
+          <p:cNvPicPr>
+            <a:picLocks noChangeAspect="1"/>
+          </p:cNvPicPr>
+          <p:nvPr/>
+        </p:nvPicPr>
+        <p:blipFill>
+          <a:blip r:embed="rId2"/>
+          <a:stretch>
+            <a:fillRect/>
+          </a:stretch>
+        </p:blipFill>
+        <p:spPr>
+          <a:xfrm>
+            <a:off x="903672" y="2986919"/>
+            <a:ext cx="9225749" cy="2428875"/>
+          </a:xfrm>
+          <a:prstGeom prst="rect">
+            <a:avLst/>
+          </a:prstGeom>
+        </p:spPr>
+      </p:pic>
     </p:spTree>
     <p:extLst>
       <p:ext uri="{BB962C8B-B14F-4D97-AF65-F5344CB8AC3E}">
-        <p14:creationId xmlns:p14="http://schemas.microsoft.com/office/powerpoint/2010/main" val="1660704437"/>
+        <p14:creationId xmlns:p14="http://schemas.microsoft.com/office/powerpoint/2010/main" val="269878499"/>
       </p:ext>
     </p:extLst>
   </p:cSld>
@@ -15253,7 +13716,7 @@
           <p:cNvPr id="2" name="标题 1">
             <a:extLst>
               <a:ext uri="{FF2B5EF4-FFF2-40B4-BE49-F238E27FC236}">
-                <a16:creationId xmlns:a16="http://schemas.microsoft.com/office/drawing/2014/main" id="{23F3E3E7-38A3-4E31-AE55-F7D4B35DB1AD}"/>
+                <a16:creationId xmlns:a16="http://schemas.microsoft.com/office/drawing/2014/main" id="{3E781746-F090-43AE-B759-C2EB2E5FD7B3}"/>
               </a:ext>
             </a:extLst>
           </p:cNvPr>
@@ -15270,9 +13733,10 @@
           <a:lstStyle/>
           <a:p>
             <a:r>
-              <a:rPr lang="zh-CN" altLang="en-US" dirty="0"/>
-              <a:t>数据库设计</a:t>
-            </a:r>
+              <a:rPr lang="en-US" altLang="zh-CN" dirty="0" err="1"/>
+              <a:t>EntityFrameworkCore</a:t>
+            </a:r>
+            <a:endParaRPr lang="zh-CN" altLang="en-US" dirty="0"/>
           </a:p>
         </p:txBody>
       </p:sp>
@@ -15281,7 +13745,7 @@
           <p:cNvPr id="3" name="内容占位符 2">
             <a:extLst>
               <a:ext uri="{FF2B5EF4-FFF2-40B4-BE49-F238E27FC236}">
-                <a16:creationId xmlns:a16="http://schemas.microsoft.com/office/drawing/2014/main" id="{934AE0F8-6951-41B2-AAC4-E0EE505BA8DD}"/>
+                <a16:creationId xmlns:a16="http://schemas.microsoft.com/office/drawing/2014/main" id="{0B0CC85E-3CEF-4C78-9761-7B1B62EC4CD7}"/>
               </a:ext>
             </a:extLst>
           </p:cNvPr>
@@ -15292,43 +13756,37 @@
             <p:ph idx="1"/>
           </p:nvPr>
         </p:nvSpPr>
-        <p:spPr/>
+        <p:spPr>
+          <a:xfrm>
+            <a:off x="677334" y="1269507"/>
+            <a:ext cx="8596668" cy="4771855"/>
+          </a:xfrm>
+        </p:spPr>
         <p:txBody>
           <a:bodyPr/>
           <a:lstStyle/>
           <a:p>
             <a:r>
               <a:rPr lang="en-US" altLang="zh-CN" dirty="0"/>
-              <a:t>1.powerdesigner</a:t>
+              <a:t>1.ibm.frameworkcore</a:t>
             </a:r>
             <a:r>
               <a:rPr lang="zh-CN" altLang="en-US" dirty="0"/>
-              <a:t>等工具设计</a:t>
+              <a:t>不支持异步更新操作</a:t>
             </a:r>
             <a:endParaRPr lang="en-US" altLang="zh-CN" dirty="0"/>
           </a:p>
           <a:p>
-            <a:r>
-              <a:rPr lang="en-US" altLang="zh-CN" dirty="0"/>
-              <a:t>2.migration</a:t>
-            </a:r>
-            <a:r>
-              <a:rPr lang="zh-CN" altLang="en-US" dirty="0"/>
-              <a:t>反向工程探究</a:t>
-            </a:r>
-            <a:r>
-              <a:rPr lang="en-US" altLang="zh-CN" dirty="0"/>
-              <a:t>??</a:t>
-            </a:r>
+            <a:endParaRPr lang="zh-CN" altLang="en-US" dirty="0"/>
           </a:p>
         </p:txBody>
       </p:sp>
       <p:pic>
         <p:nvPicPr>
-          <p:cNvPr id="6" name="图片 5">
+          <p:cNvPr id="5" name="图片 4">
             <a:extLst>
               <a:ext uri="{FF2B5EF4-FFF2-40B4-BE49-F238E27FC236}">
-                <a16:creationId xmlns:a16="http://schemas.microsoft.com/office/drawing/2014/main" id="{1892931D-855F-466F-9847-42AB506EF33C}"/>
+                <a16:creationId xmlns:a16="http://schemas.microsoft.com/office/drawing/2014/main" id="{C6EF402B-F29E-4BB2-941D-DDC4C9A91655}"/>
               </a:ext>
             </a:extLst>
           </p:cNvPr>
@@ -15345,18 +13803,103 @@
         </p:blipFill>
         <p:spPr>
           <a:xfrm>
-            <a:off x="903672" y="2986919"/>
-            <a:ext cx="9225749" cy="2428875"/>
+            <a:off x="860679" y="3429000"/>
+            <a:ext cx="7439942" cy="3176587"/>
           </a:xfrm>
           <a:prstGeom prst="rect">
             <a:avLst/>
           </a:prstGeom>
         </p:spPr>
       </p:pic>
+      <p:pic>
+        <p:nvPicPr>
+          <p:cNvPr id="4" name="图片 3">
+            <a:extLst>
+              <a:ext uri="{FF2B5EF4-FFF2-40B4-BE49-F238E27FC236}">
+                <a16:creationId xmlns:a16="http://schemas.microsoft.com/office/drawing/2014/main" id="{D4457D31-2E92-492F-99C9-B4E7C4E21C43}"/>
+              </a:ext>
+            </a:extLst>
+          </p:cNvPr>
+          <p:cNvPicPr>
+            <a:picLocks noChangeAspect="1"/>
+          </p:cNvPicPr>
+          <p:nvPr/>
+        </p:nvPicPr>
+        <p:blipFill>
+          <a:blip r:embed="rId3"/>
+          <a:stretch>
+            <a:fillRect/>
+          </a:stretch>
+        </p:blipFill>
+        <p:spPr>
+          <a:xfrm>
+            <a:off x="851801" y="1695310"/>
+            <a:ext cx="7581985" cy="1527284"/>
+          </a:xfrm>
+          <a:prstGeom prst="rect">
+            <a:avLst/>
+          </a:prstGeom>
+          <a:ln>
+            <a:noFill/>
+          </a:ln>
+        </p:spPr>
+      </p:pic>
+      <p:sp>
+        <p:nvSpPr>
+          <p:cNvPr id="6" name="矩形 5">
+            <a:extLst>
+              <a:ext uri="{FF2B5EF4-FFF2-40B4-BE49-F238E27FC236}">
+                <a16:creationId xmlns:a16="http://schemas.microsoft.com/office/drawing/2014/main" id="{FA733C50-BEC7-4430-A0B5-97F4EED0D138}"/>
+              </a:ext>
+            </a:extLst>
+          </p:cNvPr>
+          <p:cNvSpPr/>
+          <p:nvPr/>
+        </p:nvSpPr>
+        <p:spPr>
+          <a:xfrm>
+            <a:off x="1846555" y="2494625"/>
+            <a:ext cx="2476870" cy="168676"/>
+          </a:xfrm>
+          <a:prstGeom prst="rect">
+            <a:avLst/>
+          </a:prstGeom>
+          <a:noFill/>
+          <a:ln>
+            <a:solidFill>
+              <a:srgbClr val="FF0000"/>
+            </a:solidFill>
+          </a:ln>
+        </p:spPr>
+        <p:style>
+          <a:lnRef idx="2">
+            <a:schemeClr val="accent1">
+              <a:shade val="50000"/>
+            </a:schemeClr>
+          </a:lnRef>
+          <a:fillRef idx="1">
+            <a:schemeClr val="accent1"/>
+          </a:fillRef>
+          <a:effectRef idx="0">
+            <a:schemeClr val="accent1"/>
+          </a:effectRef>
+          <a:fontRef idx="minor">
+            <a:schemeClr val="lt1"/>
+          </a:fontRef>
+        </p:style>
+        <p:txBody>
+          <a:bodyPr rtlCol="0" anchor="ctr"/>
+          <a:lstStyle/>
+          <a:p>
+            <a:pPr algn="ctr"/>
+            <a:endParaRPr lang="zh-CN" altLang="en-US"/>
+          </a:p>
+        </p:txBody>
+      </p:sp>
     </p:spTree>
     <p:extLst>
       <p:ext uri="{BB962C8B-B14F-4D97-AF65-F5344CB8AC3E}">
-        <p14:creationId xmlns:p14="http://schemas.microsoft.com/office/powerpoint/2010/main" val="269878499"/>
+        <p14:creationId xmlns:p14="http://schemas.microsoft.com/office/powerpoint/2010/main" val="2043643592"/>
       </p:ext>
     </p:extLst>
   </p:cSld>

--- a/后端设计.pptx
+++ b/后端设计.pptx
@@ -8817,66 +8817,40 @@
             </a:r>
             <a:r>
               <a:rPr lang="en-US" altLang="zh-CN" dirty="0"/>
-              <a:t>)</a:t>
-            </a:r>
-          </a:p>
-          <a:p>
-            <a:r>
-              <a:rPr lang="en-US" altLang="zh-CN" dirty="0"/>
+              <a:t>) </a:t>
+            </a:r>
+          </a:p>
+          <a:p>
+            <a:r>
+              <a:rPr lang="en-US" altLang="zh-CN"/>
               <a:t>8.</a:t>
             </a:r>
             <a:r>
               <a:rPr lang="zh-CN" altLang="en-US" dirty="0"/>
-              <a:t>项目配置</a:t>
+              <a:t>公共资源</a:t>
             </a:r>
             <a:r>
               <a:rPr lang="en-US" altLang="zh-CN" dirty="0"/>
               <a:t>(</a:t>
             </a:r>
             <a:r>
-              <a:rPr lang="en-US" altLang="zh-CN" dirty="0" err="1"/>
-              <a:t>congfig.model</a:t>
-            </a:r>
-            <a:r>
               <a:rPr lang="zh-CN" altLang="en-US" dirty="0"/>
-              <a:t>强类型</a:t>
+              <a:t>枚举等</a:t>
             </a:r>
             <a:r>
               <a:rPr lang="en-US" altLang="zh-CN" dirty="0"/>
               <a:t>)</a:t>
             </a:r>
-          </a:p>
-          <a:p>
-            <a:r>
-              <a:rPr lang="en-US" altLang="zh-CN" dirty="0"/>
-              <a:t>9.</a:t>
-            </a:r>
-            <a:r>
-              <a:rPr lang="zh-CN" altLang="en-US" dirty="0"/>
-              <a:t>公共资源</a:t>
-            </a:r>
-            <a:r>
-              <a:rPr lang="en-US" altLang="zh-CN" dirty="0"/>
-              <a:t>(</a:t>
-            </a:r>
-            <a:r>
-              <a:rPr lang="zh-CN" altLang="en-US" dirty="0"/>
-              <a:t>枚举等</a:t>
-            </a:r>
-            <a:r>
-              <a:rPr lang="en-US" altLang="zh-CN" dirty="0"/>
-              <a:t>)</a:t>
-            </a:r>
             <a:endParaRPr lang="zh-CN" altLang="en-US" dirty="0"/>
           </a:p>
         </p:txBody>
       </p:sp>
       <p:pic>
         <p:nvPicPr>
-          <p:cNvPr id="5" name="图片 4">
+          <p:cNvPr id="2" name="图片 1">
             <a:extLst>
               <a:ext uri="{FF2B5EF4-FFF2-40B4-BE49-F238E27FC236}">
-                <a16:creationId xmlns:a16="http://schemas.microsoft.com/office/drawing/2014/main" id="{2D433AA1-DCAE-4903-9B39-885FCA32C8E2}"/>
+                <a16:creationId xmlns:a16="http://schemas.microsoft.com/office/drawing/2014/main" id="{F31B91BB-6C42-4165-82B5-D73C508D62D2}"/>
               </a:ext>
             </a:extLst>
           </p:cNvPr>
@@ -8893,8 +8867,8 @@
         </p:blipFill>
         <p:spPr>
           <a:xfrm>
-            <a:off x="1403520" y="2040792"/>
-            <a:ext cx="3426387" cy="3880773"/>
+            <a:off x="1241870" y="1905462"/>
+            <a:ext cx="3848100" cy="4391025"/>
           </a:xfrm>
           <a:prstGeom prst="rect">
             <a:avLst/>
